--- a/slide/hunglv_BaoCaoTienDo.pptx
+++ b/slide/hunglv_BaoCaoTienDo.pptx
@@ -11,11 +11,11 @@
     <p:sldId id="256" r:id="rId2"/>
     <p:sldId id="257" r:id="rId3"/>
     <p:sldId id="307" r:id="rId4"/>
-    <p:sldId id="293" r:id="rId5"/>
-    <p:sldId id="308" r:id="rId6"/>
+    <p:sldId id="318" r:id="rId5"/>
+    <p:sldId id="319" r:id="rId6"/>
     <p:sldId id="309" r:id="rId7"/>
-    <p:sldId id="311" r:id="rId8"/>
-    <p:sldId id="312" r:id="rId9"/>
+    <p:sldId id="312" r:id="rId8"/>
+    <p:sldId id="320" r:id="rId9"/>
     <p:sldId id="313" r:id="rId10"/>
     <p:sldId id="314" r:id="rId11"/>
     <p:sldId id="315" r:id="rId12"/>
@@ -221,7 +221,7 @@
           <a:p>
             <a:fld id="{50921D2B-95B4-41CC-9D4E-AFEC4AED8B55}" type="datetimeFigureOut">
               <a:rPr lang="en-US" smtClean="0"/>
-              <a:t>10/9/2016</a:t>
+              <a:t>10/10/2016</a:t>
             </a:fld>
             <a:endParaRPr lang="en-US"/>
           </a:p>
@@ -785,6 +785,106 @@
           <a:bodyPr/>
           <a:lstStyle/>
           <a:p>
+            <a:r>
+              <a:rPr lang="en-US" smtClean="0"/>
+              <a:t>MAPPING</a:t>
+            </a:r>
+            <a:r>
+              <a:rPr lang="en-US" baseline="0" smtClean="0"/>
+              <a:t> Thiếu</a:t>
+            </a:r>
+            <a:endParaRPr lang="en-US"/>
+          </a:p>
+        </p:txBody>
+      </p:sp>
+      <p:sp>
+        <p:nvSpPr>
+          <p:cNvPr id="4" name="Slide Number Placeholder 3"/>
+          <p:cNvSpPr>
+            <a:spLocks noGrp="1"/>
+          </p:cNvSpPr>
+          <p:nvPr>
+            <p:ph type="sldNum" sz="quarter" idx="10"/>
+          </p:nvPr>
+        </p:nvSpPr>
+        <p:spPr/>
+        <p:txBody>
+          <a:bodyPr/>
+          <a:lstStyle/>
+          <a:p>
+            <a:fld id="{C9FE1C42-64BA-4A3C-AA3E-D4DD50A3402F}" type="slidenum">
+              <a:rPr lang="en-US" smtClean="0"/>
+              <a:t>9</a:t>
+            </a:fld>
+            <a:endParaRPr lang="en-US"/>
+          </a:p>
+        </p:txBody>
+      </p:sp>
+    </p:spTree>
+    <p:extLst>
+      <p:ext uri="{BB962C8B-B14F-4D97-AF65-F5344CB8AC3E}">
+        <p14:creationId xmlns:p14="http://schemas.microsoft.com/office/powerpoint/2010/main" val="4002266587"/>
+      </p:ext>
+    </p:extLst>
+  </p:cSld>
+  <p:clrMapOvr>
+    <a:masterClrMapping/>
+  </p:clrMapOvr>
+</p:notes>
+</file>
+
+<file path=ppt/notesSlides/notesSlide5.xml><?xml version="1.0" encoding="utf-8"?>
+<p:notes xmlns:a="http://schemas.openxmlformats.org/drawingml/2006/main" xmlns:r="http://schemas.openxmlformats.org/officeDocument/2006/relationships" xmlns:p="http://schemas.openxmlformats.org/presentationml/2006/main">
+  <p:cSld>
+    <p:spTree>
+      <p:nvGrpSpPr>
+        <p:cNvPr id="1" name=""/>
+        <p:cNvGrpSpPr/>
+        <p:nvPr/>
+      </p:nvGrpSpPr>
+      <p:grpSpPr>
+        <a:xfrm>
+          <a:off x="0" y="0"/>
+          <a:ext cx="0" cy="0"/>
+          <a:chOff x="0" y="0"/>
+          <a:chExt cx="0" cy="0"/>
+        </a:xfrm>
+      </p:grpSpPr>
+      <p:sp>
+        <p:nvSpPr>
+          <p:cNvPr id="2" name="Slide Image Placeholder 1"/>
+          <p:cNvSpPr>
+            <a:spLocks noGrp="1" noRot="1" noChangeAspect="1"/>
+          </p:cNvSpPr>
+          <p:nvPr>
+            <p:ph type="sldImg"/>
+          </p:nvPr>
+        </p:nvSpPr>
+        <p:spPr/>
+      </p:sp>
+      <p:sp>
+        <p:nvSpPr>
+          <p:cNvPr id="3" name="Notes Placeholder 2"/>
+          <p:cNvSpPr>
+            <a:spLocks noGrp="1"/>
+          </p:cNvSpPr>
+          <p:nvPr>
+            <p:ph type="body" idx="1"/>
+          </p:nvPr>
+        </p:nvSpPr>
+        <p:spPr/>
+        <p:txBody>
+          <a:bodyPr/>
+          <a:lstStyle/>
+          <a:p>
+            <a:r>
+              <a:rPr lang="en-US" smtClean="0"/>
+              <a:t>Thuậ</a:t>
+            </a:r>
+            <a:r>
+              <a:rPr lang="en-US" baseline="0" smtClean="0"/>
+              <a:t> ttoans vẽ bằng biểu đồ khối vì việc mã hóa 3 loại tập hợp kia là tương tự nhau</a:t>
+            </a:r>
             <a:endParaRPr lang="en-US"/>
           </a:p>
         </p:txBody>
@@ -816,6 +916,188 @@
     <p:extLst>
       <p:ext uri="{BB962C8B-B14F-4D97-AF65-F5344CB8AC3E}">
         <p14:creationId xmlns:p14="http://schemas.microsoft.com/office/powerpoint/2010/main" val="3294238526"/>
+      </p:ext>
+    </p:extLst>
+  </p:cSld>
+  <p:clrMapOvr>
+    <a:masterClrMapping/>
+  </p:clrMapOvr>
+</p:notes>
+</file>
+
+<file path=ppt/notesSlides/notesSlide6.xml><?xml version="1.0" encoding="utf-8"?>
+<p:notes xmlns:a="http://schemas.openxmlformats.org/drawingml/2006/main" xmlns:r="http://schemas.openxmlformats.org/officeDocument/2006/relationships" xmlns:p="http://schemas.openxmlformats.org/presentationml/2006/main">
+  <p:cSld>
+    <p:spTree>
+      <p:nvGrpSpPr>
+        <p:cNvPr id="1" name=""/>
+        <p:cNvGrpSpPr/>
+        <p:nvPr/>
+      </p:nvGrpSpPr>
+      <p:grpSpPr>
+        <a:xfrm>
+          <a:off x="0" y="0"/>
+          <a:ext cx="0" cy="0"/>
+          <a:chOff x="0" y="0"/>
+          <a:chExt cx="0" cy="0"/>
+        </a:xfrm>
+      </p:grpSpPr>
+      <p:sp>
+        <p:nvSpPr>
+          <p:cNvPr id="2" name="Slide Image Placeholder 1"/>
+          <p:cNvSpPr>
+            <a:spLocks noGrp="1" noRot="1" noChangeAspect="1"/>
+          </p:cNvSpPr>
+          <p:nvPr>
+            <p:ph type="sldImg"/>
+          </p:nvPr>
+        </p:nvSpPr>
+        <p:spPr/>
+      </p:sp>
+      <p:sp>
+        <p:nvSpPr>
+          <p:cNvPr id="3" name="Notes Placeholder 2"/>
+          <p:cNvSpPr>
+            <a:spLocks noGrp="1"/>
+          </p:cNvSpPr>
+          <p:nvPr>
+            <p:ph type="body" idx="1"/>
+          </p:nvPr>
+        </p:nvSpPr>
+        <p:spPr/>
+        <p:txBody>
+          <a:bodyPr/>
+          <a:lstStyle/>
+          <a:p>
+            <a:r>
+              <a:rPr lang="en-US" smtClean="0"/>
+              <a:t>Phải</a:t>
+            </a:r>
+            <a:r>
+              <a:rPr lang="en-US" baseline="0" smtClean="0"/>
+              <a:t> đưa ra được chứng minh 2 chiều, phải có MAPPING</a:t>
+            </a:r>
+          </a:p>
+          <a:p>
+            <a:r>
+              <a:rPr lang="en-US" baseline="0" smtClean="0"/>
+              <a:t>Phải nổi bật ý theo cái mã hóa kia 1 cái trạng thái chuyển sang được đặc tả sử dụng hàm logc tương ứng + Iteam trong map (Q -&gt; Biểu thức + cái trong mapping)</a:t>
+            </a:r>
+            <a:endParaRPr lang="en-US"/>
+          </a:p>
+        </p:txBody>
+      </p:sp>
+      <p:sp>
+        <p:nvSpPr>
+          <p:cNvPr id="4" name="Slide Number Placeholder 3"/>
+          <p:cNvSpPr>
+            <a:spLocks noGrp="1"/>
+          </p:cNvSpPr>
+          <p:nvPr>
+            <p:ph type="sldNum" sz="quarter" idx="10"/>
+          </p:nvPr>
+        </p:nvSpPr>
+        <p:spPr/>
+        <p:txBody>
+          <a:bodyPr/>
+          <a:lstStyle/>
+          <a:p>
+            <a:fld id="{C9FE1C42-64BA-4A3C-AA3E-D4DD50A3402F}" type="slidenum">
+              <a:rPr lang="en-US" smtClean="0"/>
+              <a:t>12</a:t>
+            </a:fld>
+            <a:endParaRPr lang="en-US"/>
+          </a:p>
+        </p:txBody>
+      </p:sp>
+    </p:spTree>
+    <p:extLst>
+      <p:ext uri="{BB962C8B-B14F-4D97-AF65-F5344CB8AC3E}">
+        <p14:creationId xmlns:p14="http://schemas.microsoft.com/office/powerpoint/2010/main" val="2373027106"/>
+      </p:ext>
+    </p:extLst>
+  </p:cSld>
+  <p:clrMapOvr>
+    <a:masterClrMapping/>
+  </p:clrMapOvr>
+</p:notes>
+</file>
+
+<file path=ppt/notesSlides/notesSlide7.xml><?xml version="1.0" encoding="utf-8"?>
+<p:notes xmlns:a="http://schemas.openxmlformats.org/drawingml/2006/main" xmlns:r="http://schemas.openxmlformats.org/officeDocument/2006/relationships" xmlns:p="http://schemas.openxmlformats.org/presentationml/2006/main">
+  <p:cSld>
+    <p:spTree>
+      <p:nvGrpSpPr>
+        <p:cNvPr id="1" name=""/>
+        <p:cNvGrpSpPr/>
+        <p:nvPr/>
+      </p:nvGrpSpPr>
+      <p:grpSpPr>
+        <a:xfrm>
+          <a:off x="0" y="0"/>
+          <a:ext cx="0" cy="0"/>
+          <a:chOff x="0" y="0"/>
+          <a:chExt cx="0" cy="0"/>
+        </a:xfrm>
+      </p:grpSpPr>
+      <p:sp>
+        <p:nvSpPr>
+          <p:cNvPr id="2" name="Slide Image Placeholder 1"/>
+          <p:cNvSpPr>
+            <a:spLocks noGrp="1" noRot="1" noChangeAspect="1"/>
+          </p:cNvSpPr>
+          <p:nvPr>
+            <p:ph type="sldImg"/>
+          </p:nvPr>
+        </p:nvSpPr>
+        <p:spPr/>
+      </p:sp>
+      <p:sp>
+        <p:nvSpPr>
+          <p:cNvPr id="3" name="Notes Placeholder 2"/>
+          <p:cNvSpPr>
+            <a:spLocks noGrp="1"/>
+          </p:cNvSpPr>
+          <p:nvPr>
+            <p:ph type="body" idx="1"/>
+          </p:nvPr>
+        </p:nvSpPr>
+        <p:spPr/>
+        <p:txBody>
+          <a:bodyPr/>
+          <a:lstStyle/>
+          <a:p>
+            <a:endParaRPr lang="en-US"/>
+          </a:p>
+        </p:txBody>
+      </p:sp>
+      <p:sp>
+        <p:nvSpPr>
+          <p:cNvPr id="4" name="Slide Number Placeholder 3"/>
+          <p:cNvSpPr>
+            <a:spLocks noGrp="1"/>
+          </p:cNvSpPr>
+          <p:nvPr>
+            <p:ph type="sldNum" sz="quarter" idx="10"/>
+          </p:nvPr>
+        </p:nvSpPr>
+        <p:spPr/>
+        <p:txBody>
+          <a:bodyPr/>
+          <a:lstStyle/>
+          <a:p>
+            <a:fld id="{C9FE1C42-64BA-4A3C-AA3E-D4DD50A3402F}" type="slidenum">
+              <a:rPr lang="en-US" smtClean="0"/>
+              <a:t>13</a:t>
+            </a:fld>
+            <a:endParaRPr lang="en-US"/>
+          </a:p>
+        </p:txBody>
+      </p:sp>
+    </p:spTree>
+    <p:extLst>
+      <p:ext uri="{BB962C8B-B14F-4D97-AF65-F5344CB8AC3E}">
+        <p14:creationId xmlns:p14="http://schemas.microsoft.com/office/powerpoint/2010/main" val="759177235"/>
       </p:ext>
     </p:extLst>
   </p:cSld>
@@ -956,7 +1238,7 @@
           <a:p>
             <a:fld id="{A05D58AE-80B4-44E2-A085-202CD7A91CD1}" type="datetime1">
               <a:rPr lang="en-US" smtClean="0"/>
-              <a:t>10/9/2016</a:t>
+              <a:t>10/10/2016</a:t>
             </a:fld>
             <a:endParaRPr lang="en-US"/>
           </a:p>
@@ -1126,7 +1408,7 @@
           <a:p>
             <a:fld id="{8E088727-75AF-4821-99D9-14BA7C06A006}" type="datetime1">
               <a:rPr lang="en-US" smtClean="0"/>
-              <a:t>10/9/2016</a:t>
+              <a:t>10/10/2016</a:t>
             </a:fld>
             <a:endParaRPr lang="en-US"/>
           </a:p>
@@ -1306,7 +1588,7 @@
           <a:p>
             <a:fld id="{2B845237-19A0-4C03-8631-CACE1A4F4461}" type="datetime1">
               <a:rPr lang="en-US" smtClean="0"/>
-              <a:t>10/9/2016</a:t>
+              <a:t>10/10/2016</a:t>
             </a:fld>
             <a:endParaRPr lang="en-US"/>
           </a:p>
@@ -1476,7 +1758,7 @@
           <a:p>
             <a:fld id="{CCA75556-26E1-4827-94BB-6319ECF94831}" type="datetime1">
               <a:rPr lang="en-US" smtClean="0"/>
-              <a:t>10/9/2016</a:t>
+              <a:t>10/10/2016</a:t>
             </a:fld>
             <a:endParaRPr lang="en-US"/>
           </a:p>
@@ -1759,7 +2041,7 @@
           <a:p>
             <a:fld id="{7FA1A5BB-F484-4136-8A63-ED1B792EDCD2}" type="datetime1">
               <a:rPr lang="en-US" smtClean="0"/>
-              <a:t>10/9/2016</a:t>
+              <a:t>10/10/2016</a:t>
             </a:fld>
             <a:endParaRPr lang="en-US"/>
           </a:p>
@@ -1998,7 +2280,7 @@
           <a:p>
             <a:fld id="{980ACF98-5EDF-491F-93DC-B5B36A4F5FE5}" type="datetime1">
               <a:rPr lang="en-US" smtClean="0"/>
-              <a:t>10/9/2016</a:t>
+              <a:t>10/10/2016</a:t>
             </a:fld>
             <a:endParaRPr lang="en-US"/>
           </a:p>
@@ -2365,7 +2647,7 @@
           <a:p>
             <a:fld id="{7D74AA13-27DB-467E-9705-FCC4424891EF}" type="datetime1">
               <a:rPr lang="en-US" smtClean="0"/>
-              <a:t>10/9/2016</a:t>
+              <a:t>10/10/2016</a:t>
             </a:fld>
             <a:endParaRPr lang="en-US"/>
           </a:p>
@@ -2483,7 +2765,7 @@
           <a:p>
             <a:fld id="{28DE6D93-7CA7-4548-98DF-FEFFD7346890}" type="datetime1">
               <a:rPr lang="en-US" smtClean="0"/>
-              <a:t>10/9/2016</a:t>
+              <a:t>10/10/2016</a:t>
             </a:fld>
             <a:endParaRPr lang="en-US"/>
           </a:p>
@@ -2578,7 +2860,7 @@
           <a:p>
             <a:fld id="{1EDD7B00-446F-42BC-8476-88E019D6479F}" type="datetime1">
               <a:rPr lang="en-US" smtClean="0"/>
-              <a:t>10/9/2016</a:t>
+              <a:t>10/10/2016</a:t>
             </a:fld>
             <a:endParaRPr lang="en-US"/>
           </a:p>
@@ -2855,7 +3137,7 @@
           <a:p>
             <a:fld id="{F97C4F3F-AD84-4C31-BAB2-1B02B35FD832}" type="datetime1">
               <a:rPr lang="en-US" smtClean="0"/>
-              <a:t>10/9/2016</a:t>
+              <a:t>10/10/2016</a:t>
             </a:fld>
             <a:endParaRPr lang="en-US"/>
           </a:p>
@@ -3108,7 +3390,7 @@
           <a:p>
             <a:fld id="{34EB36EC-CC41-4ABD-8CFD-F8B7AA5C8F21}" type="datetime1">
               <a:rPr lang="en-US" smtClean="0"/>
-              <a:t>10/9/2016</a:t>
+              <a:t>10/10/2016</a:t>
             </a:fld>
             <a:endParaRPr lang="en-US"/>
           </a:p>
@@ -3321,7 +3603,7 @@
           <a:p>
             <a:fld id="{67B4A11F-801E-4C5F-9DFD-5F45FC22DA80}" type="datetime1">
               <a:rPr lang="en-US" smtClean="0"/>
-              <a:t>10/9/2016</a:t>
+              <a:t>10/10/2016</a:t>
             </a:fld>
             <a:endParaRPr lang="en-US"/>
           </a:p>
@@ -3739,21 +4021,29 @@
         </p:nvSpPr>
         <p:spPr>
           <a:xfrm>
-            <a:off x="1524000" y="2004489"/>
-            <a:ext cx="9144000" cy="2387600"/>
+            <a:off x="1524000" y="2238317"/>
+            <a:ext cx="9398000" cy="2026771"/>
           </a:xfrm>
         </p:spPr>
         <p:txBody>
           <a:bodyPr>
-            <a:normAutofit fontScale="90000"/>
+            <a:normAutofit/>
           </a:bodyPr>
           <a:lstStyle/>
           <a:p>
             <a:r>
-              <a:rPr lang="vi-VN" sz="4800"/>
+              <a:rPr lang="vi-VN" sz="4000">
+                <a:latin typeface="+mn-lt"/>
+                <a:ea typeface="+mn-ea"/>
+                <a:cs typeface="+mn-cs"/>
+              </a:rPr>
               <a:t>PHƯƠNG PHÁP CHUYỂN ĐỔI QUA LẠI GIỮA CÁC ĐẶC TẢ HÌNH THỨC CHO CÁC HỆ CHUYỂN TRẠNG THÁI</a:t>
             </a:r>
-            <a:endParaRPr lang="en-US" sz="4800" dirty="0"/>
+            <a:endParaRPr lang="en-US" sz="4000" dirty="0">
+              <a:latin typeface="+mn-lt"/>
+              <a:ea typeface="+mn-ea"/>
+              <a:cs typeface="+mn-cs"/>
+            </a:endParaRPr>
           </a:p>
         </p:txBody>
       </p:sp>
@@ -4457,7 +4747,7 @@
           <a:p>
             <a:r>
               <a:rPr lang="en-US" smtClean="0"/>
-              <a:t>Chứng minh tính đúng đắn của phương pháp (1)</a:t>
+              <a:t>Chứng minh tính đúng đắn(1)</a:t>
             </a:r>
             <a:endParaRPr lang="en-US"/>
           </a:p>
@@ -4487,11 +4777,7 @@
             <a:pPr lvl="1"/>
             <a:r>
               <a:rPr lang="en-US" sz="2800"/>
-              <a:t>Tồn tại một phép </a:t>
-            </a:r>
-            <a:r>
-              <a:rPr lang="en-US" sz="2800"/>
-              <a:t>gán </a:t>
+              <a:t>Tồn tại một phép gán </a:t>
             </a:r>
             <a:r>
               <a:rPr lang="el-GR" sz="2800" smtClean="0"/>
@@ -4511,11 +4797,7 @@
             </a:r>
             <a:r>
               <a:rPr lang="el-GR" sz="2800"/>
-              <a:t>ι</a:t>
-            </a:r>
-            <a:r>
-              <a:rPr lang="el-GR" sz="2800"/>
-              <a:t> </a:t>
+              <a:t>ι </a:t>
             </a:r>
             <a:r>
               <a:rPr lang="en-US" sz="2800"/>
@@ -4770,11 +5052,7 @@
           <a:p>
             <a:r>
               <a:rPr lang="en-US"/>
-              <a:t>Chứng minh tính đúng đắn của phương </a:t>
-            </a:r>
-            <a:r>
-              <a:rPr lang="en-US"/>
-              <a:t>pháp </a:t>
+              <a:t>Chứng minh tính đúng đắn </a:t>
             </a:r>
             <a:r>
               <a:rPr lang="en-US" smtClean="0"/>
@@ -4784,8 +5062,8 @@
           </a:p>
         </p:txBody>
       </p:sp>
-      <mc:AlternateContent xmlns:mc="http://schemas.openxmlformats.org/markup-compatibility/2006">
-        <mc:Choice xmlns:a14="http://schemas.microsoft.com/office/drawing/2010/main" Requires="a14">
+      <mc:AlternateContent xmlns:mc="http://schemas.openxmlformats.org/markup-compatibility/2006" xmlns:a14="http://schemas.microsoft.com/office/drawing/2010/main">
+        <mc:Choice Requires="a14">
           <p:sp>
             <p:nvSpPr>
               <p:cNvPr id="3" name="Content Placeholder 2"/>
@@ -4826,11 +5104,7 @@
                 </a:r>
                 <a:r>
                   <a:rPr lang="en-US"/>
-                  <a:t>) </a:t>
-                </a:r>
-                <a:r>
-                  <a:rPr lang="en-US"/>
-                  <a:t>= </a:t>
+                  <a:t>) = </a:t>
                 </a:r>
                 <a:r>
                   <a:rPr lang="en-US" smtClean="0"/>
@@ -4948,23 +5222,30 @@
                         <m:chr m:val="→"/>
                         <m:vertJc m:val="bot"/>
                         <m:ctrlPr>
-                          <a:rPr lang="en-US" i="1"/>
+                          <a:rPr lang="en-US" i="1">
+                            <a:latin typeface="Cambria Math" panose="02040503050406030204" pitchFamily="18" charset="0"/>
+                          </a:rPr>
                         </m:ctrlPr>
                       </m:groupChrPr>
                       <m:e>
                         <m:r>
-                          <a:rPr lang="en-US" i="1"/>
+                          <a:rPr lang="en-US" i="1">
+                            <a:latin typeface="Cambria Math" panose="02040503050406030204" pitchFamily="18" charset="0"/>
+                          </a:rPr>
                           <m:t>       </m:t>
                         </m:r>
                         <m:sSub>
                           <m:sSubPr>
                             <m:ctrlPr>
-                              <a:rPr lang="en-US" i="1"/>
+                              <a:rPr lang="en-US" i="1">
+                                <a:latin typeface="Cambria Math" panose="02040503050406030204" pitchFamily="18" charset="0"/>
+                              </a:rPr>
                             </m:ctrlPr>
                           </m:sSubPr>
                           <m:e>
                             <m:r>
                               <a:rPr lang="en-US">
+                                <a:latin typeface="Cambria Math" panose="02040503050406030204" pitchFamily="18" charset="0"/>
                                 <a:sym typeface="Symbol" panose="05050102010706020507" pitchFamily="18" charset="2"/>
                               </a:rPr>
                               <m:t></m:t>
@@ -4972,13 +5253,17 @@
                           </m:e>
                           <m:sub>
                             <m:r>
-                              <a:rPr lang="en-US" i="1"/>
+                              <a:rPr lang="en-US" i="1">
+                                <a:latin typeface="Cambria Math" panose="02040503050406030204" pitchFamily="18" charset="0"/>
+                              </a:rPr>
                               <m:t>𝑖</m:t>
                             </m:r>
                           </m:sub>
                         </m:sSub>
                         <m:r>
-                          <a:rPr lang="en-US" i="1"/>
+                          <a:rPr lang="en-US" i="1">
+                            <a:latin typeface="Cambria Math" panose="02040503050406030204" pitchFamily="18" charset="0"/>
+                          </a:rPr>
                           <m:t>     </m:t>
                         </m:r>
                       </m:e>
@@ -4997,10 +5282,6 @@
               </a:p>
               <a:p>
                 <a:pPr lvl="1"/>
-                <a:endParaRPr lang="en-US"/>
-              </a:p>
-              <a:p>
-                <a:pPr lvl="1"/>
                 <a:endParaRPr lang="en-US" smtClean="0"/>
               </a:p>
               <a:p>
@@ -5010,7 +5291,7 @@
             </p:txBody>
           </p:sp>
         </mc:Choice>
-        <mc:Fallback>
+        <mc:Fallback xmlns="">
           <p:sp>
             <p:nvSpPr>
               <p:cNvPr id="3" name="Content Placeholder 2"/>
@@ -5023,7 +5304,7 @@
             </p:nvSpPr>
             <p:spPr>
               <a:blipFill>
-                <a:blip r:embed="rId2"/>
+                <a:blip r:embed="rId3"/>
                 <a:stretch>
                   <a:fillRect l="-1043" t="-2241"/>
                 </a:stretch>
@@ -5128,47 +5409,22 @@
         </p:nvSpPr>
         <p:spPr/>
         <p:txBody>
-          <a:bodyPr/>
-          <a:lstStyle/>
-          <a:p>
-            <a:endParaRPr lang="en-US" dirty="0" smtClean="0"/>
+          <a:bodyPr>
+            <a:normAutofit lnSpcReduction="10000"/>
+          </a:bodyPr>
+          <a:lstStyle/>
+          <a:p>
+            <a:endParaRPr lang="en-US" smtClean="0"/>
           </a:p>
           <a:p>
             <a:pPr marL="0" indent="0" algn="ctr">
               <a:buNone/>
             </a:pPr>
             <a:r>
-              <a:rPr lang="en-US" sz="9600" dirty="0" err="1" smtClean="0"/>
-              <a:t>Trân</a:t>
-            </a:r>
-            <a:r>
-              <a:rPr lang="en-US" sz="9600" dirty="0" smtClean="0"/>
-              <a:t> </a:t>
-            </a:r>
-            <a:r>
-              <a:rPr lang="en-US" sz="9600" dirty="0" err="1" smtClean="0"/>
-              <a:t>trọng</a:t>
-            </a:r>
-            <a:r>
-              <a:rPr lang="en-US" sz="9600" dirty="0" smtClean="0"/>
-              <a:t> </a:t>
-            </a:r>
-            <a:r>
-              <a:rPr lang="en-US" sz="9600" dirty="0" err="1" smtClean="0"/>
-              <a:t>cảm</a:t>
-            </a:r>
-            <a:r>
-              <a:rPr lang="en-US" sz="9600" dirty="0" smtClean="0"/>
-              <a:t> </a:t>
-            </a:r>
-            <a:r>
-              <a:rPr lang="en-US" sz="9600" dirty="0" err="1" smtClean="0"/>
-              <a:t>ơn</a:t>
-            </a:r>
-            <a:r>
-              <a:rPr lang="en-US" sz="9600" dirty="0" smtClean="0"/>
-              <a:t>.</a:t>
-            </a:r>
+              <a:rPr lang="en-US" sz="9600" smtClean="0"/>
+              <a:t>Em xin trân trọng cảm ơn thầy cô đã lắng nghe</a:t>
+            </a:r>
+            <a:endParaRPr lang="en-US" sz="9600" dirty="0" smtClean="0"/>
           </a:p>
         </p:txBody>
       </p:sp>
@@ -5283,7 +5539,9 @@
         </p:nvSpPr>
         <p:spPr/>
         <p:txBody>
-          <a:bodyPr/>
+          <a:bodyPr>
+            <a:normAutofit/>
+          </a:bodyPr>
           <a:lstStyle/>
           <a:p>
             <a:pPr>
@@ -5307,18 +5565,13 @@
               <a:t> </a:t>
             </a:r>
             <a:r>
-              <a:rPr lang="en-US" dirty="0" err="1" smtClean="0"/>
+              <a:rPr lang="en-US" err="1" smtClean="0"/>
               <a:t>bài</a:t>
             </a:r>
             <a:r>
-              <a:rPr lang="en-US" dirty="0" smtClean="0"/>
-              <a:t> </a:t>
-            </a:r>
-            <a:r>
-              <a:rPr lang="en-US" dirty="0" err="1" smtClean="0"/>
-              <a:t>toán</a:t>
-            </a:r>
-            <a:endParaRPr lang="en-US" dirty="0" smtClean="0"/>
+              <a:rPr lang="en-US" smtClean="0"/>
+              <a:t> toán</a:t>
+            </a:r>
           </a:p>
           <a:p>
             <a:pPr>
@@ -5326,8 +5579,30 @@
               <a:buChar char="§"/>
             </a:pPr>
             <a:r>
-              <a:rPr lang="en-US" smtClean="0"/>
-              <a:t>Các phương pháp sinh ngữ cảnh giả định</a:t>
+              <a:rPr lang="en-US"/>
+              <a:t>Phương pháp kiểm chứng giả </a:t>
+            </a:r>
+            <a:r>
+              <a:rPr lang="en-US"/>
+              <a:t>định-đảm </a:t>
+            </a:r>
+            <a:r>
+              <a:rPr lang="en-US" smtClean="0"/>
+              <a:t>bảo</a:t>
+            </a:r>
+          </a:p>
+          <a:p>
+            <a:pPr>
+              <a:buFont typeface="Wingdings" panose="05000000000000000000" pitchFamily="2" charset="2"/>
+              <a:buChar char="§"/>
+            </a:pPr>
+            <a:r>
+              <a:rPr lang="en-US" smtClean="0"/>
+              <a:t>Các </a:t>
+            </a:r>
+            <a:r>
+              <a:rPr lang="en-US" smtClean="0"/>
+              <a:t>phương pháp sinh ngữ cảnh giả định</a:t>
             </a:r>
             <a:endParaRPr lang="en-US" dirty="0" smtClean="0"/>
           </a:p>
@@ -5338,9 +5613,12 @@
             </a:pPr>
             <a:r>
               <a:rPr lang="en-US" smtClean="0"/>
-              <a:t>Bài toán sinh ngữ cảnh giả định</a:t>
-            </a:r>
-            <a:endParaRPr lang="en-US" dirty="0" smtClean="0"/>
+              <a:t>Sinh </a:t>
+            </a:r>
+            <a:r>
+              <a:rPr lang="en-US" smtClean="0"/>
+              <a:t>ngữ cảnh giả định dựa vào thuật toán học L*</a:t>
+            </a:r>
           </a:p>
           <a:p>
             <a:pPr lvl="1">
@@ -5349,7 +5627,18 @@
             </a:pPr>
             <a:r>
               <a:rPr lang="en-US" smtClean="0"/>
-              <a:t>Sinh ngữ cảnh giả định dựa vào thuật toán học L*</a:t>
+              <a:t>Sinh ngữ cảnh giả định dựa vào thuật toán học CDNF</a:t>
+            </a:r>
+            <a:endParaRPr lang="en-US" dirty="0" smtClean="0"/>
+          </a:p>
+          <a:p>
+            <a:pPr>
+              <a:buFont typeface="Wingdings" panose="05000000000000000000" pitchFamily="2" charset="2"/>
+              <a:buChar char="§"/>
+            </a:pPr>
+            <a:r>
+              <a:rPr lang="en-US" smtClean="0"/>
+              <a:t>Phương pháp chuyển đổi qua lại giữa các dạng đặc tả</a:t>
             </a:r>
           </a:p>
           <a:p>
@@ -5359,18 +5648,11 @@
             </a:pPr>
             <a:r>
               <a:rPr lang="en-US" smtClean="0"/>
-              <a:t>Sinh ngữ cảnh giả định dựa vào thuật toán học CDNF</a:t>
-            </a:r>
-            <a:endParaRPr lang="en-US" dirty="0" smtClean="0"/>
-          </a:p>
-          <a:p>
-            <a:pPr>
-              <a:buFont typeface="Wingdings" panose="05000000000000000000" pitchFamily="2" charset="2"/>
-              <a:buChar char="§"/>
-            </a:pPr>
-            <a:r>
-              <a:rPr lang="en-US" smtClean="0"/>
-              <a:t>Phương pháp chuyển đổi qua lại giữa các dạng đặc tả</a:t>
+              <a:t>Phương </a:t>
+            </a:r>
+            <a:r>
+              <a:rPr lang="en-US" smtClean="0"/>
+              <a:t>pháp</a:t>
             </a:r>
           </a:p>
           <a:p>
@@ -5379,9 +5661,18 @@
               <a:buChar char="§"/>
             </a:pPr>
             <a:r>
-              <a:rPr lang="en-US" smtClean="0"/>
-              <a:t>Phương pháp</a:t>
-            </a:r>
+              <a:rPr lang="en-US"/>
+              <a:t>Ví dụ </a:t>
+            </a:r>
+            <a:r>
+              <a:rPr lang="en-US"/>
+              <a:t>minh </a:t>
+            </a:r>
+            <a:r>
+              <a:rPr lang="en-US" smtClean="0"/>
+              <a:t>họa</a:t>
+            </a:r>
+            <a:endParaRPr lang="en-US" smtClean="0"/>
           </a:p>
           <a:p>
             <a:pPr lvl="1">
@@ -5390,25 +5681,13 @@
             </a:pPr>
             <a:r>
               <a:rPr lang="en-US" smtClean="0"/>
-              <a:t>Chứng minh</a:t>
-            </a:r>
-          </a:p>
-          <a:p>
-            <a:pPr lvl="1">
-              <a:buFont typeface="Wingdings" panose="05000000000000000000" pitchFamily="2" charset="2"/>
-              <a:buChar char="§"/>
-            </a:pPr>
-            <a:r>
-              <a:rPr lang="en-US" smtClean="0"/>
-              <a:t>Ví dụ minh họa</a:t>
-            </a:r>
-            <a:endParaRPr lang="en-US" dirty="0" smtClean="0"/>
-          </a:p>
-          <a:p>
-            <a:pPr marL="571500" indent="-571500">
-              <a:buAutoNum type="romanUcPeriod"/>
-            </a:pPr>
-            <a:endParaRPr lang="en-US" dirty="0"/>
+              <a:t>Chứng </a:t>
+            </a:r>
+            <a:r>
+              <a:rPr lang="en-US" smtClean="0"/>
+              <a:t>minh</a:t>
+            </a:r>
+            <a:endParaRPr lang="en-US" smtClean="0"/>
           </a:p>
         </p:txBody>
       </p:sp>
@@ -5551,11 +5830,7 @@
             </a:r>
             <a:r>
               <a:rPr lang="en-US" smtClean="0"/>
-              <a:t> </a:t>
-            </a:r>
-            <a:r>
-              <a:rPr lang="en-US" smtClean="0"/>
-              <a:t>trình bày phương pháp chuyển đổi qua lại giữa 2 loại đặc tả</a:t>
+              <a:t> trình bày phương pháp chuyển đổi qua lại giữa 2 loại đặc tả</a:t>
             </a:r>
             <a:endParaRPr lang="en-US" dirty="0" smtClean="0"/>
           </a:p>
@@ -5682,7 +5957,7 @@
           <a:p>
             <a:r>
               <a:rPr lang="en-US" smtClean="0"/>
-              <a:t>Phương pháp sinh ngữ cảnh giả định (1)</a:t>
+              <a:t>Phương pháp kiểm chứng giả định-đảm bảo</a:t>
             </a:r>
             <a:endParaRPr lang="en-US" dirty="0"/>
           </a:p>
@@ -5701,7 +5976,7 @@
         <p:spPr/>
         <p:txBody>
           <a:bodyPr>
-            <a:normAutofit lnSpcReduction="10000"/>
+            <a:normAutofit/>
           </a:bodyPr>
           <a:lstStyle/>
           <a:p>
@@ -5714,7 +5989,7 @@
             <a:pPr lvl="1"/>
             <a:r>
               <a:rPr lang="en-US" smtClean="0"/>
-              <a:t>Xét hệ thống đơn giản M chỉ gồm 2 thành phần M</a:t>
+              <a:t>Không cần ghép nối M</a:t>
             </a:r>
             <a:r>
               <a:rPr lang="en-US" baseline="-25000" smtClean="0"/>
@@ -5730,15 +6005,18 @@
             </a:r>
             <a:r>
               <a:rPr lang="en-US"/>
-              <a:t>, M </a:t>
-            </a:r>
-            <a:r>
-              <a:rPr lang="en-US"/>
-              <a:t>= </a:t>
-            </a:r>
-            <a:r>
-              <a:rPr lang="en-US" smtClean="0"/>
-              <a:t>M</a:t>
+              <a:t> </a:t>
+            </a:r>
+            <a:r>
+              <a:rPr lang="en-US" smtClean="0"/>
+              <a:t>thì M có thỏa mãn P</a:t>
+            </a:r>
+          </a:p>
+          <a:p>
+            <a:pPr lvl="1"/>
+            <a:r>
+              <a:rPr lang="en-US" smtClean="0"/>
+              <a:t>Thay vì kiểm chứng M chúng ta thực hiện việc kiểm chứng trên M</a:t>
             </a:r>
             <a:r>
               <a:rPr lang="en-US" baseline="-25000" smtClean="0"/>
@@ -5746,48 +6024,15 @@
             </a:r>
             <a:r>
               <a:rPr lang="en-US" smtClean="0"/>
-              <a:t>||</a:t>
-            </a:r>
-            <a:r>
-              <a:rPr lang="en-US"/>
-              <a:t> </a:t>
-            </a:r>
-            <a:r>
-              <a:rPr lang="en-US" smtClean="0"/>
-              <a:t>M</a:t>
+              <a:t> và M</a:t>
             </a:r>
             <a:r>
               <a:rPr lang="en-US" baseline="-25000" smtClean="0"/>
               <a:t>2</a:t>
             </a:r>
-          </a:p>
-          <a:p>
-            <a:pPr lvl="1"/>
-            <a:r>
-              <a:rPr lang="en-US" smtClean="0"/>
-              <a:t>Cần kiểm chứng xem hệ thống M có thỏa mãn 1 tính chất p nào đó hay không</a:t>
-            </a:r>
-          </a:p>
-          <a:p>
-            <a:pPr lvl="1"/>
-            <a:r>
-              <a:rPr lang="en-US"/>
-              <a:t>M là một hệ thống lớn, chính vì thế </a:t>
-            </a:r>
-            <a:r>
-              <a:rPr lang="en-US"/>
-              <a:t>việc </a:t>
-            </a:r>
-            <a:r>
-              <a:rPr lang="en-US" smtClean="0"/>
-              <a:t>kiểm chứng M không khả thi</a:t>
-            </a:r>
-          </a:p>
-          <a:p>
-            <a:pPr lvl="1"/>
-            <a:r>
-              <a:rPr lang="en-US" smtClean="0"/>
-              <a:t>Thay vì kiểm chứng M chúng ta thực hiện việc kiểm chứng trên M</a:t>
+            <a:r>
+              <a:rPr lang="en-US" smtClean="0"/>
+              <a:t> (tôi cần có phương pháp giúp ta quyết định M |=p ko cần ghép nối M</a:t>
             </a:r>
             <a:r>
               <a:rPr lang="en-US" baseline="-25000" smtClean="0"/>
@@ -5795,13 +6040,16 @@
             </a:r>
             <a:r>
               <a:rPr lang="en-US" smtClean="0"/>
-              <a:t> và M</a:t>
+              <a:t> M</a:t>
             </a:r>
             <a:r>
               <a:rPr lang="en-US" baseline="-25000" smtClean="0"/>
               <a:t>2</a:t>
             </a:r>
-            <a:endParaRPr lang="en-US" smtClean="0"/>
+            <a:r>
+              <a:rPr lang="en-US" smtClean="0"/>
+              <a:t>)</a:t>
+            </a:r>
           </a:p>
           <a:p>
             <a:pPr lvl="1"/>
@@ -5835,7 +6083,7 @@
         </p:spPr>
         <p:txBody>
           <a:bodyPr>
-            <a:normAutofit lnSpcReduction="10000"/>
+            <a:normAutofit/>
           </a:bodyPr>
           <a:lstStyle/>
           <a:p>
@@ -5899,7 +6147,7 @@
     </p:spTree>
     <p:extLst>
       <p:ext uri="{BB962C8B-B14F-4D97-AF65-F5344CB8AC3E}">
-        <p14:creationId xmlns:p14="http://schemas.microsoft.com/office/powerpoint/2010/main" val="794780241"/>
+        <p14:creationId xmlns:p14="http://schemas.microsoft.com/office/powerpoint/2010/main" val="254436538"/>
       </p:ext>
     </p:extLst>
   </p:cSld>
@@ -5949,8 +6197,12 @@
           <a:lstStyle/>
           <a:p>
             <a:r>
-              <a:rPr lang="en-US" smtClean="0"/>
-              <a:t>Phương pháp sinh ngữ cảnh giả định (2)</a:t>
+              <a:rPr lang="en-US"/>
+              <a:t>Phương pháp kiểm chứng giả định-đảm </a:t>
+            </a:r>
+            <a:r>
+              <a:rPr lang="en-US" smtClean="0"/>
+              <a:t>bảo (2)</a:t>
             </a:r>
             <a:endParaRPr lang="en-US" dirty="0"/>
           </a:p>
@@ -5972,15 +6224,19 @@
           <a:lstStyle/>
           <a:p>
             <a:r>
+              <a:rPr lang="en-US" smtClean="0"/>
+              <a:t>Quy tắc kiểm chứng giả định đảm bảo:</a:t>
+            </a:r>
+          </a:p>
+          <a:p>
+            <a:pPr lvl="1"/>
+            <a:r>
+              <a:rPr lang="en-US" smtClean="0"/>
+              <a:t>&lt;</a:t>
+            </a:r>
+            <a:r>
               <a:rPr lang="en-US"/>
-              <a:t>Bài toán sinh ngữ cảnh giả định quy yêu cầu bài trên về bài toán sinh ra một ngữ cảnh giả định A sao cho 2 yêu cầu sau đều phải được thỏa mãn</a:t>
-            </a:r>
-          </a:p>
-          <a:p>
-            <a:pPr lvl="1"/>
-            <a:r>
-              <a:rPr lang="en-US"/>
-              <a:t>&lt;A&gt; M</a:t>
+              <a:t>A&gt; M</a:t>
             </a:r>
             <a:r>
               <a:rPr lang="en-US" baseline="-25000"/>
@@ -6007,9 +6263,16 @@
             </a:r>
           </a:p>
           <a:p>
+            <a:pPr marL="0" indent="0">
+              <a:buNone/>
+            </a:pPr>
+            <a:r>
+              <a:rPr lang="en-US" smtClean="0"/>
+              <a:t>		Làm </a:t>
+            </a:r>
             <a:r>
               <a:rPr lang="en-US"/>
-              <a:t>Làm thế nào để sinh ra được A?</a:t>
+              <a:t>thế nào để sinh ra được A?</a:t>
             </a:r>
           </a:p>
         </p:txBody>
@@ -6033,6 +6296,46 @@
               <a:rPr lang="en-US" smtClean="0"/>
               <a:t>5</a:t>
             </a:fld>
+            <a:endParaRPr lang="en-US"/>
+          </a:p>
+        </p:txBody>
+      </p:sp>
+      <p:sp>
+        <p:nvSpPr>
+          <p:cNvPr id="5" name="Right Arrow 4"/>
+          <p:cNvSpPr/>
+          <p:nvPr/>
+        </p:nvSpPr>
+        <p:spPr>
+          <a:xfrm>
+            <a:off x="1008994" y="3145218"/>
+            <a:ext cx="1308538" cy="378372"/>
+          </a:xfrm>
+          <a:prstGeom prst="rightArrow">
+            <a:avLst/>
+          </a:prstGeom>
+        </p:spPr>
+        <p:style>
+          <a:lnRef idx="2">
+            <a:schemeClr val="dk1">
+              <a:shade val="50000"/>
+            </a:schemeClr>
+          </a:lnRef>
+          <a:fillRef idx="1">
+            <a:schemeClr val="dk1"/>
+          </a:fillRef>
+          <a:effectRef idx="0">
+            <a:schemeClr val="dk1"/>
+          </a:effectRef>
+          <a:fontRef idx="minor">
+            <a:schemeClr val="lt1"/>
+          </a:fontRef>
+        </p:style>
+        <p:txBody>
+          <a:bodyPr rtlCol="0" anchor="ctr"/>
+          <a:lstStyle/>
+          <a:p>
+            <a:pPr algn="ctr"/>
             <a:endParaRPr lang="en-US"/>
           </a:p>
         </p:txBody>
@@ -6040,7 +6343,7 @@
     </p:spTree>
     <p:extLst>
       <p:ext uri="{BB962C8B-B14F-4D97-AF65-F5344CB8AC3E}">
-        <p14:creationId xmlns:p14="http://schemas.microsoft.com/office/powerpoint/2010/main" val="2028702598"/>
+        <p14:creationId xmlns:p14="http://schemas.microsoft.com/office/powerpoint/2010/main" val="1389047928"/>
       </p:ext>
     </p:extLst>
   </p:cSld>
@@ -6093,7 +6396,7 @@
           <a:p>
             <a:r>
               <a:rPr lang="en-US" sz="4000" smtClean="0"/>
-              <a:t>Sinh ngữ cảnh giả định dựa trên thuật toán L* (1)</a:t>
+              <a:t>Sinh giả định dựa trên thuật toán L* (1)</a:t>
             </a:r>
             <a:endParaRPr lang="en-US" sz="4000"/>
           </a:p>
@@ -6111,65 +6414,102 @@
         </p:nvSpPr>
         <p:spPr/>
         <p:txBody>
-          <a:bodyPr/>
-          <a:lstStyle/>
-          <a:p>
-            <a:r>
-              <a:rPr lang="en-US" smtClean="0"/>
-              <a:t>Thuật toán học L* được đề </a:t>
-            </a:r>
+          <a:bodyPr>
+            <a:normAutofit fontScale="92500"/>
+          </a:bodyPr>
+          <a:lstStyle/>
+          <a:p>
+            <a:r>
+              <a:rPr lang="en-US" smtClean="0"/>
+              <a:t>Việc học gồm 2 phần chính</a:t>
+            </a:r>
+          </a:p>
+          <a:p>
+            <a:pPr lvl="1"/>
+            <a:r>
+              <a:rPr lang="en-US" smtClean="0"/>
+              <a:t>Learner (Thực thi thuật toán L*)</a:t>
+            </a:r>
+          </a:p>
+          <a:p>
+            <a:pPr lvl="1"/>
+            <a:r>
+              <a:rPr lang="en-US" smtClean="0"/>
+              <a:t>Teacher (Sẽ phải trả lời 2 câu hỏi</a:t>
+            </a:r>
+            <a:r>
+              <a:rPr lang="en-US" smtClean="0"/>
+              <a:t>)</a:t>
+            </a:r>
+          </a:p>
+          <a:p>
             <a:r>
               <a:rPr lang="en-US"/>
-              <a:t>xuất bởi Angluin [9] và sau đó được cải tiến bởi Rivest </a:t>
-            </a:r>
+              <a:t>Learner: Hỏi teacher 2 loại câu hỏi</a:t>
+            </a:r>
+          </a:p>
+          <a:p>
+            <a:pPr lvl="1"/>
             <a:r>
               <a:rPr lang="en-US"/>
-              <a:t>and </a:t>
-            </a:r>
-            <a:r>
-              <a:rPr lang="en-US" smtClean="0"/>
-              <a:t>Schapire.</a:t>
-            </a:r>
-          </a:p>
-          <a:p>
-            <a:r>
-              <a:rPr lang="en-US" smtClean="0"/>
-              <a:t>Đầu vào: U, Σ: Với </a:t>
+              <a:t>Loại câu hỏi truy vấn thành viên:  Chuỗi σ </a:t>
+            </a:r>
+            <a:r>
+              <a:rPr lang="en-US">
+                <a:sym typeface="Symbol" panose="05050102010706020507" pitchFamily="18" charset="2"/>
+              </a:rPr>
+              <a:t></a:t>
             </a:r>
             <a:r>
               <a:rPr lang="en-US"/>
-              <a:t>U là một ngôn ngữ chưa biết, Σ là bảng chữ cái</a:t>
-            </a:r>
-          </a:p>
-          <a:p>
-            <a:r>
-              <a:rPr lang="en-US" smtClean="0"/>
-              <a:t>Đầu ra: M: Với </a:t>
-            </a:r>
+              <a:t> Σ* có thuộc U hay không</a:t>
+            </a:r>
+          </a:p>
+          <a:p>
+            <a:pPr lvl="1"/>
             <a:r>
               <a:rPr lang="en-US"/>
-              <a:t>M là một DFA sao cho M là một automata đơn định nhỏ nhất tương ứng với U và L(M) = U</a:t>
-            </a:r>
-            <a:endParaRPr lang="en-US" smtClean="0"/>
-          </a:p>
-          <a:p>
-            <a:r>
-              <a:rPr lang="en-US" smtClean="0"/>
-              <a:t>Thuật toán gồm có 2 phần:</a:t>
+              <a:t>Loại câu hỏi truy vấn ứng viên: DFA M có ngôn ngữ là L(M) thì L(M) có bằng U không</a:t>
+            </a:r>
+          </a:p>
+          <a:p>
+            <a:r>
+              <a:rPr lang="en-US"/>
+              <a:t>Teacher: Trả lời leaner</a:t>
             </a:r>
           </a:p>
           <a:p>
             <a:pPr lvl="1"/>
             <a:r>
-              <a:rPr lang="en-US" smtClean="0"/>
-              <a:t>Learner</a:t>
+              <a:rPr lang="en-US"/>
+              <a:t>Loại câu hỏi truy vấn thành viên: Câu trả lời là True nếu σ</a:t>
+            </a:r>
+            <a:r>
+              <a:rPr lang="en-US">
+                <a:sym typeface="Symbol" panose="05050102010706020507" pitchFamily="18" charset="2"/>
+              </a:rPr>
+              <a:t>  U, ngược lại câu trả lời là False</a:t>
             </a:r>
           </a:p>
           <a:p>
             <a:pPr lvl="1"/>
             <a:r>
-              <a:rPr lang="en-US" smtClean="0"/>
-              <a:t>Teacher</a:t>
+              <a:rPr lang="en-US">
+                <a:sym typeface="Symbol" panose="05050102010706020507" pitchFamily="18" charset="2"/>
+              </a:rPr>
+              <a:t>Loại câu hỏi phỏng đoán: Câu trả lời là True nếu L(M) = U, ngược lại câu trả lời là False và Teacher trả về một phản </a:t>
+            </a:r>
+            <a:r>
+              <a:rPr lang="en-US">
+                <a:sym typeface="Symbol" panose="05050102010706020507" pitchFamily="18" charset="2"/>
+              </a:rPr>
+              <a:t>ví </a:t>
+            </a:r>
+            <a:r>
+              <a:rPr lang="en-US" smtClean="0">
+                <a:sym typeface="Symbol" panose="05050102010706020507" pitchFamily="18" charset="2"/>
+              </a:rPr>
+              <a:t>dụ</a:t>
             </a:r>
             <a:endParaRPr lang="en-US"/>
           </a:p>
@@ -6253,18 +6593,14 @@
           <a:lstStyle/>
           <a:p>
             <a:r>
-              <a:rPr lang="en-US" sz="4000"/>
+              <a:rPr lang="en-US" sz="3800"/>
               <a:t>Sinh ngữ cảnh giả định dựa trên thuật toán </a:t>
             </a:r>
             <a:r>
-              <a:rPr lang="en-US" sz="4000"/>
-              <a:t>L</a:t>
-            </a:r>
-            <a:r>
-              <a:rPr lang="en-US" sz="4000" smtClean="0"/>
-              <a:t>* (2)</a:t>
-            </a:r>
-            <a:endParaRPr lang="en-US" sz="4000"/>
+              <a:rPr lang="en-US" sz="3800" smtClean="0"/>
+              <a:t>CDNF (1)</a:t>
+            </a:r>
+            <a:endParaRPr lang="en-US" sz="3800"/>
           </a:p>
         </p:txBody>
       </p:sp>
@@ -6280,102 +6616,216 @@
         </p:nvSpPr>
         <p:spPr/>
         <p:txBody>
-          <a:bodyPr/>
-          <a:lstStyle/>
-          <a:p>
-            <a:r>
-              <a:rPr lang="en-US" smtClean="0"/>
-              <a:t>Learner: Hỏi teacher 2 loại câu hỏi</a:t>
+          <a:bodyPr>
+            <a:normAutofit lnSpcReduction="10000"/>
+          </a:bodyPr>
+          <a:lstStyle/>
+          <a:p>
+            <a:r>
+              <a:rPr lang="en-US"/>
+              <a:t>Việc học gồm 2 phần chính</a:t>
             </a:r>
           </a:p>
           <a:p>
             <a:pPr lvl="1"/>
             <a:r>
-              <a:rPr lang="en-US" smtClean="0"/>
-              <a:t>Loại câu hỏi truy vấn thành viên: </a:t>
-            </a:r>
-            <a:r>
               <a:rPr lang="en-US"/>
-              <a:t> </a:t>
-            </a:r>
-            <a:r>
-              <a:rPr lang="en-US" smtClean="0"/>
-              <a:t>Chuỗi </a:t>
+              <a:t>Learner (Thực thi thuật </a:t>
             </a:r>
             <a:r>
               <a:rPr lang="en-US"/>
-              <a:t>σ </a:t>
-            </a:r>
-            <a:r>
-              <a:rPr lang="en-US">
-                <a:sym typeface="Symbol" panose="05050102010706020507" pitchFamily="18" charset="2"/>
-              </a:rPr>
-              <a:t></a:t>
-            </a:r>
+              <a:t>toán </a:t>
+            </a:r>
+            <a:r>
+              <a:rPr lang="en-US" smtClean="0"/>
+              <a:t>CDNF)</a:t>
+            </a:r>
+            <a:endParaRPr lang="en-US"/>
+          </a:p>
+          <a:p>
+            <a:pPr lvl="1"/>
             <a:r>
               <a:rPr lang="en-US"/>
-              <a:t> Σ* có thuộc U </a:t>
+              <a:t>Teacher (Sẽ phải trả </a:t>
             </a:r>
             <a:r>
               <a:rPr lang="en-US"/>
-              <a:t>hay </a:t>
-            </a:r>
-            <a:r>
-              <a:rPr lang="en-US" smtClean="0"/>
-              <a:t>không</a:t>
+              <a:t>lời </a:t>
+            </a:r>
+            <a:r>
+              <a:rPr lang="en-US" smtClean="0"/>
+              <a:t>4 </a:t>
+            </a:r>
+            <a:r>
+              <a:rPr lang="en-US"/>
+              <a:t>câu hỏi)</a:t>
+            </a:r>
+          </a:p>
+          <a:p>
+            <a:r>
+              <a:rPr lang="en-US"/>
+              <a:t>Learner: Hỏi </a:t>
+            </a:r>
+            <a:r>
+              <a:rPr lang="en-US"/>
+              <a:t>teacher </a:t>
+            </a:r>
+            <a:r>
+              <a:rPr lang="en-US" smtClean="0"/>
+              <a:t>4 </a:t>
+            </a:r>
+            <a:r>
+              <a:rPr lang="en-US"/>
+              <a:t>loại câu hỏi</a:t>
             </a:r>
           </a:p>
           <a:p>
             <a:pPr lvl="1"/>
             <a:r>
-              <a:rPr lang="en-US" smtClean="0"/>
-              <a:t>Loại câu hỏi phỏng đoán: </a:t>
-            </a:r>
-            <a:r>
               <a:rPr lang="en-US"/>
-              <a:t>DFA M có ngôn ngữ là </a:t>
+              <a:t>Loại câu hỏi truy vấn </a:t>
             </a:r>
             <a:r>
               <a:rPr lang="en-US"/>
-              <a:t>L(M</a:t>
-            </a:r>
-            <a:r>
-              <a:rPr lang="en-US" smtClean="0"/>
-              <a:t>) thì L(M) có bằng U không</a:t>
-            </a:r>
-          </a:p>
-          <a:p>
-            <a:r>
-              <a:rPr lang="en-US" smtClean="0"/>
-              <a:t>Teacher: Trả lời leaner</a:t>
-            </a:r>
+              <a:t>thành </a:t>
+            </a:r>
+            <a:r>
+              <a:rPr lang="en-US"/>
+              <a:t>viên MEM(µ</a:t>
+            </a:r>
+            <a:r>
+              <a:rPr lang="en-US"/>
+              <a:t>):  </a:t>
+            </a:r>
+            <a:r>
+              <a:rPr lang="en-US" smtClean="0"/>
+              <a:t>Kiểm tra xem µ có thỏa mãn </a:t>
+            </a:r>
+            <a:r>
+              <a:rPr lang="el-GR" smtClean="0"/>
+              <a:t>ι</a:t>
+            </a:r>
+            <a:r>
+              <a:rPr lang="en-US" baseline="-25000" smtClean="0"/>
+              <a:t>A</a:t>
+            </a:r>
+            <a:r>
+              <a:rPr lang="en-US" smtClean="0"/>
+              <a:t>(X) hay không</a:t>
+            </a:r>
+            <a:endParaRPr lang="en-US"/>
           </a:p>
           <a:p>
             <a:pPr lvl="1"/>
             <a:r>
-              <a:rPr lang="en-US" smtClean="0"/>
-              <a:t>Loại câu hỏi truy vấn thành viên: Câu trả lời là True nếu σ</a:t>
-            </a:r>
-            <a:r>
-              <a:rPr lang="en-US">
-                <a:sym typeface="Symbol" panose="05050102010706020507" pitchFamily="18" charset="2"/>
-              </a:rPr>
-              <a:t> </a:t>
-            </a:r>
-            <a:r>
-              <a:rPr lang="en-US" smtClean="0">
-                <a:sym typeface="Symbol" panose="05050102010706020507" pitchFamily="18" charset="2"/>
-              </a:rPr>
-              <a:t> U, ngược lại câu trả lời là False</a:t>
+              <a:rPr lang="en-US"/>
+              <a:t>Loại câu hỏi truy vấn </a:t>
+            </a:r>
+            <a:r>
+              <a:rPr lang="en-US"/>
+              <a:t>ứng </a:t>
+            </a:r>
+            <a:r>
+              <a:rPr lang="en-US" smtClean="0"/>
+              <a:t>viên MEM(µ,µ</a:t>
+            </a:r>
+            <a:r>
+              <a:rPr lang="en-US" baseline="30000" smtClean="0"/>
+              <a:t>’</a:t>
+            </a:r>
+            <a:r>
+              <a:rPr lang="en-US"/>
+              <a:t>): Kiểm tra </a:t>
+            </a:r>
+            <a:r>
+              <a:rPr lang="en-US"/>
+              <a:t>xem </a:t>
+            </a:r>
+            <a:r>
+              <a:rPr lang="en-US" smtClean="0"/>
+              <a:t>(µ,µ</a:t>
+            </a:r>
+            <a:r>
+              <a:rPr lang="en-US" baseline="30000" smtClean="0"/>
+              <a:t>’</a:t>
+            </a:r>
+            <a:r>
+              <a:rPr lang="en-US" smtClean="0"/>
+              <a:t>)  có thỏa mãn </a:t>
+            </a:r>
+            <a:r>
+              <a:rPr lang="el-GR" smtClean="0"/>
+              <a:t>τ</a:t>
+            </a:r>
+            <a:r>
+              <a:rPr lang="en-US" baseline="-25000"/>
+              <a:t>A</a:t>
+            </a:r>
+            <a:r>
+              <a:rPr lang="en-US" smtClean="0"/>
+              <a:t>(X, X’) hay không</a:t>
             </a:r>
           </a:p>
           <a:p>
             <a:pPr lvl="1"/>
             <a:r>
-              <a:rPr lang="en-US" smtClean="0">
-                <a:sym typeface="Symbol" panose="05050102010706020507" pitchFamily="18" charset="2"/>
-              </a:rPr>
-              <a:t>Loại câu hỏi phỏng đoán: Câu trả lời là True nếu L(M) = U, ngược lại câu trả lời là False và Teacher trả về một phản ví dụ</a:t>
+              <a:rPr lang="en-US"/>
+              <a:t>Loại câu hỏi </a:t>
+            </a:r>
+            <a:r>
+              <a:rPr lang="en-US"/>
+              <a:t>truy </a:t>
+            </a:r>
+            <a:r>
+              <a:rPr lang="en-US" smtClean="0"/>
+              <a:t>vấn tương đương EQ(ι): Kiểm tra xem ι có tương đương với </a:t>
+            </a:r>
+            <a:r>
+              <a:rPr lang="en-US"/>
+              <a:t>ι(X</a:t>
+            </a:r>
+            <a:r>
+              <a:rPr lang="en-US" smtClean="0"/>
+              <a:t>) hay khong</a:t>
+            </a:r>
+          </a:p>
+          <a:p>
+            <a:pPr lvl="1"/>
+            <a:r>
+              <a:rPr lang="en-US"/>
+              <a:t>Loại câu hỏi truy vấn tương đương EQ(ι): Kiểm tra </a:t>
+            </a:r>
+            <a:r>
+              <a:rPr lang="en-US"/>
+              <a:t>xem </a:t>
+            </a:r>
+            <a:r>
+              <a:rPr lang="en-US" smtClean="0"/>
+              <a:t>τ(X, X’) </a:t>
+            </a:r>
+            <a:r>
+              <a:rPr lang="en-US"/>
+              <a:t>có tương </a:t>
+            </a:r>
+            <a:r>
+              <a:rPr lang="en-US"/>
+              <a:t>đương </a:t>
+            </a:r>
+            <a:r>
+              <a:rPr lang="en-US" smtClean="0"/>
+              <a:t>với </a:t>
+            </a:r>
+            <a:r>
+              <a:rPr lang="el-GR" smtClean="0"/>
+              <a:t>τ</a:t>
+            </a:r>
+            <a:r>
+              <a:rPr lang="en-US" baseline="-25000" smtClean="0"/>
+              <a:t>A</a:t>
+            </a:r>
+            <a:r>
+              <a:rPr lang="en-US" smtClean="0"/>
+              <a:t>(X, X’) </a:t>
             </a:r>
             <a:endParaRPr lang="en-US"/>
           </a:p>
@@ -6407,7 +6857,7 @@
     </p:spTree>
     <p:extLst>
       <p:ext uri="{BB962C8B-B14F-4D97-AF65-F5344CB8AC3E}">
-        <p14:creationId xmlns:p14="http://schemas.microsoft.com/office/powerpoint/2010/main" val="466143791"/>
+        <p14:creationId xmlns:p14="http://schemas.microsoft.com/office/powerpoint/2010/main" val="3160942339"/>
       </p:ext>
     </p:extLst>
   </p:cSld>
@@ -6453,24 +6903,13 @@
         </p:nvSpPr>
         <p:spPr/>
         <p:txBody>
-          <a:bodyPr>
-            <a:normAutofit/>
-          </a:bodyPr>
-          <a:lstStyle/>
-          <a:p>
-            <a:r>
-              <a:rPr lang="en-US" sz="3800"/>
-              <a:t>Sinh ngữ cảnh giả định dựa trên thuật </a:t>
-            </a:r>
-            <a:r>
-              <a:rPr lang="en-US" sz="3800"/>
-              <a:t>toán </a:t>
-            </a:r>
-            <a:r>
-              <a:rPr lang="en-US" sz="3800" smtClean="0"/>
-              <a:t>CDNF (1)</a:t>
-            </a:r>
-            <a:endParaRPr lang="en-US" sz="3800"/>
+          <a:bodyPr/>
+          <a:lstStyle/>
+          <a:p>
+            <a:r>
+              <a:rPr lang="en-US"/>
+              <a:t>Sinh ngữ cảnh giả định dựa trên thuật toán CDNF (1)</a:t>
+            </a:r>
           </a:p>
         </p:txBody>
       </p:sp>
@@ -6490,9 +6929,53 @@
           <a:lstStyle/>
           <a:p>
             <a:r>
-              <a:rPr lang="en-US" smtClean="0"/>
-              <a:t>Trình bày sau vì phần này em chưa hiểu rõ 100% ạ</a:t>
-            </a:r>
+              <a:rPr lang="en-US"/>
+              <a:t>Teacher: Trả lời leaner</a:t>
+            </a:r>
+          </a:p>
+          <a:p>
+            <a:pPr lvl="1"/>
+            <a:r>
+              <a:rPr lang="en-US"/>
+              <a:t>Loại câu hỏi truy vấn thành viên: Câu trả lời là True </a:t>
+            </a:r>
+            <a:r>
+              <a:rPr lang="en-US"/>
+              <a:t>nếu </a:t>
+            </a:r>
+            <a:r>
+              <a:rPr lang="en-US" smtClean="0"/>
+              <a:t>phép gán </a:t>
+            </a:r>
+            <a:r>
+              <a:rPr lang="el-GR" smtClean="0">
+                <a:latin typeface="Times New Roman" panose="02020603050405020304" pitchFamily="18" charset="0"/>
+                <a:cs typeface="Times New Roman" panose="02020603050405020304" pitchFamily="18" charset="0"/>
+              </a:rPr>
+              <a:t>υ</a:t>
+            </a:r>
+            <a:r>
+              <a:rPr lang="en-US" smtClean="0">
+                <a:latin typeface="Times New Roman" panose="02020603050405020304" pitchFamily="18" charset="0"/>
+                <a:cs typeface="Times New Roman" panose="02020603050405020304" pitchFamily="18" charset="0"/>
+              </a:rPr>
+              <a:t> sao cho </a:t>
+            </a:r>
+            <a:endParaRPr lang="en-US">
+              <a:sym typeface="Symbol" panose="05050102010706020507" pitchFamily="18" charset="2"/>
+            </a:endParaRPr>
+          </a:p>
+          <a:p>
+            <a:pPr lvl="1"/>
+            <a:r>
+              <a:rPr lang="en-US">
+                <a:sym typeface="Symbol" panose="05050102010706020507" pitchFamily="18" charset="2"/>
+              </a:rPr>
+              <a:t>Loại câu hỏi phỏng đoán: Câu trả lời là True nếu L(M) = U, ngược lại câu trả lời là False và Teacher trả về một phản ví dụ</a:t>
+            </a:r>
+            <a:endParaRPr lang="en-US"/>
+          </a:p>
+          <a:p>
             <a:endParaRPr lang="en-US"/>
           </a:p>
         </p:txBody>
@@ -6523,20 +7006,13 @@
     </p:spTree>
     <p:extLst>
       <p:ext uri="{BB962C8B-B14F-4D97-AF65-F5344CB8AC3E}">
-        <p14:creationId xmlns:p14="http://schemas.microsoft.com/office/powerpoint/2010/main" val="3160942339"/>
+        <p14:creationId xmlns:p14="http://schemas.microsoft.com/office/powerpoint/2010/main" val="807542300"/>
       </p:ext>
     </p:extLst>
   </p:cSld>
   <p:clrMapOvr>
     <a:masterClrMapping/>
   </p:clrMapOvr>
-  <p:timing>
-    <p:tnLst>
-      <p:par>
-        <p:cTn id="1" dur="indefinite" restart="never" nodeType="tmRoot"/>
-      </p:par>
-    </p:tnLst>
-  </p:timing>
 </p:sld>
 </file>
 
@@ -6574,7 +7050,7 @@
           <a:p>
             <a:r>
               <a:rPr lang="en-US" smtClean="0"/>
-              <a:t>Phương pháp chuyển đổi (1)</a:t>
+              <a:t>Chuyển đổi qua (1) -&gt; đổi tên</a:t>
             </a:r>
             <a:endParaRPr lang="en-US"/>
           </a:p>
@@ -6597,31 +7073,51 @@
           <a:p>
             <a:r>
               <a:rPr lang="en-US" smtClean="0"/>
+              <a:t>Dạng đặc tả sử dụng LTS là gì</a:t>
+            </a:r>
+          </a:p>
+          <a:p>
+            <a:r>
+              <a:rPr lang="en-US" smtClean="0"/>
+              <a:t>Dạng đặc tả sử dụng hàm bool</a:t>
+            </a:r>
+          </a:p>
+          <a:p>
+            <a:r>
+              <a:rPr lang="en-US" smtClean="0"/>
+              <a:t>Thuật toán mã hóa gồm các bước</a:t>
+            </a:r>
+          </a:p>
+          <a:p>
+            <a:pPr lvl="1"/>
+            <a:r>
+              <a:rPr lang="en-US" smtClean="0"/>
               <a:t>Thuật toán mã hóa một tập hợp</a:t>
             </a:r>
           </a:p>
           <a:p>
+            <a:pPr lvl="2"/>
+            <a:r>
+              <a:rPr lang="en-US" smtClean="0"/>
+              <a:t>Mã hóa tập các trạng thái đầu vào</a:t>
+            </a:r>
+          </a:p>
+          <a:p>
+            <a:pPr lvl="2"/>
+            <a:r>
+              <a:rPr lang="en-US" smtClean="0"/>
+              <a:t>Mã hóa tập các trạng thái đầu ra</a:t>
+            </a:r>
+          </a:p>
+          <a:p>
+            <a:pPr lvl="2"/>
+            <a:r>
+              <a:rPr lang="en-US" smtClean="0"/>
+              <a:t>Mã hóa tập các sự kiện</a:t>
+            </a:r>
+          </a:p>
+          <a:p>
             <a:pPr lvl="1"/>
-            <a:r>
-              <a:rPr lang="en-US" smtClean="0"/>
-              <a:t>Mã hóa tập các trạng thái đầu vào</a:t>
-            </a:r>
-          </a:p>
-          <a:p>
-            <a:pPr lvl="1"/>
-            <a:r>
-              <a:rPr lang="en-US" smtClean="0"/>
-              <a:t>Mã hóa tập các trạng thái đầu ra</a:t>
-            </a:r>
-          </a:p>
-          <a:p>
-            <a:pPr lvl="1"/>
-            <a:r>
-              <a:rPr lang="en-US" smtClean="0"/>
-              <a:t>Mã hóa tập các sự kiện</a:t>
-            </a:r>
-          </a:p>
-          <a:p>
             <a:r>
               <a:rPr lang="en-US" smtClean="0"/>
               <a:t>Thuật toán mã hóa tập các chuyển trạng thái</a:t>

--- a/slide/hunglv_BaoCaoTienDo.pptx
+++ b/slide/hunglv_BaoCaoTienDo.pptx
@@ -5,23 +5,26 @@
     <p:sldMasterId id="2147483648" r:id="rId1"/>
   </p:sldMasterIdLst>
   <p:notesMasterIdLst>
-    <p:notesMasterId r:id="rId16"/>
+    <p:notesMasterId r:id="rId19"/>
   </p:notesMasterIdLst>
   <p:sldIdLst>
     <p:sldId id="256" r:id="rId2"/>
     <p:sldId id="257" r:id="rId3"/>
     <p:sldId id="307" r:id="rId4"/>
-    <p:sldId id="318" r:id="rId5"/>
-    <p:sldId id="319" r:id="rId6"/>
-    <p:sldId id="309" r:id="rId7"/>
-    <p:sldId id="312" r:id="rId8"/>
-    <p:sldId id="320" r:id="rId9"/>
-    <p:sldId id="313" r:id="rId10"/>
-    <p:sldId id="314" r:id="rId11"/>
-    <p:sldId id="315" r:id="rId12"/>
-    <p:sldId id="316" r:id="rId13"/>
-    <p:sldId id="317" r:id="rId14"/>
-    <p:sldId id="275" r:id="rId15"/>
+    <p:sldId id="323" r:id="rId5"/>
+    <p:sldId id="318" r:id="rId6"/>
+    <p:sldId id="319" r:id="rId7"/>
+    <p:sldId id="309" r:id="rId8"/>
+    <p:sldId id="312" r:id="rId9"/>
+    <p:sldId id="320" r:id="rId10"/>
+    <p:sldId id="313" r:id="rId11"/>
+    <p:sldId id="322" r:id="rId12"/>
+    <p:sldId id="314" r:id="rId13"/>
+    <p:sldId id="315" r:id="rId14"/>
+    <p:sldId id="316" r:id="rId15"/>
+    <p:sldId id="317" r:id="rId16"/>
+    <p:sldId id="324" r:id="rId17"/>
+    <p:sldId id="275" r:id="rId18"/>
   </p:sldIdLst>
   <p:sldSz cx="12192000" cy="6858000"/>
   <p:notesSz cx="6858000" cy="9144000"/>
@@ -701,6 +704,28 @@
           <a:bodyPr/>
           <a:lstStyle/>
           <a:p>
+            <a:pPr marL="171450" indent="-171450">
+              <a:buFontTx/>
+              <a:buChar char="-"/>
+            </a:pPr>
+            <a:r>
+              <a:rPr lang="en-US" smtClean="0"/>
+              <a:t>L*: Học</a:t>
+            </a:r>
+            <a:r>
+              <a:rPr lang="en-US" baseline="0" smtClean="0"/>
+              <a:t> ngữ cảnh giả định = 1 automat</a:t>
+            </a:r>
+          </a:p>
+          <a:p>
+            <a:pPr marL="171450" indent="-171450">
+              <a:buFontTx/>
+              <a:buChar char="-"/>
+            </a:pPr>
+            <a:r>
+              <a:rPr lang="en-US" baseline="0" smtClean="0"/>
+              <a:t>Boolean: học ngữ cảnh giả định = 1 hàm logic</a:t>
+            </a:r>
             <a:endParaRPr lang="en-US" dirty="0"/>
           </a:p>
         </p:txBody>
@@ -814,7 +839,7 @@
           <a:p>
             <a:fld id="{C9FE1C42-64BA-4A3C-AA3E-D4DD50A3402F}" type="slidenum">
               <a:rPr lang="en-US" smtClean="0"/>
-              <a:t>9</a:t>
+              <a:t>10</a:t>
             </a:fld>
             <a:endParaRPr lang="en-US"/>
           </a:p>
@@ -878,14 +903,226 @@
           <a:lstStyle/>
           <a:p>
             <a:r>
-              <a:rPr lang="en-US" smtClean="0"/>
-              <a:t>Thuậ</a:t>
-            </a:r>
-            <a:r>
-              <a:rPr lang="en-US" baseline="0" smtClean="0"/>
-              <a:t> ttoans vẽ bằng biểu đồ khối vì việc mã hóa 3 loại tập hợp kia là tương tự nhau</a:t>
-            </a:r>
-            <a:endParaRPr lang="en-US"/>
+              <a:rPr lang="en-US" dirty="0" err="1" smtClean="0"/>
+              <a:t>Vì</a:t>
+            </a:r>
+            <a:r>
+              <a:rPr lang="en-US" baseline="0" dirty="0" smtClean="0"/>
+              <a:t> </a:t>
+            </a:r>
+            <a:r>
+              <a:rPr lang="en-US" baseline="0" dirty="0" err="1" smtClean="0"/>
+              <a:t>việc</a:t>
+            </a:r>
+            <a:r>
+              <a:rPr lang="en-US" baseline="0" dirty="0" smtClean="0"/>
+              <a:t> </a:t>
+            </a:r>
+            <a:r>
+              <a:rPr lang="en-US" baseline="0" dirty="0" err="1" smtClean="0"/>
+              <a:t>mã</a:t>
+            </a:r>
+            <a:r>
+              <a:rPr lang="en-US" baseline="0" dirty="0" smtClean="0"/>
+              <a:t> </a:t>
+            </a:r>
+            <a:r>
+              <a:rPr lang="en-US" baseline="0" dirty="0" err="1" smtClean="0"/>
+              <a:t>hóa</a:t>
+            </a:r>
+            <a:r>
+              <a:rPr lang="en-US" baseline="0" dirty="0" smtClean="0"/>
+              <a:t> </a:t>
+            </a:r>
+            <a:r>
+              <a:rPr lang="en-US" baseline="0" dirty="0" err="1" smtClean="0"/>
+              <a:t>tập</a:t>
+            </a:r>
+            <a:r>
+              <a:rPr lang="en-US" baseline="0" dirty="0" smtClean="0"/>
+              <a:t> </a:t>
+            </a:r>
+            <a:r>
+              <a:rPr lang="en-US" baseline="0" dirty="0" err="1" smtClean="0"/>
+              <a:t>trạng</a:t>
+            </a:r>
+            <a:r>
+              <a:rPr lang="en-US" baseline="0" dirty="0" smtClean="0"/>
+              <a:t> </a:t>
+            </a:r>
+            <a:r>
+              <a:rPr lang="en-US" baseline="0" dirty="0" err="1" smtClean="0"/>
+              <a:t>thái</a:t>
+            </a:r>
+            <a:r>
+              <a:rPr lang="en-US" baseline="0" dirty="0" smtClean="0"/>
+              <a:t> </a:t>
+            </a:r>
+            <a:r>
+              <a:rPr lang="en-US" baseline="0" dirty="0" err="1" smtClean="0"/>
+              <a:t>đầu</a:t>
+            </a:r>
+            <a:r>
+              <a:rPr lang="en-US" baseline="0" dirty="0" smtClean="0"/>
+              <a:t> </a:t>
+            </a:r>
+            <a:r>
+              <a:rPr lang="en-US" baseline="0" dirty="0" err="1" smtClean="0"/>
+              <a:t>vào</a:t>
+            </a:r>
+            <a:r>
+              <a:rPr lang="en-US" baseline="0" dirty="0" smtClean="0"/>
+              <a:t>, </a:t>
+            </a:r>
+            <a:r>
+              <a:rPr lang="en-US" baseline="0" dirty="0" err="1" smtClean="0"/>
+              <a:t>tập</a:t>
+            </a:r>
+            <a:r>
+              <a:rPr lang="en-US" baseline="0" dirty="0" smtClean="0"/>
+              <a:t> </a:t>
+            </a:r>
+            <a:r>
+              <a:rPr lang="en-US" baseline="0" dirty="0" err="1" smtClean="0"/>
+              <a:t>trạng</a:t>
+            </a:r>
+            <a:r>
+              <a:rPr lang="en-US" baseline="0" dirty="0" smtClean="0"/>
+              <a:t> </a:t>
+            </a:r>
+            <a:r>
+              <a:rPr lang="en-US" baseline="0" dirty="0" err="1" smtClean="0"/>
+              <a:t>thái</a:t>
+            </a:r>
+            <a:r>
+              <a:rPr lang="en-US" baseline="0" dirty="0" smtClean="0"/>
+              <a:t> </a:t>
+            </a:r>
+            <a:r>
+              <a:rPr lang="en-US" baseline="0" dirty="0" err="1" smtClean="0"/>
+              <a:t>đầu</a:t>
+            </a:r>
+            <a:r>
+              <a:rPr lang="en-US" baseline="0" dirty="0" smtClean="0"/>
+              <a:t> </a:t>
+            </a:r>
+            <a:r>
+              <a:rPr lang="en-US" baseline="0" dirty="0" err="1" smtClean="0"/>
+              <a:t>ra</a:t>
+            </a:r>
+            <a:r>
+              <a:rPr lang="en-US" baseline="0" dirty="0" smtClean="0"/>
+              <a:t> </a:t>
+            </a:r>
+            <a:r>
+              <a:rPr lang="en-US" baseline="0" dirty="0" err="1" smtClean="0"/>
+              <a:t>và</a:t>
+            </a:r>
+            <a:r>
+              <a:rPr lang="en-US" baseline="0" dirty="0" smtClean="0"/>
+              <a:t> </a:t>
+            </a:r>
+            <a:r>
+              <a:rPr lang="en-US" baseline="0" dirty="0" err="1" smtClean="0"/>
+              <a:t>tập</a:t>
+            </a:r>
+            <a:r>
+              <a:rPr lang="en-US" baseline="0" dirty="0" smtClean="0"/>
+              <a:t> </a:t>
+            </a:r>
+            <a:r>
+              <a:rPr lang="en-US" baseline="0" dirty="0" err="1" smtClean="0"/>
+              <a:t>các</a:t>
+            </a:r>
+            <a:r>
+              <a:rPr lang="en-US" baseline="0" dirty="0" smtClean="0"/>
+              <a:t> </a:t>
+            </a:r>
+            <a:r>
+              <a:rPr lang="en-US" baseline="0" dirty="0" err="1" smtClean="0"/>
+              <a:t>sự</a:t>
+            </a:r>
+            <a:r>
+              <a:rPr lang="en-US" baseline="0" dirty="0" smtClean="0"/>
+              <a:t> </a:t>
+            </a:r>
+            <a:r>
+              <a:rPr lang="en-US" baseline="0" dirty="0" err="1" smtClean="0"/>
+              <a:t>kiện</a:t>
+            </a:r>
+            <a:r>
+              <a:rPr lang="en-US" baseline="0" dirty="0" smtClean="0"/>
+              <a:t> </a:t>
+            </a:r>
+            <a:r>
+              <a:rPr lang="en-US" baseline="0" dirty="0" err="1" smtClean="0"/>
+              <a:t>là</a:t>
+            </a:r>
+            <a:r>
+              <a:rPr lang="en-US" baseline="0" dirty="0" smtClean="0"/>
+              <a:t> </a:t>
+            </a:r>
+            <a:r>
+              <a:rPr lang="en-US" baseline="0" dirty="0" err="1" smtClean="0"/>
+              <a:t>như</a:t>
+            </a:r>
+            <a:r>
+              <a:rPr lang="en-US" baseline="0" dirty="0" smtClean="0"/>
+              <a:t> </a:t>
+            </a:r>
+            <a:r>
+              <a:rPr lang="en-US" baseline="0" dirty="0" err="1" smtClean="0"/>
+              <a:t>nhau</a:t>
+            </a:r>
+            <a:r>
+              <a:rPr lang="en-US" baseline="0" dirty="0" smtClean="0"/>
+              <a:t> </a:t>
+            </a:r>
+            <a:r>
+              <a:rPr lang="en-US" baseline="0" dirty="0" err="1" smtClean="0"/>
+              <a:t>nên</a:t>
+            </a:r>
+            <a:r>
+              <a:rPr lang="en-US" baseline="0" dirty="0" smtClean="0"/>
+              <a:t> </a:t>
+            </a:r>
+            <a:r>
+              <a:rPr lang="en-US" baseline="0" dirty="0" err="1" smtClean="0"/>
+              <a:t>chỉ</a:t>
+            </a:r>
+            <a:r>
+              <a:rPr lang="en-US" baseline="0" dirty="0" smtClean="0"/>
+              <a:t> </a:t>
+            </a:r>
+            <a:r>
+              <a:rPr lang="en-US" baseline="0" dirty="0" err="1" smtClean="0"/>
+              <a:t>cần</a:t>
+            </a:r>
+            <a:r>
+              <a:rPr lang="en-US" baseline="0" dirty="0" smtClean="0"/>
+              <a:t> 1 </a:t>
+            </a:r>
+            <a:r>
+              <a:rPr lang="en-US" baseline="0" dirty="0" err="1" smtClean="0"/>
+              <a:t>thuật</a:t>
+            </a:r>
+            <a:r>
+              <a:rPr lang="en-US" baseline="0" dirty="0" smtClean="0"/>
+              <a:t> </a:t>
+            </a:r>
+            <a:r>
+              <a:rPr lang="en-US" baseline="0" dirty="0" err="1" smtClean="0"/>
+              <a:t>toán</a:t>
+            </a:r>
+            <a:r>
+              <a:rPr lang="en-US" baseline="0" dirty="0" smtClean="0"/>
+              <a:t> </a:t>
+            </a:r>
+            <a:r>
+              <a:rPr lang="en-US" baseline="0" dirty="0" err="1" smtClean="0"/>
+              <a:t>chung</a:t>
+            </a:r>
+            <a:endParaRPr lang="en-US" dirty="0"/>
           </a:p>
         </p:txBody>
       </p:sp>
@@ -906,7 +1143,7 @@
           <a:p>
             <a:fld id="{C9FE1C42-64BA-4A3C-AA3E-D4DD50A3402F}" type="slidenum">
               <a:rPr lang="en-US" smtClean="0"/>
-              <a:t>10</a:t>
+              <a:t>11</a:t>
             </a:fld>
             <a:endParaRPr lang="en-US"/>
           </a:p>
@@ -915,7 +1152,7 @@
     </p:spTree>
     <p:extLst>
       <p:ext uri="{BB962C8B-B14F-4D97-AF65-F5344CB8AC3E}">
-        <p14:creationId xmlns:p14="http://schemas.microsoft.com/office/powerpoint/2010/main" val="3294238526"/>
+        <p14:creationId xmlns:p14="http://schemas.microsoft.com/office/powerpoint/2010/main" val="225064298"/>
       </p:ext>
     </p:extLst>
   </p:cSld>
@@ -970,20 +1207,154 @@
           <a:lstStyle/>
           <a:p>
             <a:r>
-              <a:rPr lang="en-US" smtClean="0"/>
-              <a:t>Phải</a:t>
-            </a:r>
-            <a:r>
-              <a:rPr lang="en-US" baseline="0" smtClean="0"/>
-              <a:t> đưa ra được chứng minh 2 chiều, phải có MAPPING</a:t>
-            </a:r>
-          </a:p>
-          <a:p>
-            <a:r>
-              <a:rPr lang="en-US" baseline="0" smtClean="0"/>
-              <a:t>Phải nổi bật ý theo cái mã hóa kia 1 cái trạng thái chuyển sang được đặc tả sử dụng hàm logc tương ứng + Iteam trong map (Q -&gt; Biểu thức + cái trong mapping)</a:t>
-            </a:r>
-            <a:endParaRPr lang="en-US"/>
+              <a:rPr lang="en-US" dirty="0" err="1" smtClean="0"/>
+              <a:t>Thuậ</a:t>
+            </a:r>
+            <a:r>
+              <a:rPr lang="en-US" baseline="0" dirty="0" smtClean="0"/>
+              <a:t> </a:t>
+            </a:r>
+            <a:r>
+              <a:rPr lang="en-US" baseline="0" dirty="0" err="1" smtClean="0"/>
+              <a:t>ttoans</a:t>
+            </a:r>
+            <a:r>
+              <a:rPr lang="en-US" baseline="0" dirty="0" smtClean="0"/>
+              <a:t> </a:t>
+            </a:r>
+            <a:r>
+              <a:rPr lang="en-US" baseline="0" dirty="0" err="1" smtClean="0"/>
+              <a:t>vẽ</a:t>
+            </a:r>
+            <a:r>
+              <a:rPr lang="en-US" baseline="0" dirty="0" smtClean="0"/>
+              <a:t> </a:t>
+            </a:r>
+            <a:r>
+              <a:rPr lang="en-US" baseline="0" dirty="0" err="1" smtClean="0"/>
+              <a:t>bằng</a:t>
+            </a:r>
+            <a:r>
+              <a:rPr lang="en-US" baseline="0" dirty="0" smtClean="0"/>
+              <a:t> </a:t>
+            </a:r>
+            <a:r>
+              <a:rPr lang="en-US" baseline="0" dirty="0" err="1" smtClean="0"/>
+              <a:t>biểu</a:t>
+            </a:r>
+            <a:r>
+              <a:rPr lang="en-US" baseline="0" dirty="0" smtClean="0"/>
+              <a:t> </a:t>
+            </a:r>
+            <a:r>
+              <a:rPr lang="en-US" baseline="0" dirty="0" err="1" smtClean="0"/>
+              <a:t>đồ</a:t>
+            </a:r>
+            <a:r>
+              <a:rPr lang="en-US" baseline="0" dirty="0" smtClean="0"/>
+              <a:t> </a:t>
+            </a:r>
+            <a:r>
+              <a:rPr lang="en-US" baseline="0" dirty="0" err="1" smtClean="0"/>
+              <a:t>khối</a:t>
+            </a:r>
+            <a:r>
+              <a:rPr lang="en-US" baseline="0" dirty="0" smtClean="0"/>
+              <a:t> </a:t>
+            </a:r>
+            <a:r>
+              <a:rPr lang="en-US" baseline="0" dirty="0" err="1" smtClean="0"/>
+              <a:t>vì</a:t>
+            </a:r>
+            <a:r>
+              <a:rPr lang="en-US" baseline="0" dirty="0" smtClean="0"/>
+              <a:t> </a:t>
+            </a:r>
+            <a:r>
+              <a:rPr lang="en-US" baseline="0" dirty="0" err="1" smtClean="0"/>
+              <a:t>việc</a:t>
+            </a:r>
+            <a:r>
+              <a:rPr lang="en-US" baseline="0" dirty="0" smtClean="0"/>
+              <a:t> </a:t>
+            </a:r>
+            <a:r>
+              <a:rPr lang="en-US" baseline="0" dirty="0" err="1" smtClean="0"/>
+              <a:t>mã</a:t>
+            </a:r>
+            <a:r>
+              <a:rPr lang="en-US" baseline="0" dirty="0" smtClean="0"/>
+              <a:t> </a:t>
+            </a:r>
+            <a:r>
+              <a:rPr lang="en-US" baseline="0" dirty="0" err="1" smtClean="0"/>
+              <a:t>hóa</a:t>
+            </a:r>
+            <a:r>
+              <a:rPr lang="en-US" baseline="0" dirty="0" smtClean="0"/>
+              <a:t> 3 </a:t>
+            </a:r>
+            <a:r>
+              <a:rPr lang="en-US" baseline="0" dirty="0" err="1" smtClean="0"/>
+              <a:t>loại</a:t>
+            </a:r>
+            <a:r>
+              <a:rPr lang="en-US" baseline="0" dirty="0" smtClean="0"/>
+              <a:t> </a:t>
+            </a:r>
+            <a:r>
+              <a:rPr lang="en-US" baseline="0" dirty="0" err="1" smtClean="0"/>
+              <a:t>tập</a:t>
+            </a:r>
+            <a:r>
+              <a:rPr lang="en-US" baseline="0" dirty="0" smtClean="0"/>
+              <a:t> </a:t>
+            </a:r>
+            <a:r>
+              <a:rPr lang="en-US" baseline="0" dirty="0" err="1" smtClean="0"/>
+              <a:t>hợp</a:t>
+            </a:r>
+            <a:r>
+              <a:rPr lang="en-US" baseline="0" dirty="0" smtClean="0"/>
+              <a:t> </a:t>
+            </a:r>
+            <a:r>
+              <a:rPr lang="en-US" baseline="0" dirty="0" err="1" smtClean="0"/>
+              <a:t>kia</a:t>
+            </a:r>
+            <a:r>
+              <a:rPr lang="en-US" baseline="0" dirty="0" smtClean="0"/>
+              <a:t> </a:t>
+            </a:r>
+            <a:r>
+              <a:rPr lang="en-US" baseline="0" dirty="0" err="1" smtClean="0"/>
+              <a:t>là</a:t>
+            </a:r>
+            <a:r>
+              <a:rPr lang="en-US" baseline="0" dirty="0" smtClean="0"/>
+              <a:t> </a:t>
+            </a:r>
+            <a:r>
+              <a:rPr lang="en-US" baseline="0" dirty="0" err="1" smtClean="0"/>
+              <a:t>tương</a:t>
+            </a:r>
+            <a:r>
+              <a:rPr lang="en-US" baseline="0" dirty="0" smtClean="0"/>
+              <a:t> </a:t>
+            </a:r>
+            <a:r>
+              <a:rPr lang="en-US" baseline="0" dirty="0" err="1" smtClean="0"/>
+              <a:t>tự</a:t>
+            </a:r>
+            <a:r>
+              <a:rPr lang="en-US" baseline="0" dirty="0" smtClean="0"/>
+              <a:t> </a:t>
+            </a:r>
+            <a:r>
+              <a:rPr lang="en-US" baseline="0" dirty="0" err="1" smtClean="0"/>
+              <a:t>nhau</a:t>
+            </a:r>
+            <a:endParaRPr lang="en-US" dirty="0"/>
           </a:p>
         </p:txBody>
       </p:sp>
@@ -1013,7 +1384,7 @@
     </p:spTree>
     <p:extLst>
       <p:ext uri="{BB962C8B-B14F-4D97-AF65-F5344CB8AC3E}">
-        <p14:creationId xmlns:p14="http://schemas.microsoft.com/office/powerpoint/2010/main" val="2373027106"/>
+        <p14:creationId xmlns:p14="http://schemas.microsoft.com/office/powerpoint/2010/main" val="3294238526"/>
       </p:ext>
     </p:extLst>
   </p:cSld>
@@ -1067,7 +1438,289 @@
           <a:bodyPr/>
           <a:lstStyle/>
           <a:p>
-            <a:endParaRPr lang="en-US"/>
+            <a:r>
+              <a:rPr lang="en-US" dirty="0" err="1" smtClean="0"/>
+              <a:t>Phải</a:t>
+            </a:r>
+            <a:r>
+              <a:rPr lang="en-US" baseline="0" dirty="0" smtClean="0"/>
+              <a:t> </a:t>
+            </a:r>
+            <a:r>
+              <a:rPr lang="en-US" baseline="0" dirty="0" err="1" smtClean="0"/>
+              <a:t>đưa</a:t>
+            </a:r>
+            <a:r>
+              <a:rPr lang="en-US" baseline="0" dirty="0" smtClean="0"/>
+              <a:t> </a:t>
+            </a:r>
+            <a:r>
+              <a:rPr lang="en-US" baseline="0" dirty="0" err="1" smtClean="0"/>
+              <a:t>ra</a:t>
+            </a:r>
+            <a:r>
+              <a:rPr lang="en-US" baseline="0" dirty="0" smtClean="0"/>
+              <a:t> </a:t>
+            </a:r>
+            <a:r>
+              <a:rPr lang="en-US" baseline="0" dirty="0" err="1" smtClean="0"/>
+              <a:t>được</a:t>
+            </a:r>
+            <a:r>
+              <a:rPr lang="en-US" baseline="0" dirty="0" smtClean="0"/>
+              <a:t> </a:t>
+            </a:r>
+            <a:r>
+              <a:rPr lang="en-US" baseline="0" dirty="0" err="1" smtClean="0"/>
+              <a:t>chứng</a:t>
+            </a:r>
+            <a:r>
+              <a:rPr lang="en-US" baseline="0" dirty="0" smtClean="0"/>
+              <a:t> minh 2 </a:t>
+            </a:r>
+            <a:r>
+              <a:rPr lang="en-US" baseline="0" dirty="0" err="1" smtClean="0"/>
+              <a:t>chiều</a:t>
+            </a:r>
+            <a:r>
+              <a:rPr lang="en-US" baseline="0" dirty="0" smtClean="0"/>
+              <a:t>, </a:t>
+            </a:r>
+            <a:r>
+              <a:rPr lang="en-US" baseline="0" dirty="0" err="1" smtClean="0"/>
+              <a:t>phải</a:t>
+            </a:r>
+            <a:r>
+              <a:rPr lang="en-US" baseline="0" dirty="0" smtClean="0"/>
+              <a:t> </a:t>
+            </a:r>
+            <a:r>
+              <a:rPr lang="en-US" baseline="0" dirty="0" err="1" smtClean="0"/>
+              <a:t>có</a:t>
+            </a:r>
+            <a:r>
+              <a:rPr lang="en-US" baseline="0" dirty="0" smtClean="0"/>
+              <a:t> MAPPING</a:t>
+            </a:r>
+          </a:p>
+          <a:p>
+            <a:r>
+              <a:rPr lang="en-US" baseline="0" dirty="0" err="1" smtClean="0"/>
+              <a:t>Phải</a:t>
+            </a:r>
+            <a:r>
+              <a:rPr lang="en-US" baseline="0" dirty="0" smtClean="0"/>
+              <a:t> </a:t>
+            </a:r>
+            <a:r>
+              <a:rPr lang="en-US" baseline="0" dirty="0" err="1" smtClean="0"/>
+              <a:t>nổi</a:t>
+            </a:r>
+            <a:r>
+              <a:rPr lang="en-US" baseline="0" dirty="0" smtClean="0"/>
+              <a:t> </a:t>
+            </a:r>
+            <a:r>
+              <a:rPr lang="en-US" baseline="0" dirty="0" err="1" smtClean="0"/>
+              <a:t>bật</a:t>
+            </a:r>
+            <a:r>
+              <a:rPr lang="en-US" baseline="0" dirty="0" smtClean="0"/>
+              <a:t> ý </a:t>
+            </a:r>
+            <a:r>
+              <a:rPr lang="en-US" baseline="0" dirty="0" err="1" smtClean="0"/>
+              <a:t>theo</a:t>
+            </a:r>
+            <a:r>
+              <a:rPr lang="en-US" baseline="0" dirty="0" smtClean="0"/>
+              <a:t> </a:t>
+            </a:r>
+            <a:r>
+              <a:rPr lang="en-US" baseline="0" dirty="0" err="1" smtClean="0"/>
+              <a:t>cái</a:t>
+            </a:r>
+            <a:r>
+              <a:rPr lang="en-US" baseline="0" dirty="0" smtClean="0"/>
+              <a:t> </a:t>
+            </a:r>
+            <a:r>
+              <a:rPr lang="en-US" baseline="0" dirty="0" err="1" smtClean="0"/>
+              <a:t>mã</a:t>
+            </a:r>
+            <a:r>
+              <a:rPr lang="en-US" baseline="0" dirty="0" smtClean="0"/>
+              <a:t> </a:t>
+            </a:r>
+            <a:r>
+              <a:rPr lang="en-US" baseline="0" dirty="0" err="1" smtClean="0"/>
+              <a:t>hóa</a:t>
+            </a:r>
+            <a:r>
+              <a:rPr lang="en-US" baseline="0" dirty="0" smtClean="0"/>
+              <a:t> </a:t>
+            </a:r>
+            <a:r>
+              <a:rPr lang="en-US" baseline="0" dirty="0" err="1" smtClean="0"/>
+              <a:t>kia</a:t>
+            </a:r>
+            <a:r>
+              <a:rPr lang="en-US" baseline="0" dirty="0" smtClean="0"/>
+              <a:t> 1 </a:t>
+            </a:r>
+            <a:r>
+              <a:rPr lang="en-US" baseline="0" dirty="0" err="1" smtClean="0"/>
+              <a:t>cái</a:t>
+            </a:r>
+            <a:r>
+              <a:rPr lang="en-US" baseline="0" dirty="0" smtClean="0"/>
+              <a:t> </a:t>
+            </a:r>
+            <a:r>
+              <a:rPr lang="en-US" baseline="0" dirty="0" err="1" smtClean="0"/>
+              <a:t>trạng</a:t>
+            </a:r>
+            <a:r>
+              <a:rPr lang="en-US" baseline="0" dirty="0" smtClean="0"/>
+              <a:t> </a:t>
+            </a:r>
+            <a:r>
+              <a:rPr lang="en-US" baseline="0" dirty="0" err="1" smtClean="0"/>
+              <a:t>thái</a:t>
+            </a:r>
+            <a:r>
+              <a:rPr lang="en-US" baseline="0" dirty="0" smtClean="0"/>
+              <a:t> </a:t>
+            </a:r>
+            <a:r>
+              <a:rPr lang="en-US" baseline="0" dirty="0" err="1" smtClean="0"/>
+              <a:t>chuyển</a:t>
+            </a:r>
+            <a:r>
+              <a:rPr lang="en-US" baseline="0" dirty="0" smtClean="0"/>
+              <a:t> sang </a:t>
+            </a:r>
+            <a:r>
+              <a:rPr lang="en-US" baseline="0" dirty="0" err="1" smtClean="0"/>
+              <a:t>được</a:t>
+            </a:r>
+            <a:r>
+              <a:rPr lang="en-US" baseline="0" dirty="0" smtClean="0"/>
+              <a:t> </a:t>
+            </a:r>
+            <a:r>
+              <a:rPr lang="en-US" baseline="0" dirty="0" err="1" smtClean="0"/>
+              <a:t>đặc</a:t>
+            </a:r>
+            <a:r>
+              <a:rPr lang="en-US" baseline="0" dirty="0" smtClean="0"/>
+              <a:t> </a:t>
+            </a:r>
+            <a:r>
+              <a:rPr lang="en-US" baseline="0" dirty="0" err="1" smtClean="0"/>
+              <a:t>tả</a:t>
+            </a:r>
+            <a:r>
+              <a:rPr lang="en-US" baseline="0" dirty="0" smtClean="0"/>
+              <a:t> </a:t>
+            </a:r>
+            <a:r>
+              <a:rPr lang="en-US" baseline="0" dirty="0" err="1" smtClean="0"/>
+              <a:t>sử</a:t>
+            </a:r>
+            <a:r>
+              <a:rPr lang="en-US" baseline="0" dirty="0" smtClean="0"/>
+              <a:t> </a:t>
+            </a:r>
+            <a:r>
+              <a:rPr lang="en-US" baseline="0" dirty="0" err="1" smtClean="0"/>
+              <a:t>dụng</a:t>
+            </a:r>
+            <a:r>
+              <a:rPr lang="en-US" baseline="0" dirty="0" smtClean="0"/>
+              <a:t> </a:t>
+            </a:r>
+            <a:r>
+              <a:rPr lang="en-US" baseline="0" dirty="0" err="1" smtClean="0"/>
+              <a:t>hàm</a:t>
+            </a:r>
+            <a:r>
+              <a:rPr lang="en-US" baseline="0" dirty="0" smtClean="0"/>
+              <a:t> </a:t>
+            </a:r>
+            <a:r>
+              <a:rPr lang="en-US" baseline="0" dirty="0" err="1" smtClean="0"/>
+              <a:t>logc</a:t>
+            </a:r>
+            <a:r>
+              <a:rPr lang="en-US" baseline="0" dirty="0" smtClean="0"/>
+              <a:t> </a:t>
+            </a:r>
+            <a:r>
+              <a:rPr lang="en-US" baseline="0" dirty="0" err="1" smtClean="0"/>
+              <a:t>tương</a:t>
+            </a:r>
+            <a:r>
+              <a:rPr lang="en-US" baseline="0" dirty="0" smtClean="0"/>
+              <a:t> </a:t>
+            </a:r>
+            <a:r>
+              <a:rPr lang="en-US" baseline="0" dirty="0" err="1" smtClean="0"/>
+              <a:t>ứng</a:t>
+            </a:r>
+            <a:r>
+              <a:rPr lang="en-US" baseline="0" dirty="0" smtClean="0"/>
+              <a:t> + </a:t>
+            </a:r>
+            <a:r>
+              <a:rPr lang="en-US" baseline="0" dirty="0" err="1" smtClean="0"/>
+              <a:t>Iteam</a:t>
+            </a:r>
+            <a:r>
+              <a:rPr lang="en-US" baseline="0" dirty="0" smtClean="0"/>
+              <a:t> </a:t>
+            </a:r>
+            <a:r>
+              <a:rPr lang="en-US" baseline="0" dirty="0" err="1" smtClean="0"/>
+              <a:t>trong</a:t>
+            </a:r>
+            <a:r>
+              <a:rPr lang="en-US" baseline="0" dirty="0" smtClean="0"/>
+              <a:t> map (Q -&gt; </a:t>
+            </a:r>
+            <a:r>
+              <a:rPr lang="en-US" baseline="0" dirty="0" err="1" smtClean="0"/>
+              <a:t>Biểu</a:t>
+            </a:r>
+            <a:r>
+              <a:rPr lang="en-US" baseline="0" dirty="0" smtClean="0"/>
+              <a:t> </a:t>
+            </a:r>
+            <a:r>
+              <a:rPr lang="en-US" baseline="0" dirty="0" err="1" smtClean="0"/>
+              <a:t>thức</a:t>
+            </a:r>
+            <a:r>
+              <a:rPr lang="en-US" baseline="0" dirty="0" smtClean="0"/>
+              <a:t> + </a:t>
+            </a:r>
+            <a:r>
+              <a:rPr lang="en-US" baseline="0" dirty="0" err="1" smtClean="0"/>
+              <a:t>cái</a:t>
+            </a:r>
+            <a:r>
+              <a:rPr lang="en-US" baseline="0" dirty="0" smtClean="0"/>
+              <a:t> </a:t>
+            </a:r>
+            <a:r>
+              <a:rPr lang="en-US" baseline="0" dirty="0" err="1" smtClean="0"/>
+              <a:t>trong</a:t>
+            </a:r>
+            <a:r>
+              <a:rPr lang="en-US" baseline="0" dirty="0" smtClean="0"/>
+              <a:t> mapping)</a:t>
+            </a:r>
+            <a:endParaRPr lang="en-US" dirty="0"/>
           </a:p>
         </p:txBody>
       </p:sp>
@@ -1088,7 +1741,91 @@
           <a:p>
             <a:fld id="{C9FE1C42-64BA-4A3C-AA3E-D4DD50A3402F}" type="slidenum">
               <a:rPr lang="en-US" smtClean="0"/>
-              <a:t>13</a:t>
+              <a:t>14</a:t>
+            </a:fld>
+            <a:endParaRPr lang="en-US"/>
+          </a:p>
+        </p:txBody>
+      </p:sp>
+    </p:spTree>
+    <p:extLst>
+      <p:ext uri="{BB962C8B-B14F-4D97-AF65-F5344CB8AC3E}">
+        <p14:creationId xmlns:p14="http://schemas.microsoft.com/office/powerpoint/2010/main" val="2373027106"/>
+      </p:ext>
+    </p:extLst>
+  </p:cSld>
+  <p:clrMapOvr>
+    <a:masterClrMapping/>
+  </p:clrMapOvr>
+</p:notes>
+</file>
+
+<file path=ppt/notesSlides/notesSlide8.xml><?xml version="1.0" encoding="utf-8"?>
+<p:notes xmlns:a="http://schemas.openxmlformats.org/drawingml/2006/main" xmlns:r="http://schemas.openxmlformats.org/officeDocument/2006/relationships" xmlns:p="http://schemas.openxmlformats.org/presentationml/2006/main">
+  <p:cSld>
+    <p:spTree>
+      <p:nvGrpSpPr>
+        <p:cNvPr id="1" name=""/>
+        <p:cNvGrpSpPr/>
+        <p:nvPr/>
+      </p:nvGrpSpPr>
+      <p:grpSpPr>
+        <a:xfrm>
+          <a:off x="0" y="0"/>
+          <a:ext cx="0" cy="0"/>
+          <a:chOff x="0" y="0"/>
+          <a:chExt cx="0" cy="0"/>
+        </a:xfrm>
+      </p:grpSpPr>
+      <p:sp>
+        <p:nvSpPr>
+          <p:cNvPr id="2" name="Slide Image Placeholder 1"/>
+          <p:cNvSpPr>
+            <a:spLocks noGrp="1" noRot="1" noChangeAspect="1"/>
+          </p:cNvSpPr>
+          <p:nvPr>
+            <p:ph type="sldImg"/>
+          </p:nvPr>
+        </p:nvSpPr>
+        <p:spPr/>
+      </p:sp>
+      <p:sp>
+        <p:nvSpPr>
+          <p:cNvPr id="3" name="Notes Placeholder 2"/>
+          <p:cNvSpPr>
+            <a:spLocks noGrp="1"/>
+          </p:cNvSpPr>
+          <p:nvPr>
+            <p:ph type="body" idx="1"/>
+          </p:nvPr>
+        </p:nvSpPr>
+        <p:spPr/>
+        <p:txBody>
+          <a:bodyPr/>
+          <a:lstStyle/>
+          <a:p>
+            <a:endParaRPr lang="en-US"/>
+          </a:p>
+        </p:txBody>
+      </p:sp>
+      <p:sp>
+        <p:nvSpPr>
+          <p:cNvPr id="4" name="Slide Number Placeholder 3"/>
+          <p:cNvSpPr>
+            <a:spLocks noGrp="1"/>
+          </p:cNvSpPr>
+          <p:nvPr>
+            <p:ph type="sldNum" sz="quarter" idx="10"/>
+          </p:nvPr>
+        </p:nvSpPr>
+        <p:spPr/>
+        <p:txBody>
+          <a:bodyPr/>
+          <a:lstStyle/>
+          <a:p>
+            <a:fld id="{C9FE1C42-64BA-4A3C-AA3E-D4DD50A3402F}" type="slidenum">
+              <a:rPr lang="en-US" smtClean="0"/>
+              <a:t>15</a:t>
             </a:fld>
             <a:endParaRPr lang="en-US"/>
           </a:p>
@@ -1098,6 +1835,90 @@
     <p:extLst>
       <p:ext uri="{BB962C8B-B14F-4D97-AF65-F5344CB8AC3E}">
         <p14:creationId xmlns:p14="http://schemas.microsoft.com/office/powerpoint/2010/main" val="759177235"/>
+      </p:ext>
+    </p:extLst>
+  </p:cSld>
+  <p:clrMapOvr>
+    <a:masterClrMapping/>
+  </p:clrMapOvr>
+</p:notes>
+</file>
+
+<file path=ppt/notesSlides/notesSlide9.xml><?xml version="1.0" encoding="utf-8"?>
+<p:notes xmlns:a="http://schemas.openxmlformats.org/drawingml/2006/main" xmlns:r="http://schemas.openxmlformats.org/officeDocument/2006/relationships" xmlns:p="http://schemas.openxmlformats.org/presentationml/2006/main">
+  <p:cSld>
+    <p:spTree>
+      <p:nvGrpSpPr>
+        <p:cNvPr id="1" name=""/>
+        <p:cNvGrpSpPr/>
+        <p:nvPr/>
+      </p:nvGrpSpPr>
+      <p:grpSpPr>
+        <a:xfrm>
+          <a:off x="0" y="0"/>
+          <a:ext cx="0" cy="0"/>
+          <a:chOff x="0" y="0"/>
+          <a:chExt cx="0" cy="0"/>
+        </a:xfrm>
+      </p:grpSpPr>
+      <p:sp>
+        <p:nvSpPr>
+          <p:cNvPr id="2" name="Slide Image Placeholder 1"/>
+          <p:cNvSpPr>
+            <a:spLocks noGrp="1" noRot="1" noChangeAspect="1"/>
+          </p:cNvSpPr>
+          <p:nvPr>
+            <p:ph type="sldImg"/>
+          </p:nvPr>
+        </p:nvSpPr>
+        <p:spPr/>
+      </p:sp>
+      <p:sp>
+        <p:nvSpPr>
+          <p:cNvPr id="3" name="Notes Placeholder 2"/>
+          <p:cNvSpPr>
+            <a:spLocks noGrp="1"/>
+          </p:cNvSpPr>
+          <p:nvPr>
+            <p:ph type="body" idx="1"/>
+          </p:nvPr>
+        </p:nvSpPr>
+        <p:spPr/>
+        <p:txBody>
+          <a:bodyPr/>
+          <a:lstStyle/>
+          <a:p>
+            <a:endParaRPr lang="en-US"/>
+          </a:p>
+        </p:txBody>
+      </p:sp>
+      <p:sp>
+        <p:nvSpPr>
+          <p:cNvPr id="4" name="Slide Number Placeholder 3"/>
+          <p:cNvSpPr>
+            <a:spLocks noGrp="1"/>
+          </p:cNvSpPr>
+          <p:nvPr>
+            <p:ph type="sldNum" sz="quarter" idx="10"/>
+          </p:nvPr>
+        </p:nvSpPr>
+        <p:spPr/>
+        <p:txBody>
+          <a:bodyPr/>
+          <a:lstStyle/>
+          <a:p>
+            <a:fld id="{C9FE1C42-64BA-4A3C-AA3E-D4DD50A3402F}" type="slidenum">
+              <a:rPr lang="en-US" smtClean="0"/>
+              <a:t>16</a:t>
+            </a:fld>
+            <a:endParaRPr lang="en-US"/>
+          </a:p>
+        </p:txBody>
+      </p:sp>
+    </p:spTree>
+    <p:extLst>
+      <p:ext uri="{BB962C8B-B14F-4D97-AF65-F5344CB8AC3E}">
+        <p14:creationId xmlns:p14="http://schemas.microsoft.com/office/powerpoint/2010/main" val="1389456140"/>
       </p:ext>
     </p:extLst>
   </p:cSld>
@@ -4309,7 +5130,7 @@
       </p:grpSpPr>
       <p:sp>
         <p:nvSpPr>
-          <p:cNvPr id="5" name="Title 4"/>
+          <p:cNvPr id="2" name="Title 1"/>
           <p:cNvSpPr>
             <a:spLocks noGrp="1"/>
           </p:cNvSpPr>
@@ -4323,15 +5144,44 @@
           <a:lstStyle/>
           <a:p>
             <a:r>
-              <a:rPr lang="en-US"/>
-              <a:t>Phương pháp chuyển đổi (1)</a:t>
-            </a:r>
-          </a:p>
-        </p:txBody>
-      </p:sp>
-      <p:sp>
-        <p:nvSpPr>
-          <p:cNvPr id="10" name="Text Placeholder 9"/>
+              <a:rPr lang="en-US" dirty="0" err="1" smtClean="0"/>
+              <a:t>Phương</a:t>
+            </a:r>
+            <a:r>
+              <a:rPr lang="en-US" dirty="0" smtClean="0"/>
+              <a:t> </a:t>
+            </a:r>
+            <a:r>
+              <a:rPr lang="en-US" dirty="0" err="1" smtClean="0"/>
+              <a:t>pháp</a:t>
+            </a:r>
+            <a:r>
+              <a:rPr lang="en-US" dirty="0" smtClean="0"/>
+              <a:t> </a:t>
+            </a:r>
+            <a:r>
+              <a:rPr lang="en-US" dirty="0" err="1" smtClean="0"/>
+              <a:t>chuyển</a:t>
+            </a:r>
+            <a:r>
+              <a:rPr lang="en-US" dirty="0" smtClean="0"/>
+              <a:t> </a:t>
+            </a:r>
+            <a:r>
+              <a:rPr lang="en-US" dirty="0" err="1" smtClean="0"/>
+              <a:t>đổi</a:t>
+            </a:r>
+            <a:r>
+              <a:rPr lang="en-US" dirty="0" smtClean="0"/>
+              <a:t> (1)</a:t>
+            </a:r>
+            <a:endParaRPr lang="en-US" dirty="0"/>
+          </a:p>
+        </p:txBody>
+      </p:sp>
+      <p:sp>
+        <p:nvSpPr>
+          <p:cNvPr id="7" name="Text Placeholder 6"/>
           <p:cNvSpPr>
             <a:spLocks noGrp="1"/>
           </p:cNvSpPr>
@@ -4345,42 +5195,439 @@
           <a:lstStyle/>
           <a:p>
             <a:r>
-              <a:rPr lang="en-US" smtClean="0"/>
-              <a:t>Thuật toán mã hóa một tập hợp</a:t>
-            </a:r>
-            <a:endParaRPr lang="en-US"/>
-          </a:p>
-        </p:txBody>
-      </p:sp>
-      <p:pic>
-        <p:nvPicPr>
-          <p:cNvPr id="8" name="Content Placeholder 7"/>
-          <p:cNvPicPr>
-            <a:picLocks noGrp="1" noChangeAspect="1"/>
-          </p:cNvPicPr>
+              <a:rPr lang="en-US" dirty="0" err="1" smtClean="0"/>
+              <a:t>Dạng</a:t>
+            </a:r>
+            <a:r>
+              <a:rPr lang="en-US" dirty="0" smtClean="0"/>
+              <a:t> </a:t>
+            </a:r>
+            <a:r>
+              <a:rPr lang="en-US" dirty="0" err="1" smtClean="0"/>
+              <a:t>đặc</a:t>
+            </a:r>
+            <a:r>
+              <a:rPr lang="en-US" dirty="0" smtClean="0"/>
+              <a:t> </a:t>
+            </a:r>
+            <a:r>
+              <a:rPr lang="en-US" dirty="0" err="1" smtClean="0"/>
+              <a:t>tả</a:t>
+            </a:r>
+            <a:r>
+              <a:rPr lang="en-US" dirty="0" smtClean="0"/>
+              <a:t> </a:t>
+            </a:r>
+            <a:r>
+              <a:rPr lang="en-US" dirty="0" err="1" smtClean="0"/>
+              <a:t>sử</a:t>
+            </a:r>
+            <a:r>
+              <a:rPr lang="en-US" dirty="0" smtClean="0"/>
+              <a:t> </a:t>
+            </a:r>
+            <a:r>
+              <a:rPr lang="en-US" dirty="0" err="1" smtClean="0"/>
+              <a:t>dụng</a:t>
+            </a:r>
+            <a:r>
+              <a:rPr lang="en-US" dirty="0" smtClean="0"/>
+              <a:t> LTS</a:t>
+            </a:r>
+            <a:endParaRPr lang="en-US" dirty="0"/>
+          </a:p>
+        </p:txBody>
+      </p:sp>
+      <p:sp>
+        <p:nvSpPr>
+          <p:cNvPr id="3" name="Content Placeholder 2"/>
+          <p:cNvSpPr>
+            <a:spLocks noGrp="1"/>
+          </p:cNvSpPr>
           <p:nvPr>
             <p:ph sz="half" idx="2"/>
           </p:nvPr>
-        </p:nvPicPr>
-        <p:blipFill>
-          <a:blip r:embed="rId3"/>
-          <a:stretch>
-            <a:fillRect/>
-          </a:stretch>
-        </p:blipFill>
-        <p:spPr>
-          <a:xfrm>
-            <a:off x="665163" y="2505074"/>
-            <a:ext cx="3291982" cy="4265789"/>
-          </a:xfrm>
-          <a:prstGeom prst="rect">
-            <a:avLst/>
-          </a:prstGeom>
-        </p:spPr>
-      </p:pic>
-      <p:sp>
-        <p:nvSpPr>
-          <p:cNvPr id="11" name="Text Placeholder 10"/>
+        </p:nvSpPr>
+        <p:spPr/>
+        <p:txBody>
+          <a:bodyPr>
+            <a:normAutofit/>
+          </a:bodyPr>
+          <a:lstStyle/>
+          <a:p>
+            <a:pPr marL="0" indent="0">
+              <a:buNone/>
+            </a:pPr>
+            <a:r>
+              <a:rPr lang="en-US" sz="2400" dirty="0"/>
+              <a:t>M = &lt;</a:t>
+            </a:r>
+            <a:r>
+              <a:rPr lang="en-US" sz="2400" dirty="0" smtClean="0"/>
+              <a:t>Q</a:t>
+            </a:r>
+            <a:r>
+              <a:rPr lang="en-US" sz="2400" dirty="0"/>
+              <a:t>, </a:t>
+            </a:r>
+            <a:r>
+              <a:rPr lang="el-GR" sz="2400" dirty="0" smtClean="0">
+                <a:latin typeface="Times New Roman" panose="02020603050405020304" pitchFamily="18" charset="0"/>
+                <a:cs typeface="Times New Roman" panose="02020603050405020304" pitchFamily="18" charset="0"/>
+              </a:rPr>
+              <a:t>Σ</a:t>
+            </a:r>
+            <a:r>
+              <a:rPr lang="en-US" sz="2400" dirty="0" smtClean="0">
+                <a:latin typeface="Times New Roman" panose="02020603050405020304" pitchFamily="18" charset="0"/>
+                <a:cs typeface="Times New Roman" panose="02020603050405020304" pitchFamily="18" charset="0"/>
+              </a:rPr>
+              <a:t>, </a:t>
+            </a:r>
+            <a:r>
+              <a:rPr lang="el-GR" sz="2400" dirty="0" smtClean="0">
+                <a:latin typeface="Times New Roman" panose="02020603050405020304" pitchFamily="18" charset="0"/>
+                <a:cs typeface="Times New Roman" panose="02020603050405020304" pitchFamily="18" charset="0"/>
+              </a:rPr>
+              <a:t>δ</a:t>
+            </a:r>
+            <a:r>
+              <a:rPr lang="en-US" sz="2400" dirty="0" smtClean="0"/>
+              <a:t>, q</a:t>
+            </a:r>
+            <a:r>
+              <a:rPr lang="en-US" sz="2400" baseline="-25000" dirty="0" smtClean="0"/>
+              <a:t>0</a:t>
+            </a:r>
+            <a:r>
+              <a:rPr lang="en-US" sz="2400" dirty="0" smtClean="0"/>
+              <a:t>&gt;, </a:t>
+            </a:r>
+            <a:r>
+              <a:rPr lang="en-US" sz="2400" dirty="0" err="1" smtClean="0"/>
+              <a:t>trong</a:t>
+            </a:r>
+            <a:r>
+              <a:rPr lang="en-US" sz="2400" dirty="0" smtClean="0"/>
+              <a:t> </a:t>
+            </a:r>
+            <a:r>
+              <a:rPr lang="en-US" sz="2400" dirty="0" err="1" smtClean="0"/>
+              <a:t>đó</a:t>
+            </a:r>
+            <a:r>
+              <a:rPr lang="en-US" sz="2400" dirty="0" smtClean="0"/>
+              <a:t>:</a:t>
+            </a:r>
+          </a:p>
+          <a:p>
+            <a:r>
+              <a:rPr lang="en-US" sz="2400" dirty="0" smtClean="0"/>
+              <a:t>Q </a:t>
+            </a:r>
+            <a:r>
+              <a:rPr lang="en-US" sz="2400" dirty="0"/>
+              <a:t>= </a:t>
+            </a:r>
+            <a:r>
+              <a:rPr lang="en-US" sz="2400" dirty="0" smtClean="0"/>
+              <a:t>{q</a:t>
+            </a:r>
+            <a:r>
+              <a:rPr lang="en-US" sz="2400" baseline="-25000" dirty="0" smtClean="0"/>
+              <a:t>0</a:t>
+            </a:r>
+            <a:r>
+              <a:rPr lang="en-US" sz="2400" dirty="0" smtClean="0"/>
+              <a:t>, q</a:t>
+            </a:r>
+            <a:r>
+              <a:rPr lang="en-US" sz="2400" baseline="-25000" dirty="0" smtClean="0"/>
+              <a:t>1</a:t>
+            </a:r>
+            <a:r>
+              <a:rPr lang="en-US" sz="2400" dirty="0" smtClean="0"/>
+              <a:t>, …, </a:t>
+            </a:r>
+            <a:r>
+              <a:rPr lang="en-US" sz="2400" dirty="0" err="1" smtClean="0"/>
+              <a:t>q</a:t>
+            </a:r>
+            <a:r>
+              <a:rPr lang="en-US" sz="2400" baseline="-25000" dirty="0" err="1" smtClean="0"/>
+              <a:t>n</a:t>
+            </a:r>
+            <a:r>
+              <a:rPr lang="en-US" sz="2400" dirty="0" smtClean="0"/>
+              <a:t>} </a:t>
+            </a:r>
+            <a:r>
+              <a:rPr lang="en-US" sz="2400" dirty="0" err="1" smtClean="0"/>
+              <a:t>là</a:t>
+            </a:r>
+            <a:r>
+              <a:rPr lang="en-US" sz="2400" dirty="0" smtClean="0"/>
+              <a:t> </a:t>
+            </a:r>
+            <a:r>
+              <a:rPr lang="en-US" sz="2400" dirty="0" err="1" smtClean="0"/>
+              <a:t>tập</a:t>
+            </a:r>
+            <a:r>
+              <a:rPr lang="en-US" sz="2400" dirty="0" smtClean="0"/>
+              <a:t> </a:t>
+            </a:r>
+            <a:r>
+              <a:rPr lang="en-US" sz="2400" dirty="0" err="1" smtClean="0"/>
+              <a:t>các</a:t>
+            </a:r>
+            <a:r>
+              <a:rPr lang="en-US" sz="2400" dirty="0" smtClean="0"/>
+              <a:t> </a:t>
+            </a:r>
+            <a:r>
+              <a:rPr lang="en-US" sz="2400" dirty="0" err="1" smtClean="0"/>
+              <a:t>trạng</a:t>
+            </a:r>
+            <a:r>
+              <a:rPr lang="en-US" sz="2400" dirty="0" smtClean="0"/>
+              <a:t> </a:t>
+            </a:r>
+            <a:r>
+              <a:rPr lang="en-US" sz="2400" dirty="0" err="1" smtClean="0"/>
+              <a:t>thái</a:t>
+            </a:r>
+            <a:r>
+              <a:rPr lang="en-US" sz="2400" dirty="0" smtClean="0"/>
+              <a:t>,</a:t>
+            </a:r>
+            <a:endParaRPr lang="en-US" sz="2400" dirty="0"/>
+          </a:p>
+          <a:p>
+            <a:r>
+              <a:rPr lang="en-US" sz="2400" dirty="0"/>
+              <a:t> </a:t>
+            </a:r>
+            <a:r>
+              <a:rPr lang="el-GR" sz="2400" dirty="0">
+                <a:latin typeface="Times New Roman" panose="02020603050405020304" pitchFamily="18" charset="0"/>
+                <a:cs typeface="Times New Roman" panose="02020603050405020304" pitchFamily="18" charset="0"/>
+              </a:rPr>
+              <a:t>Σ</a:t>
+            </a:r>
+            <a:r>
+              <a:rPr lang="en-US" sz="2400" dirty="0" smtClean="0"/>
+              <a:t> </a:t>
+            </a:r>
+            <a:r>
+              <a:rPr lang="en-US" sz="2400" dirty="0"/>
+              <a:t>= </a:t>
+            </a:r>
+            <a:r>
+              <a:rPr lang="en-US" sz="2400" dirty="0" smtClean="0"/>
+              <a:t>{</a:t>
+            </a:r>
+            <a:r>
+              <a:rPr lang="el-GR" sz="2400" dirty="0" smtClean="0">
+                <a:latin typeface="Times New Roman" panose="02020603050405020304" pitchFamily="18" charset="0"/>
+                <a:cs typeface="Times New Roman" panose="02020603050405020304" pitchFamily="18" charset="0"/>
+              </a:rPr>
+              <a:t>ω</a:t>
+            </a:r>
+            <a:r>
+              <a:rPr lang="en-US" sz="2400" baseline="-25000" dirty="0" smtClean="0">
+                <a:latin typeface="Times New Roman" panose="02020603050405020304" pitchFamily="18" charset="0"/>
+                <a:cs typeface="Times New Roman" panose="02020603050405020304" pitchFamily="18" charset="0"/>
+              </a:rPr>
+              <a:t>0</a:t>
+            </a:r>
+            <a:r>
+              <a:rPr lang="en-US" sz="2400" dirty="0" smtClean="0">
+                <a:latin typeface="Times New Roman" panose="02020603050405020304" pitchFamily="18" charset="0"/>
+                <a:cs typeface="Times New Roman" panose="02020603050405020304" pitchFamily="18" charset="0"/>
+              </a:rPr>
+              <a:t>, </a:t>
+            </a:r>
+            <a:r>
+              <a:rPr lang="el-GR" sz="2400" dirty="0" smtClean="0">
+                <a:latin typeface="Times New Roman" panose="02020603050405020304" pitchFamily="18" charset="0"/>
+                <a:cs typeface="Times New Roman" panose="02020603050405020304" pitchFamily="18" charset="0"/>
+              </a:rPr>
+              <a:t>ω</a:t>
+            </a:r>
+            <a:r>
+              <a:rPr lang="en-US" sz="2400" baseline="-25000" dirty="0" smtClean="0">
+                <a:latin typeface="Times New Roman" panose="02020603050405020304" pitchFamily="18" charset="0"/>
+                <a:cs typeface="Times New Roman" panose="02020603050405020304" pitchFamily="18" charset="0"/>
+              </a:rPr>
+              <a:t>1</a:t>
+            </a:r>
+            <a:r>
+              <a:rPr lang="en-US" sz="2400" dirty="0" smtClean="0">
+                <a:latin typeface="Times New Roman" panose="02020603050405020304" pitchFamily="18" charset="0"/>
+                <a:cs typeface="Times New Roman" panose="02020603050405020304" pitchFamily="18" charset="0"/>
+              </a:rPr>
+              <a:t>, …, </a:t>
+            </a:r>
+            <a:r>
+              <a:rPr lang="el-GR" sz="2400" dirty="0" smtClean="0">
+                <a:latin typeface="Times New Roman" panose="02020603050405020304" pitchFamily="18" charset="0"/>
+                <a:cs typeface="Times New Roman" panose="02020603050405020304" pitchFamily="18" charset="0"/>
+              </a:rPr>
+              <a:t>ω</a:t>
+            </a:r>
+            <a:r>
+              <a:rPr lang="en-US" sz="2400" baseline="-25000" dirty="0" smtClean="0">
+                <a:latin typeface="Times New Roman" panose="02020603050405020304" pitchFamily="18" charset="0"/>
+                <a:cs typeface="Times New Roman" panose="02020603050405020304" pitchFamily="18" charset="0"/>
+              </a:rPr>
+              <a:t>n</a:t>
+            </a:r>
+            <a:r>
+              <a:rPr lang="en-US" sz="2400" dirty="0" smtClean="0"/>
+              <a:t>} </a:t>
+            </a:r>
+            <a:r>
+              <a:rPr lang="en-US" sz="2400" dirty="0" err="1" smtClean="0"/>
+              <a:t>là</a:t>
+            </a:r>
+            <a:r>
+              <a:rPr lang="en-US" sz="2400" dirty="0" smtClean="0"/>
+              <a:t> </a:t>
+            </a:r>
+            <a:r>
+              <a:rPr lang="en-US" sz="2400" dirty="0" err="1" smtClean="0"/>
+              <a:t>tập</a:t>
+            </a:r>
+            <a:r>
+              <a:rPr lang="en-US" sz="2400" dirty="0" smtClean="0"/>
+              <a:t> </a:t>
+            </a:r>
+            <a:r>
+              <a:rPr lang="en-US" sz="2400" dirty="0" err="1" smtClean="0"/>
+              <a:t>các</a:t>
+            </a:r>
+            <a:r>
+              <a:rPr lang="en-US" sz="2400" dirty="0" smtClean="0"/>
+              <a:t> </a:t>
+            </a:r>
+            <a:r>
+              <a:rPr lang="en-US" sz="2400" dirty="0" err="1" smtClean="0"/>
+              <a:t>sự</a:t>
+            </a:r>
+            <a:r>
+              <a:rPr lang="en-US" sz="2400" dirty="0" smtClean="0"/>
+              <a:t> </a:t>
+            </a:r>
+            <a:r>
+              <a:rPr lang="en-US" sz="2400" dirty="0" err="1" smtClean="0"/>
+              <a:t>kiện</a:t>
+            </a:r>
+            <a:r>
+              <a:rPr lang="en-US" sz="2400" dirty="0" smtClean="0"/>
+              <a:t>,</a:t>
+            </a:r>
+            <a:endParaRPr lang="en-US" sz="2400" dirty="0"/>
+          </a:p>
+          <a:p>
+            <a:r>
+              <a:rPr lang="el-GR" sz="2400" dirty="0">
+                <a:latin typeface="Times New Roman" panose="02020603050405020304" pitchFamily="18" charset="0"/>
+                <a:cs typeface="Times New Roman" panose="02020603050405020304" pitchFamily="18" charset="0"/>
+              </a:rPr>
+              <a:t>δ </a:t>
+            </a:r>
+            <a:r>
+              <a:rPr lang="pt-BR" sz="2400" dirty="0" smtClean="0"/>
+              <a:t>Q x </a:t>
+            </a:r>
+            <a:r>
+              <a:rPr lang="el-GR" sz="2400" dirty="0" smtClean="0">
+                <a:latin typeface="Times New Roman" panose="02020603050405020304" pitchFamily="18" charset="0"/>
+                <a:cs typeface="Times New Roman" panose="02020603050405020304" pitchFamily="18" charset="0"/>
+              </a:rPr>
+              <a:t>Σ </a:t>
+            </a:r>
+            <a:r>
+              <a:rPr lang="pt-BR" sz="2400" dirty="0" smtClean="0"/>
+              <a:t>x </a:t>
+            </a:r>
+            <a:r>
+              <a:rPr lang="pt-BR" sz="2400" dirty="0"/>
+              <a:t>Q </a:t>
+            </a:r>
+            <a:r>
+              <a:rPr lang="pt-BR" sz="2400" dirty="0" smtClean="0"/>
+              <a:t>là hàm chuyển trạng thái, và</a:t>
+            </a:r>
+            <a:r>
+              <a:rPr lang="pt-BR" sz="2400" dirty="0"/>
+              <a:t> </a:t>
+            </a:r>
+          </a:p>
+          <a:p>
+            <a:r>
+              <a:rPr lang="en-US" sz="2400" dirty="0"/>
+              <a:t> </a:t>
+            </a:r>
+            <a:r>
+              <a:rPr lang="en-US" sz="2400" dirty="0" smtClean="0"/>
+              <a:t>q</a:t>
+            </a:r>
+            <a:r>
+              <a:rPr lang="en-US" sz="2400" baseline="-25000" dirty="0" smtClean="0"/>
+              <a:t>0</a:t>
+            </a:r>
+            <a:r>
+              <a:rPr lang="en-US" sz="2400" dirty="0" smtClean="0"/>
+              <a:t> </a:t>
+            </a:r>
+            <a:r>
+              <a:rPr lang="en-US" sz="2400" dirty="0" err="1" smtClean="0"/>
+              <a:t>là</a:t>
+            </a:r>
+            <a:r>
+              <a:rPr lang="en-US" sz="2400" dirty="0" smtClean="0"/>
+              <a:t> </a:t>
+            </a:r>
+            <a:r>
+              <a:rPr lang="en-US" sz="2400" dirty="0" err="1" smtClean="0"/>
+              <a:t>trạng</a:t>
+            </a:r>
+            <a:r>
+              <a:rPr lang="en-US" sz="2400" dirty="0" smtClean="0"/>
+              <a:t> </a:t>
+            </a:r>
+            <a:r>
+              <a:rPr lang="en-US" sz="2400" dirty="0" err="1" smtClean="0"/>
+              <a:t>thái</a:t>
+            </a:r>
+            <a:r>
+              <a:rPr lang="en-US" sz="2400" dirty="0" smtClean="0"/>
+              <a:t> </a:t>
+            </a:r>
+            <a:r>
+              <a:rPr lang="en-US" sz="2400" dirty="0" err="1" smtClean="0"/>
+              <a:t>khởi</a:t>
+            </a:r>
+            <a:r>
+              <a:rPr lang="en-US" sz="2400" dirty="0" smtClean="0"/>
+              <a:t> </a:t>
+            </a:r>
+            <a:r>
+              <a:rPr lang="en-US" sz="2400" dirty="0" err="1" smtClean="0"/>
+              <a:t>tạo</a:t>
+            </a:r>
+            <a:r>
+              <a:rPr lang="en-US" sz="2400" dirty="0" smtClean="0"/>
+              <a:t>.</a:t>
+            </a:r>
+          </a:p>
+        </p:txBody>
+      </p:sp>
+      <p:sp>
+        <p:nvSpPr>
+          <p:cNvPr id="8" name="Text Placeholder 7"/>
           <p:cNvSpPr>
             <a:spLocks noGrp="1"/>
           </p:cNvSpPr>
@@ -4394,39 +5641,363 @@
           <a:lstStyle/>
           <a:p>
             <a:r>
-              <a:rPr lang="en-US" smtClean="0"/>
-              <a:t>Thuật toán mã hóa tập các chuyển trạng thái</a:t>
-            </a:r>
-            <a:endParaRPr lang="en-US"/>
-          </a:p>
-        </p:txBody>
-      </p:sp>
-      <p:pic>
-        <p:nvPicPr>
+              <a:rPr lang="en-US" dirty="0" err="1" smtClean="0"/>
+              <a:t>Dạng</a:t>
+            </a:r>
+            <a:r>
+              <a:rPr lang="en-US" dirty="0" smtClean="0"/>
+              <a:t> </a:t>
+            </a:r>
+            <a:r>
+              <a:rPr lang="en-US" dirty="0" err="1" smtClean="0"/>
+              <a:t>đặc</a:t>
+            </a:r>
+            <a:r>
+              <a:rPr lang="en-US" dirty="0" smtClean="0"/>
+              <a:t> </a:t>
+            </a:r>
+            <a:r>
+              <a:rPr lang="en-US" dirty="0" err="1" smtClean="0"/>
+              <a:t>tả</a:t>
+            </a:r>
+            <a:r>
+              <a:rPr lang="en-US" dirty="0" smtClean="0"/>
+              <a:t> </a:t>
+            </a:r>
+            <a:r>
+              <a:rPr lang="en-US" dirty="0" err="1" smtClean="0"/>
+              <a:t>sử</a:t>
+            </a:r>
+            <a:r>
+              <a:rPr lang="en-US" dirty="0" smtClean="0"/>
+              <a:t> </a:t>
+            </a:r>
+            <a:r>
+              <a:rPr lang="en-US" dirty="0" err="1" smtClean="0"/>
+              <a:t>dụng</a:t>
+            </a:r>
+            <a:r>
+              <a:rPr lang="en-US" dirty="0" smtClean="0"/>
+              <a:t> </a:t>
+            </a:r>
+            <a:r>
+              <a:rPr lang="en-US" dirty="0" err="1" smtClean="0"/>
+              <a:t>hàm</a:t>
+            </a:r>
+            <a:r>
+              <a:rPr lang="en-US" dirty="0" smtClean="0"/>
+              <a:t> logic</a:t>
+            </a:r>
+            <a:endParaRPr lang="en-US" dirty="0"/>
+          </a:p>
+        </p:txBody>
+      </p:sp>
+      <p:sp>
+        <p:nvSpPr>
           <p:cNvPr id="9" name="Content Placeholder 8"/>
-          <p:cNvPicPr>
-            <a:picLocks noGrp="1" noChangeAspect="1"/>
-          </p:cNvPicPr>
+          <p:cNvSpPr>
+            <a:spLocks noGrp="1"/>
+          </p:cNvSpPr>
           <p:nvPr>
             <p:ph sz="quarter" idx="4"/>
           </p:nvPr>
-        </p:nvPicPr>
-        <p:blipFill>
-          <a:blip r:embed="rId4"/>
-          <a:stretch>
-            <a:fillRect/>
-          </a:stretch>
-        </p:blipFill>
-        <p:spPr>
-          <a:xfrm>
-            <a:off x="6892131" y="3299619"/>
-            <a:ext cx="3743325" cy="2095500"/>
-          </a:xfrm>
-          <a:prstGeom prst="rect">
-            <a:avLst/>
-          </a:prstGeom>
-        </p:spPr>
-      </p:pic>
+        </p:nvSpPr>
+        <p:spPr/>
+        <p:txBody>
+          <a:bodyPr>
+            <a:normAutofit lnSpcReduction="10000"/>
+          </a:bodyPr>
+          <a:lstStyle/>
+          <a:p>
+            <a:pPr marL="0" indent="0">
+              <a:buNone/>
+            </a:pPr>
+            <a:r>
+              <a:rPr lang="pt-BR" sz="2400" dirty="0"/>
+              <a:t>N = </a:t>
+            </a:r>
+            <a:r>
+              <a:rPr lang="pt-BR" sz="2400" dirty="0" smtClean="0"/>
+              <a:t>&lt;X</a:t>
+            </a:r>
+            <a:r>
+              <a:rPr lang="pt-BR" sz="2400" dirty="0"/>
+              <a:t>, E, </a:t>
+            </a:r>
+            <a:r>
+              <a:rPr lang="el-GR" sz="2400" dirty="0" smtClean="0">
+                <a:latin typeface="Times New Roman" panose="02020603050405020304" pitchFamily="18" charset="0"/>
+                <a:cs typeface="Times New Roman" panose="02020603050405020304" pitchFamily="18" charset="0"/>
+              </a:rPr>
+              <a:t>τ</a:t>
+            </a:r>
+            <a:r>
+              <a:rPr lang="pt-BR" sz="2400" dirty="0" smtClean="0"/>
+              <a:t>(X, E, X’), </a:t>
+            </a:r>
+            <a:r>
+              <a:rPr lang="el-GR" sz="2400" dirty="0">
+                <a:latin typeface="Times New Roman" panose="02020603050405020304" pitchFamily="18" charset="0"/>
+                <a:cs typeface="Times New Roman" panose="02020603050405020304" pitchFamily="18" charset="0"/>
+              </a:rPr>
+              <a:t>ι</a:t>
+            </a:r>
+            <a:r>
+              <a:rPr lang="pt-BR" sz="2400" dirty="0" smtClean="0"/>
+              <a:t>(X)&gt;, trong đó:</a:t>
+            </a:r>
+          </a:p>
+          <a:p>
+            <a:r>
+              <a:rPr lang="en-US" sz="2400" dirty="0" smtClean="0"/>
+              <a:t>X </a:t>
+            </a:r>
+            <a:r>
+              <a:rPr lang="en-US" sz="2400" dirty="0" err="1" smtClean="0"/>
+              <a:t>là</a:t>
+            </a:r>
+            <a:r>
+              <a:rPr lang="en-US" sz="2400" dirty="0" smtClean="0"/>
+              <a:t> </a:t>
+            </a:r>
+            <a:r>
+              <a:rPr lang="en-US" sz="2400" dirty="0" err="1" smtClean="0"/>
+              <a:t>tập</a:t>
+            </a:r>
+            <a:r>
+              <a:rPr lang="en-US" sz="2400" dirty="0" smtClean="0"/>
+              <a:t> </a:t>
+            </a:r>
+            <a:r>
+              <a:rPr lang="en-US" sz="2400" dirty="0" err="1" smtClean="0"/>
+              <a:t>các</a:t>
+            </a:r>
+            <a:r>
+              <a:rPr lang="en-US" sz="2400" dirty="0" smtClean="0"/>
+              <a:t> </a:t>
+            </a:r>
+            <a:r>
+              <a:rPr lang="en-US" sz="2400" dirty="0" err="1" smtClean="0"/>
+              <a:t>biến</a:t>
+            </a:r>
+            <a:r>
+              <a:rPr lang="en-US" sz="2400" dirty="0" smtClean="0"/>
+              <a:t> logic dung </a:t>
+            </a:r>
+            <a:r>
+              <a:rPr lang="en-US" sz="2400" dirty="0" err="1" smtClean="0"/>
+              <a:t>để</a:t>
+            </a:r>
+            <a:r>
+              <a:rPr lang="en-US" sz="2400" dirty="0" smtClean="0"/>
+              <a:t> </a:t>
+            </a:r>
+            <a:r>
+              <a:rPr lang="en-US" sz="2400" dirty="0" err="1" smtClean="0"/>
+              <a:t>biểu</a:t>
+            </a:r>
+            <a:r>
+              <a:rPr lang="en-US" sz="2400" dirty="0" smtClean="0"/>
+              <a:t> </a:t>
+            </a:r>
+            <a:r>
+              <a:rPr lang="en-US" sz="2400" dirty="0" err="1" smtClean="0"/>
+              <a:t>diễn</a:t>
+            </a:r>
+            <a:r>
+              <a:rPr lang="en-US" sz="2400" dirty="0" smtClean="0"/>
+              <a:t> </a:t>
+            </a:r>
+            <a:r>
+              <a:rPr lang="en-US" sz="2400" dirty="0" err="1" smtClean="0"/>
+              <a:t>các</a:t>
+            </a:r>
+            <a:r>
+              <a:rPr lang="en-US" sz="2400" dirty="0" smtClean="0"/>
+              <a:t> </a:t>
+            </a:r>
+            <a:r>
+              <a:rPr lang="en-US" sz="2400" dirty="0" err="1" smtClean="0"/>
+              <a:t>trạng</a:t>
+            </a:r>
+            <a:r>
+              <a:rPr lang="en-US" sz="2400" dirty="0" smtClean="0"/>
+              <a:t> </a:t>
+            </a:r>
+            <a:r>
+              <a:rPr lang="en-US" sz="2400" dirty="0" err="1" smtClean="0"/>
+              <a:t>thái</a:t>
+            </a:r>
+            <a:r>
+              <a:rPr lang="en-US" sz="2400" dirty="0" smtClean="0"/>
+              <a:t> </a:t>
+            </a:r>
+            <a:r>
+              <a:rPr lang="en-US" sz="2400" dirty="0" err="1" smtClean="0"/>
+              <a:t>của</a:t>
+            </a:r>
+            <a:r>
+              <a:rPr lang="en-US" sz="2400" dirty="0" smtClean="0"/>
+              <a:t> </a:t>
+            </a:r>
+            <a:r>
+              <a:rPr lang="en-US" sz="2400" dirty="0" err="1" smtClean="0"/>
+              <a:t>hệ</a:t>
+            </a:r>
+            <a:r>
+              <a:rPr lang="en-US" sz="2400" dirty="0" smtClean="0"/>
+              <a:t> </a:t>
+            </a:r>
+            <a:r>
+              <a:rPr lang="en-US" sz="2400" dirty="0" err="1" smtClean="0"/>
+              <a:t>thống</a:t>
+            </a:r>
+            <a:r>
+              <a:rPr lang="en-US" sz="2400" dirty="0"/>
+              <a:t>,</a:t>
+            </a:r>
+            <a:endParaRPr lang="en-US" sz="2400" dirty="0" smtClean="0"/>
+          </a:p>
+          <a:p>
+            <a:r>
+              <a:rPr lang="en-US" sz="2400" dirty="0" smtClean="0"/>
+              <a:t>E </a:t>
+            </a:r>
+            <a:r>
+              <a:rPr lang="en-US" sz="2400" dirty="0" err="1" smtClean="0"/>
+              <a:t>là</a:t>
+            </a:r>
+            <a:r>
+              <a:rPr lang="en-US" sz="2400" dirty="0" smtClean="0"/>
+              <a:t> </a:t>
+            </a:r>
+            <a:r>
+              <a:rPr lang="en-US" sz="2400" dirty="0" err="1" smtClean="0"/>
+              <a:t>tập</a:t>
+            </a:r>
+            <a:r>
+              <a:rPr lang="en-US" sz="2400" dirty="0" smtClean="0"/>
+              <a:t> </a:t>
+            </a:r>
+            <a:r>
+              <a:rPr lang="en-US" sz="2400" dirty="0" err="1" smtClean="0"/>
+              <a:t>các</a:t>
+            </a:r>
+            <a:r>
+              <a:rPr lang="en-US" sz="2400" dirty="0" smtClean="0"/>
+              <a:t> </a:t>
+            </a:r>
+            <a:r>
+              <a:rPr lang="en-US" sz="2400" dirty="0" err="1" smtClean="0"/>
+              <a:t>biến</a:t>
+            </a:r>
+            <a:r>
+              <a:rPr lang="en-US" sz="2400" dirty="0" smtClean="0"/>
+              <a:t> logic dung </a:t>
+            </a:r>
+            <a:r>
+              <a:rPr lang="en-US" sz="2400" dirty="0" err="1" smtClean="0"/>
+              <a:t>để</a:t>
+            </a:r>
+            <a:r>
+              <a:rPr lang="en-US" sz="2400" dirty="0" smtClean="0"/>
+              <a:t> </a:t>
+            </a:r>
+            <a:r>
+              <a:rPr lang="en-US" sz="2400" dirty="0" err="1" smtClean="0"/>
+              <a:t>biểu</a:t>
+            </a:r>
+            <a:r>
+              <a:rPr lang="en-US" sz="2400" dirty="0" smtClean="0"/>
+              <a:t> </a:t>
+            </a:r>
+            <a:r>
+              <a:rPr lang="en-US" sz="2400" dirty="0" err="1" smtClean="0"/>
+              <a:t>diễn</a:t>
+            </a:r>
+            <a:r>
+              <a:rPr lang="en-US" sz="2400" dirty="0" smtClean="0"/>
+              <a:t> </a:t>
+            </a:r>
+            <a:r>
+              <a:rPr lang="en-US" sz="2400" dirty="0" err="1" smtClean="0"/>
+              <a:t>các</a:t>
+            </a:r>
+            <a:r>
+              <a:rPr lang="en-US" sz="2400" dirty="0" smtClean="0"/>
+              <a:t> </a:t>
+            </a:r>
+            <a:r>
+              <a:rPr lang="en-US" sz="2400" dirty="0" err="1" smtClean="0"/>
+              <a:t>hành</a:t>
+            </a:r>
+            <a:r>
+              <a:rPr lang="en-US" sz="2400" dirty="0" smtClean="0"/>
+              <a:t> vi </a:t>
+            </a:r>
+            <a:r>
+              <a:rPr lang="en-US" sz="2400" dirty="0" err="1" smtClean="0"/>
+              <a:t>của</a:t>
+            </a:r>
+            <a:r>
+              <a:rPr lang="en-US" sz="2400" dirty="0" smtClean="0"/>
+              <a:t> </a:t>
+            </a:r>
+            <a:r>
+              <a:rPr lang="en-US" sz="2400" dirty="0" err="1" smtClean="0"/>
+              <a:t>hệ</a:t>
+            </a:r>
+            <a:r>
+              <a:rPr lang="en-US" sz="2400" dirty="0" smtClean="0"/>
+              <a:t> </a:t>
+            </a:r>
+            <a:r>
+              <a:rPr lang="en-US" sz="2400" dirty="0" err="1" smtClean="0"/>
+              <a:t>thống</a:t>
+            </a:r>
+            <a:r>
+              <a:rPr lang="en-US" sz="2400" dirty="0"/>
+              <a:t>,</a:t>
+            </a:r>
+            <a:endParaRPr lang="en-US" sz="2400" dirty="0" smtClean="0"/>
+          </a:p>
+          <a:p>
+            <a:r>
+              <a:rPr lang="el-GR" sz="2400" dirty="0">
+                <a:latin typeface="Times New Roman" panose="02020603050405020304" pitchFamily="18" charset="0"/>
+                <a:cs typeface="Times New Roman" panose="02020603050405020304" pitchFamily="18" charset="0"/>
+              </a:rPr>
+              <a:t>τ</a:t>
+            </a:r>
+            <a:r>
+              <a:rPr lang="pt-BR" sz="2400" dirty="0"/>
+              <a:t>(X, E, X</a:t>
+            </a:r>
+            <a:r>
+              <a:rPr lang="pt-BR" sz="2400" dirty="0" smtClean="0"/>
+              <a:t>’) là hàm logic dùng để biểu diễn các chuyển trạng thái của hệ thống, và</a:t>
+            </a:r>
+          </a:p>
+          <a:p>
+            <a:r>
+              <a:rPr lang="el-GR" sz="2400" dirty="0">
+                <a:latin typeface="Times New Roman" panose="02020603050405020304" pitchFamily="18" charset="0"/>
+                <a:cs typeface="Times New Roman" panose="02020603050405020304" pitchFamily="18" charset="0"/>
+              </a:rPr>
+              <a:t>ι</a:t>
+            </a:r>
+            <a:r>
+              <a:rPr lang="pt-BR" sz="2400" dirty="0"/>
+              <a:t>(X</a:t>
+            </a:r>
+            <a:r>
+              <a:rPr lang="pt-BR" sz="2400" dirty="0" smtClean="0"/>
+              <a:t>) là hàm logic dùng để biểu diễn trạng thái khởi tạo.</a:t>
+            </a:r>
+            <a:endParaRPr lang="en-US" sz="2400" dirty="0"/>
+          </a:p>
+        </p:txBody>
+      </p:sp>
       <p:sp>
         <p:nvSpPr>
           <p:cNvPr id="4" name="Slide Number Placeholder 3"/>
@@ -4453,7 +6024,7 @@
     </p:spTree>
     <p:extLst>
       <p:ext uri="{BB962C8B-B14F-4D97-AF65-F5344CB8AC3E}">
-        <p14:creationId xmlns:p14="http://schemas.microsoft.com/office/powerpoint/2010/main" val="1645073775"/>
+        <p14:creationId xmlns:p14="http://schemas.microsoft.com/office/powerpoint/2010/main" val="1785046595"/>
       </p:ext>
     </p:extLst>
   </p:cSld>
@@ -4489,6 +6060,725 @@
       </p:grpSpPr>
       <p:sp>
         <p:nvSpPr>
+          <p:cNvPr id="8" name="Title 7"/>
+          <p:cNvSpPr>
+            <a:spLocks noGrp="1"/>
+          </p:cNvSpPr>
+          <p:nvPr>
+            <p:ph type="title"/>
+          </p:nvPr>
+        </p:nvSpPr>
+        <p:spPr/>
+        <p:txBody>
+          <a:bodyPr/>
+          <a:lstStyle/>
+          <a:p>
+            <a:r>
+              <a:rPr lang="en-US" dirty="0" err="1" smtClean="0"/>
+              <a:t>Phương</a:t>
+            </a:r>
+            <a:r>
+              <a:rPr lang="en-US" dirty="0" smtClean="0"/>
+              <a:t> </a:t>
+            </a:r>
+            <a:r>
+              <a:rPr lang="en-US" dirty="0" err="1" smtClean="0"/>
+              <a:t>pháp</a:t>
+            </a:r>
+            <a:r>
+              <a:rPr lang="en-US" dirty="0" smtClean="0"/>
+              <a:t> </a:t>
+            </a:r>
+            <a:r>
+              <a:rPr lang="en-US" dirty="0" err="1" smtClean="0"/>
+              <a:t>chuyển</a:t>
+            </a:r>
+            <a:r>
+              <a:rPr lang="en-US" dirty="0" smtClean="0"/>
+              <a:t> </a:t>
+            </a:r>
+            <a:r>
+              <a:rPr lang="en-US" dirty="0" err="1" smtClean="0"/>
+              <a:t>đổi</a:t>
+            </a:r>
+            <a:r>
+              <a:rPr lang="en-US" dirty="0" smtClean="0"/>
+              <a:t> (2)</a:t>
+            </a:r>
+            <a:endParaRPr lang="en-US" dirty="0"/>
+          </a:p>
+        </p:txBody>
+      </p:sp>
+      <p:sp>
+        <p:nvSpPr>
+          <p:cNvPr id="9" name="Content Placeholder 8"/>
+          <p:cNvSpPr>
+            <a:spLocks noGrp="1"/>
+          </p:cNvSpPr>
+          <p:nvPr>
+            <p:ph idx="1"/>
+          </p:nvPr>
+        </p:nvSpPr>
+        <p:spPr/>
+        <p:txBody>
+          <a:bodyPr/>
+          <a:lstStyle/>
+          <a:p>
+            <a:r>
+              <a:rPr lang="en-US" dirty="0" err="1"/>
+              <a:t>Thuật</a:t>
+            </a:r>
+            <a:r>
+              <a:rPr lang="en-US" dirty="0"/>
+              <a:t> </a:t>
+            </a:r>
+            <a:r>
+              <a:rPr lang="en-US" dirty="0" err="1"/>
+              <a:t>toán</a:t>
+            </a:r>
+            <a:r>
+              <a:rPr lang="en-US" dirty="0"/>
+              <a:t> </a:t>
+            </a:r>
+            <a:r>
+              <a:rPr lang="en-US" dirty="0" err="1"/>
+              <a:t>mã</a:t>
+            </a:r>
+            <a:r>
+              <a:rPr lang="en-US" dirty="0"/>
+              <a:t> </a:t>
+            </a:r>
+            <a:r>
+              <a:rPr lang="en-US" dirty="0" err="1"/>
+              <a:t>hóa</a:t>
+            </a:r>
+            <a:r>
+              <a:rPr lang="en-US" dirty="0"/>
+              <a:t> </a:t>
+            </a:r>
+            <a:r>
+              <a:rPr lang="en-US" dirty="0" err="1"/>
+              <a:t>gồm</a:t>
+            </a:r>
+            <a:r>
+              <a:rPr lang="en-US" dirty="0"/>
+              <a:t> </a:t>
+            </a:r>
+            <a:r>
+              <a:rPr lang="en-US" dirty="0" err="1"/>
+              <a:t>các</a:t>
+            </a:r>
+            <a:r>
+              <a:rPr lang="en-US" dirty="0"/>
+              <a:t> </a:t>
+            </a:r>
+            <a:r>
+              <a:rPr lang="en-US" dirty="0" err="1"/>
+              <a:t>bước</a:t>
+            </a:r>
+            <a:endParaRPr lang="en-US" dirty="0"/>
+          </a:p>
+          <a:p>
+            <a:pPr lvl="1"/>
+            <a:r>
+              <a:rPr lang="en-US" dirty="0" err="1" smtClean="0"/>
+              <a:t>Mã</a:t>
+            </a:r>
+            <a:r>
+              <a:rPr lang="en-US" dirty="0" smtClean="0"/>
+              <a:t> </a:t>
+            </a:r>
+            <a:r>
+              <a:rPr lang="en-US" dirty="0" err="1" smtClean="0"/>
+              <a:t>hóa</a:t>
+            </a:r>
+            <a:r>
+              <a:rPr lang="en-US" dirty="0" smtClean="0"/>
+              <a:t> </a:t>
+            </a:r>
+            <a:r>
+              <a:rPr lang="en-US" dirty="0" err="1"/>
+              <a:t>một</a:t>
+            </a:r>
+            <a:r>
+              <a:rPr lang="en-US" dirty="0"/>
+              <a:t> </a:t>
+            </a:r>
+            <a:r>
+              <a:rPr lang="en-US" dirty="0" err="1"/>
+              <a:t>tập</a:t>
+            </a:r>
+            <a:r>
+              <a:rPr lang="en-US" dirty="0"/>
+              <a:t> </a:t>
+            </a:r>
+            <a:r>
+              <a:rPr lang="en-US" dirty="0" err="1" smtClean="0"/>
+              <a:t>hợp</a:t>
+            </a:r>
+            <a:endParaRPr lang="en-US" dirty="0"/>
+          </a:p>
+          <a:p>
+            <a:pPr lvl="2"/>
+            <a:r>
+              <a:rPr lang="en-US" dirty="0" err="1"/>
+              <a:t>Mã</a:t>
+            </a:r>
+            <a:r>
+              <a:rPr lang="en-US" dirty="0"/>
+              <a:t> </a:t>
+            </a:r>
+            <a:r>
+              <a:rPr lang="en-US" dirty="0" err="1"/>
+              <a:t>hóa</a:t>
+            </a:r>
+            <a:r>
+              <a:rPr lang="en-US" dirty="0"/>
+              <a:t> </a:t>
+            </a:r>
+            <a:r>
+              <a:rPr lang="en-US" dirty="0" err="1"/>
+              <a:t>tập</a:t>
+            </a:r>
+            <a:r>
+              <a:rPr lang="en-US" dirty="0"/>
+              <a:t> </a:t>
+            </a:r>
+            <a:r>
+              <a:rPr lang="en-US" dirty="0" err="1"/>
+              <a:t>các</a:t>
+            </a:r>
+            <a:r>
+              <a:rPr lang="en-US" dirty="0"/>
+              <a:t> </a:t>
+            </a:r>
+            <a:r>
+              <a:rPr lang="en-US" dirty="0" err="1"/>
+              <a:t>trạng</a:t>
+            </a:r>
+            <a:r>
+              <a:rPr lang="en-US" dirty="0"/>
+              <a:t> </a:t>
+            </a:r>
+            <a:r>
+              <a:rPr lang="en-US" dirty="0" err="1"/>
+              <a:t>thái</a:t>
+            </a:r>
+            <a:r>
+              <a:rPr lang="en-US" dirty="0"/>
+              <a:t> </a:t>
+            </a:r>
+            <a:r>
+              <a:rPr lang="en-US" dirty="0" err="1"/>
+              <a:t>đầu</a:t>
+            </a:r>
+            <a:r>
+              <a:rPr lang="en-US" dirty="0"/>
+              <a:t> </a:t>
+            </a:r>
+            <a:r>
+              <a:rPr lang="en-US" dirty="0" err="1"/>
+              <a:t>vào</a:t>
+            </a:r>
+            <a:endParaRPr lang="en-US" dirty="0"/>
+          </a:p>
+          <a:p>
+            <a:pPr lvl="2"/>
+            <a:r>
+              <a:rPr lang="en-US" dirty="0" err="1"/>
+              <a:t>Mã</a:t>
+            </a:r>
+            <a:r>
+              <a:rPr lang="en-US" dirty="0"/>
+              <a:t> </a:t>
+            </a:r>
+            <a:r>
+              <a:rPr lang="en-US" dirty="0" err="1"/>
+              <a:t>hóa</a:t>
+            </a:r>
+            <a:r>
+              <a:rPr lang="en-US" dirty="0"/>
+              <a:t> </a:t>
+            </a:r>
+            <a:r>
+              <a:rPr lang="en-US" dirty="0" err="1"/>
+              <a:t>tập</a:t>
+            </a:r>
+            <a:r>
+              <a:rPr lang="en-US" dirty="0"/>
+              <a:t> </a:t>
+            </a:r>
+            <a:r>
+              <a:rPr lang="en-US" dirty="0" err="1"/>
+              <a:t>các</a:t>
+            </a:r>
+            <a:r>
+              <a:rPr lang="en-US" dirty="0"/>
+              <a:t> </a:t>
+            </a:r>
+            <a:r>
+              <a:rPr lang="en-US" dirty="0" err="1"/>
+              <a:t>trạng</a:t>
+            </a:r>
+            <a:r>
+              <a:rPr lang="en-US" dirty="0"/>
+              <a:t> </a:t>
+            </a:r>
+            <a:r>
+              <a:rPr lang="en-US" dirty="0" err="1"/>
+              <a:t>thái</a:t>
+            </a:r>
+            <a:r>
+              <a:rPr lang="en-US" dirty="0"/>
+              <a:t> </a:t>
+            </a:r>
+            <a:r>
+              <a:rPr lang="en-US" dirty="0" err="1"/>
+              <a:t>đầu</a:t>
+            </a:r>
+            <a:r>
+              <a:rPr lang="en-US" dirty="0"/>
+              <a:t> </a:t>
+            </a:r>
+            <a:r>
+              <a:rPr lang="en-US" dirty="0" err="1"/>
+              <a:t>ra</a:t>
+            </a:r>
+            <a:endParaRPr lang="en-US" dirty="0"/>
+          </a:p>
+          <a:p>
+            <a:pPr lvl="2"/>
+            <a:r>
+              <a:rPr lang="en-US" dirty="0" err="1"/>
+              <a:t>Mã</a:t>
+            </a:r>
+            <a:r>
+              <a:rPr lang="en-US" dirty="0"/>
+              <a:t> </a:t>
+            </a:r>
+            <a:r>
+              <a:rPr lang="en-US" dirty="0" err="1"/>
+              <a:t>hóa</a:t>
+            </a:r>
+            <a:r>
+              <a:rPr lang="en-US" dirty="0"/>
+              <a:t> </a:t>
+            </a:r>
+            <a:r>
+              <a:rPr lang="en-US" dirty="0" err="1"/>
+              <a:t>tập</a:t>
+            </a:r>
+            <a:r>
+              <a:rPr lang="en-US" dirty="0"/>
+              <a:t> </a:t>
+            </a:r>
+            <a:r>
+              <a:rPr lang="en-US" dirty="0" err="1"/>
+              <a:t>các</a:t>
+            </a:r>
+            <a:r>
+              <a:rPr lang="en-US" dirty="0"/>
+              <a:t> </a:t>
+            </a:r>
+            <a:r>
+              <a:rPr lang="en-US" dirty="0" err="1"/>
+              <a:t>sự</a:t>
+            </a:r>
+            <a:r>
+              <a:rPr lang="en-US" dirty="0"/>
+              <a:t> </a:t>
+            </a:r>
+            <a:r>
+              <a:rPr lang="en-US" dirty="0" err="1"/>
+              <a:t>kiện</a:t>
+            </a:r>
+            <a:endParaRPr lang="en-US" dirty="0"/>
+          </a:p>
+          <a:p>
+            <a:pPr lvl="1"/>
+            <a:r>
+              <a:rPr lang="en-US" dirty="0" err="1" smtClean="0"/>
+              <a:t>Mã</a:t>
+            </a:r>
+            <a:r>
+              <a:rPr lang="en-US" dirty="0" smtClean="0"/>
+              <a:t> </a:t>
+            </a:r>
+            <a:r>
+              <a:rPr lang="en-US" dirty="0" err="1" smtClean="0"/>
+              <a:t>hóa</a:t>
+            </a:r>
+            <a:r>
+              <a:rPr lang="en-US" dirty="0" smtClean="0"/>
+              <a:t> </a:t>
+            </a:r>
+            <a:r>
+              <a:rPr lang="en-US" dirty="0" err="1"/>
+              <a:t>tập</a:t>
+            </a:r>
+            <a:r>
+              <a:rPr lang="en-US" dirty="0"/>
+              <a:t> </a:t>
+            </a:r>
+            <a:r>
+              <a:rPr lang="en-US" dirty="0" err="1"/>
+              <a:t>các</a:t>
+            </a:r>
+            <a:r>
+              <a:rPr lang="en-US" dirty="0"/>
+              <a:t> </a:t>
+            </a:r>
+            <a:r>
+              <a:rPr lang="en-US" dirty="0" err="1"/>
+              <a:t>chuyển</a:t>
+            </a:r>
+            <a:r>
+              <a:rPr lang="en-US" dirty="0"/>
+              <a:t> </a:t>
+            </a:r>
+            <a:r>
+              <a:rPr lang="en-US" dirty="0" err="1"/>
+              <a:t>trạng</a:t>
+            </a:r>
+            <a:r>
+              <a:rPr lang="en-US" dirty="0"/>
+              <a:t> </a:t>
+            </a:r>
+            <a:r>
+              <a:rPr lang="en-US" dirty="0" err="1"/>
+              <a:t>thái</a:t>
+            </a:r>
+            <a:endParaRPr lang="en-US" dirty="0"/>
+          </a:p>
+          <a:p>
+            <a:endParaRPr lang="en-US" dirty="0"/>
+          </a:p>
+        </p:txBody>
+      </p:sp>
+      <p:sp>
+        <p:nvSpPr>
+          <p:cNvPr id="7" name="Slide Number Placeholder 6"/>
+          <p:cNvSpPr>
+            <a:spLocks noGrp="1"/>
+          </p:cNvSpPr>
+          <p:nvPr>
+            <p:ph type="sldNum" sz="quarter" idx="12"/>
+          </p:nvPr>
+        </p:nvSpPr>
+        <p:spPr/>
+        <p:txBody>
+          <a:bodyPr/>
+          <a:lstStyle/>
+          <a:p>
+            <a:fld id="{DF691789-08F5-40BB-8E0D-8090C8F485A6}" type="slidenum">
+              <a:rPr lang="en-US" smtClean="0"/>
+              <a:t>11</a:t>
+            </a:fld>
+            <a:endParaRPr lang="en-US"/>
+          </a:p>
+        </p:txBody>
+      </p:sp>
+    </p:spTree>
+    <p:extLst>
+      <p:ext uri="{BB962C8B-B14F-4D97-AF65-F5344CB8AC3E}">
+        <p14:creationId xmlns:p14="http://schemas.microsoft.com/office/powerpoint/2010/main" val="1092392125"/>
+      </p:ext>
+    </p:extLst>
+  </p:cSld>
+  <p:clrMapOvr>
+    <a:masterClrMapping/>
+  </p:clrMapOvr>
+</p:sld>
+</file>
+
+<file path=ppt/slides/slide12.xml><?xml version="1.0" encoding="utf-8"?>
+<p:sld xmlns:a="http://schemas.openxmlformats.org/drawingml/2006/main" xmlns:r="http://schemas.openxmlformats.org/officeDocument/2006/relationships" xmlns:p="http://schemas.openxmlformats.org/presentationml/2006/main">
+  <p:cSld>
+    <p:spTree>
+      <p:nvGrpSpPr>
+        <p:cNvPr id="1" name=""/>
+        <p:cNvGrpSpPr/>
+        <p:nvPr/>
+      </p:nvGrpSpPr>
+      <p:grpSpPr>
+        <a:xfrm>
+          <a:off x="0" y="0"/>
+          <a:ext cx="0" cy="0"/>
+          <a:chOff x="0" y="0"/>
+          <a:chExt cx="0" cy="0"/>
+        </a:xfrm>
+      </p:grpSpPr>
+      <p:sp>
+        <p:nvSpPr>
+          <p:cNvPr id="5" name="Title 4"/>
+          <p:cNvSpPr>
+            <a:spLocks noGrp="1"/>
+          </p:cNvSpPr>
+          <p:nvPr>
+            <p:ph type="title"/>
+          </p:nvPr>
+        </p:nvSpPr>
+        <p:spPr/>
+        <p:txBody>
+          <a:bodyPr/>
+          <a:lstStyle/>
+          <a:p>
+            <a:r>
+              <a:rPr lang="en-US" dirty="0" smtClean="0"/>
+              <a:t>Phương</a:t>
+            </a:r>
+            <a:r>
+              <a:rPr lang="en-US" dirty="0"/>
+              <a:t> </a:t>
+            </a:r>
+            <a:r>
+              <a:rPr lang="en-US" dirty="0" err="1"/>
+              <a:t>pháp</a:t>
+            </a:r>
+            <a:r>
+              <a:rPr lang="en-US" dirty="0"/>
+              <a:t> </a:t>
+            </a:r>
+            <a:r>
+              <a:rPr lang="en-US" dirty="0" err="1"/>
+              <a:t>chuyển</a:t>
+            </a:r>
+            <a:r>
+              <a:rPr lang="en-US" dirty="0"/>
+              <a:t> </a:t>
+            </a:r>
+            <a:r>
+              <a:rPr lang="en-US" dirty="0" err="1"/>
+              <a:t>đổi</a:t>
+            </a:r>
+            <a:r>
+              <a:rPr lang="en-US" dirty="0"/>
+              <a:t> </a:t>
+            </a:r>
+            <a:r>
+              <a:rPr lang="en-US" dirty="0" smtClean="0"/>
+              <a:t>(</a:t>
+            </a:r>
+            <a:r>
+              <a:rPr lang="en-US" dirty="0"/>
+              <a:t>3</a:t>
+            </a:r>
+            <a:r>
+              <a:rPr lang="en-US" dirty="0" smtClean="0"/>
+              <a:t>)</a:t>
+            </a:r>
+            <a:endParaRPr lang="en-US" dirty="0"/>
+          </a:p>
+        </p:txBody>
+      </p:sp>
+      <p:sp>
+        <p:nvSpPr>
+          <p:cNvPr id="10" name="Text Placeholder 9"/>
+          <p:cNvSpPr>
+            <a:spLocks noGrp="1"/>
+          </p:cNvSpPr>
+          <p:nvPr>
+            <p:ph type="body" idx="1"/>
+          </p:nvPr>
+        </p:nvSpPr>
+        <p:spPr/>
+        <p:txBody>
+          <a:bodyPr/>
+          <a:lstStyle/>
+          <a:p>
+            <a:r>
+              <a:rPr lang="en-US" dirty="0" err="1" smtClean="0"/>
+              <a:t>Thuật</a:t>
+            </a:r>
+            <a:r>
+              <a:rPr lang="en-US" dirty="0" smtClean="0"/>
+              <a:t> </a:t>
+            </a:r>
+            <a:r>
+              <a:rPr lang="en-US" dirty="0" err="1" smtClean="0"/>
+              <a:t>toán</a:t>
+            </a:r>
+            <a:r>
+              <a:rPr lang="en-US" dirty="0" smtClean="0"/>
+              <a:t> </a:t>
+            </a:r>
+            <a:r>
+              <a:rPr lang="en-US" dirty="0" err="1" smtClean="0"/>
+              <a:t>mã</a:t>
+            </a:r>
+            <a:r>
+              <a:rPr lang="en-US" dirty="0" smtClean="0"/>
+              <a:t> </a:t>
+            </a:r>
+            <a:r>
+              <a:rPr lang="en-US" dirty="0" err="1" smtClean="0"/>
+              <a:t>hóa</a:t>
+            </a:r>
+            <a:r>
+              <a:rPr lang="en-US" dirty="0" smtClean="0"/>
+              <a:t> </a:t>
+            </a:r>
+            <a:r>
+              <a:rPr lang="en-US" dirty="0" err="1" smtClean="0"/>
+              <a:t>một</a:t>
+            </a:r>
+            <a:r>
+              <a:rPr lang="en-US" dirty="0" smtClean="0"/>
+              <a:t> </a:t>
+            </a:r>
+            <a:r>
+              <a:rPr lang="en-US" dirty="0" err="1" smtClean="0"/>
+              <a:t>tập</a:t>
+            </a:r>
+            <a:r>
+              <a:rPr lang="en-US" dirty="0" smtClean="0"/>
+              <a:t> </a:t>
+            </a:r>
+            <a:r>
+              <a:rPr lang="en-US" dirty="0" err="1" smtClean="0"/>
+              <a:t>hợp</a:t>
+            </a:r>
+            <a:endParaRPr lang="en-US" dirty="0"/>
+          </a:p>
+        </p:txBody>
+      </p:sp>
+      <p:pic>
+        <p:nvPicPr>
+          <p:cNvPr id="8" name="Content Placeholder 7"/>
+          <p:cNvPicPr>
+            <a:picLocks noGrp="1" noChangeAspect="1"/>
+          </p:cNvPicPr>
+          <p:nvPr>
+            <p:ph sz="half" idx="2"/>
+          </p:nvPr>
+        </p:nvPicPr>
+        <p:blipFill>
+          <a:blip r:embed="rId3"/>
+          <a:stretch>
+            <a:fillRect/>
+          </a:stretch>
+        </p:blipFill>
+        <p:spPr>
+          <a:xfrm>
+            <a:off x="665163" y="2505074"/>
+            <a:ext cx="3291982" cy="4265789"/>
+          </a:xfrm>
+          <a:prstGeom prst="rect">
+            <a:avLst/>
+          </a:prstGeom>
+        </p:spPr>
+      </p:pic>
+      <p:sp>
+        <p:nvSpPr>
+          <p:cNvPr id="11" name="Text Placeholder 10"/>
+          <p:cNvSpPr>
+            <a:spLocks noGrp="1"/>
+          </p:cNvSpPr>
+          <p:nvPr>
+            <p:ph type="body" sz="quarter" idx="3"/>
+          </p:nvPr>
+        </p:nvSpPr>
+        <p:spPr/>
+        <p:txBody>
+          <a:bodyPr/>
+          <a:lstStyle/>
+          <a:p>
+            <a:r>
+              <a:rPr lang="en-US" smtClean="0"/>
+              <a:t>Thuật toán mã hóa tập các chuyển trạng thái</a:t>
+            </a:r>
+            <a:endParaRPr lang="en-US"/>
+          </a:p>
+        </p:txBody>
+      </p:sp>
+      <p:pic>
+        <p:nvPicPr>
+          <p:cNvPr id="9" name="Content Placeholder 8"/>
+          <p:cNvPicPr>
+            <a:picLocks noGrp="1" noChangeAspect="1"/>
+          </p:cNvPicPr>
+          <p:nvPr>
+            <p:ph sz="quarter" idx="4"/>
+          </p:nvPr>
+        </p:nvPicPr>
+        <p:blipFill>
+          <a:blip r:embed="rId4"/>
+          <a:stretch>
+            <a:fillRect/>
+          </a:stretch>
+        </p:blipFill>
+        <p:spPr>
+          <a:xfrm>
+            <a:off x="5997575" y="2798850"/>
+            <a:ext cx="4637881" cy="2596269"/>
+          </a:xfrm>
+          <a:prstGeom prst="rect">
+            <a:avLst/>
+          </a:prstGeom>
+        </p:spPr>
+      </p:pic>
+      <p:sp>
+        <p:nvSpPr>
+          <p:cNvPr id="4" name="Slide Number Placeholder 3"/>
+          <p:cNvSpPr>
+            <a:spLocks noGrp="1"/>
+          </p:cNvSpPr>
+          <p:nvPr>
+            <p:ph type="sldNum" sz="quarter" idx="12"/>
+          </p:nvPr>
+        </p:nvSpPr>
+        <p:spPr/>
+        <p:txBody>
+          <a:bodyPr/>
+          <a:lstStyle/>
+          <a:p>
+            <a:fld id="{DF691789-08F5-40BB-8E0D-8090C8F485A6}" type="slidenum">
+              <a:rPr lang="en-US" smtClean="0"/>
+              <a:t>12</a:t>
+            </a:fld>
+            <a:endParaRPr lang="en-US"/>
+          </a:p>
+        </p:txBody>
+      </p:sp>
+    </p:spTree>
+    <p:extLst>
+      <p:ext uri="{BB962C8B-B14F-4D97-AF65-F5344CB8AC3E}">
+        <p14:creationId xmlns:p14="http://schemas.microsoft.com/office/powerpoint/2010/main" val="1645073775"/>
+      </p:ext>
+    </p:extLst>
+  </p:cSld>
+  <p:clrMapOvr>
+    <a:masterClrMapping/>
+  </p:clrMapOvr>
+  <p:timing>
+    <p:tnLst>
+      <p:par>
+        <p:cTn id="1" dur="indefinite" restart="never" nodeType="tmRoot"/>
+      </p:par>
+    </p:tnLst>
+  </p:timing>
+</p:sld>
+</file>
+
+<file path=ppt/slides/slide13.xml><?xml version="1.0" encoding="utf-8"?>
+<p:sld xmlns:a="http://schemas.openxmlformats.org/drawingml/2006/main" xmlns:r="http://schemas.openxmlformats.org/officeDocument/2006/relationships" xmlns:p="http://schemas.openxmlformats.org/presentationml/2006/main">
+  <p:cSld>
+    <p:spTree>
+      <p:nvGrpSpPr>
+        <p:cNvPr id="1" name=""/>
+        <p:cNvGrpSpPr/>
+        <p:nvPr/>
+      </p:nvGrpSpPr>
+      <p:grpSpPr>
+        <a:xfrm>
+          <a:off x="0" y="0"/>
+          <a:ext cx="0" cy="0"/>
+          <a:chOff x="0" y="0"/>
+          <a:chExt cx="0" cy="0"/>
+        </a:xfrm>
+      </p:grpSpPr>
+      <p:sp>
+        <p:nvSpPr>
           <p:cNvPr id="2" name="Title 1"/>
           <p:cNvSpPr>
             <a:spLocks noGrp="1"/>
@@ -4556,7 +6846,7 @@
           <a:p>
             <a:fld id="{DF691789-08F5-40BB-8E0D-8090C8F485A6}" type="slidenum">
               <a:rPr lang="en-US" smtClean="0"/>
-              <a:t>11</a:t>
+              <a:t>13</a:t>
             </a:fld>
             <a:endParaRPr lang="en-US"/>
           </a:p>
@@ -4713,7 +7003,7 @@
 </p:sld>
 </file>
 
-<file path=ppt/slides/slide12.xml><?xml version="1.0" encoding="utf-8"?>
+<file path=ppt/slides/slide14.xml><?xml version="1.0" encoding="utf-8"?>
 <p:sld xmlns:a="http://schemas.openxmlformats.org/drawingml/2006/main" xmlns:r="http://schemas.openxmlformats.org/officeDocument/2006/relationships" xmlns:p="http://schemas.openxmlformats.org/presentationml/2006/main">
   <p:cSld>
     <p:spTree>
@@ -4746,10 +7036,38 @@
           <a:lstStyle/>
           <a:p>
             <a:r>
-              <a:rPr lang="en-US" smtClean="0"/>
-              <a:t>Chứng minh tính đúng đắn(1)</a:t>
-            </a:r>
-            <a:endParaRPr lang="en-US"/>
+              <a:rPr lang="en-US" dirty="0" err="1" smtClean="0"/>
+              <a:t>Chứng</a:t>
+            </a:r>
+            <a:r>
+              <a:rPr lang="en-US" dirty="0" smtClean="0"/>
+              <a:t> minh </a:t>
+            </a:r>
+            <a:r>
+              <a:rPr lang="en-US" dirty="0" err="1" smtClean="0"/>
+              <a:t>tính</a:t>
+            </a:r>
+            <a:r>
+              <a:rPr lang="en-US" dirty="0" smtClean="0"/>
+              <a:t> </a:t>
+            </a:r>
+            <a:r>
+              <a:rPr lang="en-US" dirty="0" err="1" smtClean="0"/>
+              <a:t>đúng</a:t>
+            </a:r>
+            <a:r>
+              <a:rPr lang="en-US" dirty="0" smtClean="0"/>
+              <a:t> </a:t>
+            </a:r>
+            <a:r>
+              <a:rPr lang="en-US" dirty="0" err="1" smtClean="0"/>
+              <a:t>đắn</a:t>
+            </a:r>
+            <a:r>
+              <a:rPr lang="en-US" dirty="0" smtClean="0"/>
+              <a:t> (1)</a:t>
+            </a:r>
+            <a:endParaRPr lang="en-US" dirty="0"/>
           </a:p>
         </p:txBody>
       </p:sp>
@@ -4769,209 +7087,568 @@
           <a:lstStyle/>
           <a:p>
             <a:r>
-              <a:rPr lang="en-US" smtClean="0"/>
-              <a:t>Chiều thuận: Từ dạng đặc tả sử dụng LTS sang dạng đặc tả sử dụng hàm logic. Dựa theo định nghĩa, chúng ta chứng minh 2 luận điểm:</a:t>
-            </a:r>
+              <a:rPr lang="en-US" dirty="0" err="1" smtClean="0"/>
+              <a:t>Chiều</a:t>
+            </a:r>
+            <a:r>
+              <a:rPr lang="en-US" dirty="0" smtClean="0"/>
+              <a:t> </a:t>
+            </a:r>
+            <a:r>
+              <a:rPr lang="en-US" dirty="0" err="1" smtClean="0"/>
+              <a:t>thuận</a:t>
+            </a:r>
+            <a:r>
+              <a:rPr lang="en-US" dirty="0" smtClean="0"/>
+              <a:t>: </a:t>
+            </a:r>
+            <a:r>
+              <a:rPr lang="en-US" dirty="0" err="1" smtClean="0"/>
+              <a:t>Từ</a:t>
+            </a:r>
+            <a:r>
+              <a:rPr lang="en-US" dirty="0" smtClean="0"/>
+              <a:t> </a:t>
+            </a:r>
+            <a:r>
+              <a:rPr lang="en-US" dirty="0" err="1" smtClean="0"/>
+              <a:t>dạng</a:t>
+            </a:r>
+            <a:r>
+              <a:rPr lang="en-US" dirty="0" smtClean="0"/>
+              <a:t> </a:t>
+            </a:r>
+            <a:r>
+              <a:rPr lang="en-US" dirty="0" err="1" smtClean="0"/>
+              <a:t>đặc</a:t>
+            </a:r>
+            <a:r>
+              <a:rPr lang="en-US" dirty="0" smtClean="0"/>
+              <a:t> </a:t>
+            </a:r>
+            <a:r>
+              <a:rPr lang="en-US" dirty="0" err="1" smtClean="0"/>
+              <a:t>tả</a:t>
+            </a:r>
+            <a:r>
+              <a:rPr lang="en-US" dirty="0" smtClean="0"/>
+              <a:t> </a:t>
+            </a:r>
+            <a:r>
+              <a:rPr lang="en-US" dirty="0" err="1" smtClean="0"/>
+              <a:t>sử</a:t>
+            </a:r>
+            <a:r>
+              <a:rPr lang="en-US" dirty="0" smtClean="0"/>
+              <a:t> </a:t>
+            </a:r>
+            <a:r>
+              <a:rPr lang="en-US" dirty="0" err="1" smtClean="0"/>
+              <a:t>dụng</a:t>
+            </a:r>
+            <a:r>
+              <a:rPr lang="en-US" dirty="0" smtClean="0"/>
+              <a:t> LTS sang </a:t>
+            </a:r>
+            <a:r>
+              <a:rPr lang="en-US" dirty="0" err="1" smtClean="0"/>
+              <a:t>dạng</a:t>
+            </a:r>
+            <a:r>
+              <a:rPr lang="en-US" dirty="0" smtClean="0"/>
+              <a:t> </a:t>
+            </a:r>
+            <a:r>
+              <a:rPr lang="en-US" dirty="0" err="1" smtClean="0"/>
+              <a:t>đặc</a:t>
+            </a:r>
+            <a:r>
+              <a:rPr lang="en-US" dirty="0" smtClean="0"/>
+              <a:t> </a:t>
+            </a:r>
+            <a:r>
+              <a:rPr lang="en-US" dirty="0" err="1" smtClean="0"/>
+              <a:t>tả</a:t>
+            </a:r>
+            <a:r>
+              <a:rPr lang="en-US" dirty="0" smtClean="0"/>
+              <a:t> </a:t>
+            </a:r>
+            <a:r>
+              <a:rPr lang="en-US" dirty="0" err="1" smtClean="0"/>
+              <a:t>sử</a:t>
+            </a:r>
+            <a:r>
+              <a:rPr lang="en-US" dirty="0" smtClean="0"/>
+              <a:t> </a:t>
+            </a:r>
+            <a:r>
+              <a:rPr lang="en-US" dirty="0" err="1" smtClean="0"/>
+              <a:t>dụng</a:t>
+            </a:r>
+            <a:r>
+              <a:rPr lang="en-US" dirty="0" smtClean="0"/>
+              <a:t> </a:t>
+            </a:r>
+            <a:r>
+              <a:rPr lang="en-US" dirty="0" err="1" smtClean="0"/>
+              <a:t>hàm</a:t>
+            </a:r>
+            <a:r>
+              <a:rPr lang="en-US" dirty="0" smtClean="0"/>
+              <a:t> logic. Ta </a:t>
+            </a:r>
+            <a:r>
+              <a:rPr lang="en-US" dirty="0" err="1" smtClean="0"/>
+              <a:t>cần</a:t>
+            </a:r>
+            <a:r>
+              <a:rPr lang="en-US" dirty="0" smtClean="0"/>
+              <a:t> </a:t>
+            </a:r>
+            <a:r>
+              <a:rPr lang="en-US" dirty="0" err="1" smtClean="0"/>
+              <a:t>chứng</a:t>
+            </a:r>
+            <a:r>
+              <a:rPr lang="en-US" dirty="0" smtClean="0"/>
+              <a:t> minh 2 </a:t>
+            </a:r>
+            <a:r>
+              <a:rPr lang="en-US" dirty="0" err="1" smtClean="0"/>
+              <a:t>luận</a:t>
+            </a:r>
+            <a:r>
+              <a:rPr lang="en-US" dirty="0" smtClean="0"/>
+              <a:t> </a:t>
+            </a:r>
+            <a:r>
+              <a:rPr lang="en-US" dirty="0" err="1" smtClean="0"/>
+              <a:t>điểm</a:t>
+            </a:r>
+            <a:endParaRPr lang="en-US" dirty="0" smtClean="0"/>
           </a:p>
           <a:p>
             <a:pPr lvl="1"/>
             <a:r>
-              <a:rPr lang="en-US" sz="2800"/>
-              <a:t>Tồn tại một phép gán </a:t>
-            </a:r>
-            <a:r>
-              <a:rPr lang="el-GR" sz="2800" smtClean="0"/>
+              <a:rPr lang="en-US" sz="2800" dirty="0" err="1" smtClean="0"/>
+              <a:t>Tồn</a:t>
+            </a:r>
+            <a:r>
+              <a:rPr lang="en-US" sz="2800" dirty="0" smtClean="0"/>
+              <a:t> </a:t>
+            </a:r>
+            <a:r>
+              <a:rPr lang="en-US" sz="2800" dirty="0" err="1"/>
+              <a:t>tại</a:t>
+            </a:r>
+            <a:r>
+              <a:rPr lang="en-US" sz="2800" dirty="0"/>
+              <a:t> </a:t>
+            </a:r>
+            <a:r>
+              <a:rPr lang="en-US" sz="2800" dirty="0" err="1"/>
+              <a:t>một</a:t>
+            </a:r>
+            <a:r>
+              <a:rPr lang="en-US" sz="2800" dirty="0"/>
+              <a:t> </a:t>
+            </a:r>
+            <a:r>
+              <a:rPr lang="en-US" sz="2800" dirty="0" err="1"/>
+              <a:t>phép</a:t>
+            </a:r>
+            <a:r>
+              <a:rPr lang="en-US" sz="2800" dirty="0"/>
+              <a:t> </a:t>
+            </a:r>
+            <a:r>
+              <a:rPr lang="en-US" sz="2800" dirty="0" err="1"/>
+              <a:t>gán</a:t>
+            </a:r>
+            <a:r>
+              <a:rPr lang="en-US" sz="2800" dirty="0"/>
+              <a:t> </a:t>
+            </a:r>
+            <a:r>
+              <a:rPr lang="el-GR" sz="2800" dirty="0" smtClean="0"/>
               <a:t>υ</a:t>
             </a:r>
             <a:r>
-              <a:rPr lang="en-US" sz="2800" baseline="30000"/>
+              <a:rPr lang="en-US" sz="2800" baseline="30000" dirty="0"/>
               <a:t>0</a:t>
             </a:r>
             <a:r>
-              <a:rPr lang="en-US" sz="2800" smtClean="0"/>
-              <a:t> </a:t>
-            </a:r>
-            <a:r>
-              <a:rPr lang="en-US" sz="2800"/>
-              <a:t>sao cho </a:t>
-            </a:r>
-            <a:r>
-              <a:rPr lang="el-GR" sz="2800"/>
-              <a:t>ι </a:t>
-            </a:r>
-            <a:r>
-              <a:rPr lang="en-US" sz="2800"/>
+              <a:rPr lang="en-US" sz="2800" dirty="0" smtClean="0"/>
+              <a:t> </a:t>
+            </a:r>
+            <a:r>
+              <a:rPr lang="en-US" sz="2800" dirty="0" err="1"/>
+              <a:t>sao</a:t>
+            </a:r>
+            <a:r>
+              <a:rPr lang="en-US" sz="2800" dirty="0"/>
+              <a:t> </a:t>
+            </a:r>
+            <a:r>
+              <a:rPr lang="en-US" sz="2800" dirty="0" err="1"/>
+              <a:t>cho</a:t>
+            </a:r>
+            <a:r>
+              <a:rPr lang="en-US" sz="2800" dirty="0"/>
+              <a:t> </a:t>
+            </a:r>
+            <a:r>
+              <a:rPr lang="el-GR" sz="2800" dirty="0" smtClean="0"/>
+              <a:t>ι</a:t>
+            </a:r>
+            <a:r>
+              <a:rPr lang="en-US" sz="2800" dirty="0" smtClean="0"/>
               <a:t>(</a:t>
             </a:r>
             <a:r>
-              <a:rPr lang="el-GR" sz="2800" smtClean="0"/>
+              <a:rPr lang="el-GR" sz="2800" dirty="0" smtClean="0"/>
               <a:t>υ</a:t>
             </a:r>
             <a:r>
-              <a:rPr lang="en-US" sz="2800" baseline="30000" smtClean="0"/>
+              <a:rPr lang="en-US" sz="2800" baseline="30000" dirty="0" smtClean="0"/>
               <a:t>0</a:t>
             </a:r>
             <a:r>
-              <a:rPr lang="en-US" sz="2800" smtClean="0"/>
+              <a:rPr lang="en-US" sz="2800" dirty="0" smtClean="0"/>
               <a:t>) </a:t>
             </a:r>
             <a:r>
-              <a:rPr lang="en-US" sz="2800"/>
+              <a:rPr lang="en-US" sz="2800" dirty="0"/>
               <a:t>= </a:t>
             </a:r>
             <a:r>
-              <a:rPr lang="en-US" sz="2800" smtClean="0"/>
+              <a:rPr lang="en-US" sz="2800" dirty="0" smtClean="0"/>
               <a:t>True</a:t>
             </a:r>
           </a:p>
           <a:p>
             <a:pPr lvl="1"/>
             <a:r>
-              <a:rPr lang="en-US" sz="2800" smtClean="0"/>
-              <a:t>Tồn tại một tập các phép gán </a:t>
-            </a:r>
-            <a:r>
-              <a:rPr lang="el-GR" sz="2800" smtClean="0">
+              <a:rPr lang="en-US" sz="2800" dirty="0" err="1" smtClean="0"/>
+              <a:t>Tồn</a:t>
+            </a:r>
+            <a:r>
+              <a:rPr lang="en-US" sz="2800" dirty="0" smtClean="0"/>
+              <a:t> </a:t>
+            </a:r>
+            <a:r>
+              <a:rPr lang="en-US" sz="2800" dirty="0" err="1" smtClean="0"/>
+              <a:t>tại</a:t>
+            </a:r>
+            <a:r>
+              <a:rPr lang="en-US" sz="2800" dirty="0" smtClean="0"/>
+              <a:t> </a:t>
+            </a:r>
+            <a:r>
+              <a:rPr lang="en-US" sz="2800" dirty="0" err="1" smtClean="0"/>
+              <a:t>một</a:t>
+            </a:r>
+            <a:r>
+              <a:rPr lang="en-US" sz="2800" dirty="0" smtClean="0"/>
+              <a:t> </a:t>
+            </a:r>
+            <a:r>
+              <a:rPr lang="en-US" sz="2800" dirty="0" err="1" smtClean="0"/>
+              <a:t>tập</a:t>
+            </a:r>
+            <a:r>
+              <a:rPr lang="en-US" sz="2800" dirty="0" smtClean="0"/>
+              <a:t> </a:t>
+            </a:r>
+            <a:r>
+              <a:rPr lang="en-US" sz="2800" dirty="0" err="1" smtClean="0"/>
+              <a:t>các</a:t>
+            </a:r>
+            <a:r>
+              <a:rPr lang="en-US" sz="2800" dirty="0" smtClean="0"/>
+              <a:t> </a:t>
+            </a:r>
+            <a:r>
+              <a:rPr lang="en-US" sz="2800" dirty="0" err="1" smtClean="0"/>
+              <a:t>phép</a:t>
+            </a:r>
+            <a:r>
+              <a:rPr lang="en-US" sz="2800" dirty="0" smtClean="0"/>
+              <a:t> </a:t>
+            </a:r>
+            <a:r>
+              <a:rPr lang="en-US" sz="2800" dirty="0" err="1" smtClean="0"/>
+              <a:t>gán</a:t>
+            </a:r>
+            <a:r>
+              <a:rPr lang="en-US" sz="2800" dirty="0" smtClean="0"/>
+              <a:t> </a:t>
+            </a:r>
+            <a:r>
+              <a:rPr lang="el-GR" sz="2800" dirty="0" smtClean="0">
                 <a:latin typeface="Times New Roman" panose="02020603050405020304" pitchFamily="18" charset="0"/>
                 <a:cs typeface="Times New Roman" panose="02020603050405020304" pitchFamily="18" charset="0"/>
               </a:rPr>
               <a:t>γ</a:t>
             </a:r>
             <a:r>
-              <a:rPr lang="en-US" sz="2800" baseline="30000" smtClean="0">
+              <a:rPr lang="en-US" sz="2800" baseline="30000" dirty="0" err="1" smtClean="0">
                 <a:latin typeface="Times New Roman" panose="02020603050405020304" pitchFamily="18" charset="0"/>
                 <a:cs typeface="Times New Roman" panose="02020603050405020304" pitchFamily="18" charset="0"/>
               </a:rPr>
               <a:t>i</a:t>
             </a:r>
             <a:r>
-              <a:rPr lang="en-US" sz="2800" smtClean="0">
+              <a:rPr lang="en-US" sz="2800" dirty="0" smtClean="0">
                 <a:latin typeface="Times New Roman" panose="02020603050405020304" pitchFamily="18" charset="0"/>
                 <a:cs typeface="Times New Roman" panose="02020603050405020304" pitchFamily="18" charset="0"/>
               </a:rPr>
               <a:t> </a:t>
             </a:r>
             <a:r>
-              <a:rPr lang="en-US" sz="2800" smtClean="0">
+              <a:rPr lang="en-US" sz="2800" dirty="0" err="1" smtClean="0">
                 <a:cs typeface="Times New Roman" panose="02020603050405020304" pitchFamily="18" charset="0"/>
               </a:rPr>
-              <a:t>trên tập X</a:t>
-            </a:r>
-            <a:r>
-              <a:rPr lang="en-US" sz="2800" baseline="30000" smtClean="0">
+              <a:t>trên</a:t>
+            </a:r>
+            <a:r>
+              <a:rPr lang="en-US" sz="2800" dirty="0" smtClean="0">
+                <a:cs typeface="Times New Roman" panose="02020603050405020304" pitchFamily="18" charset="0"/>
+              </a:rPr>
+              <a:t> </a:t>
+            </a:r>
+            <a:r>
+              <a:rPr lang="en-US" sz="2800" dirty="0" err="1" smtClean="0">
+                <a:cs typeface="Times New Roman" panose="02020603050405020304" pitchFamily="18" charset="0"/>
+              </a:rPr>
+              <a:t>tập</a:t>
+            </a:r>
+            <a:r>
+              <a:rPr lang="en-US" sz="2800" dirty="0" smtClean="0">
+                <a:cs typeface="Times New Roman" panose="02020603050405020304" pitchFamily="18" charset="0"/>
+              </a:rPr>
+              <a:t> X</a:t>
+            </a:r>
+            <a:r>
+              <a:rPr lang="en-US" sz="2800" baseline="30000" dirty="0" smtClean="0">
                 <a:cs typeface="Times New Roman" panose="02020603050405020304" pitchFamily="18" charset="0"/>
               </a:rPr>
               <a:t>i</a:t>
             </a:r>
             <a:r>
-              <a:rPr lang="en-US" sz="2800">
+              <a:rPr lang="en-US" sz="2800" dirty="0">
                 <a:cs typeface="Times New Roman" panose="02020603050405020304" pitchFamily="18" charset="0"/>
               </a:rPr>
               <a:t> </a:t>
             </a:r>
             <a:r>
-              <a:rPr lang="en-US" sz="2800" smtClean="0">
+              <a:rPr lang="en-US" sz="2800" dirty="0" smtClean="0">
                 <a:cs typeface="Times New Roman" panose="02020603050405020304" pitchFamily="18" charset="0"/>
               </a:rPr>
-              <a:t>(0 &lt;= i &lt;= N) sao cho </a:t>
-            </a:r>
-            <a:endParaRPr lang="en-US" sz="2800"/>
+              <a:t>(0 </a:t>
+            </a:r>
+            <a:r>
+              <a:rPr lang="en-US" sz="2800" dirty="0" smtClean="0">
+                <a:latin typeface="Times New Roman" panose="02020603050405020304" pitchFamily="18" charset="0"/>
+                <a:cs typeface="Times New Roman" panose="02020603050405020304" pitchFamily="18" charset="0"/>
+              </a:rPr>
+              <a:t>≤</a:t>
+            </a:r>
+            <a:r>
+              <a:rPr lang="en-US" sz="2800" dirty="0" smtClean="0">
+                <a:cs typeface="Times New Roman" panose="02020603050405020304" pitchFamily="18" charset="0"/>
+              </a:rPr>
+              <a:t> </a:t>
+            </a:r>
+            <a:r>
+              <a:rPr lang="en-US" sz="2800" dirty="0" err="1" smtClean="0">
+                <a:cs typeface="Times New Roman" panose="02020603050405020304" pitchFamily="18" charset="0"/>
+              </a:rPr>
+              <a:t>i</a:t>
+            </a:r>
+            <a:r>
+              <a:rPr lang="en-US" sz="2800" dirty="0" smtClean="0">
+                <a:cs typeface="Times New Roman" panose="02020603050405020304" pitchFamily="18" charset="0"/>
+              </a:rPr>
+              <a:t> </a:t>
+            </a:r>
+            <a:r>
+              <a:rPr lang="en-US" sz="2800" dirty="0">
+                <a:latin typeface="Times New Roman" panose="02020603050405020304" pitchFamily="18" charset="0"/>
+                <a:cs typeface="Times New Roman" panose="02020603050405020304" pitchFamily="18" charset="0"/>
+              </a:rPr>
+              <a:t>≤</a:t>
+            </a:r>
+            <a:r>
+              <a:rPr lang="en-US" sz="2800" dirty="0" smtClean="0">
+                <a:cs typeface="Times New Roman" panose="02020603050405020304" pitchFamily="18" charset="0"/>
+              </a:rPr>
+              <a:t> N) </a:t>
+            </a:r>
+            <a:r>
+              <a:rPr lang="en-US" sz="2800" dirty="0" err="1" smtClean="0">
+                <a:cs typeface="Times New Roman" panose="02020603050405020304" pitchFamily="18" charset="0"/>
+              </a:rPr>
+              <a:t>sao</a:t>
+            </a:r>
+            <a:r>
+              <a:rPr lang="en-US" sz="2800" dirty="0" smtClean="0">
+                <a:cs typeface="Times New Roman" panose="02020603050405020304" pitchFamily="18" charset="0"/>
+              </a:rPr>
+              <a:t> </a:t>
+            </a:r>
+            <a:r>
+              <a:rPr lang="en-US" sz="2800" dirty="0" err="1" smtClean="0">
+                <a:cs typeface="Times New Roman" panose="02020603050405020304" pitchFamily="18" charset="0"/>
+              </a:rPr>
+              <a:t>cho</a:t>
+            </a:r>
+            <a:r>
+              <a:rPr lang="en-US" sz="2800" dirty="0" smtClean="0">
+                <a:cs typeface="Times New Roman" panose="02020603050405020304" pitchFamily="18" charset="0"/>
+              </a:rPr>
+              <a:t> </a:t>
+            </a:r>
+            <a:endParaRPr lang="en-US" sz="2800" dirty="0"/>
           </a:p>
           <a:p>
             <a:pPr marL="457200" lvl="1" indent="0">
               <a:buNone/>
             </a:pPr>
             <a:r>
-              <a:rPr lang="el-GR" smtClean="0">
+              <a:rPr lang="el-GR" dirty="0" smtClean="0">
                 <a:latin typeface="Times New Roman" panose="02020603050405020304" pitchFamily="18" charset="0"/>
                 <a:cs typeface="Times New Roman" panose="02020603050405020304" pitchFamily="18" charset="0"/>
               </a:rPr>
               <a:t>ζ</a:t>
             </a:r>
             <a:r>
-              <a:rPr lang="en-US" smtClean="0">
+              <a:rPr lang="en-US" dirty="0" smtClean="0">
                 <a:latin typeface="Times New Roman" panose="02020603050405020304" pitchFamily="18" charset="0"/>
                 <a:cs typeface="Times New Roman" panose="02020603050405020304" pitchFamily="18" charset="0"/>
               </a:rPr>
               <a:t> = </a:t>
             </a:r>
             <a:r>
-              <a:rPr lang="el-GR" smtClean="0">
+              <a:rPr lang="el-GR" dirty="0" smtClean="0">
                 <a:latin typeface="Times New Roman" panose="02020603050405020304" pitchFamily="18" charset="0"/>
                 <a:cs typeface="Times New Roman" panose="02020603050405020304" pitchFamily="18" charset="0"/>
               </a:rPr>
               <a:t>γ</a:t>
             </a:r>
             <a:r>
-              <a:rPr lang="en-US" baseline="30000" smtClean="0">
+              <a:rPr lang="en-US" baseline="30000" dirty="0" smtClean="0">
                 <a:latin typeface="Times New Roman" panose="02020603050405020304" pitchFamily="18" charset="0"/>
                 <a:cs typeface="Times New Roman" panose="02020603050405020304" pitchFamily="18" charset="0"/>
               </a:rPr>
               <a:t>0</a:t>
             </a:r>
             <a:r>
-              <a:rPr lang="el-GR">
+              <a:rPr lang="el-GR" dirty="0">
                 <a:latin typeface="Times New Roman" panose="02020603050405020304" pitchFamily="18" charset="0"/>
                 <a:cs typeface="Times New Roman" panose="02020603050405020304" pitchFamily="18" charset="0"/>
               </a:rPr>
               <a:t> </a:t>
             </a:r>
             <a:r>
-              <a:rPr lang="el-GR" smtClean="0">
+              <a:rPr lang="el-GR" dirty="0" smtClean="0">
                 <a:latin typeface="Times New Roman" panose="02020603050405020304" pitchFamily="18" charset="0"/>
                 <a:cs typeface="Times New Roman" panose="02020603050405020304" pitchFamily="18" charset="0"/>
               </a:rPr>
               <a:t>γ</a:t>
             </a:r>
             <a:r>
-              <a:rPr lang="en-US" baseline="30000" smtClean="0">
+              <a:rPr lang="en-US" baseline="30000" dirty="0" smtClean="0">
                 <a:latin typeface="Times New Roman" panose="02020603050405020304" pitchFamily="18" charset="0"/>
                 <a:cs typeface="Times New Roman" panose="02020603050405020304" pitchFamily="18" charset="0"/>
               </a:rPr>
               <a:t>1</a:t>
             </a:r>
             <a:r>
-              <a:rPr lang="en-US" smtClean="0">
+              <a:rPr lang="en-US" dirty="0" smtClean="0">
                 <a:latin typeface="Times New Roman" panose="02020603050405020304" pitchFamily="18" charset="0"/>
                 <a:cs typeface="Times New Roman" panose="02020603050405020304" pitchFamily="18" charset="0"/>
               </a:rPr>
               <a:t>…</a:t>
             </a:r>
             <a:r>
-              <a:rPr lang="el-GR">
+              <a:rPr lang="el-GR" dirty="0">
                 <a:latin typeface="Times New Roman" panose="02020603050405020304" pitchFamily="18" charset="0"/>
                 <a:cs typeface="Times New Roman" panose="02020603050405020304" pitchFamily="18" charset="0"/>
               </a:rPr>
               <a:t> </a:t>
             </a:r>
             <a:r>
-              <a:rPr lang="el-GR" smtClean="0">
+              <a:rPr lang="el-GR" dirty="0" smtClean="0">
                 <a:latin typeface="Times New Roman" panose="02020603050405020304" pitchFamily="18" charset="0"/>
                 <a:cs typeface="Times New Roman" panose="02020603050405020304" pitchFamily="18" charset="0"/>
               </a:rPr>
               <a:t>γ</a:t>
             </a:r>
             <a:r>
-              <a:rPr lang="en-US" baseline="30000" smtClean="0">
+              <a:rPr lang="en-US" baseline="30000" dirty="0" smtClean="0">
                 <a:latin typeface="Times New Roman" panose="02020603050405020304" pitchFamily="18" charset="0"/>
                 <a:cs typeface="Times New Roman" panose="02020603050405020304" pitchFamily="18" charset="0"/>
               </a:rPr>
               <a:t>n</a:t>
             </a:r>
             <a:r>
-              <a:rPr lang="en-US" smtClean="0">
+              <a:rPr lang="en-US" dirty="0" smtClean="0">
                 <a:latin typeface="Times New Roman" panose="02020603050405020304" pitchFamily="18" charset="0"/>
                 <a:cs typeface="Times New Roman" panose="02020603050405020304" pitchFamily="18" charset="0"/>
               </a:rPr>
               <a:t> </a:t>
             </a:r>
             <a:r>
-              <a:rPr lang="en-US" smtClean="0">
+              <a:rPr lang="en-US" dirty="0" err="1" smtClean="0">
                 <a:cs typeface="Times New Roman" panose="02020603050405020304" pitchFamily="18" charset="0"/>
               </a:rPr>
-              <a:t>là một vết của N</a:t>
-            </a:r>
-            <a:endParaRPr lang="en-US" smtClean="0"/>
+              <a:t>là</a:t>
+            </a:r>
+            <a:r>
+              <a:rPr lang="en-US" dirty="0" smtClean="0">
+                <a:cs typeface="Times New Roman" panose="02020603050405020304" pitchFamily="18" charset="0"/>
+              </a:rPr>
+              <a:t> </a:t>
+            </a:r>
+            <a:r>
+              <a:rPr lang="en-US" dirty="0" err="1" smtClean="0">
+                <a:cs typeface="Times New Roman" panose="02020603050405020304" pitchFamily="18" charset="0"/>
+              </a:rPr>
+              <a:t>một</a:t>
+            </a:r>
+            <a:r>
+              <a:rPr lang="en-US" dirty="0" smtClean="0">
+                <a:cs typeface="Times New Roman" panose="02020603050405020304" pitchFamily="18" charset="0"/>
+              </a:rPr>
+              <a:t> </a:t>
+            </a:r>
+            <a:r>
+              <a:rPr lang="en-US" dirty="0" err="1" smtClean="0">
+                <a:cs typeface="Times New Roman" panose="02020603050405020304" pitchFamily="18" charset="0"/>
+              </a:rPr>
+              <a:t>vết</a:t>
+            </a:r>
+            <a:r>
+              <a:rPr lang="en-US" dirty="0" smtClean="0">
+                <a:cs typeface="Times New Roman" panose="02020603050405020304" pitchFamily="18" charset="0"/>
+              </a:rPr>
+              <a:t> </a:t>
+            </a:r>
+            <a:r>
+              <a:rPr lang="en-US" dirty="0" err="1" smtClean="0">
+                <a:cs typeface="Times New Roman" panose="02020603050405020304" pitchFamily="18" charset="0"/>
+              </a:rPr>
+              <a:t>của</a:t>
+            </a:r>
+            <a:r>
+              <a:rPr lang="en-US" dirty="0" smtClean="0">
+                <a:cs typeface="Times New Roman" panose="02020603050405020304" pitchFamily="18" charset="0"/>
+              </a:rPr>
+              <a:t> N</a:t>
+            </a:r>
+            <a:endParaRPr lang="en-US" dirty="0" smtClean="0"/>
           </a:p>
         </p:txBody>
       </p:sp>
@@ -4992,7 +7669,7 @@
           <a:p>
             <a:fld id="{DF691789-08F5-40BB-8E0D-8090C8F485A6}" type="slidenum">
               <a:rPr lang="en-US" smtClean="0"/>
-              <a:t>12</a:t>
+              <a:t>14</a:t>
             </a:fld>
             <a:endParaRPr lang="en-US"/>
           </a:p>
@@ -5018,7 +7695,7 @@
 </p:sld>
 </file>
 
-<file path=ppt/slides/slide13.xml><?xml version="1.0" encoding="utf-8"?>
+<file path=ppt/slides/slide15.xml><?xml version="1.0" encoding="utf-8"?>
 <p:sld xmlns:a="http://schemas.openxmlformats.org/drawingml/2006/main" xmlns:r="http://schemas.openxmlformats.org/officeDocument/2006/relationships" xmlns:p="http://schemas.openxmlformats.org/presentationml/2006/main">
   <p:cSld>
     <p:spTree>
@@ -5080,137 +7757,493 @@
               <a:lstStyle/>
               <a:p>
                 <a:r>
-                  <a:rPr lang="en-US" smtClean="0"/>
-                  <a:t>Chiều nghịch: Từ dạng đặc tả sử dụng logic sang dạng đặc tả sử dụng LTS. Dựa theo định nghĩa chúng ta chứng minh 2 luận điểm từ dạng đặc tả sử dụng hàm logic:</a:t>
+                  <a:rPr lang="en-US" dirty="0" err="1" smtClean="0"/>
+                  <a:t>Chiều</a:t>
+                </a:r>
+                <a:r>
+                  <a:rPr lang="en-US" dirty="0" smtClean="0"/>
+                  <a:t> </a:t>
+                </a:r>
+                <a:r>
+                  <a:rPr lang="en-US" dirty="0" err="1" smtClean="0"/>
+                  <a:t>nghịch</a:t>
+                </a:r>
+                <a:r>
+                  <a:rPr lang="en-US" dirty="0" smtClean="0"/>
+                  <a:t>: </a:t>
+                </a:r>
+                <a:r>
+                  <a:rPr lang="en-US" dirty="0" err="1" smtClean="0"/>
+                  <a:t>Từ</a:t>
+                </a:r>
+                <a:r>
+                  <a:rPr lang="en-US" dirty="0" smtClean="0"/>
+                  <a:t> </a:t>
+                </a:r>
+                <a:r>
+                  <a:rPr lang="en-US" dirty="0" err="1" smtClean="0"/>
+                  <a:t>dạng</a:t>
+                </a:r>
+                <a:r>
+                  <a:rPr lang="en-US" dirty="0" smtClean="0"/>
+                  <a:t> </a:t>
+                </a:r>
+                <a:r>
+                  <a:rPr lang="en-US" dirty="0" err="1" smtClean="0"/>
+                  <a:t>đặc</a:t>
+                </a:r>
+                <a:r>
+                  <a:rPr lang="en-US" dirty="0" smtClean="0"/>
+                  <a:t> </a:t>
+                </a:r>
+                <a:r>
+                  <a:rPr lang="en-US" dirty="0" err="1" smtClean="0"/>
+                  <a:t>tả</a:t>
+                </a:r>
+                <a:r>
+                  <a:rPr lang="en-US" dirty="0" smtClean="0"/>
+                  <a:t> </a:t>
+                </a:r>
+                <a:r>
+                  <a:rPr lang="en-US" dirty="0" err="1" smtClean="0"/>
+                  <a:t>sử</a:t>
+                </a:r>
+                <a:r>
+                  <a:rPr lang="en-US" dirty="0" smtClean="0"/>
+                  <a:t> </a:t>
+                </a:r>
+                <a:r>
+                  <a:rPr lang="en-US" dirty="0" err="1" smtClean="0"/>
+                  <a:t>dụng</a:t>
+                </a:r>
+                <a:r>
+                  <a:rPr lang="en-US" dirty="0" smtClean="0"/>
+                  <a:t> logic </a:t>
+                </a:r>
+                <a:r>
+                  <a:rPr lang="en-US" dirty="0" err="1" smtClean="0"/>
+                  <a:t>và</a:t>
+                </a:r>
+                <a:r>
+                  <a:rPr lang="en-US" dirty="0" smtClean="0"/>
+                  <a:t> </a:t>
+                </a:r>
+                <a:r>
+                  <a:rPr lang="en-US" b="1" u="sng" dirty="0" err="1" smtClean="0"/>
+                  <a:t>bảng</a:t>
+                </a:r>
+                <a:r>
+                  <a:rPr lang="en-US" b="1" u="sng" dirty="0" smtClean="0"/>
+                  <a:t> </a:t>
+                </a:r>
+                <a:r>
+                  <a:rPr lang="en-US" b="1" u="sng" dirty="0" err="1" smtClean="0"/>
+                  <a:t>ánh</a:t>
+                </a:r>
+                <a:r>
+                  <a:rPr lang="en-US" b="1" u="sng" dirty="0" smtClean="0"/>
+                  <a:t> </a:t>
+                </a:r>
+                <a:r>
+                  <a:rPr lang="en-US" b="1" u="sng" dirty="0" err="1" smtClean="0"/>
+                  <a:t>xạ</a:t>
+                </a:r>
+                <a:r>
+                  <a:rPr lang="en-US" dirty="0" smtClean="0"/>
+                  <a:t> sang </a:t>
+                </a:r>
+                <a:r>
+                  <a:rPr lang="en-US" dirty="0" err="1" smtClean="0"/>
+                  <a:t>dạng</a:t>
+                </a:r>
+                <a:r>
+                  <a:rPr lang="en-US" dirty="0" smtClean="0"/>
+                  <a:t> </a:t>
+                </a:r>
+                <a:r>
+                  <a:rPr lang="en-US" dirty="0" err="1" smtClean="0"/>
+                  <a:t>đặc</a:t>
+                </a:r>
+                <a:r>
+                  <a:rPr lang="en-US" dirty="0" smtClean="0"/>
+                  <a:t> </a:t>
+                </a:r>
+                <a:r>
+                  <a:rPr lang="en-US" dirty="0" err="1" smtClean="0"/>
+                  <a:t>tả</a:t>
+                </a:r>
+                <a:r>
+                  <a:rPr lang="en-US" dirty="0" smtClean="0"/>
+                  <a:t> </a:t>
+                </a:r>
+                <a:r>
+                  <a:rPr lang="en-US" dirty="0" err="1" smtClean="0"/>
+                  <a:t>sử</a:t>
+                </a:r>
+                <a:r>
+                  <a:rPr lang="en-US" dirty="0" smtClean="0"/>
+                  <a:t> </a:t>
+                </a:r>
+                <a:r>
+                  <a:rPr lang="en-US" dirty="0" err="1" smtClean="0"/>
+                  <a:t>dụng</a:t>
+                </a:r>
+                <a:r>
+                  <a:rPr lang="en-US" dirty="0" smtClean="0"/>
+                  <a:t> LTS. </a:t>
+                </a:r>
+                <a:r>
+                  <a:rPr lang="en-US" dirty="0" err="1" smtClean="0"/>
+                  <a:t>Cần</a:t>
+                </a:r>
+                <a:r>
+                  <a:rPr lang="en-US" dirty="0" smtClean="0"/>
+                  <a:t> </a:t>
+                </a:r>
+                <a:r>
+                  <a:rPr lang="en-US" dirty="0" err="1" smtClean="0"/>
+                  <a:t>chứng</a:t>
+                </a:r>
+                <a:r>
+                  <a:rPr lang="en-US" dirty="0" smtClean="0"/>
+                  <a:t> minh 2 </a:t>
+                </a:r>
+                <a:r>
+                  <a:rPr lang="en-US" dirty="0" err="1" smtClean="0"/>
+                  <a:t>luận</a:t>
+                </a:r>
+                <a:r>
+                  <a:rPr lang="en-US" dirty="0" smtClean="0"/>
+                  <a:t> </a:t>
+                </a:r>
+                <a:r>
+                  <a:rPr lang="en-US" dirty="0" err="1" smtClean="0"/>
+                  <a:t>điểm</a:t>
+                </a:r>
+                <a:r>
+                  <a:rPr lang="en-US" dirty="0" smtClean="0"/>
+                  <a:t>:</a:t>
                 </a:r>
               </a:p>
               <a:p>
                 <a:pPr lvl="1"/>
                 <a:r>
-                  <a:rPr lang="el-GR" smtClean="0"/>
-                  <a:t>ι </a:t>
+                  <a:rPr lang="el-GR" dirty="0" smtClean="0"/>
+                  <a:t>ι</a:t>
                 </a:r>
                 <a:r>
-                  <a:rPr lang="en-US"/>
+                  <a:rPr lang="en-US" dirty="0" smtClean="0"/>
                   <a:t>(</a:t>
                 </a:r>
                 <a:r>
-                  <a:rPr lang="el-GR"/>
+                  <a:rPr lang="el-GR" dirty="0"/>
                   <a:t>υ</a:t>
                 </a:r>
                 <a:r>
-                  <a:rPr lang="en-US" baseline="30000"/>
+                  <a:rPr lang="en-US" baseline="30000" dirty="0"/>
                   <a:t>0</a:t>
                 </a:r>
                 <a:r>
-                  <a:rPr lang="en-US"/>
+                  <a:rPr lang="en-US" dirty="0"/>
                   <a:t>) = </a:t>
                 </a:r>
                 <a:r>
-                  <a:rPr lang="en-US" smtClean="0"/>
-                  <a:t>True nên q</a:t>
+                  <a:rPr lang="en-US" dirty="0" smtClean="0"/>
+                  <a:t>True </a:t>
                 </a:r>
                 <a:r>
-                  <a:rPr lang="en-US" baseline="-25000" smtClean="0"/>
+                  <a:rPr lang="en-US" dirty="0" err="1" smtClean="0"/>
+                  <a:t>nên</a:t>
+                </a:r>
+                <a:r>
+                  <a:rPr lang="en-US" dirty="0" smtClean="0"/>
+                  <a:t> q</a:t>
+                </a:r>
+                <a:r>
+                  <a:rPr lang="en-US" baseline="-25000" dirty="0" smtClean="0"/>
                   <a:t>0</a:t>
                 </a:r>
                 <a:r>
-                  <a:rPr lang="en-US" smtClean="0"/>
-                  <a:t> là trạng thái khởi tạo của LTS</a:t>
+                  <a:rPr lang="en-US" dirty="0" smtClean="0"/>
+                  <a:t> </a:t>
+                </a:r>
+                <a:r>
+                  <a:rPr lang="en-US" dirty="0" err="1" smtClean="0"/>
+                  <a:t>là</a:t>
+                </a:r>
+                <a:r>
+                  <a:rPr lang="en-US" dirty="0" smtClean="0"/>
+                  <a:t> </a:t>
+                </a:r>
+                <a:r>
+                  <a:rPr lang="en-US" dirty="0" err="1" smtClean="0"/>
+                  <a:t>trạng</a:t>
+                </a:r>
+                <a:r>
+                  <a:rPr lang="en-US" dirty="0" smtClean="0"/>
+                  <a:t> </a:t>
+                </a:r>
+                <a:r>
+                  <a:rPr lang="en-US" dirty="0" err="1" smtClean="0"/>
+                  <a:t>thái</a:t>
+                </a:r>
+                <a:r>
+                  <a:rPr lang="en-US" dirty="0" smtClean="0"/>
+                  <a:t> </a:t>
+                </a:r>
+                <a:r>
+                  <a:rPr lang="en-US" dirty="0" err="1" smtClean="0"/>
+                  <a:t>khởi</a:t>
+                </a:r>
+                <a:r>
+                  <a:rPr lang="en-US" dirty="0" smtClean="0"/>
+                  <a:t> </a:t>
+                </a:r>
+                <a:r>
+                  <a:rPr lang="en-US" dirty="0" err="1" smtClean="0"/>
+                  <a:t>tạo</a:t>
+                </a:r>
+                <a:r>
+                  <a:rPr lang="en-US" dirty="0" smtClean="0"/>
+                  <a:t> </a:t>
+                </a:r>
+                <a:r>
+                  <a:rPr lang="en-US" dirty="0" err="1" smtClean="0"/>
+                  <a:t>của</a:t>
+                </a:r>
+                <a:r>
+                  <a:rPr lang="en-US" dirty="0" smtClean="0"/>
+                  <a:t> LTS</a:t>
                 </a:r>
               </a:p>
               <a:p>
                 <a:pPr lvl="1"/>
                 <a:r>
-                  <a:rPr lang="en-US" smtClean="0"/>
-                  <a:t>Tồn tại chuỗi σ = </a:t>
+                  <a:rPr lang="en-US" dirty="0" err="1" smtClean="0"/>
+                  <a:t>Tồn</a:t>
                 </a:r>
                 <a:r>
-                  <a:rPr lang="el-GR" smtClean="0">
-                    <a:latin typeface="Times New Roman" panose="02020603050405020304" pitchFamily="18" charset="0"/>
+                  <a:rPr lang="en-US" dirty="0" smtClean="0"/>
+                  <a:t> </a:t>
+                </a:r>
+                <a:r>
+                  <a:rPr lang="en-US" dirty="0" err="1" smtClean="0"/>
+                  <a:t>tại</a:t>
+                </a:r>
+                <a:r>
+                  <a:rPr lang="en-US" dirty="0" smtClean="0"/>
+                  <a:t> </a:t>
+                </a:r>
+                <a:r>
+                  <a:rPr lang="en-US" dirty="0" err="1" smtClean="0"/>
+                  <a:t>chuỗi</a:t>
+                </a:r>
+                <a:r>
+                  <a:rPr lang="en-US" dirty="0" smtClean="0"/>
+                  <a:t> </a:t>
+                </a:r>
+                <a:r>
+                  <a:rPr lang="en-US" dirty="0" err="1" smtClean="0"/>
+                  <a:t>σ</a:t>
+                </a:r>
+                <a:r>
+                  <a:rPr lang="en-US" baseline="-25000" dirty="0" err="1" smtClean="0"/>
+                  <a:t>i</a:t>
+                </a:r>
+                <a:r>
+                  <a:rPr lang="en-US" dirty="0" smtClean="0"/>
+                  <a:t> = </a:t>
+                </a:r>
+                <a:r>
+                  <a:rPr lang="el-GR" dirty="0" smtClean="0">
                     <a:cs typeface="Times New Roman" panose="02020603050405020304" pitchFamily="18" charset="0"/>
                   </a:rPr>
                   <a:t>ω</a:t>
                 </a:r>
                 <a:r>
-                  <a:rPr lang="en-US" baseline="-25000" smtClean="0">
-                    <a:latin typeface="Times New Roman" panose="02020603050405020304" pitchFamily="18" charset="0"/>
+                  <a:rPr lang="en-US" baseline="-25000" dirty="0" smtClean="0">
                     <a:cs typeface="Times New Roman" panose="02020603050405020304" pitchFamily="18" charset="0"/>
                   </a:rPr>
                   <a:t>0</a:t>
                 </a:r>
                 <a:r>
-                  <a:rPr lang="el-GR" smtClean="0">
-                    <a:latin typeface="Times New Roman" panose="02020603050405020304" pitchFamily="18" charset="0"/>
+                  <a:rPr lang="el-GR" dirty="0" smtClean="0">
                     <a:cs typeface="Times New Roman" panose="02020603050405020304" pitchFamily="18" charset="0"/>
                   </a:rPr>
                   <a:t>ω</a:t>
                 </a:r>
                 <a:r>
-                  <a:rPr lang="en-US" baseline="-25000" smtClean="0">
-                    <a:latin typeface="Times New Roman" panose="02020603050405020304" pitchFamily="18" charset="0"/>
+                  <a:rPr lang="en-US" baseline="-25000" dirty="0" smtClean="0">
                     <a:cs typeface="Times New Roman" panose="02020603050405020304" pitchFamily="18" charset="0"/>
                   </a:rPr>
                   <a:t>1</a:t>
                 </a:r>
                 <a:r>
-                  <a:rPr lang="en-US" smtClean="0">
-                    <a:latin typeface="Times New Roman" panose="02020603050405020304" pitchFamily="18" charset="0"/>
+                  <a:rPr lang="en-US" dirty="0" smtClean="0">
                     <a:cs typeface="Times New Roman" panose="02020603050405020304" pitchFamily="18" charset="0"/>
                   </a:rPr>
                   <a:t>…</a:t>
                 </a:r>
                 <a:r>
-                  <a:rPr lang="el-GR">
-                    <a:latin typeface="Times New Roman" panose="02020603050405020304" pitchFamily="18" charset="0"/>
+                  <a:rPr lang="el-GR" dirty="0">
                     <a:cs typeface="Times New Roman" panose="02020603050405020304" pitchFamily="18" charset="0"/>
                   </a:rPr>
                   <a:t> </a:t>
                 </a:r>
                 <a:r>
-                  <a:rPr lang="el-GR" smtClean="0">
-                    <a:latin typeface="Times New Roman" panose="02020603050405020304" pitchFamily="18" charset="0"/>
+                  <a:rPr lang="el-GR" dirty="0" smtClean="0">
                     <a:cs typeface="Times New Roman" panose="02020603050405020304" pitchFamily="18" charset="0"/>
                   </a:rPr>
                   <a:t>ω</a:t>
                 </a:r>
                 <a:r>
-                  <a:rPr lang="en-US" baseline="-25000" smtClean="0">
-                    <a:latin typeface="Times New Roman" panose="02020603050405020304" pitchFamily="18" charset="0"/>
+                  <a:rPr lang="en-US" baseline="-25000" dirty="0" smtClean="0">
                     <a:cs typeface="Times New Roman" panose="02020603050405020304" pitchFamily="18" charset="0"/>
                   </a:rPr>
                   <a:t>n</a:t>
                 </a:r>
                 <a:r>
-                  <a:rPr lang="en-US" smtClean="0">
-                    <a:latin typeface="Times New Roman" panose="02020603050405020304" pitchFamily="18" charset="0"/>
+                  <a:rPr lang="en-US" dirty="0" smtClean="0">
                     <a:cs typeface="Times New Roman" panose="02020603050405020304" pitchFamily="18" charset="0"/>
                   </a:rPr>
-                  <a:t> và trạng thái q</a:t>
+                  <a:t> </a:t>
                 </a:r>
                 <a:r>
-                  <a:rPr lang="en-US" baseline="-25000" smtClean="0">
-                    <a:latin typeface="Times New Roman" panose="02020603050405020304" pitchFamily="18" charset="0"/>
+                  <a:rPr lang="en-US" dirty="0" err="1" smtClean="0">
+                    <a:cs typeface="Times New Roman" panose="02020603050405020304" pitchFamily="18" charset="0"/>
+                  </a:rPr>
+                  <a:t>và</a:t>
+                </a:r>
+                <a:r>
+                  <a:rPr lang="en-US" dirty="0" smtClean="0">
+                    <a:cs typeface="Times New Roman" panose="02020603050405020304" pitchFamily="18" charset="0"/>
+                  </a:rPr>
+                  <a:t> </a:t>
+                </a:r>
+                <a:r>
+                  <a:rPr lang="en-US" dirty="0" err="1" smtClean="0">
+                    <a:cs typeface="Times New Roman" panose="02020603050405020304" pitchFamily="18" charset="0"/>
+                  </a:rPr>
+                  <a:t>trạng</a:t>
+                </a:r>
+                <a:r>
+                  <a:rPr lang="en-US" dirty="0" smtClean="0">
+                    <a:cs typeface="Times New Roman" panose="02020603050405020304" pitchFamily="18" charset="0"/>
+                  </a:rPr>
+                  <a:t> </a:t>
+                </a:r>
+                <a:r>
+                  <a:rPr lang="en-US" dirty="0" err="1" smtClean="0">
+                    <a:cs typeface="Times New Roman" panose="02020603050405020304" pitchFamily="18" charset="0"/>
+                  </a:rPr>
+                  <a:t>thái</a:t>
+                </a:r>
+                <a:r>
+                  <a:rPr lang="en-US" dirty="0" smtClean="0">
+                    <a:cs typeface="Times New Roman" panose="02020603050405020304" pitchFamily="18" charset="0"/>
+                  </a:rPr>
+                  <a:t> </a:t>
+                </a:r>
+                <a:r>
+                  <a:rPr lang="en-US" dirty="0" err="1" smtClean="0">
+                    <a:cs typeface="Times New Roman" panose="02020603050405020304" pitchFamily="18" charset="0"/>
+                  </a:rPr>
+                  <a:t>q</a:t>
+                </a:r>
+                <a:r>
+                  <a:rPr lang="en-US" baseline="-25000" dirty="0" err="1" smtClean="0">
                     <a:cs typeface="Times New Roman" panose="02020603050405020304" pitchFamily="18" charset="0"/>
                   </a:rPr>
                   <a:t>i</a:t>
                 </a:r>
                 <a:r>
-                  <a:rPr lang="en-US" smtClean="0">
+                  <a:rPr lang="en-US" dirty="0" err="1" smtClean="0">
                     <a:sym typeface="Symbol" panose="05050102010706020507" pitchFamily="18" charset="2"/>
                   </a:rPr>
                   <a:t>Q</a:t>
                 </a:r>
                 <a:r>
-                  <a:rPr lang="en-US" smtClean="0">
+                  <a:rPr lang="en-US" dirty="0" smtClean="0">
+                    <a:cs typeface="Times New Roman" panose="02020603050405020304" pitchFamily="18" charset="0"/>
+                  </a:rPr>
+                  <a:t> (</a:t>
+                </a:r>
+                <a:r>
+                  <a:rPr lang="en-US" dirty="0">
+                    <a:cs typeface="Times New Roman" panose="02020603050405020304" pitchFamily="18" charset="0"/>
+                  </a:rPr>
+                  <a:t>0 </a:t>
+                </a:r>
+                <a:r>
+                  <a:rPr lang="en-US" dirty="0">
                     <a:latin typeface="Times New Roman" panose="02020603050405020304" pitchFamily="18" charset="0"/>
                     <a:cs typeface="Times New Roman" panose="02020603050405020304" pitchFamily="18" charset="0"/>
                   </a:rPr>
-                  <a:t> sao cho q</a:t>
+                  <a:t>≤</a:t>
                 </a:r>
                 <a:r>
-                  <a:rPr lang="en-US" baseline="-25000" smtClean="0">
+                  <a:rPr lang="en-US" dirty="0">
+                    <a:cs typeface="Times New Roman" panose="02020603050405020304" pitchFamily="18" charset="0"/>
+                  </a:rPr>
+                  <a:t> </a:t>
+                </a:r>
+                <a:r>
+                  <a:rPr lang="en-US" dirty="0" err="1">
+                    <a:cs typeface="Times New Roman" panose="02020603050405020304" pitchFamily="18" charset="0"/>
+                  </a:rPr>
+                  <a:t>i</a:t>
+                </a:r>
+                <a:r>
+                  <a:rPr lang="en-US" dirty="0">
+                    <a:cs typeface="Times New Roman" panose="02020603050405020304" pitchFamily="18" charset="0"/>
+                  </a:rPr>
+                  <a:t> </a:t>
+                </a:r>
+                <a:r>
+                  <a:rPr lang="en-US" dirty="0">
                     <a:latin typeface="Times New Roman" panose="02020603050405020304" pitchFamily="18" charset="0"/>
+                    <a:cs typeface="Times New Roman" panose="02020603050405020304" pitchFamily="18" charset="0"/>
+                  </a:rPr>
+                  <a:t>≤</a:t>
+                </a:r>
+                <a:r>
+                  <a:rPr lang="en-US" dirty="0">
+                    <a:cs typeface="Times New Roman" panose="02020603050405020304" pitchFamily="18" charset="0"/>
+                  </a:rPr>
+                  <a:t> N</a:t>
+                </a:r>
+                <a:r>
+                  <a:rPr lang="en-US" dirty="0" smtClean="0">
+                    <a:cs typeface="Times New Roman" panose="02020603050405020304" pitchFamily="18" charset="0"/>
+                  </a:rPr>
+                  <a:t>) </a:t>
+                </a:r>
+                <a:r>
+                  <a:rPr lang="en-US" dirty="0" err="1" smtClean="0">
+                    <a:cs typeface="Times New Roman" panose="02020603050405020304" pitchFamily="18" charset="0"/>
+                  </a:rPr>
+                  <a:t>sao</a:t>
+                </a:r>
+                <a:r>
+                  <a:rPr lang="en-US" dirty="0" smtClean="0">
+                    <a:cs typeface="Times New Roman" panose="02020603050405020304" pitchFamily="18" charset="0"/>
+                  </a:rPr>
+                  <a:t> </a:t>
+                </a:r>
+                <a:r>
+                  <a:rPr lang="en-US" dirty="0" err="1" smtClean="0">
+                    <a:cs typeface="Times New Roman" panose="02020603050405020304" pitchFamily="18" charset="0"/>
+                  </a:rPr>
+                  <a:t>cho</a:t>
+                </a:r>
+                <a:r>
+                  <a:rPr lang="en-US" dirty="0" smtClean="0">
+                    <a:cs typeface="Times New Roman" panose="02020603050405020304" pitchFamily="18" charset="0"/>
+                  </a:rPr>
+                  <a:t> q</a:t>
+                </a:r>
+                <a:r>
+                  <a:rPr lang="en-US" baseline="-25000" dirty="0" smtClean="0">
                     <a:cs typeface="Times New Roman" panose="02020603050405020304" pitchFamily="18" charset="0"/>
                   </a:rPr>
                   <a:t>0</a:t>
@@ -5244,11 +8277,11 @@
                           </m:sSubPr>
                           <m:e>
                             <m:r>
-                              <a:rPr lang="en-US">
-                                <a:latin typeface="Cambria Math" panose="02040503050406030204" pitchFamily="18" charset="0"/>
-                                <a:sym typeface="Symbol" panose="05050102010706020507" pitchFamily="18" charset="2"/>
-                              </a:rPr>
-                              <m:t></m:t>
+                              <m:rPr>
+                                <m:nor/>
+                              </m:rPr>
+                              <a:rPr lang="en-US" dirty="0"/>
+                              <m:t>σ</m:t>
                             </m:r>
                           </m:e>
                           <m:sub>
@@ -5271,22 +8304,18 @@
                   </m:oMath>
                 </a14:m>
                 <a:r>
-                  <a:rPr lang="en-US" smtClean="0"/>
+                  <a:rPr lang="en-US" dirty="0" smtClean="0"/>
                   <a:t>q</a:t>
                 </a:r>
                 <a:r>
-                  <a:rPr lang="en-US" baseline="-25000" smtClean="0"/>
+                  <a:rPr lang="en-US" baseline="-25000" dirty="0" smtClean="0"/>
                   <a:t>i</a:t>
                 </a:r>
-                <a:endParaRPr lang="en-US" smtClean="0"/>
+                <a:endParaRPr lang="en-US" dirty="0" smtClean="0"/>
               </a:p>
               <a:p>
                 <a:pPr lvl="1"/>
-                <a:endParaRPr lang="en-US" smtClean="0"/>
-              </a:p>
-              <a:p>
-                <a:pPr lvl="1"/>
-                <a:endParaRPr lang="en-US"/>
+                <a:endParaRPr lang="en-US" dirty="0" smtClean="0"/>
               </a:p>
             </p:txBody>
           </p:sp>
@@ -5303,7 +8332,7 @@
               </p:nvPr>
             </p:nvSpPr>
             <p:spPr>
-              <a:blipFill>
+              <a:blipFill rotWithShape="0">
                 <a:blip r:embed="rId3"/>
                 <a:stretch>
                   <a:fillRect l="-1043" t="-2241"/>
@@ -5342,7 +8371,7 @@
           <a:p>
             <a:fld id="{DF691789-08F5-40BB-8E0D-8090C8F485A6}" type="slidenum">
               <a:rPr lang="en-US" smtClean="0"/>
-              <a:t>13</a:t>
+              <a:t>15</a:t>
             </a:fld>
             <a:endParaRPr lang="en-US"/>
           </a:p>
@@ -5358,10 +8387,17 @@
   <p:clrMapOvr>
     <a:masterClrMapping/>
   </p:clrMapOvr>
+  <p:timing>
+    <p:tnLst>
+      <p:par>
+        <p:cTn id="1" dur="indefinite" restart="never" nodeType="tmRoot"/>
+      </p:par>
+    </p:tnLst>
+  </p:timing>
 </p:sld>
 </file>
 
-<file path=ppt/slides/slide14.xml><?xml version="1.0" encoding="utf-8"?>
+<file path=ppt/slides/slide16.xml><?xml version="1.0" encoding="utf-8"?>
 <p:sld xmlns:a="http://schemas.openxmlformats.org/drawingml/2006/main" xmlns:r="http://schemas.openxmlformats.org/officeDocument/2006/relationships" xmlns:p="http://schemas.openxmlformats.org/presentationml/2006/main">
   <p:cSld>
     <p:spTree>
@@ -5393,6 +8429,241 @@
           <a:bodyPr/>
           <a:lstStyle/>
           <a:p>
+            <a:r>
+              <a:rPr lang="en-US" smtClean="0">
+                <a:solidFill>
+                  <a:srgbClr val="FF0000"/>
+                </a:solidFill>
+              </a:rPr>
+              <a:t>Cài đặt công cụ chuyển đổi</a:t>
+            </a:r>
+            <a:endParaRPr lang="en-US">
+              <a:solidFill>
+                <a:srgbClr val="FF0000"/>
+              </a:solidFill>
+            </a:endParaRPr>
+          </a:p>
+        </p:txBody>
+      </p:sp>
+      <p:sp>
+        <p:nvSpPr>
+          <p:cNvPr id="8" name="Text Placeholder 7"/>
+          <p:cNvSpPr>
+            <a:spLocks noGrp="1"/>
+          </p:cNvSpPr>
+          <p:nvPr>
+            <p:ph type="body" idx="1"/>
+          </p:nvPr>
+        </p:nvSpPr>
+        <p:spPr/>
+        <p:txBody>
+          <a:bodyPr/>
+          <a:lstStyle/>
+          <a:p>
+            <a:r>
+              <a:rPr lang="en-US" smtClean="0">
+                <a:solidFill>
+                  <a:srgbClr val="FF0000"/>
+                </a:solidFill>
+              </a:rPr>
+              <a:t>Input</a:t>
+            </a:r>
+            <a:endParaRPr lang="en-US">
+              <a:solidFill>
+                <a:srgbClr val="FF0000"/>
+              </a:solidFill>
+            </a:endParaRPr>
+          </a:p>
+        </p:txBody>
+      </p:sp>
+      <p:pic>
+        <p:nvPicPr>
+          <p:cNvPr id="12" name="Content Placeholder 11"/>
+          <p:cNvPicPr>
+            <a:picLocks noGrp="1" noChangeAspect="1"/>
+          </p:cNvPicPr>
+          <p:nvPr>
+            <p:ph sz="half" idx="2"/>
+          </p:nvPr>
+        </p:nvPicPr>
+        <p:blipFill>
+          <a:blip r:embed="rId3"/>
+          <a:stretch>
+            <a:fillRect/>
+          </a:stretch>
+        </p:blipFill>
+        <p:spPr>
+          <a:xfrm>
+            <a:off x="617954" y="2869324"/>
+            <a:ext cx="5379621" cy="2839020"/>
+          </a:xfrm>
+          <a:prstGeom prst="rect">
+            <a:avLst/>
+          </a:prstGeom>
+        </p:spPr>
+      </p:pic>
+      <p:sp>
+        <p:nvSpPr>
+          <p:cNvPr id="10" name="Text Placeholder 9"/>
+          <p:cNvSpPr>
+            <a:spLocks noGrp="1"/>
+          </p:cNvSpPr>
+          <p:nvPr>
+            <p:ph type="body" sz="quarter" idx="3"/>
+          </p:nvPr>
+        </p:nvSpPr>
+        <p:spPr/>
+        <p:txBody>
+          <a:bodyPr/>
+          <a:lstStyle/>
+          <a:p>
+            <a:r>
+              <a:rPr lang="en-US" smtClean="0">
+                <a:solidFill>
+                  <a:srgbClr val="FF0000"/>
+                </a:solidFill>
+              </a:rPr>
+              <a:t>Output</a:t>
+            </a:r>
+            <a:endParaRPr lang="en-US">
+              <a:solidFill>
+                <a:srgbClr val="FF0000"/>
+              </a:solidFill>
+            </a:endParaRPr>
+          </a:p>
+        </p:txBody>
+      </p:sp>
+      <p:sp>
+        <p:nvSpPr>
+          <p:cNvPr id="11" name="Content Placeholder 10"/>
+          <p:cNvSpPr>
+            <a:spLocks noGrp="1"/>
+          </p:cNvSpPr>
+          <p:nvPr>
+            <p:ph sz="quarter" idx="4"/>
+          </p:nvPr>
+        </p:nvSpPr>
+        <p:spPr/>
+        <p:txBody>
+          <a:bodyPr/>
+          <a:lstStyle/>
+          <a:p>
+            <a:endParaRPr lang="en-US">
+              <a:solidFill>
+                <a:srgbClr val="FF0000"/>
+              </a:solidFill>
+            </a:endParaRPr>
+          </a:p>
+        </p:txBody>
+      </p:sp>
+      <p:sp>
+        <p:nvSpPr>
+          <p:cNvPr id="4" name="Slide Number Placeholder 3"/>
+          <p:cNvSpPr>
+            <a:spLocks noGrp="1"/>
+          </p:cNvSpPr>
+          <p:nvPr>
+            <p:ph type="sldNum" sz="quarter" idx="12"/>
+          </p:nvPr>
+        </p:nvSpPr>
+        <p:spPr/>
+        <p:txBody>
+          <a:bodyPr/>
+          <a:lstStyle/>
+          <a:p>
+            <a:fld id="{DF691789-08F5-40BB-8E0D-8090C8F485A6}" type="slidenum">
+              <a:rPr lang="en-US" smtClean="0">
+                <a:solidFill>
+                  <a:srgbClr val="FF0000"/>
+                </a:solidFill>
+              </a:rPr>
+              <a:pPr/>
+              <a:t>16</a:t>
+            </a:fld>
+            <a:endParaRPr lang="en-US">
+              <a:solidFill>
+                <a:srgbClr val="FF0000"/>
+              </a:solidFill>
+            </a:endParaRPr>
+          </a:p>
+        </p:txBody>
+      </p:sp>
+      <p:pic>
+        <p:nvPicPr>
+          <p:cNvPr id="14" name="Picture 13"/>
+          <p:cNvPicPr>
+            <a:picLocks noChangeAspect="1"/>
+          </p:cNvPicPr>
+          <p:nvPr/>
+        </p:nvPicPr>
+        <p:blipFill>
+          <a:blip r:embed="rId4"/>
+          <a:stretch>
+            <a:fillRect/>
+          </a:stretch>
+        </p:blipFill>
+        <p:spPr>
+          <a:xfrm>
+            <a:off x="6172201" y="2869325"/>
+            <a:ext cx="4879428" cy="2780232"/>
+          </a:xfrm>
+          <a:prstGeom prst="rect">
+            <a:avLst/>
+          </a:prstGeom>
+        </p:spPr>
+      </p:pic>
+    </p:spTree>
+    <p:extLst>
+      <p:ext uri="{BB962C8B-B14F-4D97-AF65-F5344CB8AC3E}">
+        <p14:creationId xmlns:p14="http://schemas.microsoft.com/office/powerpoint/2010/main" val="2207119607"/>
+      </p:ext>
+    </p:extLst>
+  </p:cSld>
+  <p:clrMapOvr>
+    <a:masterClrMapping/>
+  </p:clrMapOvr>
+  <p:timing>
+    <p:tnLst>
+      <p:par>
+        <p:cTn id="1" dur="indefinite" restart="never" nodeType="tmRoot"/>
+      </p:par>
+    </p:tnLst>
+  </p:timing>
+</p:sld>
+</file>
+
+<file path=ppt/slides/slide17.xml><?xml version="1.0" encoding="utf-8"?>
+<p:sld xmlns:a="http://schemas.openxmlformats.org/drawingml/2006/main" xmlns:r="http://schemas.openxmlformats.org/officeDocument/2006/relationships" xmlns:p="http://schemas.openxmlformats.org/presentationml/2006/main">
+  <p:cSld>
+    <p:spTree>
+      <p:nvGrpSpPr>
+        <p:cNvPr id="1" name=""/>
+        <p:cNvGrpSpPr/>
+        <p:nvPr/>
+      </p:nvGrpSpPr>
+      <p:grpSpPr>
+        <a:xfrm>
+          <a:off x="0" y="0"/>
+          <a:ext cx="0" cy="0"/>
+          <a:chOff x="0" y="0"/>
+          <a:chExt cx="0" cy="0"/>
+        </a:xfrm>
+      </p:grpSpPr>
+      <p:sp>
+        <p:nvSpPr>
+          <p:cNvPr id="2" name="Title 1"/>
+          <p:cNvSpPr>
+            <a:spLocks noGrp="1"/>
+          </p:cNvSpPr>
+          <p:nvPr>
+            <p:ph type="title"/>
+          </p:nvPr>
+        </p:nvSpPr>
+        <p:spPr/>
+        <p:txBody>
+          <a:bodyPr/>
+          <a:lstStyle/>
+          <a:p>
             <a:endParaRPr lang="en-US" dirty="0"/>
           </a:p>
         </p:txBody>
@@ -5445,7 +8716,7 @@
           <a:p>
             <a:fld id="{DF691789-08F5-40BB-8E0D-8090C8F485A6}" type="slidenum">
               <a:rPr lang="en-US" smtClean="0"/>
-              <a:t>14</a:t>
+              <a:t>17</a:t>
             </a:fld>
             <a:endParaRPr lang="en-US"/>
           </a:p>
@@ -5540,7 +8811,7 @@
         <p:spPr/>
         <p:txBody>
           <a:bodyPr>
-            <a:normAutofit/>
+            <a:normAutofit lnSpcReduction="10000"/>
           </a:bodyPr>
           <a:lstStyle/>
           <a:p>
@@ -5580,11 +8851,7 @@
             </a:pPr>
             <a:r>
               <a:rPr lang="en-US"/>
-              <a:t>Phương pháp kiểm chứng giả </a:t>
-            </a:r>
-            <a:r>
-              <a:rPr lang="en-US"/>
-              <a:t>định-đảm </a:t>
+              <a:t>Phương pháp kiểm chứng giả định-đảm </a:t>
             </a:r>
             <a:r>
               <a:rPr lang="en-US" smtClean="0"/>
@@ -5598,11 +8865,7 @@
             </a:pPr>
             <a:r>
               <a:rPr lang="en-US" smtClean="0"/>
-              <a:t>Các </a:t>
-            </a:r>
-            <a:r>
-              <a:rPr lang="en-US" smtClean="0"/>
-              <a:t>phương pháp sinh ngữ cảnh giả định</a:t>
+              <a:t>Các phương pháp sinh ngữ cảnh giả định</a:t>
             </a:r>
             <a:endParaRPr lang="en-US" dirty="0" smtClean="0"/>
           </a:p>
@@ -5613,11 +8876,7 @@
             </a:pPr>
             <a:r>
               <a:rPr lang="en-US" smtClean="0"/>
-              <a:t>Sinh </a:t>
-            </a:r>
-            <a:r>
-              <a:rPr lang="en-US" smtClean="0"/>
-              <a:t>ngữ cảnh giả định dựa vào thuật toán học L*</a:t>
+              <a:t>Sinh ngữ cảnh giả định dựa vào thuật toán học L*</a:t>
             </a:r>
           </a:p>
           <a:p>
@@ -5648,11 +8907,7 @@
             </a:pPr>
             <a:r>
               <a:rPr lang="en-US" smtClean="0"/>
-              <a:t>Phương </a:t>
-            </a:r>
-            <a:r>
-              <a:rPr lang="en-US" smtClean="0"/>
-              <a:t>pháp</a:t>
+              <a:t>Phương pháp</a:t>
             </a:r>
           </a:p>
           <a:p>
@@ -5662,17 +8917,12 @@
             </a:pPr>
             <a:r>
               <a:rPr lang="en-US"/>
-              <a:t>Ví dụ </a:t>
-            </a:r>
-            <a:r>
-              <a:rPr lang="en-US"/>
-              <a:t>minh </a:t>
+              <a:t>Ví dụ minh </a:t>
             </a:r>
             <a:r>
               <a:rPr lang="en-US" smtClean="0"/>
               <a:t>họa</a:t>
             </a:r>
-            <a:endParaRPr lang="en-US" smtClean="0"/>
           </a:p>
           <a:p>
             <a:pPr lvl="1">
@@ -5687,7 +8937,25 @@
               <a:rPr lang="en-US" smtClean="0"/>
               <a:t>minh</a:t>
             </a:r>
-            <a:endParaRPr lang="en-US" smtClean="0"/>
+          </a:p>
+          <a:p>
+            <a:pPr>
+              <a:buFont typeface="Wingdings" panose="05000000000000000000" pitchFamily="2" charset="2"/>
+              <a:buChar char="§"/>
+            </a:pPr>
+            <a:r>
+              <a:rPr lang="en-US" smtClean="0">
+                <a:solidFill>
+                  <a:srgbClr val="FF0000"/>
+                </a:solidFill>
+              </a:rPr>
+              <a:t>Cài đặt công cụ chuyển đổi</a:t>
+            </a:r>
+            <a:endParaRPr lang="en-US" smtClean="0">
+              <a:solidFill>
+                <a:srgbClr val="FF0000"/>
+              </a:solidFill>
+            </a:endParaRPr>
           </a:p>
         </p:txBody>
       </p:sp>
@@ -5763,59 +9031,61 @@
         </p:nvSpPr>
         <p:spPr/>
         <p:txBody>
-          <a:bodyPr/>
-          <a:lstStyle/>
-          <a:p>
-            <a:pPr algn="ctr"/>
-            <a:r>
-              <a:rPr lang="en-US" b="1" dirty="0" err="1" smtClean="0"/>
-              <a:t>Giới</a:t>
-            </a:r>
-            <a:r>
-              <a:rPr lang="en-US" b="1" dirty="0" smtClean="0"/>
-              <a:t> </a:t>
-            </a:r>
-            <a:r>
-              <a:rPr lang="en-US" b="1" dirty="0" err="1" smtClean="0"/>
-              <a:t>thiệu</a:t>
-            </a:r>
-            <a:r>
-              <a:rPr lang="en-US" b="1" dirty="0" smtClean="0"/>
-              <a:t> </a:t>
-            </a:r>
-            <a:r>
-              <a:rPr lang="en-US" b="1" dirty="0" err="1" smtClean="0"/>
-              <a:t>bài</a:t>
-            </a:r>
-            <a:r>
-              <a:rPr lang="en-US" b="1" dirty="0" smtClean="0"/>
-              <a:t> </a:t>
-            </a:r>
-            <a:r>
-              <a:rPr lang="en-US" b="1" dirty="0" err="1" smtClean="0"/>
-              <a:t>toán</a:t>
-            </a:r>
-            <a:endParaRPr lang="en-US" b="1" dirty="0"/>
-          </a:p>
-        </p:txBody>
-      </p:sp>
-      <p:sp>
-        <p:nvSpPr>
-          <p:cNvPr id="3" name="Content Placeholder 2"/>
-          <p:cNvSpPr>
-            <a:spLocks noGrp="1"/>
-          </p:cNvSpPr>
-          <p:nvPr>
-            <p:ph sz="half" idx="1"/>
-          </p:nvPr>
-        </p:nvSpPr>
-        <p:spPr/>
-        <p:txBody>
           <a:bodyPr>
             <a:normAutofit/>
           </a:bodyPr>
           <a:lstStyle/>
           <a:p>
+            <a:pPr algn="ctr"/>
+            <a:r>
+              <a:rPr lang="en-US" sz="3800" b="1" dirty="0" err="1" smtClean="0"/>
+              <a:t>Giới</a:t>
+            </a:r>
+            <a:r>
+              <a:rPr lang="en-US" sz="3800" b="1" dirty="0" smtClean="0"/>
+              <a:t> </a:t>
+            </a:r>
+            <a:r>
+              <a:rPr lang="en-US" sz="3800" b="1" dirty="0" err="1" smtClean="0"/>
+              <a:t>thiệu</a:t>
+            </a:r>
+            <a:r>
+              <a:rPr lang="en-US" sz="3800" b="1" dirty="0" smtClean="0"/>
+              <a:t> </a:t>
+            </a:r>
+            <a:r>
+              <a:rPr lang="en-US" sz="3800" b="1" dirty="0" err="1" smtClean="0"/>
+              <a:t>bài</a:t>
+            </a:r>
+            <a:r>
+              <a:rPr lang="en-US" sz="3800" b="1" dirty="0" smtClean="0"/>
+              <a:t> </a:t>
+            </a:r>
+            <a:r>
+              <a:rPr lang="en-US" sz="3800" b="1" dirty="0" err="1" smtClean="0"/>
+              <a:t>toán</a:t>
+            </a:r>
+            <a:endParaRPr lang="en-US" sz="3800" b="1" dirty="0"/>
+          </a:p>
+        </p:txBody>
+      </p:sp>
+      <p:sp>
+        <p:nvSpPr>
+          <p:cNvPr id="3" name="Content Placeholder 2"/>
+          <p:cNvSpPr>
+            <a:spLocks noGrp="1"/>
+          </p:cNvSpPr>
+          <p:nvPr>
+            <p:ph sz="half" idx="1"/>
+          </p:nvPr>
+        </p:nvSpPr>
+        <p:spPr/>
+        <p:txBody>
+          <a:bodyPr>
+            <a:normAutofit/>
+          </a:bodyPr>
+          <a:lstStyle/>
+          <a:p>
             <a:r>
               <a:rPr lang="en-US" dirty="0" err="1" smtClean="0"/>
               <a:t>Luận</a:t>
@@ -5825,29 +9095,258 @@
               <a:t> </a:t>
             </a:r>
             <a:r>
+              <a:rPr lang="en-US" dirty="0" err="1" smtClean="0"/>
+              <a:t>văn</a:t>
+            </a:r>
+            <a:r>
+              <a:rPr lang="en-US" dirty="0" smtClean="0"/>
+              <a:t> </a:t>
+            </a:r>
+            <a:r>
+              <a:rPr lang="en-US" dirty="0" err="1" smtClean="0"/>
+              <a:t>trình</a:t>
+            </a:r>
+            <a:r>
+              <a:rPr lang="en-US" dirty="0" smtClean="0"/>
+              <a:t> </a:t>
+            </a:r>
+            <a:r>
+              <a:rPr lang="en-US" dirty="0" err="1" smtClean="0"/>
+              <a:t>bày</a:t>
+            </a:r>
+            <a:r>
+              <a:rPr lang="en-US" dirty="0" smtClean="0"/>
+              <a:t> </a:t>
+            </a:r>
+            <a:r>
+              <a:rPr lang="en-US" dirty="0" err="1" smtClean="0"/>
+              <a:t>phương</a:t>
+            </a:r>
+            <a:r>
+              <a:rPr lang="en-US" dirty="0" smtClean="0"/>
+              <a:t> </a:t>
+            </a:r>
+            <a:r>
+              <a:rPr lang="en-US" dirty="0" err="1" smtClean="0"/>
+              <a:t>pháp</a:t>
+            </a:r>
+            <a:r>
+              <a:rPr lang="en-US" dirty="0" smtClean="0"/>
+              <a:t> </a:t>
+            </a:r>
+            <a:r>
+              <a:rPr lang="en-US" dirty="0" err="1" smtClean="0"/>
+              <a:t>chuyển</a:t>
+            </a:r>
+            <a:r>
+              <a:rPr lang="en-US" dirty="0" smtClean="0"/>
+              <a:t> </a:t>
+            </a:r>
+            <a:r>
+              <a:rPr lang="en-US" dirty="0" err="1" smtClean="0"/>
+              <a:t>đổi</a:t>
+            </a:r>
+            <a:r>
+              <a:rPr lang="en-US" dirty="0" smtClean="0"/>
+              <a:t> qua </a:t>
+            </a:r>
+            <a:r>
+              <a:rPr lang="en-US" dirty="0" err="1" smtClean="0"/>
+              <a:t>lại</a:t>
+            </a:r>
+            <a:r>
+              <a:rPr lang="en-US" dirty="0" smtClean="0"/>
+              <a:t> </a:t>
+            </a:r>
+            <a:r>
+              <a:rPr lang="en-US" dirty="0" err="1" smtClean="0"/>
+              <a:t>giữa</a:t>
+            </a:r>
+            <a:r>
+              <a:rPr lang="en-US" dirty="0" smtClean="0"/>
+              <a:t> 2 </a:t>
+            </a:r>
+            <a:r>
+              <a:rPr lang="en-US" dirty="0" err="1" smtClean="0"/>
+              <a:t>loại</a:t>
+            </a:r>
+            <a:r>
+              <a:rPr lang="en-US" dirty="0" smtClean="0"/>
+              <a:t> </a:t>
+            </a:r>
+            <a:r>
+              <a:rPr lang="en-US" dirty="0" err="1" smtClean="0"/>
+              <a:t>đặc</a:t>
+            </a:r>
+            <a:r>
+              <a:rPr lang="en-US" dirty="0" smtClean="0"/>
+              <a:t> </a:t>
+            </a:r>
+            <a:r>
+              <a:rPr lang="en-US" dirty="0" err="1" smtClean="0"/>
+              <a:t>tả</a:t>
+            </a:r>
+            <a:endParaRPr lang="en-US" dirty="0" smtClean="0"/>
+          </a:p>
+          <a:p>
+            <a:pPr lvl="1"/>
+            <a:r>
+              <a:rPr lang="en-US" dirty="0" err="1" smtClean="0"/>
+              <a:t>Dạng</a:t>
+            </a:r>
+            <a:r>
+              <a:rPr lang="en-US" dirty="0" smtClean="0"/>
+              <a:t> </a:t>
+            </a:r>
+            <a:r>
+              <a:rPr lang="en-US" dirty="0" err="1" smtClean="0"/>
+              <a:t>đặc</a:t>
+            </a:r>
+            <a:r>
+              <a:rPr lang="en-US" dirty="0" smtClean="0"/>
+              <a:t> </a:t>
+            </a:r>
+            <a:r>
+              <a:rPr lang="en-US" dirty="0" err="1" smtClean="0"/>
+              <a:t>tả</a:t>
+            </a:r>
+            <a:r>
+              <a:rPr lang="en-US" dirty="0" smtClean="0"/>
+              <a:t> </a:t>
+            </a:r>
+            <a:r>
+              <a:rPr lang="en-US" dirty="0" err="1" smtClean="0"/>
+              <a:t>sử</a:t>
+            </a:r>
+            <a:r>
+              <a:rPr lang="en-US" dirty="0" smtClean="0"/>
+              <a:t> </a:t>
+            </a:r>
+            <a:r>
+              <a:rPr lang="en-US" dirty="0" err="1" smtClean="0"/>
+              <a:t>dụng</a:t>
+            </a:r>
+            <a:r>
+              <a:rPr lang="en-US" dirty="0" smtClean="0"/>
+              <a:t> </a:t>
+            </a:r>
+            <a:r>
+              <a:rPr lang="en-US" dirty="0" err="1" smtClean="0"/>
+              <a:t>hệ</a:t>
+            </a:r>
+            <a:r>
+              <a:rPr lang="en-US" dirty="0" smtClean="0"/>
+              <a:t> </a:t>
+            </a:r>
+            <a:r>
+              <a:rPr lang="en-US" dirty="0" err="1" smtClean="0"/>
+              <a:t>chuyển</a:t>
+            </a:r>
+            <a:r>
+              <a:rPr lang="en-US" dirty="0" smtClean="0"/>
+              <a:t> </a:t>
+            </a:r>
+            <a:r>
+              <a:rPr lang="en-US" dirty="0" err="1" smtClean="0"/>
+              <a:t>trạng</a:t>
+            </a:r>
+            <a:r>
+              <a:rPr lang="en-US" dirty="0" smtClean="0"/>
+              <a:t> </a:t>
+            </a:r>
+            <a:r>
+              <a:rPr lang="en-US" dirty="0" err="1" smtClean="0"/>
+              <a:t>thái</a:t>
+            </a:r>
+            <a:r>
+              <a:rPr lang="en-US" dirty="0" smtClean="0"/>
+              <a:t> </a:t>
+            </a:r>
+            <a:r>
+              <a:rPr lang="en-US" dirty="0" err="1" smtClean="0"/>
+              <a:t>gắn</a:t>
+            </a:r>
+            <a:r>
+              <a:rPr lang="en-US" dirty="0" smtClean="0"/>
+              <a:t> </a:t>
+            </a:r>
+            <a:r>
+              <a:rPr lang="en-US" dirty="0" err="1" smtClean="0"/>
+              <a:t>nhãn</a:t>
+            </a:r>
+            <a:r>
+              <a:rPr lang="en-US" dirty="0" smtClean="0"/>
+              <a:t> (LTS)</a:t>
+            </a:r>
+          </a:p>
+          <a:p>
+            <a:pPr lvl="1"/>
+            <a:r>
+              <a:rPr lang="en-US" dirty="0" err="1" smtClean="0"/>
+              <a:t>Dạng</a:t>
+            </a:r>
+            <a:r>
+              <a:rPr lang="en-US" dirty="0" smtClean="0"/>
+              <a:t> </a:t>
+            </a:r>
+            <a:r>
+              <a:rPr lang="en-US" dirty="0" err="1" smtClean="0"/>
+              <a:t>đặc</a:t>
+            </a:r>
+            <a:r>
+              <a:rPr lang="en-US" dirty="0" smtClean="0"/>
+              <a:t> </a:t>
+            </a:r>
+            <a:r>
+              <a:rPr lang="en-US" dirty="0" err="1" smtClean="0"/>
+              <a:t>tả</a:t>
+            </a:r>
+            <a:r>
+              <a:rPr lang="en-US" dirty="0" smtClean="0"/>
+              <a:t> </a:t>
+            </a:r>
+            <a:r>
+              <a:rPr lang="en-US" dirty="0" err="1" smtClean="0"/>
+              <a:t>sử</a:t>
+            </a:r>
+            <a:r>
+              <a:rPr lang="en-US" dirty="0" smtClean="0"/>
+              <a:t> </a:t>
+            </a:r>
+            <a:r>
+              <a:rPr lang="en-US" dirty="0" err="1" smtClean="0"/>
+              <a:t>dụng</a:t>
+            </a:r>
+            <a:r>
+              <a:rPr lang="en-US" dirty="0" smtClean="0"/>
+              <a:t> </a:t>
+            </a:r>
+            <a:r>
               <a:rPr lang="en-US" err="1" smtClean="0"/>
-              <a:t>văn</a:t>
+              <a:t>hàm</a:t>
             </a:r>
             <a:r>
               <a:rPr lang="en-US" smtClean="0"/>
-              <a:t> trình bày phương pháp chuyển đổi qua lại giữa 2 loại đặc tả</a:t>
-            </a:r>
-            <a:endParaRPr lang="en-US" dirty="0" smtClean="0"/>
+              <a:t> </a:t>
+            </a:r>
+            <a:r>
+              <a:rPr lang="en-US" smtClean="0"/>
+              <a:t>logic</a:t>
+            </a:r>
+          </a:p>
+          <a:p>
+            <a:r>
+              <a:rPr lang="en-US" smtClean="0"/>
+              <a:t>Tại sao cần phải chuyển đổi?</a:t>
+            </a:r>
           </a:p>
           <a:p>
             <a:pPr lvl="1"/>
             <a:r>
               <a:rPr lang="en-US" smtClean="0"/>
-              <a:t>Dạng đặc tả sử dụng hệ chuyển trạng thái gắn nhãn (LTS)</a:t>
-            </a:r>
-          </a:p>
-          <a:p>
-            <a:pPr lvl="1"/>
-            <a:r>
-              <a:rPr lang="en-US" smtClean="0"/>
-              <a:t>Dạng đặc tả sử dụng hàm logic</a:t>
-            </a:r>
-            <a:endParaRPr lang="en-US" dirty="0"/>
+              <a:t>Tận dụng tối đa các ưu điểm và khắc phục các nhược điểm của mỗi phương pháp</a:t>
+            </a:r>
+            <a:endParaRPr lang="en-US" smtClean="0"/>
           </a:p>
         </p:txBody>
       </p:sp>
@@ -5899,7 +9398,7 @@
         <p:spPr>
           <a:xfrm>
             <a:off x="6096000" y="2092709"/>
-            <a:ext cx="5455362" cy="2942431"/>
+            <a:ext cx="5455362" cy="2968022"/>
           </a:xfrm>
         </p:spPr>
       </p:pic>
@@ -5956,21 +9455,165 @@
           <a:lstStyle/>
           <a:p>
             <a:r>
-              <a:rPr lang="en-US" smtClean="0"/>
-              <a:t>Phương pháp kiểm chứng giả định-đảm bảo</a:t>
-            </a:r>
-            <a:endParaRPr lang="en-US" dirty="0"/>
-          </a:p>
-        </p:txBody>
-      </p:sp>
-      <p:sp>
-        <p:nvSpPr>
-          <p:cNvPr id="3" name="Content Placeholder 2"/>
-          <p:cNvSpPr>
-            <a:spLocks noGrp="1"/>
-          </p:cNvSpPr>
-          <p:nvPr>
-            <p:ph sz="half" idx="1"/>
+              <a:rPr lang="en-US" b="1">
+                <a:solidFill>
+                  <a:srgbClr val="FF0000"/>
+                </a:solidFill>
+              </a:rPr>
+              <a:t>Giới thiệu bài toán</a:t>
+            </a:r>
+            <a:endParaRPr lang="en-US">
+              <a:solidFill>
+                <a:srgbClr val="FF0000"/>
+              </a:solidFill>
+            </a:endParaRPr>
+          </a:p>
+        </p:txBody>
+      </p:sp>
+      <p:sp>
+        <p:nvSpPr>
+          <p:cNvPr id="6" name="Text Placeholder 5"/>
+          <p:cNvSpPr>
+            <a:spLocks noGrp="1"/>
+          </p:cNvSpPr>
+          <p:nvPr>
+            <p:ph type="body" idx="1"/>
+          </p:nvPr>
+        </p:nvSpPr>
+        <p:spPr/>
+        <p:txBody>
+          <a:bodyPr/>
+          <a:lstStyle/>
+          <a:p>
+            <a:r>
+              <a:rPr lang="en-US" smtClean="0">
+                <a:solidFill>
+                  <a:srgbClr val="FF0000"/>
+                </a:solidFill>
+              </a:rPr>
+              <a:t>Phương pháp đặc tả sử dụng LTS</a:t>
+            </a:r>
+            <a:endParaRPr lang="en-US">
+              <a:solidFill>
+                <a:srgbClr val="FF0000"/>
+              </a:solidFill>
+            </a:endParaRPr>
+          </a:p>
+        </p:txBody>
+      </p:sp>
+      <p:sp>
+        <p:nvSpPr>
+          <p:cNvPr id="7" name="Content Placeholder 6"/>
+          <p:cNvSpPr>
+            <a:spLocks noGrp="1"/>
+          </p:cNvSpPr>
+          <p:nvPr>
+            <p:ph sz="half" idx="2"/>
+          </p:nvPr>
+        </p:nvSpPr>
+        <p:spPr/>
+        <p:txBody>
+          <a:bodyPr/>
+          <a:lstStyle/>
+          <a:p>
+            <a:r>
+              <a:rPr lang="en-US" smtClean="0">
+                <a:solidFill>
+                  <a:srgbClr val="FF0000"/>
+                </a:solidFill>
+              </a:rPr>
+              <a:t>Ưu điểm</a:t>
+            </a:r>
+          </a:p>
+          <a:p>
+            <a:pPr lvl="1"/>
+            <a:r>
+              <a:rPr lang="en-US" smtClean="0">
+                <a:solidFill>
+                  <a:srgbClr val="FF0000"/>
+                </a:solidFill>
+              </a:rPr>
+              <a:t>Trực quan</a:t>
+            </a:r>
+          </a:p>
+          <a:p>
+            <a:r>
+              <a:rPr lang="en-US" smtClean="0">
+                <a:solidFill>
+                  <a:srgbClr val="FF0000"/>
+                </a:solidFill>
+              </a:rPr>
+              <a:t>Nhược điểm</a:t>
+            </a:r>
+          </a:p>
+          <a:p>
+            <a:pPr lvl="1"/>
+            <a:r>
+              <a:rPr lang="en-US" smtClean="0">
+                <a:solidFill>
+                  <a:srgbClr val="FF0000"/>
+                </a:solidFill>
+              </a:rPr>
+              <a:t>Việc biểu diễn bằng LTS đối với các hệ thống lớn là khó, tốn thời gian và công sức.</a:t>
+            </a:r>
+          </a:p>
+          <a:p>
+            <a:pPr lvl="1"/>
+            <a:r>
+              <a:rPr lang="en-US" smtClean="0">
+                <a:solidFill>
+                  <a:srgbClr val="FF0000"/>
+                </a:solidFill>
+              </a:rPr>
+              <a:t>Có thể dẫn bài toán bùng nổ không gian trạng thái</a:t>
+            </a:r>
+            <a:endParaRPr lang="en-US">
+              <a:solidFill>
+                <a:srgbClr val="FF0000"/>
+              </a:solidFill>
+            </a:endParaRPr>
+          </a:p>
+        </p:txBody>
+      </p:sp>
+      <p:sp>
+        <p:nvSpPr>
+          <p:cNvPr id="8" name="Text Placeholder 7"/>
+          <p:cNvSpPr>
+            <a:spLocks noGrp="1"/>
+          </p:cNvSpPr>
+          <p:nvPr>
+            <p:ph type="body" sz="quarter" idx="3"/>
+          </p:nvPr>
+        </p:nvSpPr>
+        <p:spPr/>
+        <p:txBody>
+          <a:bodyPr/>
+          <a:lstStyle/>
+          <a:p>
+            <a:r>
+              <a:rPr lang="en-US" smtClean="0">
+                <a:solidFill>
+                  <a:srgbClr val="FF0000"/>
+                </a:solidFill>
+              </a:rPr>
+              <a:t>Phương pháp đặc tả sử dụng hàm logic</a:t>
+            </a:r>
+            <a:endParaRPr lang="en-US">
+              <a:solidFill>
+                <a:srgbClr val="FF0000"/>
+              </a:solidFill>
+            </a:endParaRPr>
+          </a:p>
+        </p:txBody>
+      </p:sp>
+      <p:sp>
+        <p:nvSpPr>
+          <p:cNvPr id="9" name="Content Placeholder 8"/>
+          <p:cNvSpPr>
+            <a:spLocks noGrp="1"/>
+          </p:cNvSpPr>
+          <p:nvPr>
+            <p:ph sz="quarter" idx="4"/>
           </p:nvPr>
         </p:nvSpPr>
         <p:spPr/>
@@ -5981,83 +9624,482 @@
           <a:lstStyle/>
           <a:p>
             <a:r>
-              <a:rPr lang="en-US" smtClean="0"/>
-              <a:t>Yêu cầu bài toán</a:t>
+              <a:rPr lang="en-US" smtClean="0">
+                <a:solidFill>
+                  <a:srgbClr val="FF0000"/>
+                </a:solidFill>
+              </a:rPr>
+              <a:t>Ưu điểm</a:t>
             </a:r>
           </a:p>
           <a:p>
             <a:pPr lvl="1"/>
             <a:r>
-              <a:rPr lang="en-US" smtClean="0"/>
-              <a:t>Không cần ghép nối M</a:t>
-            </a:r>
-            <a:r>
-              <a:rPr lang="en-US" baseline="-25000" smtClean="0"/>
+              <a:rPr lang="en-US" smtClean="0">
+                <a:solidFill>
+                  <a:srgbClr val="FF0000"/>
+                </a:solidFill>
+              </a:rPr>
+              <a:t>Giải quyết được bài toán bùng nổ không gian trạng thái</a:t>
+            </a:r>
+          </a:p>
+          <a:p>
+            <a:pPr lvl="1"/>
+            <a:r>
+              <a:rPr lang="en-US" smtClean="0">
+                <a:solidFill>
+                  <a:srgbClr val="FF0000"/>
+                </a:solidFill>
+              </a:rPr>
+              <a:t>Biểu diễn các hệ thống lớn khá hiệu quả</a:t>
+            </a:r>
+          </a:p>
+          <a:p>
+            <a:r>
+              <a:rPr lang="en-US" smtClean="0">
+                <a:solidFill>
+                  <a:srgbClr val="FF0000"/>
+                </a:solidFill>
+              </a:rPr>
+              <a:t>Nhược điểm</a:t>
+            </a:r>
+          </a:p>
+          <a:p>
+            <a:pPr lvl="1"/>
+            <a:r>
+              <a:rPr lang="en-US" smtClean="0">
+                <a:solidFill>
+                  <a:srgbClr val="FF0000"/>
+                </a:solidFill>
+              </a:rPr>
+              <a:t>Không trực quan vì dạng biểu diễn chỉ là các hàm Boolean</a:t>
+            </a:r>
+            <a:endParaRPr lang="en-US">
+              <a:solidFill>
+                <a:srgbClr val="FF0000"/>
+              </a:solidFill>
+            </a:endParaRPr>
+          </a:p>
+        </p:txBody>
+      </p:sp>
+      <p:sp>
+        <p:nvSpPr>
+          <p:cNvPr id="5" name="Slide Number Placeholder 4"/>
+          <p:cNvSpPr>
+            <a:spLocks noGrp="1"/>
+          </p:cNvSpPr>
+          <p:nvPr>
+            <p:ph type="sldNum" sz="quarter" idx="12"/>
+          </p:nvPr>
+        </p:nvSpPr>
+        <p:spPr/>
+        <p:txBody>
+          <a:bodyPr/>
+          <a:lstStyle/>
+          <a:p>
+            <a:fld id="{DF691789-08F5-40BB-8E0D-8090C8F485A6}" type="slidenum">
+              <a:rPr lang="en-US" smtClean="0">
+                <a:solidFill>
+                  <a:srgbClr val="FF0000"/>
+                </a:solidFill>
+              </a:rPr>
+              <a:t>4</a:t>
+            </a:fld>
+            <a:endParaRPr lang="en-US">
+              <a:solidFill>
+                <a:srgbClr val="FF0000"/>
+              </a:solidFill>
+            </a:endParaRPr>
+          </a:p>
+        </p:txBody>
+      </p:sp>
+    </p:spTree>
+    <p:extLst>
+      <p:ext uri="{BB962C8B-B14F-4D97-AF65-F5344CB8AC3E}">
+        <p14:creationId xmlns:p14="http://schemas.microsoft.com/office/powerpoint/2010/main" val="3442097091"/>
+      </p:ext>
+    </p:extLst>
+  </p:cSld>
+  <p:clrMapOvr>
+    <a:masterClrMapping/>
+  </p:clrMapOvr>
+</p:sld>
+</file>
+
+<file path=ppt/slides/slide5.xml><?xml version="1.0" encoding="utf-8"?>
+<p:sld xmlns:a="http://schemas.openxmlformats.org/drawingml/2006/main" xmlns:r="http://schemas.openxmlformats.org/officeDocument/2006/relationships" xmlns:p="http://schemas.openxmlformats.org/presentationml/2006/main">
+  <p:cSld>
+    <p:spTree>
+      <p:nvGrpSpPr>
+        <p:cNvPr id="1" name=""/>
+        <p:cNvGrpSpPr/>
+        <p:nvPr/>
+      </p:nvGrpSpPr>
+      <p:grpSpPr>
+        <a:xfrm>
+          <a:off x="0" y="0"/>
+          <a:ext cx="0" cy="0"/>
+          <a:chOff x="0" y="0"/>
+          <a:chExt cx="0" cy="0"/>
+        </a:xfrm>
+      </p:grpSpPr>
+      <p:sp>
+        <p:nvSpPr>
+          <p:cNvPr id="2" name="Title 1"/>
+          <p:cNvSpPr>
+            <a:spLocks noGrp="1"/>
+          </p:cNvSpPr>
+          <p:nvPr>
+            <p:ph type="title"/>
+          </p:nvPr>
+        </p:nvSpPr>
+        <p:spPr/>
+        <p:txBody>
+          <a:bodyPr>
+            <a:normAutofit/>
+          </a:bodyPr>
+          <a:lstStyle/>
+          <a:p>
+            <a:r>
+              <a:rPr lang="en-US" sz="3800" dirty="0" err="1" smtClean="0"/>
+              <a:t>Phương</a:t>
+            </a:r>
+            <a:r>
+              <a:rPr lang="en-US" sz="3800" dirty="0" smtClean="0"/>
+              <a:t> </a:t>
+            </a:r>
+            <a:r>
+              <a:rPr lang="en-US" sz="3800" dirty="0" err="1" smtClean="0"/>
+              <a:t>pháp</a:t>
+            </a:r>
+            <a:r>
+              <a:rPr lang="en-US" sz="3800" dirty="0" smtClean="0"/>
+              <a:t> </a:t>
+            </a:r>
+            <a:r>
+              <a:rPr lang="en-US" sz="3800" dirty="0" err="1" smtClean="0"/>
+              <a:t>kiểm</a:t>
+            </a:r>
+            <a:r>
+              <a:rPr lang="en-US" sz="3800" dirty="0" smtClean="0"/>
+              <a:t> </a:t>
+            </a:r>
+            <a:r>
+              <a:rPr lang="en-US" sz="3800" dirty="0" err="1" smtClean="0"/>
+              <a:t>chứng</a:t>
+            </a:r>
+            <a:r>
+              <a:rPr lang="en-US" sz="3800" dirty="0" smtClean="0"/>
+              <a:t> </a:t>
+            </a:r>
+            <a:r>
+              <a:rPr lang="en-US" sz="3800" dirty="0" err="1" smtClean="0"/>
+              <a:t>giả</a:t>
+            </a:r>
+            <a:r>
+              <a:rPr lang="en-US" sz="3800" dirty="0" smtClean="0"/>
+              <a:t> </a:t>
+            </a:r>
+            <a:r>
+              <a:rPr lang="en-US" sz="3800" dirty="0" err="1" smtClean="0"/>
+              <a:t>định-đảm</a:t>
+            </a:r>
+            <a:r>
+              <a:rPr lang="en-US" sz="3800" dirty="0" smtClean="0"/>
+              <a:t> </a:t>
+            </a:r>
+            <a:r>
+              <a:rPr lang="en-US" sz="3800" dirty="0" err="1" smtClean="0"/>
+              <a:t>bảo</a:t>
+            </a:r>
+            <a:r>
+              <a:rPr lang="en-US" sz="3800" smtClean="0"/>
+              <a:t> (1)</a:t>
+            </a:r>
+            <a:endParaRPr lang="en-US" sz="3800" dirty="0"/>
+          </a:p>
+        </p:txBody>
+      </p:sp>
+      <p:sp>
+        <p:nvSpPr>
+          <p:cNvPr id="3" name="Content Placeholder 2"/>
+          <p:cNvSpPr>
+            <a:spLocks noGrp="1"/>
+          </p:cNvSpPr>
+          <p:nvPr>
+            <p:ph sz="half" idx="1"/>
+          </p:nvPr>
+        </p:nvSpPr>
+        <p:spPr/>
+        <p:txBody>
+          <a:bodyPr>
+            <a:normAutofit/>
+          </a:bodyPr>
+          <a:lstStyle/>
+          <a:p>
+            <a:r>
+              <a:rPr lang="en-US" dirty="0" err="1" smtClean="0"/>
+              <a:t>Yêu</a:t>
+            </a:r>
+            <a:r>
+              <a:rPr lang="en-US" dirty="0" smtClean="0"/>
+              <a:t> </a:t>
+            </a:r>
+            <a:r>
+              <a:rPr lang="en-US" dirty="0" err="1" smtClean="0"/>
+              <a:t>cầu</a:t>
+            </a:r>
+            <a:r>
+              <a:rPr lang="en-US" dirty="0" smtClean="0"/>
+              <a:t> </a:t>
+            </a:r>
+            <a:r>
+              <a:rPr lang="en-US" dirty="0" err="1" smtClean="0"/>
+              <a:t>bài</a:t>
+            </a:r>
+            <a:r>
+              <a:rPr lang="en-US" dirty="0" smtClean="0"/>
+              <a:t> </a:t>
+            </a:r>
+            <a:r>
+              <a:rPr lang="en-US" dirty="0" err="1" smtClean="0"/>
+              <a:t>toán</a:t>
+            </a:r>
+            <a:endParaRPr lang="en-US" dirty="0" smtClean="0"/>
+          </a:p>
+          <a:p>
+            <a:pPr lvl="1"/>
+            <a:r>
+              <a:rPr lang="en-US" dirty="0" err="1" smtClean="0"/>
+              <a:t>Không</a:t>
+            </a:r>
+            <a:r>
+              <a:rPr lang="en-US" dirty="0" smtClean="0"/>
+              <a:t> </a:t>
+            </a:r>
+            <a:r>
+              <a:rPr lang="en-US" dirty="0" err="1" smtClean="0"/>
+              <a:t>cần</a:t>
+            </a:r>
+            <a:r>
+              <a:rPr lang="en-US" dirty="0" smtClean="0"/>
+              <a:t> </a:t>
+            </a:r>
+            <a:r>
+              <a:rPr lang="en-US" dirty="0" err="1" smtClean="0"/>
+              <a:t>ghép</a:t>
+            </a:r>
+            <a:r>
+              <a:rPr lang="en-US" dirty="0" smtClean="0"/>
+              <a:t> </a:t>
+            </a:r>
+            <a:r>
+              <a:rPr lang="en-US" dirty="0" err="1" smtClean="0"/>
+              <a:t>nối</a:t>
+            </a:r>
+            <a:r>
+              <a:rPr lang="en-US" dirty="0" smtClean="0"/>
+              <a:t> M</a:t>
+            </a:r>
+            <a:r>
+              <a:rPr lang="en-US" baseline="-25000" dirty="0" smtClean="0"/>
               <a:t>1</a:t>
             </a:r>
             <a:r>
-              <a:rPr lang="en-US" smtClean="0"/>
-              <a:t> và M</a:t>
-            </a:r>
-            <a:r>
-              <a:rPr lang="en-US" baseline="-25000" smtClean="0"/>
+              <a:rPr lang="en-US" dirty="0" smtClean="0"/>
+              <a:t> </a:t>
+            </a:r>
+            <a:r>
+              <a:rPr lang="en-US" dirty="0" err="1" smtClean="0"/>
+              <a:t>và</a:t>
+            </a:r>
+            <a:r>
+              <a:rPr lang="en-US" dirty="0" smtClean="0"/>
+              <a:t> M</a:t>
+            </a:r>
+            <a:r>
+              <a:rPr lang="en-US" baseline="-25000" dirty="0" smtClean="0"/>
               <a:t>2</a:t>
             </a:r>
             <a:r>
-              <a:rPr lang="en-US"/>
-              <a:t> </a:t>
-            </a:r>
-            <a:r>
-              <a:rPr lang="en-US" smtClean="0"/>
-              <a:t>thì M có thỏa mãn P</a:t>
+              <a:rPr lang="en-US" dirty="0"/>
+              <a:t> </a:t>
+            </a:r>
+            <a:r>
+              <a:rPr lang="en-US" dirty="0" err="1" smtClean="0"/>
+              <a:t>thì</a:t>
+            </a:r>
+            <a:r>
+              <a:rPr lang="en-US" dirty="0" smtClean="0"/>
+              <a:t> M </a:t>
+            </a:r>
+            <a:r>
+              <a:rPr lang="en-US" dirty="0" err="1" smtClean="0"/>
+              <a:t>có</a:t>
+            </a:r>
+            <a:r>
+              <a:rPr lang="en-US" dirty="0" smtClean="0"/>
+              <a:t> </a:t>
+            </a:r>
+            <a:r>
+              <a:rPr lang="en-US" dirty="0" err="1" smtClean="0"/>
+              <a:t>thỏa</a:t>
+            </a:r>
+            <a:r>
+              <a:rPr lang="en-US" dirty="0" smtClean="0"/>
+              <a:t> </a:t>
+            </a:r>
+            <a:r>
+              <a:rPr lang="en-US" dirty="0" err="1" smtClean="0"/>
+              <a:t>mãn</a:t>
+            </a:r>
+            <a:r>
+              <a:rPr lang="en-US" dirty="0" smtClean="0"/>
+              <a:t> P</a:t>
             </a:r>
           </a:p>
           <a:p>
             <a:pPr lvl="1"/>
             <a:r>
-              <a:rPr lang="en-US" smtClean="0"/>
-              <a:t>Thay vì kiểm chứng M chúng ta thực hiện việc kiểm chứng trên M</a:t>
-            </a:r>
-            <a:r>
-              <a:rPr lang="en-US" baseline="-25000" smtClean="0"/>
+              <a:rPr lang="en-US" dirty="0" err="1" smtClean="0"/>
+              <a:t>Cần</a:t>
+            </a:r>
+            <a:r>
+              <a:rPr lang="en-US" dirty="0" smtClean="0"/>
+              <a:t> </a:t>
+            </a:r>
+            <a:r>
+              <a:rPr lang="en-US" dirty="0" err="1" smtClean="0"/>
+              <a:t>có</a:t>
+            </a:r>
+            <a:r>
+              <a:rPr lang="en-US" dirty="0" smtClean="0"/>
+              <a:t> </a:t>
+            </a:r>
+            <a:r>
+              <a:rPr lang="en-US" dirty="0" err="1" smtClean="0"/>
+              <a:t>phương</a:t>
+            </a:r>
+            <a:r>
+              <a:rPr lang="en-US" dirty="0" smtClean="0"/>
+              <a:t> </a:t>
+            </a:r>
+            <a:r>
+              <a:rPr lang="en-US" dirty="0" err="1" smtClean="0"/>
+              <a:t>pháp</a:t>
+            </a:r>
+            <a:r>
+              <a:rPr lang="en-US" dirty="0" smtClean="0"/>
+              <a:t> </a:t>
+            </a:r>
+            <a:r>
+              <a:rPr lang="en-US" dirty="0" err="1" smtClean="0"/>
+              <a:t>giúp</a:t>
+            </a:r>
+            <a:r>
+              <a:rPr lang="en-US" dirty="0" smtClean="0"/>
+              <a:t> ta </a:t>
+            </a:r>
+            <a:r>
+              <a:rPr lang="en-US" dirty="0" err="1" smtClean="0"/>
+              <a:t>quyết</a:t>
+            </a:r>
+            <a:r>
+              <a:rPr lang="en-US" dirty="0" smtClean="0"/>
+              <a:t> </a:t>
+            </a:r>
+            <a:r>
+              <a:rPr lang="en-US" dirty="0" err="1" smtClean="0"/>
+              <a:t>định</a:t>
+            </a:r>
+            <a:r>
+              <a:rPr lang="en-US" dirty="0" smtClean="0"/>
+              <a:t> M</a:t>
+            </a:r>
+            <a:r>
+              <a:rPr lang="en-US" dirty="0" smtClean="0">
+                <a:latin typeface="Times New Roman" panose="02020603050405020304" pitchFamily="18" charset="0"/>
+                <a:cs typeface="Times New Roman" panose="02020603050405020304" pitchFamily="18" charset="0"/>
+              </a:rPr>
+              <a:t>╞ </a:t>
+            </a:r>
+            <a:r>
+              <a:rPr lang="en-US" dirty="0" smtClean="0"/>
+              <a:t>p ? </a:t>
+            </a:r>
+            <a:r>
+              <a:rPr lang="en-US" dirty="0" err="1"/>
+              <a:t>m</a:t>
+            </a:r>
+            <a:r>
+              <a:rPr lang="en-US" dirty="0" err="1" smtClean="0"/>
+              <a:t>à</a:t>
+            </a:r>
+            <a:r>
+              <a:rPr lang="en-US" dirty="0" smtClean="0"/>
+              <a:t> </a:t>
+            </a:r>
+            <a:r>
+              <a:rPr lang="en-US" dirty="0" err="1" smtClean="0"/>
+              <a:t>ko</a:t>
+            </a:r>
+            <a:r>
+              <a:rPr lang="en-US" dirty="0" smtClean="0"/>
+              <a:t> </a:t>
+            </a:r>
+            <a:r>
+              <a:rPr lang="en-US" dirty="0" err="1" smtClean="0"/>
+              <a:t>cần</a:t>
+            </a:r>
+            <a:r>
+              <a:rPr lang="en-US" dirty="0" smtClean="0"/>
+              <a:t> </a:t>
+            </a:r>
+            <a:r>
+              <a:rPr lang="en-US" dirty="0" err="1" smtClean="0"/>
+              <a:t>ghép</a:t>
+            </a:r>
+            <a:r>
+              <a:rPr lang="en-US" dirty="0" smtClean="0"/>
+              <a:t> </a:t>
+            </a:r>
+            <a:r>
+              <a:rPr lang="en-US" dirty="0" err="1" smtClean="0"/>
+              <a:t>nối</a:t>
+            </a:r>
+            <a:r>
+              <a:rPr lang="en-US" dirty="0" smtClean="0"/>
+              <a:t> M</a:t>
+            </a:r>
+            <a:r>
+              <a:rPr lang="en-US" baseline="-25000" dirty="0" smtClean="0"/>
               <a:t>1</a:t>
             </a:r>
             <a:r>
-              <a:rPr lang="en-US" smtClean="0"/>
-              <a:t> và M</a:t>
-            </a:r>
-            <a:r>
-              <a:rPr lang="en-US" baseline="-25000" smtClean="0"/>
+              <a:rPr lang="en-US" dirty="0" smtClean="0"/>
+              <a:t> </a:t>
+            </a:r>
+            <a:r>
+              <a:rPr lang="en-US" dirty="0" err="1" smtClean="0"/>
+              <a:t>và</a:t>
+            </a:r>
+            <a:r>
+              <a:rPr lang="en-US" dirty="0" smtClean="0"/>
+              <a:t> M</a:t>
+            </a:r>
+            <a:r>
+              <a:rPr lang="en-US" baseline="-25000" dirty="0" smtClean="0"/>
               <a:t>2</a:t>
             </a:r>
-            <a:r>
-              <a:rPr lang="en-US" smtClean="0"/>
-              <a:t> (tôi cần có phương pháp giúp ta quyết định M |=p ko cần ghép nối M</a:t>
-            </a:r>
-            <a:r>
-              <a:rPr lang="en-US" baseline="-25000" smtClean="0"/>
-              <a:t>1</a:t>
-            </a:r>
-            <a:r>
-              <a:rPr lang="en-US" smtClean="0"/>
-              <a:t> M</a:t>
-            </a:r>
-            <a:r>
-              <a:rPr lang="en-US" baseline="-25000" smtClean="0"/>
-              <a:t>2</a:t>
-            </a:r>
-            <a:r>
-              <a:rPr lang="en-US" smtClean="0"/>
-              <a:t>)</a:t>
-            </a:r>
+            <a:endParaRPr lang="en-US" dirty="0" smtClean="0"/>
           </a:p>
           <a:p>
             <a:pPr lvl="1"/>
-            <a:endParaRPr lang="en-US"/>
+            <a:endParaRPr lang="en-US" dirty="0"/>
           </a:p>
           <a:p>
             <a:pPr lvl="1"/>
-            <a:endParaRPr lang="en-US" smtClean="0"/>
+            <a:endParaRPr lang="en-US" dirty="0" smtClean="0"/>
           </a:p>
           <a:p>
             <a:pPr lvl="1"/>
@@ -6087,7 +10129,7 @@
           </a:bodyPr>
           <a:lstStyle/>
           <a:p>
-            <a:endParaRPr lang="en-US"/>
+            <a:endParaRPr lang="en-US" dirty="0"/>
           </a:p>
         </p:txBody>
       </p:sp>
@@ -6108,7 +10150,7 @@
           <a:p>
             <a:fld id="{DF691789-08F5-40BB-8E0D-8090C8F485A6}" type="slidenum">
               <a:rPr lang="en-US" smtClean="0"/>
-              <a:t>4</a:t>
+              <a:t>5</a:t>
             </a:fld>
             <a:endParaRPr lang="en-US"/>
           </a:p>
@@ -6136,8 +10178,8 @@
         </p:blipFill>
         <p:spPr>
           <a:xfrm>
-            <a:off x="6019800" y="2346147"/>
-            <a:ext cx="5370687" cy="3310293"/>
+            <a:off x="6208887" y="1894459"/>
+            <a:ext cx="5213494" cy="3213405"/>
           </a:xfrm>
           <a:prstGeom prst="rect">
             <a:avLst/>
@@ -6148,202 +10190,6 @@
     <p:extLst>
       <p:ext uri="{BB962C8B-B14F-4D97-AF65-F5344CB8AC3E}">
         <p14:creationId xmlns:p14="http://schemas.microsoft.com/office/powerpoint/2010/main" val="254436538"/>
-      </p:ext>
-    </p:extLst>
-  </p:cSld>
-  <p:clrMapOvr>
-    <a:masterClrMapping/>
-  </p:clrMapOvr>
-  <p:timing>
-    <p:tnLst>
-      <p:par>
-        <p:cTn id="1" dur="indefinite" restart="never" nodeType="tmRoot"/>
-      </p:par>
-    </p:tnLst>
-  </p:timing>
-</p:sld>
-</file>
-
-<file path=ppt/slides/slide5.xml><?xml version="1.0" encoding="utf-8"?>
-<p:sld xmlns:a="http://schemas.openxmlformats.org/drawingml/2006/main" xmlns:r="http://schemas.openxmlformats.org/officeDocument/2006/relationships" xmlns:p="http://schemas.openxmlformats.org/presentationml/2006/main">
-  <p:cSld>
-    <p:spTree>
-      <p:nvGrpSpPr>
-        <p:cNvPr id="1" name=""/>
-        <p:cNvGrpSpPr/>
-        <p:nvPr/>
-      </p:nvGrpSpPr>
-      <p:grpSpPr>
-        <a:xfrm>
-          <a:off x="0" y="0"/>
-          <a:ext cx="0" cy="0"/>
-          <a:chOff x="0" y="0"/>
-          <a:chExt cx="0" cy="0"/>
-        </a:xfrm>
-      </p:grpSpPr>
-      <p:sp>
-        <p:nvSpPr>
-          <p:cNvPr id="2" name="Title 1"/>
-          <p:cNvSpPr>
-            <a:spLocks noGrp="1"/>
-          </p:cNvSpPr>
-          <p:nvPr>
-            <p:ph type="title"/>
-          </p:nvPr>
-        </p:nvSpPr>
-        <p:spPr/>
-        <p:txBody>
-          <a:bodyPr/>
-          <a:lstStyle/>
-          <a:p>
-            <a:r>
-              <a:rPr lang="en-US"/>
-              <a:t>Phương pháp kiểm chứng giả định-đảm </a:t>
-            </a:r>
-            <a:r>
-              <a:rPr lang="en-US" smtClean="0"/>
-              <a:t>bảo (2)</a:t>
-            </a:r>
-            <a:endParaRPr lang="en-US" dirty="0"/>
-          </a:p>
-        </p:txBody>
-      </p:sp>
-      <p:sp>
-        <p:nvSpPr>
-          <p:cNvPr id="3" name="Content Placeholder 2"/>
-          <p:cNvSpPr>
-            <a:spLocks noGrp="1"/>
-          </p:cNvSpPr>
-          <p:nvPr>
-            <p:ph idx="1"/>
-          </p:nvPr>
-        </p:nvSpPr>
-        <p:spPr/>
-        <p:txBody>
-          <a:bodyPr/>
-          <a:lstStyle/>
-          <a:p>
-            <a:r>
-              <a:rPr lang="en-US" smtClean="0"/>
-              <a:t>Quy tắc kiểm chứng giả định đảm bảo:</a:t>
-            </a:r>
-          </a:p>
-          <a:p>
-            <a:pPr lvl="1"/>
-            <a:r>
-              <a:rPr lang="en-US" smtClean="0"/>
-              <a:t>&lt;</a:t>
-            </a:r>
-            <a:r>
-              <a:rPr lang="en-US"/>
-              <a:t>A&gt; M</a:t>
-            </a:r>
-            <a:r>
-              <a:rPr lang="en-US" baseline="-25000"/>
-              <a:t>1</a:t>
-            </a:r>
-            <a:r>
-              <a:rPr lang="en-US"/>
-              <a:t> &lt;p&gt; trả về True</a:t>
-            </a:r>
-          </a:p>
-          <a:p>
-            <a:pPr lvl="1"/>
-            <a:r>
-              <a:rPr lang="en-US"/>
-              <a:t>&lt;True&gt; M</a:t>
-            </a:r>
-            <a:r>
-              <a:rPr lang="en-US" baseline="-25000"/>
-              <a:t>2</a:t>
-            </a:r>
-            <a:r>
-              <a:rPr lang="en-US"/>
-              <a:t> &lt;A&gt; trả về True</a:t>
-            </a:r>
-          </a:p>
-          <a:p>
-            <a:pPr marL="0" indent="0">
-              <a:buNone/>
-            </a:pPr>
-            <a:r>
-              <a:rPr lang="en-US" smtClean="0"/>
-              <a:t>		Làm </a:t>
-            </a:r>
-            <a:r>
-              <a:rPr lang="en-US"/>
-              <a:t>thế nào để sinh ra được A?</a:t>
-            </a:r>
-          </a:p>
-        </p:txBody>
-      </p:sp>
-      <p:sp>
-        <p:nvSpPr>
-          <p:cNvPr id="4" name="Slide Number Placeholder 3"/>
-          <p:cNvSpPr>
-            <a:spLocks noGrp="1"/>
-          </p:cNvSpPr>
-          <p:nvPr>
-            <p:ph type="sldNum" sz="quarter" idx="12"/>
-          </p:nvPr>
-        </p:nvSpPr>
-        <p:spPr/>
-        <p:txBody>
-          <a:bodyPr/>
-          <a:lstStyle/>
-          <a:p>
-            <a:fld id="{DF691789-08F5-40BB-8E0D-8090C8F485A6}" type="slidenum">
-              <a:rPr lang="en-US" smtClean="0"/>
-              <a:t>5</a:t>
-            </a:fld>
-            <a:endParaRPr lang="en-US"/>
-          </a:p>
-        </p:txBody>
-      </p:sp>
-      <p:sp>
-        <p:nvSpPr>
-          <p:cNvPr id="5" name="Right Arrow 4"/>
-          <p:cNvSpPr/>
-          <p:nvPr/>
-        </p:nvSpPr>
-        <p:spPr>
-          <a:xfrm>
-            <a:off x="1008994" y="3145218"/>
-            <a:ext cx="1308538" cy="378372"/>
-          </a:xfrm>
-          <a:prstGeom prst="rightArrow">
-            <a:avLst/>
-          </a:prstGeom>
-        </p:spPr>
-        <p:style>
-          <a:lnRef idx="2">
-            <a:schemeClr val="dk1">
-              <a:shade val="50000"/>
-            </a:schemeClr>
-          </a:lnRef>
-          <a:fillRef idx="1">
-            <a:schemeClr val="dk1"/>
-          </a:fillRef>
-          <a:effectRef idx="0">
-            <a:schemeClr val="dk1"/>
-          </a:effectRef>
-          <a:fontRef idx="minor">
-            <a:schemeClr val="lt1"/>
-          </a:fontRef>
-        </p:style>
-        <p:txBody>
-          <a:bodyPr rtlCol="0" anchor="ctr"/>
-          <a:lstStyle/>
-          <a:p>
-            <a:pPr algn="ctr"/>
-            <a:endParaRPr lang="en-US"/>
-          </a:p>
-        </p:txBody>
-      </p:sp>
-    </p:spTree>
-    <p:extLst>
-      <p:ext uri="{BB962C8B-B14F-4D97-AF65-F5344CB8AC3E}">
-        <p14:creationId xmlns:p14="http://schemas.microsoft.com/office/powerpoint/2010/main" val="1389047928"/>
       </p:ext>
     </p:extLst>
   </p:cSld>
@@ -6395,10 +10241,62 @@
           <a:lstStyle/>
           <a:p>
             <a:r>
-              <a:rPr lang="en-US" sz="4000" smtClean="0"/>
-              <a:t>Sinh giả định dựa trên thuật toán L* (1)</a:t>
-            </a:r>
-            <a:endParaRPr lang="en-US" sz="4000"/>
+              <a:rPr lang="en-US" sz="3800" dirty="0" err="1"/>
+              <a:t>Phương</a:t>
+            </a:r>
+            <a:r>
+              <a:rPr lang="en-US" sz="3800" dirty="0"/>
+              <a:t> </a:t>
+            </a:r>
+            <a:r>
+              <a:rPr lang="en-US" sz="3800" dirty="0" err="1"/>
+              <a:t>pháp</a:t>
+            </a:r>
+            <a:r>
+              <a:rPr lang="en-US" sz="3800" dirty="0"/>
+              <a:t> </a:t>
+            </a:r>
+            <a:r>
+              <a:rPr lang="en-US" sz="3800" dirty="0" err="1"/>
+              <a:t>kiểm</a:t>
+            </a:r>
+            <a:r>
+              <a:rPr lang="en-US" sz="3800" dirty="0"/>
+              <a:t> </a:t>
+            </a:r>
+            <a:r>
+              <a:rPr lang="en-US" sz="3800" dirty="0" err="1"/>
+              <a:t>chứng</a:t>
+            </a:r>
+            <a:r>
+              <a:rPr lang="en-US" sz="3800" dirty="0"/>
+              <a:t> </a:t>
+            </a:r>
+            <a:r>
+              <a:rPr lang="en-US" sz="3800" dirty="0" err="1"/>
+              <a:t>giả</a:t>
+            </a:r>
+            <a:r>
+              <a:rPr lang="en-US" sz="3800" dirty="0"/>
+              <a:t> </a:t>
+            </a:r>
+            <a:r>
+              <a:rPr lang="en-US" sz="3800" dirty="0" err="1"/>
+              <a:t>định-đảm</a:t>
+            </a:r>
+            <a:r>
+              <a:rPr lang="en-US" sz="3800" dirty="0"/>
+              <a:t> </a:t>
+            </a:r>
+            <a:r>
+              <a:rPr lang="en-US" sz="3800" dirty="0" err="1" smtClean="0"/>
+              <a:t>bảo</a:t>
+            </a:r>
+            <a:r>
+              <a:rPr lang="en-US" sz="3800" dirty="0" smtClean="0"/>
+              <a:t> (2)</a:t>
+            </a:r>
+            <a:endParaRPr lang="en-US" sz="3800" dirty="0"/>
           </a:p>
         </p:txBody>
       </p:sp>
@@ -6414,104 +10312,204 @@
         </p:nvSpPr>
         <p:spPr/>
         <p:txBody>
-          <a:bodyPr>
-            <a:normAutofit fontScale="92500"/>
-          </a:bodyPr>
+          <a:bodyPr/>
           <a:lstStyle/>
           <a:p>
             <a:r>
-              <a:rPr lang="en-US" smtClean="0"/>
-              <a:t>Việc học gồm 2 phần chính</a:t>
+              <a:rPr lang="en-US" dirty="0" err="1" smtClean="0"/>
+              <a:t>Quy</a:t>
+            </a:r>
+            <a:r>
+              <a:rPr lang="en-US" dirty="0" smtClean="0"/>
+              <a:t> </a:t>
+            </a:r>
+            <a:r>
+              <a:rPr lang="en-US" dirty="0" err="1" smtClean="0"/>
+              <a:t>tắc</a:t>
+            </a:r>
+            <a:r>
+              <a:rPr lang="en-US" dirty="0" smtClean="0"/>
+              <a:t> </a:t>
+            </a:r>
+            <a:r>
+              <a:rPr lang="en-US" dirty="0" err="1" smtClean="0"/>
+              <a:t>kiểm</a:t>
+            </a:r>
+            <a:r>
+              <a:rPr lang="en-US" dirty="0" smtClean="0"/>
+              <a:t> </a:t>
+            </a:r>
+            <a:r>
+              <a:rPr lang="en-US" dirty="0" err="1" smtClean="0"/>
+              <a:t>chứng</a:t>
+            </a:r>
+            <a:r>
+              <a:rPr lang="en-US" dirty="0" smtClean="0"/>
+              <a:t> </a:t>
+            </a:r>
+            <a:r>
+              <a:rPr lang="en-US" dirty="0" err="1" smtClean="0"/>
+              <a:t>giả</a:t>
+            </a:r>
+            <a:r>
+              <a:rPr lang="en-US" dirty="0" smtClean="0"/>
+              <a:t> </a:t>
+            </a:r>
+            <a:r>
+              <a:rPr lang="en-US" dirty="0" err="1" smtClean="0"/>
+              <a:t>định</a:t>
+            </a:r>
+            <a:r>
+              <a:rPr lang="en-US" dirty="0" smtClean="0"/>
+              <a:t> </a:t>
+            </a:r>
+            <a:r>
+              <a:rPr lang="en-US" dirty="0" err="1" smtClean="0"/>
+              <a:t>đảm</a:t>
+            </a:r>
+            <a:r>
+              <a:rPr lang="en-US" dirty="0" smtClean="0"/>
+              <a:t> </a:t>
+            </a:r>
+            <a:r>
+              <a:rPr lang="en-US" dirty="0" err="1" smtClean="0"/>
+              <a:t>bảo</a:t>
+            </a:r>
+            <a:r>
+              <a:rPr lang="en-US" dirty="0" smtClean="0"/>
+              <a:t>:</a:t>
             </a:r>
           </a:p>
           <a:p>
             <a:pPr lvl="1"/>
             <a:r>
-              <a:rPr lang="en-US" smtClean="0"/>
-              <a:t>Learner (Thực thi thuật toán L*)</a:t>
+              <a:rPr lang="en-US" dirty="0" smtClean="0"/>
+              <a:t>&lt;</a:t>
+            </a:r>
+            <a:r>
+              <a:rPr lang="en-US" dirty="0"/>
+              <a:t>A&gt; M</a:t>
+            </a:r>
+            <a:r>
+              <a:rPr lang="en-US" baseline="-25000" dirty="0"/>
+              <a:t>1</a:t>
+            </a:r>
+            <a:r>
+              <a:rPr lang="en-US" dirty="0"/>
+              <a:t> &lt;p&gt; </a:t>
+            </a:r>
+            <a:r>
+              <a:rPr lang="en-US" dirty="0" err="1"/>
+              <a:t>trả</a:t>
+            </a:r>
+            <a:r>
+              <a:rPr lang="en-US" dirty="0"/>
+              <a:t> </a:t>
+            </a:r>
+            <a:r>
+              <a:rPr lang="en-US" dirty="0" err="1"/>
+              <a:t>về</a:t>
+            </a:r>
+            <a:r>
+              <a:rPr lang="en-US" dirty="0"/>
+              <a:t> True</a:t>
             </a:r>
           </a:p>
           <a:p>
             <a:pPr lvl="1"/>
             <a:r>
-              <a:rPr lang="en-US" smtClean="0"/>
-              <a:t>Teacher (Sẽ phải trả lời 2 câu hỏi</a:t>
-            </a:r>
-            <a:r>
-              <a:rPr lang="en-US" smtClean="0"/>
-              <a:t>)</a:t>
-            </a:r>
-          </a:p>
-          <a:p>
-            <a:r>
-              <a:rPr lang="en-US"/>
-              <a:t>Learner: Hỏi teacher 2 loại câu hỏi</a:t>
-            </a:r>
-          </a:p>
-          <a:p>
-            <a:pPr lvl="1"/>
-            <a:r>
-              <a:rPr lang="en-US"/>
-              <a:t>Loại câu hỏi truy vấn thành viên:  Chuỗi σ </a:t>
-            </a:r>
-            <a:r>
-              <a:rPr lang="en-US">
-                <a:sym typeface="Symbol" panose="05050102010706020507" pitchFamily="18" charset="2"/>
-              </a:rPr>
-              <a:t></a:t>
-            </a:r>
-            <a:r>
-              <a:rPr lang="en-US"/>
-              <a:t> Σ* có thuộc U hay không</a:t>
-            </a:r>
-          </a:p>
-          <a:p>
-            <a:pPr lvl="1"/>
-            <a:r>
-              <a:rPr lang="en-US"/>
-              <a:t>Loại câu hỏi truy vấn ứng viên: DFA M có ngôn ngữ là L(M) thì L(M) có bằng U không</a:t>
-            </a:r>
-          </a:p>
-          <a:p>
-            <a:r>
-              <a:rPr lang="en-US"/>
-              <a:t>Teacher: Trả lời leaner</a:t>
-            </a:r>
-          </a:p>
-          <a:p>
-            <a:pPr lvl="1"/>
-            <a:r>
-              <a:rPr lang="en-US"/>
-              <a:t>Loại câu hỏi truy vấn thành viên: Câu trả lời là True nếu σ</a:t>
-            </a:r>
-            <a:r>
-              <a:rPr lang="en-US">
-                <a:sym typeface="Symbol" panose="05050102010706020507" pitchFamily="18" charset="2"/>
-              </a:rPr>
-              <a:t>  U, ngược lại câu trả lời là False</a:t>
-            </a:r>
-          </a:p>
-          <a:p>
-            <a:pPr lvl="1"/>
-            <a:r>
-              <a:rPr lang="en-US">
-                <a:sym typeface="Symbol" panose="05050102010706020507" pitchFamily="18" charset="2"/>
-              </a:rPr>
-              <a:t>Loại câu hỏi phỏng đoán: Câu trả lời là True nếu L(M) = U, ngược lại câu trả lời là False và Teacher trả về một phản </a:t>
-            </a:r>
-            <a:r>
-              <a:rPr lang="en-US">
-                <a:sym typeface="Symbol" panose="05050102010706020507" pitchFamily="18" charset="2"/>
-              </a:rPr>
-              <a:t>ví </a:t>
-            </a:r>
-            <a:r>
-              <a:rPr lang="en-US" smtClean="0">
-                <a:sym typeface="Symbol" panose="05050102010706020507" pitchFamily="18" charset="2"/>
-              </a:rPr>
-              <a:t>dụ</a:t>
-            </a:r>
-            <a:endParaRPr lang="en-US"/>
+              <a:rPr lang="en-US" dirty="0"/>
+              <a:t>&lt;True&gt; M</a:t>
+            </a:r>
+            <a:r>
+              <a:rPr lang="en-US" baseline="-25000" dirty="0"/>
+              <a:t>2</a:t>
+            </a:r>
+            <a:r>
+              <a:rPr lang="en-US" dirty="0"/>
+              <a:t> &lt;A&gt; </a:t>
+            </a:r>
+            <a:r>
+              <a:rPr lang="en-US" dirty="0" err="1"/>
+              <a:t>trả</a:t>
+            </a:r>
+            <a:r>
+              <a:rPr lang="en-US" dirty="0"/>
+              <a:t> </a:t>
+            </a:r>
+            <a:r>
+              <a:rPr lang="en-US" dirty="0" err="1"/>
+              <a:t>về</a:t>
+            </a:r>
+            <a:r>
+              <a:rPr lang="en-US" dirty="0"/>
+              <a:t> True</a:t>
+            </a:r>
+          </a:p>
+          <a:p>
+            <a:pPr marL="0" indent="0">
+              <a:buNone/>
+            </a:pPr>
+            <a:r>
+              <a:rPr lang="en-US" dirty="0" smtClean="0"/>
+              <a:t>	 	</a:t>
+            </a:r>
+            <a:r>
+              <a:rPr lang="en-US" dirty="0" err="1" smtClean="0"/>
+              <a:t>Làm</a:t>
+            </a:r>
+            <a:r>
+              <a:rPr lang="en-US" dirty="0" smtClean="0"/>
+              <a:t> </a:t>
+            </a:r>
+            <a:r>
+              <a:rPr lang="en-US" dirty="0" err="1"/>
+              <a:t>thế</a:t>
+            </a:r>
+            <a:r>
+              <a:rPr lang="en-US" dirty="0"/>
+              <a:t> </a:t>
+            </a:r>
+            <a:r>
+              <a:rPr lang="en-US" dirty="0" err="1"/>
+              <a:t>nào</a:t>
+            </a:r>
+            <a:r>
+              <a:rPr lang="en-US" dirty="0"/>
+              <a:t> </a:t>
+            </a:r>
+            <a:r>
+              <a:rPr lang="en-US" dirty="0" err="1"/>
+              <a:t>để</a:t>
+            </a:r>
+            <a:r>
+              <a:rPr lang="en-US" dirty="0"/>
+              <a:t> </a:t>
+            </a:r>
+            <a:r>
+              <a:rPr lang="en-US" dirty="0" err="1"/>
+              <a:t>sinh</a:t>
+            </a:r>
+            <a:r>
+              <a:rPr lang="en-US" dirty="0"/>
+              <a:t> </a:t>
+            </a:r>
+            <a:r>
+              <a:rPr lang="en-US" dirty="0" err="1"/>
+              <a:t>ra</a:t>
+            </a:r>
+            <a:r>
+              <a:rPr lang="en-US" dirty="0"/>
+              <a:t> </a:t>
+            </a:r>
+            <a:r>
+              <a:rPr lang="en-US" dirty="0" err="1"/>
+              <a:t>được</a:t>
+            </a:r>
+            <a:r>
+              <a:rPr lang="en-US" dirty="0"/>
+              <a:t> A?</a:t>
+            </a:r>
           </a:p>
         </p:txBody>
       </p:sp>
@@ -6538,10 +10536,50 @@
           </a:p>
         </p:txBody>
       </p:sp>
+      <p:sp>
+        <p:nvSpPr>
+          <p:cNvPr id="5" name="Right Arrow 4"/>
+          <p:cNvSpPr/>
+          <p:nvPr/>
+        </p:nvSpPr>
+        <p:spPr>
+          <a:xfrm>
+            <a:off x="1301602" y="3169602"/>
+            <a:ext cx="1308538" cy="378372"/>
+          </a:xfrm>
+          <a:prstGeom prst="rightArrow">
+            <a:avLst/>
+          </a:prstGeom>
+        </p:spPr>
+        <p:style>
+          <a:lnRef idx="2">
+            <a:schemeClr val="dk1">
+              <a:shade val="50000"/>
+            </a:schemeClr>
+          </a:lnRef>
+          <a:fillRef idx="1">
+            <a:schemeClr val="dk1"/>
+          </a:fillRef>
+          <a:effectRef idx="0">
+            <a:schemeClr val="dk1"/>
+          </a:effectRef>
+          <a:fontRef idx="minor">
+            <a:schemeClr val="lt1"/>
+          </a:fontRef>
+        </p:style>
+        <p:txBody>
+          <a:bodyPr rtlCol="0" anchor="ctr"/>
+          <a:lstStyle/>
+          <a:p>
+            <a:pPr algn="ctr"/>
+            <a:endParaRPr lang="en-US"/>
+          </a:p>
+        </p:txBody>
+      </p:sp>
     </p:spTree>
     <p:extLst>
       <p:ext uri="{BB962C8B-B14F-4D97-AF65-F5344CB8AC3E}">
-        <p14:creationId xmlns:p14="http://schemas.microsoft.com/office/powerpoint/2010/main" val="580725207"/>
+        <p14:creationId xmlns:p14="http://schemas.microsoft.com/office/powerpoint/2010/main" val="1389047928"/>
       </p:ext>
     </p:extLst>
   </p:cSld>
@@ -6593,14 +10631,65 @@
           <a:lstStyle/>
           <a:p>
             <a:r>
-              <a:rPr lang="en-US" sz="3800"/>
-              <a:t>Sinh ngữ cảnh giả định dựa trên thuật toán </a:t>
-            </a:r>
-            <a:r>
-              <a:rPr lang="en-US" sz="3800" smtClean="0"/>
-              <a:t>CDNF (1)</a:t>
-            </a:r>
-            <a:endParaRPr lang="en-US" sz="3800"/>
+              <a:rPr lang="en-US" sz="3800" dirty="0" err="1" smtClean="0"/>
+              <a:t>Sinh</a:t>
+            </a:r>
+            <a:r>
+              <a:rPr lang="en-US" sz="3800" dirty="0" smtClean="0"/>
+              <a:t> </a:t>
+            </a:r>
+            <a:r>
+              <a:rPr lang="en-US" sz="3800" dirty="0" err="1" smtClean="0"/>
+              <a:t>giả</a:t>
+            </a:r>
+            <a:r>
+              <a:rPr lang="en-US" sz="3800" dirty="0" smtClean="0"/>
+              <a:t> </a:t>
+            </a:r>
+            <a:r>
+              <a:rPr lang="en-US" sz="3800" dirty="0" err="1" smtClean="0"/>
+              <a:t>định</a:t>
+            </a:r>
+            <a:r>
+              <a:rPr lang="en-US" sz="3800" dirty="0" smtClean="0"/>
+              <a:t> </a:t>
+            </a:r>
+            <a:r>
+              <a:rPr lang="en-US" sz="3800" dirty="0" err="1" smtClean="0"/>
+              <a:t>dựa</a:t>
+            </a:r>
+            <a:r>
+              <a:rPr lang="en-US" sz="3800" dirty="0" smtClean="0"/>
+              <a:t> </a:t>
+            </a:r>
+            <a:r>
+              <a:rPr lang="en-US" sz="3800" dirty="0" err="1" smtClean="0"/>
+              <a:t>trên</a:t>
+            </a:r>
+            <a:r>
+              <a:rPr lang="en-US" sz="3800" dirty="0" smtClean="0"/>
+              <a:t> </a:t>
+            </a:r>
+            <a:r>
+              <a:rPr lang="en-US" sz="3800" dirty="0" err="1" smtClean="0"/>
+              <a:t>thuật</a:t>
+            </a:r>
+            <a:r>
+              <a:rPr lang="en-US" sz="3800" dirty="0" smtClean="0"/>
+              <a:t> </a:t>
+            </a:r>
+            <a:r>
+              <a:rPr lang="en-US" sz="3800" dirty="0" err="1" smtClean="0"/>
+              <a:t>toán</a:t>
+            </a:r>
+            <a:r>
+              <a:rPr lang="en-US" sz="3800" dirty="0" smtClean="0"/>
+              <a:t> L</a:t>
+            </a:r>
+            <a:r>
+              <a:rPr lang="en-US" sz="3800" dirty="0"/>
+              <a:t>*</a:t>
+            </a:r>
           </a:p>
         </p:txBody>
       </p:sp>
@@ -6622,212 +10711,846 @@
           <a:lstStyle/>
           <a:p>
             <a:r>
-              <a:rPr lang="en-US"/>
-              <a:t>Việc học gồm 2 phần chính</a:t>
-            </a:r>
+              <a:rPr lang="en-US" dirty="0" err="1" smtClean="0"/>
+              <a:t>Việc</a:t>
+            </a:r>
+            <a:r>
+              <a:rPr lang="en-US" dirty="0" smtClean="0"/>
+              <a:t> </a:t>
+            </a:r>
+            <a:r>
+              <a:rPr lang="en-US" dirty="0" err="1" smtClean="0"/>
+              <a:t>học</a:t>
+            </a:r>
+            <a:r>
+              <a:rPr lang="en-US" dirty="0" smtClean="0"/>
+              <a:t> </a:t>
+            </a:r>
+            <a:r>
+              <a:rPr lang="en-US" dirty="0" err="1" smtClean="0"/>
+              <a:t>gồm</a:t>
+            </a:r>
+            <a:r>
+              <a:rPr lang="en-US" dirty="0" smtClean="0"/>
+              <a:t> 2 </a:t>
+            </a:r>
+            <a:r>
+              <a:rPr lang="en-US" dirty="0" err="1" smtClean="0"/>
+              <a:t>phần</a:t>
+            </a:r>
+            <a:r>
+              <a:rPr lang="en-US" dirty="0" smtClean="0"/>
+              <a:t> </a:t>
+            </a:r>
+            <a:r>
+              <a:rPr lang="en-US" dirty="0" err="1" smtClean="0"/>
+              <a:t>chính</a:t>
+            </a:r>
+            <a:endParaRPr lang="en-US" dirty="0" smtClean="0"/>
           </a:p>
           <a:p>
             <a:pPr lvl="1"/>
             <a:r>
-              <a:rPr lang="en-US"/>
-              <a:t>Learner (Thực thi thuật </a:t>
-            </a:r>
-            <a:r>
-              <a:rPr lang="en-US"/>
-              <a:t>toán </a:t>
-            </a:r>
-            <a:r>
-              <a:rPr lang="en-US" smtClean="0"/>
-              <a:t>CDNF)</a:t>
-            </a:r>
-            <a:endParaRPr lang="en-US"/>
+              <a:rPr lang="en-US" dirty="0" smtClean="0"/>
+              <a:t>Learner (</a:t>
+            </a:r>
+            <a:r>
+              <a:rPr lang="en-US" dirty="0" err="1" smtClean="0"/>
+              <a:t>Thực</a:t>
+            </a:r>
+            <a:r>
+              <a:rPr lang="en-US" dirty="0" smtClean="0"/>
+              <a:t> </a:t>
+            </a:r>
+            <a:r>
+              <a:rPr lang="en-US" dirty="0" err="1" smtClean="0"/>
+              <a:t>thi</a:t>
+            </a:r>
+            <a:r>
+              <a:rPr lang="en-US" dirty="0" smtClean="0"/>
+              <a:t> </a:t>
+            </a:r>
+            <a:r>
+              <a:rPr lang="en-US" dirty="0" err="1" smtClean="0"/>
+              <a:t>thuật</a:t>
+            </a:r>
+            <a:r>
+              <a:rPr lang="en-US" dirty="0" smtClean="0"/>
+              <a:t> </a:t>
+            </a:r>
+            <a:r>
+              <a:rPr lang="en-US" dirty="0" err="1" smtClean="0"/>
+              <a:t>toán</a:t>
+            </a:r>
+            <a:r>
+              <a:rPr lang="en-US" dirty="0" smtClean="0"/>
+              <a:t> L*)</a:t>
+            </a:r>
           </a:p>
           <a:p>
             <a:pPr lvl="1"/>
             <a:r>
-              <a:rPr lang="en-US"/>
-              <a:t>Teacher (Sẽ phải trả </a:t>
-            </a:r>
-            <a:r>
-              <a:rPr lang="en-US"/>
-              <a:t>lời </a:t>
-            </a:r>
-            <a:r>
-              <a:rPr lang="en-US" smtClean="0"/>
-              <a:t>4 </a:t>
-            </a:r>
-            <a:r>
-              <a:rPr lang="en-US"/>
-              <a:t>câu hỏi)</a:t>
-            </a:r>
-          </a:p>
-          <a:p>
-            <a:r>
-              <a:rPr lang="en-US"/>
-              <a:t>Learner: Hỏi </a:t>
-            </a:r>
-            <a:r>
-              <a:rPr lang="en-US"/>
-              <a:t>teacher </a:t>
-            </a:r>
-            <a:r>
-              <a:rPr lang="en-US" smtClean="0"/>
-              <a:t>4 </a:t>
-            </a:r>
-            <a:r>
-              <a:rPr lang="en-US"/>
-              <a:t>loại câu hỏi</a:t>
-            </a:r>
+              <a:rPr lang="en-US" dirty="0" smtClean="0"/>
+              <a:t>Teacher (</a:t>
+            </a:r>
+            <a:r>
+              <a:rPr lang="en-US" dirty="0" err="1" smtClean="0"/>
+              <a:t>Sẽ</a:t>
+            </a:r>
+            <a:r>
+              <a:rPr lang="en-US" dirty="0" smtClean="0"/>
+              <a:t> </a:t>
+            </a:r>
+            <a:r>
+              <a:rPr lang="en-US" dirty="0" err="1" smtClean="0"/>
+              <a:t>phải</a:t>
+            </a:r>
+            <a:r>
+              <a:rPr lang="en-US" dirty="0" smtClean="0"/>
+              <a:t> </a:t>
+            </a:r>
+            <a:r>
+              <a:rPr lang="en-US" dirty="0" err="1" smtClean="0"/>
+              <a:t>trả</a:t>
+            </a:r>
+            <a:r>
+              <a:rPr lang="en-US" dirty="0" smtClean="0"/>
+              <a:t> </a:t>
+            </a:r>
+            <a:r>
+              <a:rPr lang="en-US" dirty="0" err="1" smtClean="0"/>
+              <a:t>lời</a:t>
+            </a:r>
+            <a:r>
+              <a:rPr lang="en-US" dirty="0" smtClean="0"/>
+              <a:t> 2 </a:t>
+            </a:r>
+            <a:r>
+              <a:rPr lang="en-US" dirty="0" err="1" smtClean="0"/>
+              <a:t>câu</a:t>
+            </a:r>
+            <a:r>
+              <a:rPr lang="en-US" dirty="0" smtClean="0"/>
+              <a:t> </a:t>
+            </a:r>
+            <a:r>
+              <a:rPr lang="en-US" dirty="0" err="1" smtClean="0"/>
+              <a:t>hỏi</a:t>
+            </a:r>
+            <a:r>
+              <a:rPr lang="en-US" dirty="0" smtClean="0"/>
+              <a:t>)</a:t>
+            </a:r>
+          </a:p>
+          <a:p>
+            <a:r>
+              <a:rPr lang="en-US" dirty="0"/>
+              <a:t>Learner: </a:t>
+            </a:r>
+            <a:r>
+              <a:rPr lang="en-US" dirty="0" err="1"/>
+              <a:t>Hỏi</a:t>
+            </a:r>
+            <a:r>
+              <a:rPr lang="en-US" dirty="0"/>
+              <a:t> teacher 2 </a:t>
+            </a:r>
+            <a:r>
+              <a:rPr lang="en-US" dirty="0" err="1"/>
+              <a:t>loại</a:t>
+            </a:r>
+            <a:r>
+              <a:rPr lang="en-US" dirty="0"/>
+              <a:t> </a:t>
+            </a:r>
+            <a:r>
+              <a:rPr lang="en-US" dirty="0" err="1"/>
+              <a:t>câu</a:t>
+            </a:r>
+            <a:r>
+              <a:rPr lang="en-US" dirty="0"/>
+              <a:t> </a:t>
+            </a:r>
+            <a:r>
+              <a:rPr lang="en-US" dirty="0" err="1"/>
+              <a:t>hỏi</a:t>
+            </a:r>
+            <a:endParaRPr lang="en-US" dirty="0"/>
           </a:p>
           <a:p>
             <a:pPr lvl="1"/>
             <a:r>
-              <a:rPr lang="en-US"/>
-              <a:t>Loại câu hỏi truy vấn </a:t>
-            </a:r>
-            <a:r>
-              <a:rPr lang="en-US"/>
-              <a:t>thành </a:t>
-            </a:r>
-            <a:r>
-              <a:rPr lang="en-US"/>
-              <a:t>viên MEM(µ</a:t>
-            </a:r>
-            <a:r>
-              <a:rPr lang="en-US"/>
-              <a:t>):  </a:t>
-            </a:r>
-            <a:r>
-              <a:rPr lang="en-US" smtClean="0"/>
-              <a:t>Kiểm tra xem µ có thỏa mãn </a:t>
-            </a:r>
-            <a:r>
-              <a:rPr lang="el-GR" smtClean="0"/>
-              <a:t>ι</a:t>
-            </a:r>
-            <a:r>
-              <a:rPr lang="en-US" baseline="-25000" smtClean="0"/>
-              <a:t>A</a:t>
-            </a:r>
-            <a:r>
-              <a:rPr lang="en-US" smtClean="0"/>
-              <a:t>(X) hay không</a:t>
-            </a:r>
-            <a:endParaRPr lang="en-US"/>
+              <a:rPr lang="en-US" dirty="0" err="1"/>
+              <a:t>Loại</a:t>
+            </a:r>
+            <a:r>
+              <a:rPr lang="en-US" dirty="0"/>
+              <a:t> </a:t>
+            </a:r>
+            <a:r>
+              <a:rPr lang="en-US" dirty="0" err="1"/>
+              <a:t>câu</a:t>
+            </a:r>
+            <a:r>
+              <a:rPr lang="en-US" dirty="0"/>
+              <a:t> </a:t>
+            </a:r>
+            <a:r>
+              <a:rPr lang="en-US" dirty="0" err="1"/>
+              <a:t>hỏi</a:t>
+            </a:r>
+            <a:r>
+              <a:rPr lang="en-US" dirty="0"/>
+              <a:t> </a:t>
+            </a:r>
+            <a:r>
+              <a:rPr lang="en-US" dirty="0" err="1"/>
+              <a:t>truy</a:t>
+            </a:r>
+            <a:r>
+              <a:rPr lang="en-US" dirty="0"/>
+              <a:t> </a:t>
+            </a:r>
+            <a:r>
+              <a:rPr lang="en-US" dirty="0" err="1"/>
+              <a:t>vấn</a:t>
+            </a:r>
+            <a:r>
+              <a:rPr lang="en-US" dirty="0"/>
+              <a:t> </a:t>
+            </a:r>
+            <a:r>
+              <a:rPr lang="en-US" dirty="0" err="1"/>
+              <a:t>thành</a:t>
+            </a:r>
+            <a:r>
+              <a:rPr lang="en-US" dirty="0"/>
+              <a:t> </a:t>
+            </a:r>
+            <a:r>
+              <a:rPr lang="en-US" dirty="0" err="1"/>
+              <a:t>viên</a:t>
+            </a:r>
+            <a:r>
+              <a:rPr lang="en-US" dirty="0"/>
+              <a:t>:  </a:t>
+            </a:r>
+            <a:r>
+              <a:rPr lang="en-US" dirty="0" err="1"/>
+              <a:t>Chuỗi</a:t>
+            </a:r>
+            <a:r>
+              <a:rPr lang="en-US" dirty="0"/>
+              <a:t> σ </a:t>
+            </a:r>
+            <a:r>
+              <a:rPr lang="en-US" dirty="0">
+                <a:sym typeface="Symbol" panose="05050102010706020507" pitchFamily="18" charset="2"/>
+              </a:rPr>
+              <a:t></a:t>
+            </a:r>
+            <a:r>
+              <a:rPr lang="en-US" dirty="0"/>
+              <a:t> Σ* </a:t>
+            </a:r>
+            <a:r>
+              <a:rPr lang="en-US" dirty="0" err="1"/>
+              <a:t>có</a:t>
+            </a:r>
+            <a:r>
+              <a:rPr lang="en-US" dirty="0"/>
+              <a:t> </a:t>
+            </a:r>
+            <a:r>
+              <a:rPr lang="en-US" dirty="0" err="1"/>
+              <a:t>thuộc</a:t>
+            </a:r>
+            <a:r>
+              <a:rPr lang="en-US" dirty="0"/>
+              <a:t> </a:t>
+            </a:r>
+            <a:r>
+              <a:rPr lang="en-US" dirty="0" smtClean="0"/>
+              <a:t>U?</a:t>
+            </a:r>
+            <a:endParaRPr lang="en-US" dirty="0"/>
           </a:p>
           <a:p>
             <a:pPr lvl="1"/>
             <a:r>
-              <a:rPr lang="en-US"/>
-              <a:t>Loại câu hỏi truy vấn </a:t>
-            </a:r>
-            <a:r>
-              <a:rPr lang="en-US"/>
-              <a:t>ứng </a:t>
-            </a:r>
-            <a:r>
-              <a:rPr lang="en-US" smtClean="0"/>
-              <a:t>viên MEM(µ,µ</a:t>
-            </a:r>
-            <a:r>
-              <a:rPr lang="en-US" baseline="30000" smtClean="0"/>
-              <a:t>’</a:t>
-            </a:r>
-            <a:r>
-              <a:rPr lang="en-US"/>
-              <a:t>): Kiểm tra </a:t>
-            </a:r>
-            <a:r>
-              <a:rPr lang="en-US"/>
-              <a:t>xem </a:t>
-            </a:r>
-            <a:r>
-              <a:rPr lang="en-US" smtClean="0"/>
-              <a:t>(µ,µ</a:t>
-            </a:r>
-            <a:r>
-              <a:rPr lang="en-US" baseline="30000" smtClean="0"/>
-              <a:t>’</a:t>
-            </a:r>
-            <a:r>
-              <a:rPr lang="en-US" smtClean="0"/>
-              <a:t>)  có thỏa mãn </a:t>
-            </a:r>
-            <a:r>
-              <a:rPr lang="el-GR" smtClean="0"/>
-              <a:t>τ</a:t>
-            </a:r>
-            <a:r>
-              <a:rPr lang="en-US" baseline="-25000"/>
-              <a:t>A</a:t>
-            </a:r>
-            <a:r>
-              <a:rPr lang="en-US" smtClean="0"/>
-              <a:t>(X, X’) hay không</a:t>
+              <a:rPr lang="en-US" dirty="0" err="1"/>
+              <a:t>Loại</a:t>
+            </a:r>
+            <a:r>
+              <a:rPr lang="en-US" dirty="0"/>
+              <a:t> </a:t>
+            </a:r>
+            <a:r>
+              <a:rPr lang="en-US" dirty="0" err="1"/>
+              <a:t>câu</a:t>
+            </a:r>
+            <a:r>
+              <a:rPr lang="en-US" dirty="0"/>
+              <a:t> </a:t>
+            </a:r>
+            <a:r>
+              <a:rPr lang="en-US" dirty="0" err="1"/>
+              <a:t>hỏi</a:t>
+            </a:r>
+            <a:r>
+              <a:rPr lang="en-US" dirty="0"/>
+              <a:t> </a:t>
+            </a:r>
+            <a:r>
+              <a:rPr lang="en-US" dirty="0" err="1"/>
+              <a:t>truy</a:t>
+            </a:r>
+            <a:r>
+              <a:rPr lang="en-US" dirty="0"/>
+              <a:t> </a:t>
+            </a:r>
+            <a:r>
+              <a:rPr lang="en-US" dirty="0" err="1"/>
+              <a:t>vấn</a:t>
+            </a:r>
+            <a:r>
+              <a:rPr lang="en-US" dirty="0"/>
+              <a:t> </a:t>
+            </a:r>
+            <a:r>
+              <a:rPr lang="en-US" dirty="0" err="1"/>
+              <a:t>ứng</a:t>
+            </a:r>
+            <a:r>
+              <a:rPr lang="en-US" dirty="0"/>
+              <a:t> </a:t>
+            </a:r>
+            <a:r>
+              <a:rPr lang="en-US" dirty="0" err="1"/>
+              <a:t>viên</a:t>
+            </a:r>
+            <a:r>
+              <a:rPr lang="en-US" dirty="0"/>
+              <a:t>: DFA M </a:t>
+            </a:r>
+            <a:r>
+              <a:rPr lang="en-US" dirty="0" err="1"/>
+              <a:t>có</a:t>
+            </a:r>
+            <a:r>
+              <a:rPr lang="en-US" dirty="0"/>
+              <a:t> </a:t>
+            </a:r>
+            <a:r>
+              <a:rPr lang="en-US" dirty="0" err="1"/>
+              <a:t>ngôn</a:t>
+            </a:r>
+            <a:r>
+              <a:rPr lang="en-US" dirty="0"/>
+              <a:t> </a:t>
+            </a:r>
+            <a:r>
+              <a:rPr lang="en-US" dirty="0" err="1"/>
+              <a:t>ngữ</a:t>
+            </a:r>
+            <a:r>
+              <a:rPr lang="en-US" dirty="0"/>
+              <a:t> </a:t>
+            </a:r>
+            <a:r>
+              <a:rPr lang="en-US" dirty="0" err="1"/>
+              <a:t>là</a:t>
+            </a:r>
+            <a:r>
+              <a:rPr lang="en-US" dirty="0"/>
+              <a:t> L(M) </a:t>
+            </a:r>
+            <a:r>
+              <a:rPr lang="en-US" dirty="0" err="1"/>
+              <a:t>thì</a:t>
+            </a:r>
+            <a:r>
+              <a:rPr lang="en-US" dirty="0"/>
+              <a:t> L(M) </a:t>
+            </a:r>
+            <a:r>
+              <a:rPr lang="en-US" dirty="0" smtClean="0"/>
+              <a:t>= U?</a:t>
+            </a:r>
+            <a:endParaRPr lang="en-US" dirty="0"/>
+          </a:p>
+          <a:p>
+            <a:r>
+              <a:rPr lang="en-US" dirty="0"/>
+              <a:t>Teacher: </a:t>
+            </a:r>
+            <a:r>
+              <a:rPr lang="en-US" dirty="0" err="1"/>
+              <a:t>Trả</a:t>
+            </a:r>
+            <a:r>
+              <a:rPr lang="en-US" dirty="0"/>
+              <a:t> </a:t>
+            </a:r>
+            <a:r>
+              <a:rPr lang="en-US" dirty="0" err="1"/>
+              <a:t>lời</a:t>
+            </a:r>
+            <a:r>
+              <a:rPr lang="en-US" dirty="0"/>
+              <a:t> leaner</a:t>
             </a:r>
           </a:p>
           <a:p>
             <a:pPr lvl="1"/>
             <a:r>
-              <a:rPr lang="en-US"/>
-              <a:t>Loại câu hỏi </a:t>
-            </a:r>
-            <a:r>
-              <a:rPr lang="en-US"/>
-              <a:t>truy </a:t>
-            </a:r>
-            <a:r>
-              <a:rPr lang="en-US" smtClean="0"/>
-              <a:t>vấn tương đương EQ(ι): Kiểm tra xem ι có tương đương với </a:t>
-            </a:r>
-            <a:r>
-              <a:rPr lang="en-US"/>
-              <a:t>ι(X</a:t>
-            </a:r>
-            <a:r>
-              <a:rPr lang="en-US" smtClean="0"/>
-              <a:t>) hay khong</a:t>
+              <a:rPr lang="en-US" dirty="0" err="1"/>
+              <a:t>Loại</a:t>
+            </a:r>
+            <a:r>
+              <a:rPr lang="en-US" dirty="0"/>
+              <a:t> </a:t>
+            </a:r>
+            <a:r>
+              <a:rPr lang="en-US" dirty="0" err="1"/>
+              <a:t>câu</a:t>
+            </a:r>
+            <a:r>
+              <a:rPr lang="en-US" dirty="0"/>
+              <a:t> </a:t>
+            </a:r>
+            <a:r>
+              <a:rPr lang="en-US" dirty="0" err="1"/>
+              <a:t>hỏi</a:t>
+            </a:r>
+            <a:r>
+              <a:rPr lang="en-US" dirty="0"/>
+              <a:t> </a:t>
+            </a:r>
+            <a:r>
+              <a:rPr lang="en-US" dirty="0" err="1"/>
+              <a:t>truy</a:t>
+            </a:r>
+            <a:r>
+              <a:rPr lang="en-US" dirty="0"/>
+              <a:t> </a:t>
+            </a:r>
+            <a:r>
+              <a:rPr lang="en-US" dirty="0" err="1"/>
+              <a:t>vấn</a:t>
+            </a:r>
+            <a:r>
+              <a:rPr lang="en-US" dirty="0"/>
+              <a:t> </a:t>
+            </a:r>
+            <a:r>
+              <a:rPr lang="en-US" dirty="0" err="1"/>
+              <a:t>thành</a:t>
+            </a:r>
+            <a:r>
+              <a:rPr lang="en-US" dirty="0"/>
+              <a:t> </a:t>
+            </a:r>
+            <a:r>
+              <a:rPr lang="en-US" dirty="0" err="1"/>
+              <a:t>viên</a:t>
+            </a:r>
+            <a:r>
+              <a:rPr lang="en-US" dirty="0"/>
+              <a:t>: </a:t>
+            </a:r>
+            <a:r>
+              <a:rPr lang="en-US" dirty="0" err="1"/>
+              <a:t>Câu</a:t>
+            </a:r>
+            <a:r>
+              <a:rPr lang="en-US" dirty="0"/>
+              <a:t> </a:t>
+            </a:r>
+            <a:r>
+              <a:rPr lang="en-US" dirty="0" err="1"/>
+              <a:t>trả</a:t>
+            </a:r>
+            <a:r>
+              <a:rPr lang="en-US" dirty="0"/>
+              <a:t> </a:t>
+            </a:r>
+            <a:r>
+              <a:rPr lang="en-US" dirty="0" err="1"/>
+              <a:t>lời</a:t>
+            </a:r>
+            <a:r>
+              <a:rPr lang="en-US" dirty="0"/>
+              <a:t> </a:t>
+            </a:r>
+            <a:r>
+              <a:rPr lang="en-US" dirty="0" err="1"/>
+              <a:t>là</a:t>
+            </a:r>
+            <a:r>
+              <a:rPr lang="en-US" dirty="0"/>
+              <a:t> True </a:t>
+            </a:r>
+            <a:r>
+              <a:rPr lang="en-US" dirty="0" err="1"/>
+              <a:t>nếu</a:t>
+            </a:r>
+            <a:r>
+              <a:rPr lang="en-US" dirty="0"/>
+              <a:t> σ</a:t>
+            </a:r>
+            <a:r>
+              <a:rPr lang="en-US" dirty="0">
+                <a:sym typeface="Symbol" panose="05050102010706020507" pitchFamily="18" charset="2"/>
+              </a:rPr>
+              <a:t>  U, </a:t>
+            </a:r>
+            <a:r>
+              <a:rPr lang="en-US" dirty="0" err="1">
+                <a:sym typeface="Symbol" panose="05050102010706020507" pitchFamily="18" charset="2"/>
+              </a:rPr>
+              <a:t>ngược</a:t>
+            </a:r>
+            <a:r>
+              <a:rPr lang="en-US" dirty="0">
+                <a:sym typeface="Symbol" panose="05050102010706020507" pitchFamily="18" charset="2"/>
+              </a:rPr>
+              <a:t> </a:t>
+            </a:r>
+            <a:r>
+              <a:rPr lang="en-US" dirty="0" err="1">
+                <a:sym typeface="Symbol" panose="05050102010706020507" pitchFamily="18" charset="2"/>
+              </a:rPr>
+              <a:t>lại</a:t>
+            </a:r>
+            <a:r>
+              <a:rPr lang="en-US" dirty="0">
+                <a:sym typeface="Symbol" panose="05050102010706020507" pitchFamily="18" charset="2"/>
+              </a:rPr>
+              <a:t> </a:t>
+            </a:r>
+            <a:r>
+              <a:rPr lang="en-US" dirty="0" err="1">
+                <a:sym typeface="Symbol" panose="05050102010706020507" pitchFamily="18" charset="2"/>
+              </a:rPr>
+              <a:t>câu</a:t>
+            </a:r>
+            <a:r>
+              <a:rPr lang="en-US" dirty="0">
+                <a:sym typeface="Symbol" panose="05050102010706020507" pitchFamily="18" charset="2"/>
+              </a:rPr>
+              <a:t> </a:t>
+            </a:r>
+            <a:r>
+              <a:rPr lang="en-US" dirty="0" err="1">
+                <a:sym typeface="Symbol" panose="05050102010706020507" pitchFamily="18" charset="2"/>
+              </a:rPr>
+              <a:t>trả</a:t>
+            </a:r>
+            <a:r>
+              <a:rPr lang="en-US" dirty="0">
+                <a:sym typeface="Symbol" panose="05050102010706020507" pitchFamily="18" charset="2"/>
+              </a:rPr>
+              <a:t> </a:t>
+            </a:r>
+            <a:r>
+              <a:rPr lang="en-US" dirty="0" err="1">
+                <a:sym typeface="Symbol" panose="05050102010706020507" pitchFamily="18" charset="2"/>
+              </a:rPr>
+              <a:t>lời</a:t>
+            </a:r>
+            <a:r>
+              <a:rPr lang="en-US" dirty="0">
+                <a:sym typeface="Symbol" panose="05050102010706020507" pitchFamily="18" charset="2"/>
+              </a:rPr>
+              <a:t> </a:t>
+            </a:r>
+            <a:r>
+              <a:rPr lang="en-US" dirty="0" err="1">
+                <a:sym typeface="Symbol" panose="05050102010706020507" pitchFamily="18" charset="2"/>
+              </a:rPr>
+              <a:t>là</a:t>
+            </a:r>
+            <a:r>
+              <a:rPr lang="en-US" dirty="0">
+                <a:sym typeface="Symbol" panose="05050102010706020507" pitchFamily="18" charset="2"/>
+              </a:rPr>
+              <a:t> False</a:t>
             </a:r>
           </a:p>
           <a:p>
             <a:pPr lvl="1"/>
             <a:r>
-              <a:rPr lang="en-US"/>
-              <a:t>Loại câu hỏi truy vấn tương đương EQ(ι): Kiểm tra </a:t>
-            </a:r>
-            <a:r>
-              <a:rPr lang="en-US"/>
-              <a:t>xem </a:t>
-            </a:r>
-            <a:r>
-              <a:rPr lang="en-US" smtClean="0"/>
-              <a:t>τ(X, X’) </a:t>
-            </a:r>
-            <a:r>
-              <a:rPr lang="en-US"/>
-              <a:t>có tương </a:t>
-            </a:r>
-            <a:r>
-              <a:rPr lang="en-US"/>
-              <a:t>đương </a:t>
-            </a:r>
-            <a:r>
-              <a:rPr lang="en-US" smtClean="0"/>
-              <a:t>với </a:t>
-            </a:r>
-            <a:r>
-              <a:rPr lang="el-GR" smtClean="0"/>
-              <a:t>τ</a:t>
-            </a:r>
-            <a:r>
-              <a:rPr lang="en-US" baseline="-25000" smtClean="0"/>
-              <a:t>A</a:t>
-            </a:r>
-            <a:r>
-              <a:rPr lang="en-US" smtClean="0"/>
-              <a:t>(X, X’) </a:t>
-            </a:r>
-            <a:endParaRPr lang="en-US"/>
+              <a:rPr lang="en-US" dirty="0" err="1">
+                <a:sym typeface="Symbol" panose="05050102010706020507" pitchFamily="18" charset="2"/>
+              </a:rPr>
+              <a:t>Loại</a:t>
+            </a:r>
+            <a:r>
+              <a:rPr lang="en-US" dirty="0">
+                <a:sym typeface="Symbol" panose="05050102010706020507" pitchFamily="18" charset="2"/>
+              </a:rPr>
+              <a:t> </a:t>
+            </a:r>
+            <a:r>
+              <a:rPr lang="en-US" dirty="0" err="1">
+                <a:sym typeface="Symbol" panose="05050102010706020507" pitchFamily="18" charset="2"/>
+              </a:rPr>
+              <a:t>câu</a:t>
+            </a:r>
+            <a:r>
+              <a:rPr lang="en-US" dirty="0">
+                <a:sym typeface="Symbol" panose="05050102010706020507" pitchFamily="18" charset="2"/>
+              </a:rPr>
+              <a:t> </a:t>
+            </a:r>
+            <a:r>
+              <a:rPr lang="en-US" dirty="0" err="1">
+                <a:sym typeface="Symbol" panose="05050102010706020507" pitchFamily="18" charset="2"/>
+              </a:rPr>
+              <a:t>hỏi</a:t>
+            </a:r>
+            <a:r>
+              <a:rPr lang="en-US" dirty="0">
+                <a:sym typeface="Symbol" panose="05050102010706020507" pitchFamily="18" charset="2"/>
+              </a:rPr>
+              <a:t> </a:t>
+            </a:r>
+            <a:r>
+              <a:rPr lang="en-US" dirty="0" err="1">
+                <a:sym typeface="Symbol" panose="05050102010706020507" pitchFamily="18" charset="2"/>
+              </a:rPr>
+              <a:t>phỏng</a:t>
+            </a:r>
+            <a:r>
+              <a:rPr lang="en-US" dirty="0">
+                <a:sym typeface="Symbol" panose="05050102010706020507" pitchFamily="18" charset="2"/>
+              </a:rPr>
+              <a:t> </a:t>
+            </a:r>
+            <a:r>
+              <a:rPr lang="en-US" dirty="0" err="1">
+                <a:sym typeface="Symbol" panose="05050102010706020507" pitchFamily="18" charset="2"/>
+              </a:rPr>
+              <a:t>đoán</a:t>
+            </a:r>
+            <a:r>
+              <a:rPr lang="en-US" dirty="0">
+                <a:sym typeface="Symbol" panose="05050102010706020507" pitchFamily="18" charset="2"/>
+              </a:rPr>
+              <a:t>: </a:t>
+            </a:r>
+            <a:r>
+              <a:rPr lang="en-US" dirty="0" err="1">
+                <a:sym typeface="Symbol" panose="05050102010706020507" pitchFamily="18" charset="2"/>
+              </a:rPr>
+              <a:t>Câu</a:t>
+            </a:r>
+            <a:r>
+              <a:rPr lang="en-US" dirty="0">
+                <a:sym typeface="Symbol" panose="05050102010706020507" pitchFamily="18" charset="2"/>
+              </a:rPr>
+              <a:t> </a:t>
+            </a:r>
+            <a:r>
+              <a:rPr lang="en-US" dirty="0" err="1">
+                <a:sym typeface="Symbol" panose="05050102010706020507" pitchFamily="18" charset="2"/>
+              </a:rPr>
+              <a:t>trả</a:t>
+            </a:r>
+            <a:r>
+              <a:rPr lang="en-US" dirty="0">
+                <a:sym typeface="Symbol" panose="05050102010706020507" pitchFamily="18" charset="2"/>
+              </a:rPr>
+              <a:t> </a:t>
+            </a:r>
+            <a:r>
+              <a:rPr lang="en-US" dirty="0" err="1">
+                <a:sym typeface="Symbol" panose="05050102010706020507" pitchFamily="18" charset="2"/>
+              </a:rPr>
+              <a:t>lời</a:t>
+            </a:r>
+            <a:r>
+              <a:rPr lang="en-US" dirty="0">
+                <a:sym typeface="Symbol" panose="05050102010706020507" pitchFamily="18" charset="2"/>
+              </a:rPr>
+              <a:t> </a:t>
+            </a:r>
+            <a:r>
+              <a:rPr lang="en-US" dirty="0" err="1">
+                <a:sym typeface="Symbol" panose="05050102010706020507" pitchFamily="18" charset="2"/>
+              </a:rPr>
+              <a:t>là</a:t>
+            </a:r>
+            <a:r>
+              <a:rPr lang="en-US" dirty="0">
+                <a:sym typeface="Symbol" panose="05050102010706020507" pitchFamily="18" charset="2"/>
+              </a:rPr>
+              <a:t> True </a:t>
+            </a:r>
+            <a:r>
+              <a:rPr lang="en-US" dirty="0" err="1">
+                <a:sym typeface="Symbol" panose="05050102010706020507" pitchFamily="18" charset="2"/>
+              </a:rPr>
+              <a:t>nếu</a:t>
+            </a:r>
+            <a:r>
+              <a:rPr lang="en-US" dirty="0">
+                <a:sym typeface="Symbol" panose="05050102010706020507" pitchFamily="18" charset="2"/>
+              </a:rPr>
+              <a:t> L(M) = U, </a:t>
+            </a:r>
+            <a:r>
+              <a:rPr lang="en-US" dirty="0" err="1">
+                <a:sym typeface="Symbol" panose="05050102010706020507" pitchFamily="18" charset="2"/>
+              </a:rPr>
+              <a:t>ngược</a:t>
+            </a:r>
+            <a:r>
+              <a:rPr lang="en-US" dirty="0">
+                <a:sym typeface="Symbol" panose="05050102010706020507" pitchFamily="18" charset="2"/>
+              </a:rPr>
+              <a:t> </a:t>
+            </a:r>
+            <a:r>
+              <a:rPr lang="en-US" dirty="0" err="1">
+                <a:sym typeface="Symbol" panose="05050102010706020507" pitchFamily="18" charset="2"/>
+              </a:rPr>
+              <a:t>lại</a:t>
+            </a:r>
+            <a:r>
+              <a:rPr lang="en-US" dirty="0">
+                <a:sym typeface="Symbol" panose="05050102010706020507" pitchFamily="18" charset="2"/>
+              </a:rPr>
+              <a:t> </a:t>
+            </a:r>
+            <a:r>
+              <a:rPr lang="en-US" dirty="0" err="1">
+                <a:sym typeface="Symbol" panose="05050102010706020507" pitchFamily="18" charset="2"/>
+              </a:rPr>
+              <a:t>câu</a:t>
+            </a:r>
+            <a:r>
+              <a:rPr lang="en-US" dirty="0">
+                <a:sym typeface="Symbol" panose="05050102010706020507" pitchFamily="18" charset="2"/>
+              </a:rPr>
+              <a:t> </a:t>
+            </a:r>
+            <a:r>
+              <a:rPr lang="en-US" dirty="0" err="1">
+                <a:sym typeface="Symbol" panose="05050102010706020507" pitchFamily="18" charset="2"/>
+              </a:rPr>
+              <a:t>trả</a:t>
+            </a:r>
+            <a:r>
+              <a:rPr lang="en-US" dirty="0">
+                <a:sym typeface="Symbol" panose="05050102010706020507" pitchFamily="18" charset="2"/>
+              </a:rPr>
+              <a:t> </a:t>
+            </a:r>
+            <a:r>
+              <a:rPr lang="en-US" dirty="0" err="1">
+                <a:sym typeface="Symbol" panose="05050102010706020507" pitchFamily="18" charset="2"/>
+              </a:rPr>
+              <a:t>lời</a:t>
+            </a:r>
+            <a:r>
+              <a:rPr lang="en-US" dirty="0">
+                <a:sym typeface="Symbol" panose="05050102010706020507" pitchFamily="18" charset="2"/>
+              </a:rPr>
+              <a:t> </a:t>
+            </a:r>
+            <a:r>
+              <a:rPr lang="en-US" dirty="0" err="1">
+                <a:sym typeface="Symbol" panose="05050102010706020507" pitchFamily="18" charset="2"/>
+              </a:rPr>
+              <a:t>là</a:t>
+            </a:r>
+            <a:r>
+              <a:rPr lang="en-US" dirty="0">
+                <a:sym typeface="Symbol" panose="05050102010706020507" pitchFamily="18" charset="2"/>
+              </a:rPr>
+              <a:t> False </a:t>
+            </a:r>
+            <a:r>
+              <a:rPr lang="en-US" dirty="0" err="1">
+                <a:sym typeface="Symbol" panose="05050102010706020507" pitchFamily="18" charset="2"/>
+              </a:rPr>
+              <a:t>và</a:t>
+            </a:r>
+            <a:r>
+              <a:rPr lang="en-US" dirty="0">
+                <a:sym typeface="Symbol" panose="05050102010706020507" pitchFamily="18" charset="2"/>
+              </a:rPr>
+              <a:t> Teacher </a:t>
+            </a:r>
+            <a:r>
+              <a:rPr lang="en-US" dirty="0" err="1">
+                <a:sym typeface="Symbol" panose="05050102010706020507" pitchFamily="18" charset="2"/>
+              </a:rPr>
+              <a:t>trả</a:t>
+            </a:r>
+            <a:r>
+              <a:rPr lang="en-US" dirty="0">
+                <a:sym typeface="Symbol" panose="05050102010706020507" pitchFamily="18" charset="2"/>
+              </a:rPr>
+              <a:t> </a:t>
+            </a:r>
+            <a:r>
+              <a:rPr lang="en-US" dirty="0" err="1">
+                <a:sym typeface="Symbol" panose="05050102010706020507" pitchFamily="18" charset="2"/>
+              </a:rPr>
+              <a:t>về</a:t>
+            </a:r>
+            <a:r>
+              <a:rPr lang="en-US" dirty="0">
+                <a:sym typeface="Symbol" panose="05050102010706020507" pitchFamily="18" charset="2"/>
+              </a:rPr>
+              <a:t> </a:t>
+            </a:r>
+            <a:r>
+              <a:rPr lang="en-US" dirty="0" err="1">
+                <a:sym typeface="Symbol" panose="05050102010706020507" pitchFamily="18" charset="2"/>
+              </a:rPr>
+              <a:t>một</a:t>
+            </a:r>
+            <a:r>
+              <a:rPr lang="en-US" dirty="0">
+                <a:sym typeface="Symbol" panose="05050102010706020507" pitchFamily="18" charset="2"/>
+              </a:rPr>
+              <a:t> </a:t>
+            </a:r>
+            <a:r>
+              <a:rPr lang="en-US" dirty="0" err="1">
+                <a:sym typeface="Symbol" panose="05050102010706020507" pitchFamily="18" charset="2"/>
+              </a:rPr>
+              <a:t>phản</a:t>
+            </a:r>
+            <a:r>
+              <a:rPr lang="en-US" dirty="0">
+                <a:sym typeface="Symbol" panose="05050102010706020507" pitchFamily="18" charset="2"/>
+              </a:rPr>
+              <a:t> </a:t>
+            </a:r>
+            <a:r>
+              <a:rPr lang="en-US" dirty="0" err="1">
+                <a:sym typeface="Symbol" panose="05050102010706020507" pitchFamily="18" charset="2"/>
+              </a:rPr>
+              <a:t>ví</a:t>
+            </a:r>
+            <a:r>
+              <a:rPr lang="en-US" dirty="0">
+                <a:sym typeface="Symbol" panose="05050102010706020507" pitchFamily="18" charset="2"/>
+              </a:rPr>
+              <a:t> </a:t>
+            </a:r>
+            <a:r>
+              <a:rPr lang="en-US" dirty="0" err="1" smtClean="0">
+                <a:sym typeface="Symbol" panose="05050102010706020507" pitchFamily="18" charset="2"/>
+              </a:rPr>
+              <a:t>dụ</a:t>
+            </a:r>
+            <a:endParaRPr lang="en-US" dirty="0"/>
           </a:p>
         </p:txBody>
       </p:sp>
@@ -6857,7 +11580,7 @@
     </p:spTree>
     <p:extLst>
       <p:ext uri="{BB962C8B-B14F-4D97-AF65-F5344CB8AC3E}">
-        <p14:creationId xmlns:p14="http://schemas.microsoft.com/office/powerpoint/2010/main" val="3160942339"/>
+        <p14:creationId xmlns:p14="http://schemas.microsoft.com/office/powerpoint/2010/main" val="580725207"/>
       </p:ext>
     </p:extLst>
   </p:cSld>
@@ -6903,13 +11626,72 @@
         </p:nvSpPr>
         <p:spPr/>
         <p:txBody>
-          <a:bodyPr/>
+          <a:bodyPr>
+            <a:normAutofit/>
+          </a:bodyPr>
           <a:lstStyle/>
           <a:p>
             <a:r>
-              <a:rPr lang="en-US"/>
-              <a:t>Sinh ngữ cảnh giả định dựa trên thuật toán CDNF (1)</a:t>
-            </a:r>
+              <a:rPr lang="en-US" sz="3800" dirty="0" err="1"/>
+              <a:t>Sinh</a:t>
+            </a:r>
+            <a:r>
+              <a:rPr lang="en-US" sz="3800" dirty="0"/>
+              <a:t> </a:t>
+            </a:r>
+            <a:r>
+              <a:rPr lang="en-US" sz="3800" dirty="0" err="1" smtClean="0"/>
+              <a:t>giả</a:t>
+            </a:r>
+            <a:r>
+              <a:rPr lang="en-US" sz="3800" dirty="0" smtClean="0"/>
+              <a:t> </a:t>
+            </a:r>
+            <a:r>
+              <a:rPr lang="en-US" sz="3800" dirty="0" err="1"/>
+              <a:t>định</a:t>
+            </a:r>
+            <a:r>
+              <a:rPr lang="en-US" sz="3800" dirty="0"/>
+              <a:t> </a:t>
+            </a:r>
+            <a:r>
+              <a:rPr lang="en-US" sz="3800" dirty="0" err="1"/>
+              <a:t>dựa</a:t>
+            </a:r>
+            <a:r>
+              <a:rPr lang="en-US" sz="3800" dirty="0"/>
+              <a:t> </a:t>
+            </a:r>
+            <a:r>
+              <a:rPr lang="en-US" sz="3800" dirty="0" err="1"/>
+              <a:t>trên</a:t>
+            </a:r>
+            <a:r>
+              <a:rPr lang="en-US" sz="3800" dirty="0"/>
+              <a:t> </a:t>
+            </a:r>
+            <a:r>
+              <a:rPr lang="en-US" sz="3800" dirty="0" err="1"/>
+              <a:t>thuật</a:t>
+            </a:r>
+            <a:r>
+              <a:rPr lang="en-US" sz="3800" dirty="0"/>
+              <a:t> </a:t>
+            </a:r>
+            <a:r>
+              <a:rPr lang="en-US" sz="3800" dirty="0" err="1"/>
+              <a:t>toán</a:t>
+            </a:r>
+            <a:r>
+              <a:rPr lang="en-US" sz="3800" dirty="0"/>
+              <a:t> </a:t>
+            </a:r>
+            <a:r>
+              <a:rPr lang="en-US" sz="3800" dirty="0" smtClean="0"/>
+              <a:t>CDNF (1)</a:t>
+            </a:r>
+            <a:endParaRPr lang="en-US" sz="3800" dirty="0"/>
           </a:p>
         </p:txBody>
       </p:sp>
@@ -6925,58 +11707,612 @@
         </p:nvSpPr>
         <p:spPr/>
         <p:txBody>
-          <a:bodyPr/>
+          <a:bodyPr>
+            <a:normAutofit/>
+          </a:bodyPr>
           <a:lstStyle/>
           <a:p>
             <a:r>
-              <a:rPr lang="en-US"/>
-              <a:t>Teacher: Trả lời leaner</a:t>
-            </a:r>
+              <a:rPr lang="en-US" dirty="0" err="1"/>
+              <a:t>Việc</a:t>
+            </a:r>
+            <a:r>
+              <a:rPr lang="en-US" dirty="0"/>
+              <a:t> </a:t>
+            </a:r>
+            <a:r>
+              <a:rPr lang="en-US" dirty="0" err="1"/>
+              <a:t>học</a:t>
+            </a:r>
+            <a:r>
+              <a:rPr lang="en-US" dirty="0"/>
+              <a:t> </a:t>
+            </a:r>
+            <a:r>
+              <a:rPr lang="en-US" dirty="0" err="1"/>
+              <a:t>gồm</a:t>
+            </a:r>
+            <a:r>
+              <a:rPr lang="en-US" dirty="0"/>
+              <a:t> 2 </a:t>
+            </a:r>
+            <a:r>
+              <a:rPr lang="en-US" dirty="0" err="1"/>
+              <a:t>phần</a:t>
+            </a:r>
+            <a:r>
+              <a:rPr lang="en-US" dirty="0"/>
+              <a:t> </a:t>
+            </a:r>
+            <a:r>
+              <a:rPr lang="en-US" dirty="0" err="1"/>
+              <a:t>chính</a:t>
+            </a:r>
+            <a:endParaRPr lang="en-US" dirty="0"/>
           </a:p>
           <a:p>
             <a:pPr lvl="1"/>
             <a:r>
-              <a:rPr lang="en-US"/>
-              <a:t>Loại câu hỏi truy vấn thành viên: Câu trả lời là True </a:t>
-            </a:r>
-            <a:r>
-              <a:rPr lang="en-US"/>
-              <a:t>nếu </a:t>
-            </a:r>
-            <a:r>
-              <a:rPr lang="en-US" smtClean="0"/>
-              <a:t>phép gán </a:t>
-            </a:r>
-            <a:r>
-              <a:rPr lang="el-GR" smtClean="0">
-                <a:latin typeface="Times New Roman" panose="02020603050405020304" pitchFamily="18" charset="0"/>
-                <a:cs typeface="Times New Roman" panose="02020603050405020304" pitchFamily="18" charset="0"/>
-              </a:rPr>
-              <a:t>υ</a:t>
-            </a:r>
-            <a:r>
-              <a:rPr lang="en-US" smtClean="0">
-                <a:latin typeface="Times New Roman" panose="02020603050405020304" pitchFamily="18" charset="0"/>
-                <a:cs typeface="Times New Roman" panose="02020603050405020304" pitchFamily="18" charset="0"/>
-              </a:rPr>
-              <a:t> sao cho </a:t>
-            </a:r>
-            <a:endParaRPr lang="en-US">
-              <a:sym typeface="Symbol" panose="05050102010706020507" pitchFamily="18" charset="2"/>
-            </a:endParaRPr>
+              <a:rPr lang="en-US" dirty="0"/>
+              <a:t>Learner (</a:t>
+            </a:r>
+            <a:r>
+              <a:rPr lang="en-US" dirty="0" err="1"/>
+              <a:t>Thực</a:t>
+            </a:r>
+            <a:r>
+              <a:rPr lang="en-US" dirty="0"/>
+              <a:t> </a:t>
+            </a:r>
+            <a:r>
+              <a:rPr lang="en-US" dirty="0" err="1"/>
+              <a:t>thi</a:t>
+            </a:r>
+            <a:r>
+              <a:rPr lang="en-US" dirty="0"/>
+              <a:t> </a:t>
+            </a:r>
+            <a:r>
+              <a:rPr lang="en-US" dirty="0" err="1"/>
+              <a:t>thuật</a:t>
+            </a:r>
+            <a:r>
+              <a:rPr lang="en-US" dirty="0"/>
+              <a:t> </a:t>
+            </a:r>
+            <a:r>
+              <a:rPr lang="en-US" dirty="0" err="1"/>
+              <a:t>toán</a:t>
+            </a:r>
+            <a:r>
+              <a:rPr lang="en-US" dirty="0"/>
+              <a:t> </a:t>
+            </a:r>
+            <a:r>
+              <a:rPr lang="en-US" dirty="0" smtClean="0"/>
+              <a:t>CDNF)</a:t>
+            </a:r>
+            <a:endParaRPr lang="en-US" dirty="0"/>
           </a:p>
           <a:p>
             <a:pPr lvl="1"/>
             <a:r>
-              <a:rPr lang="en-US">
-                <a:sym typeface="Symbol" panose="05050102010706020507" pitchFamily="18" charset="2"/>
-              </a:rPr>
-              <a:t>Loại câu hỏi phỏng đoán: Câu trả lời là True nếu L(M) = U, ngược lại câu trả lời là False và Teacher trả về một phản ví dụ</a:t>
-            </a:r>
-            <a:endParaRPr lang="en-US"/>
-          </a:p>
-          <a:p>
-            <a:endParaRPr lang="en-US"/>
+              <a:rPr lang="en-US" dirty="0"/>
+              <a:t>Teacher (</a:t>
+            </a:r>
+            <a:r>
+              <a:rPr lang="en-US" dirty="0" err="1"/>
+              <a:t>Sẽ</a:t>
+            </a:r>
+            <a:r>
+              <a:rPr lang="en-US" dirty="0"/>
+              <a:t> </a:t>
+            </a:r>
+            <a:r>
+              <a:rPr lang="en-US" dirty="0" err="1"/>
+              <a:t>phải</a:t>
+            </a:r>
+            <a:r>
+              <a:rPr lang="en-US" dirty="0"/>
+              <a:t> </a:t>
+            </a:r>
+            <a:r>
+              <a:rPr lang="en-US" dirty="0" err="1"/>
+              <a:t>trả</a:t>
+            </a:r>
+            <a:r>
+              <a:rPr lang="en-US" dirty="0"/>
+              <a:t> </a:t>
+            </a:r>
+            <a:r>
+              <a:rPr lang="en-US" dirty="0" err="1"/>
+              <a:t>lời</a:t>
+            </a:r>
+            <a:r>
+              <a:rPr lang="en-US" dirty="0"/>
+              <a:t> </a:t>
+            </a:r>
+            <a:r>
+              <a:rPr lang="en-US" dirty="0" smtClean="0"/>
+              <a:t>4 </a:t>
+            </a:r>
+            <a:r>
+              <a:rPr lang="en-US" dirty="0" err="1"/>
+              <a:t>câu</a:t>
+            </a:r>
+            <a:r>
+              <a:rPr lang="en-US" dirty="0"/>
+              <a:t> </a:t>
+            </a:r>
+            <a:r>
+              <a:rPr lang="en-US" dirty="0" err="1"/>
+              <a:t>hỏi</a:t>
+            </a:r>
+            <a:r>
+              <a:rPr lang="en-US" dirty="0"/>
+              <a:t>)</a:t>
+            </a:r>
+          </a:p>
+          <a:p>
+            <a:r>
+              <a:rPr lang="en-US" dirty="0"/>
+              <a:t>Learner: </a:t>
+            </a:r>
+            <a:r>
+              <a:rPr lang="en-US" dirty="0" err="1"/>
+              <a:t>Hỏi</a:t>
+            </a:r>
+            <a:r>
+              <a:rPr lang="en-US" dirty="0"/>
+              <a:t> teacher </a:t>
+            </a:r>
+            <a:r>
+              <a:rPr lang="en-US" dirty="0" smtClean="0"/>
+              <a:t>4 </a:t>
+            </a:r>
+            <a:r>
+              <a:rPr lang="en-US" dirty="0" err="1"/>
+              <a:t>loại</a:t>
+            </a:r>
+            <a:r>
+              <a:rPr lang="en-US" dirty="0"/>
+              <a:t> </a:t>
+            </a:r>
+            <a:r>
+              <a:rPr lang="en-US" dirty="0" err="1"/>
+              <a:t>câu</a:t>
+            </a:r>
+            <a:r>
+              <a:rPr lang="en-US" dirty="0"/>
+              <a:t> </a:t>
+            </a:r>
+            <a:r>
+              <a:rPr lang="en-US" dirty="0" err="1"/>
+              <a:t>hỏi</a:t>
+            </a:r>
+            <a:endParaRPr lang="en-US" dirty="0"/>
+          </a:p>
+          <a:p>
+            <a:pPr lvl="1"/>
+            <a:r>
+              <a:rPr lang="en-US" dirty="0" err="1"/>
+              <a:t>Loại</a:t>
+            </a:r>
+            <a:r>
+              <a:rPr lang="en-US" dirty="0"/>
+              <a:t> </a:t>
+            </a:r>
+            <a:r>
+              <a:rPr lang="en-US" dirty="0" err="1"/>
+              <a:t>câu</a:t>
+            </a:r>
+            <a:r>
+              <a:rPr lang="en-US" dirty="0"/>
+              <a:t> </a:t>
+            </a:r>
+            <a:r>
+              <a:rPr lang="en-US" dirty="0" err="1"/>
+              <a:t>hỏi</a:t>
+            </a:r>
+            <a:r>
+              <a:rPr lang="en-US" dirty="0"/>
+              <a:t> </a:t>
+            </a:r>
+            <a:r>
+              <a:rPr lang="en-US" dirty="0" err="1"/>
+              <a:t>truy</a:t>
+            </a:r>
+            <a:r>
+              <a:rPr lang="en-US" dirty="0"/>
+              <a:t> </a:t>
+            </a:r>
+            <a:r>
+              <a:rPr lang="en-US" dirty="0" err="1"/>
+              <a:t>vấn</a:t>
+            </a:r>
+            <a:r>
+              <a:rPr lang="en-US" dirty="0"/>
+              <a:t> </a:t>
+            </a:r>
+            <a:r>
+              <a:rPr lang="en-US" dirty="0" err="1"/>
+              <a:t>thành</a:t>
+            </a:r>
+            <a:r>
+              <a:rPr lang="en-US" dirty="0"/>
+              <a:t> </a:t>
+            </a:r>
+            <a:r>
+              <a:rPr lang="en-US" dirty="0" err="1"/>
+              <a:t>viên</a:t>
+            </a:r>
+            <a:r>
+              <a:rPr lang="en-US" dirty="0"/>
+              <a:t> MEM(µ): </a:t>
+            </a:r>
+            <a:r>
+              <a:rPr lang="en-US" dirty="0" smtClean="0"/>
+              <a:t>µ </a:t>
+            </a:r>
+            <a:r>
+              <a:rPr lang="en-US" dirty="0" err="1" smtClean="0"/>
+              <a:t>có</a:t>
+            </a:r>
+            <a:r>
+              <a:rPr lang="en-US" dirty="0" smtClean="0"/>
+              <a:t> </a:t>
+            </a:r>
+            <a:r>
+              <a:rPr lang="en-US" dirty="0" err="1" smtClean="0"/>
+              <a:t>thỏa</a:t>
+            </a:r>
+            <a:r>
+              <a:rPr lang="en-US" dirty="0" smtClean="0"/>
+              <a:t> </a:t>
+            </a:r>
+            <a:r>
+              <a:rPr lang="en-US" dirty="0" err="1" smtClean="0"/>
+              <a:t>mãn</a:t>
+            </a:r>
+            <a:r>
+              <a:rPr lang="en-US" dirty="0" smtClean="0"/>
+              <a:t> </a:t>
+            </a:r>
+            <a:r>
+              <a:rPr lang="el-GR" dirty="0" smtClean="0"/>
+              <a:t>ι</a:t>
+            </a:r>
+            <a:r>
+              <a:rPr lang="en-US" baseline="-25000" dirty="0" smtClean="0"/>
+              <a:t>A</a:t>
+            </a:r>
+            <a:r>
+              <a:rPr lang="en-US" dirty="0" smtClean="0"/>
+              <a:t>(X)?</a:t>
+            </a:r>
+            <a:endParaRPr lang="en-US" dirty="0"/>
+          </a:p>
+          <a:p>
+            <a:pPr lvl="1"/>
+            <a:r>
+              <a:rPr lang="en-US" dirty="0" err="1"/>
+              <a:t>Loại</a:t>
+            </a:r>
+            <a:r>
+              <a:rPr lang="en-US" dirty="0"/>
+              <a:t> </a:t>
+            </a:r>
+            <a:r>
+              <a:rPr lang="en-US" dirty="0" err="1"/>
+              <a:t>câu</a:t>
+            </a:r>
+            <a:r>
+              <a:rPr lang="en-US" dirty="0"/>
+              <a:t> </a:t>
+            </a:r>
+            <a:r>
+              <a:rPr lang="en-US" dirty="0" err="1"/>
+              <a:t>hỏi</a:t>
+            </a:r>
+            <a:r>
+              <a:rPr lang="en-US" dirty="0"/>
+              <a:t> </a:t>
+            </a:r>
+            <a:r>
+              <a:rPr lang="en-US" dirty="0" err="1"/>
+              <a:t>truy</a:t>
+            </a:r>
+            <a:r>
+              <a:rPr lang="en-US" dirty="0"/>
+              <a:t> </a:t>
+            </a:r>
+            <a:r>
+              <a:rPr lang="en-US" dirty="0" err="1"/>
+              <a:t>vấn</a:t>
+            </a:r>
+            <a:r>
+              <a:rPr lang="en-US" dirty="0"/>
+              <a:t> </a:t>
+            </a:r>
+            <a:r>
+              <a:rPr lang="en-US" dirty="0" err="1"/>
+              <a:t>ứng</a:t>
+            </a:r>
+            <a:r>
+              <a:rPr lang="en-US" dirty="0"/>
+              <a:t> </a:t>
+            </a:r>
+            <a:r>
+              <a:rPr lang="en-US" dirty="0" err="1" smtClean="0"/>
+              <a:t>viên</a:t>
+            </a:r>
+            <a:r>
+              <a:rPr lang="en-US" dirty="0" smtClean="0"/>
+              <a:t> MEM(µ, µ</a:t>
+            </a:r>
+            <a:r>
+              <a:rPr lang="en-US" baseline="30000" dirty="0" smtClean="0"/>
+              <a:t>’</a:t>
+            </a:r>
+            <a:r>
+              <a:rPr lang="en-US" dirty="0"/>
+              <a:t>): </a:t>
+            </a:r>
+            <a:r>
+              <a:rPr lang="en-US" dirty="0" smtClean="0"/>
+              <a:t>(µ, µ</a:t>
+            </a:r>
+            <a:r>
+              <a:rPr lang="en-US" baseline="30000" dirty="0" smtClean="0"/>
+              <a:t>’</a:t>
+            </a:r>
+            <a:r>
+              <a:rPr lang="en-US" dirty="0" smtClean="0"/>
+              <a:t>)  </a:t>
+            </a:r>
+            <a:r>
+              <a:rPr lang="en-US" dirty="0" err="1" smtClean="0"/>
+              <a:t>có</a:t>
+            </a:r>
+            <a:r>
+              <a:rPr lang="en-US" dirty="0" smtClean="0"/>
+              <a:t> </a:t>
+            </a:r>
+            <a:r>
+              <a:rPr lang="en-US" dirty="0" err="1" smtClean="0"/>
+              <a:t>thỏa</a:t>
+            </a:r>
+            <a:r>
+              <a:rPr lang="en-US" dirty="0" smtClean="0"/>
+              <a:t> </a:t>
+            </a:r>
+            <a:r>
+              <a:rPr lang="en-US" dirty="0" err="1" smtClean="0"/>
+              <a:t>mãn</a:t>
+            </a:r>
+            <a:r>
+              <a:rPr lang="en-US" dirty="0" smtClean="0"/>
+              <a:t> </a:t>
+            </a:r>
+            <a:r>
+              <a:rPr lang="el-GR" dirty="0" smtClean="0"/>
+              <a:t>τ</a:t>
+            </a:r>
+            <a:r>
+              <a:rPr lang="en-US" baseline="-25000" dirty="0"/>
+              <a:t>A</a:t>
+            </a:r>
+            <a:r>
+              <a:rPr lang="en-US" dirty="0" smtClean="0"/>
+              <a:t>(X, X’)?</a:t>
+            </a:r>
+          </a:p>
+          <a:p>
+            <a:pPr lvl="1"/>
+            <a:r>
+              <a:rPr lang="en-US" dirty="0" err="1"/>
+              <a:t>Loại</a:t>
+            </a:r>
+            <a:r>
+              <a:rPr lang="en-US" dirty="0"/>
+              <a:t> </a:t>
+            </a:r>
+            <a:r>
+              <a:rPr lang="en-US" dirty="0" err="1"/>
+              <a:t>câu</a:t>
+            </a:r>
+            <a:r>
+              <a:rPr lang="en-US" dirty="0"/>
+              <a:t> </a:t>
+            </a:r>
+            <a:r>
+              <a:rPr lang="en-US" dirty="0" err="1"/>
+              <a:t>hỏi</a:t>
+            </a:r>
+            <a:r>
+              <a:rPr lang="en-US" dirty="0"/>
+              <a:t> </a:t>
+            </a:r>
+            <a:r>
+              <a:rPr lang="en-US" dirty="0" err="1"/>
+              <a:t>truy</a:t>
+            </a:r>
+            <a:r>
+              <a:rPr lang="en-US" dirty="0"/>
+              <a:t> </a:t>
+            </a:r>
+            <a:r>
+              <a:rPr lang="en-US" dirty="0" err="1" smtClean="0"/>
+              <a:t>vấn</a:t>
+            </a:r>
+            <a:r>
+              <a:rPr lang="en-US" dirty="0" smtClean="0"/>
+              <a:t> </a:t>
+            </a:r>
+            <a:r>
+              <a:rPr lang="en-US" dirty="0" err="1" smtClean="0"/>
+              <a:t>tương</a:t>
+            </a:r>
+            <a:r>
+              <a:rPr lang="en-US" dirty="0" smtClean="0"/>
+              <a:t> </a:t>
+            </a:r>
+            <a:r>
+              <a:rPr lang="en-US" dirty="0" err="1" smtClean="0"/>
+              <a:t>đương</a:t>
+            </a:r>
+            <a:r>
+              <a:rPr lang="en-US" dirty="0" smtClean="0"/>
+              <a:t> EQ(ι): ι </a:t>
+            </a:r>
+            <a:r>
+              <a:rPr lang="en-US" dirty="0" err="1" smtClean="0"/>
+              <a:t>có</a:t>
+            </a:r>
+            <a:r>
+              <a:rPr lang="en-US" dirty="0" smtClean="0"/>
+              <a:t> </a:t>
+            </a:r>
+            <a:r>
+              <a:rPr lang="en-US" dirty="0" err="1" smtClean="0"/>
+              <a:t>tương</a:t>
+            </a:r>
+            <a:r>
+              <a:rPr lang="en-US" dirty="0" smtClean="0"/>
+              <a:t> </a:t>
+            </a:r>
+            <a:r>
+              <a:rPr lang="en-US" dirty="0" err="1" smtClean="0"/>
+              <a:t>đương</a:t>
+            </a:r>
+            <a:r>
+              <a:rPr lang="en-US" dirty="0" smtClean="0"/>
+              <a:t> </a:t>
+            </a:r>
+            <a:r>
+              <a:rPr lang="en-US" dirty="0" err="1" smtClean="0"/>
+              <a:t>với</a:t>
+            </a:r>
+            <a:r>
+              <a:rPr lang="en-US" dirty="0" smtClean="0"/>
+              <a:t> </a:t>
+            </a:r>
+            <a:r>
+              <a:rPr lang="en-US" dirty="0"/>
+              <a:t>ι(X</a:t>
+            </a:r>
+            <a:r>
+              <a:rPr lang="en-US" dirty="0" smtClean="0"/>
+              <a:t>)?</a:t>
+            </a:r>
+          </a:p>
+          <a:p>
+            <a:pPr lvl="1"/>
+            <a:r>
+              <a:rPr lang="en-US" dirty="0" err="1"/>
+              <a:t>Loại</a:t>
+            </a:r>
+            <a:r>
+              <a:rPr lang="en-US" dirty="0"/>
+              <a:t> </a:t>
+            </a:r>
+            <a:r>
+              <a:rPr lang="en-US" dirty="0" err="1"/>
+              <a:t>câu</a:t>
+            </a:r>
+            <a:r>
+              <a:rPr lang="en-US" dirty="0"/>
+              <a:t> </a:t>
+            </a:r>
+            <a:r>
+              <a:rPr lang="en-US" dirty="0" err="1"/>
+              <a:t>hỏi</a:t>
+            </a:r>
+            <a:r>
+              <a:rPr lang="en-US" dirty="0"/>
+              <a:t> </a:t>
+            </a:r>
+            <a:r>
+              <a:rPr lang="en-US" dirty="0" err="1"/>
+              <a:t>truy</a:t>
+            </a:r>
+            <a:r>
+              <a:rPr lang="en-US" dirty="0"/>
+              <a:t> </a:t>
+            </a:r>
+            <a:r>
+              <a:rPr lang="en-US" dirty="0" err="1"/>
+              <a:t>vấn</a:t>
+            </a:r>
+            <a:r>
+              <a:rPr lang="en-US" dirty="0"/>
+              <a:t> </a:t>
+            </a:r>
+            <a:r>
+              <a:rPr lang="en-US" dirty="0" err="1"/>
+              <a:t>tương</a:t>
+            </a:r>
+            <a:r>
+              <a:rPr lang="en-US" dirty="0"/>
+              <a:t> </a:t>
+            </a:r>
+            <a:r>
+              <a:rPr lang="en-US" dirty="0" err="1"/>
+              <a:t>đương</a:t>
+            </a:r>
+            <a:r>
+              <a:rPr lang="en-US" dirty="0"/>
+              <a:t> EQ(τ): </a:t>
+            </a:r>
+            <a:r>
+              <a:rPr lang="en-US" dirty="0" smtClean="0"/>
+              <a:t>τ </a:t>
+            </a:r>
+            <a:r>
+              <a:rPr lang="en-US" dirty="0" err="1" smtClean="0"/>
+              <a:t>có</a:t>
+            </a:r>
+            <a:r>
+              <a:rPr lang="en-US" dirty="0" smtClean="0"/>
+              <a:t> </a:t>
+            </a:r>
+            <a:r>
+              <a:rPr lang="en-US" dirty="0" err="1"/>
+              <a:t>tương</a:t>
+            </a:r>
+            <a:r>
+              <a:rPr lang="en-US" dirty="0"/>
+              <a:t> </a:t>
+            </a:r>
+            <a:r>
+              <a:rPr lang="en-US" dirty="0" err="1"/>
+              <a:t>đương</a:t>
+            </a:r>
+            <a:r>
+              <a:rPr lang="en-US" dirty="0"/>
+              <a:t> </a:t>
+            </a:r>
+            <a:r>
+              <a:rPr lang="en-US" dirty="0" err="1" smtClean="0"/>
+              <a:t>với</a:t>
+            </a:r>
+            <a:r>
+              <a:rPr lang="en-US" dirty="0" smtClean="0"/>
+              <a:t> </a:t>
+            </a:r>
+            <a:r>
+              <a:rPr lang="el-GR" dirty="0" smtClean="0"/>
+              <a:t>τ</a:t>
+            </a:r>
+            <a:r>
+              <a:rPr lang="en-US" baseline="-25000" dirty="0" smtClean="0"/>
+              <a:t>A</a:t>
+            </a:r>
+            <a:r>
+              <a:rPr lang="en-US" dirty="0" smtClean="0"/>
+              <a:t>(X, X’) </a:t>
+            </a:r>
+            <a:endParaRPr lang="en-US" dirty="0"/>
           </a:p>
         </p:txBody>
       </p:sp>
@@ -7006,13 +12342,20 @@
     </p:spTree>
     <p:extLst>
       <p:ext uri="{BB962C8B-B14F-4D97-AF65-F5344CB8AC3E}">
-        <p14:creationId xmlns:p14="http://schemas.microsoft.com/office/powerpoint/2010/main" val="807542300"/>
+        <p14:creationId xmlns:p14="http://schemas.microsoft.com/office/powerpoint/2010/main" val="3160942339"/>
       </p:ext>
     </p:extLst>
   </p:cSld>
   <p:clrMapOvr>
     <a:masterClrMapping/>
   </p:clrMapOvr>
+  <p:timing>
+    <p:tnLst>
+      <p:par>
+        <p:cTn id="1" dur="indefinite" restart="never" nodeType="tmRoot"/>
+      </p:par>
+    </p:tnLst>
+  </p:timing>
 </p:sld>
 </file>
 
@@ -7049,10 +12392,66 @@
           <a:lstStyle/>
           <a:p>
             <a:r>
-              <a:rPr lang="en-US" smtClean="0"/>
-              <a:t>Chuyển đổi qua (1) -&gt; đổi tên</a:t>
-            </a:r>
-            <a:endParaRPr lang="en-US"/>
+              <a:rPr lang="en-US" dirty="0" err="1"/>
+              <a:t>Sinh</a:t>
+            </a:r>
+            <a:r>
+              <a:rPr lang="en-US" dirty="0"/>
+              <a:t> </a:t>
+            </a:r>
+            <a:r>
+              <a:rPr lang="en-US" dirty="0" err="1" smtClean="0"/>
+              <a:t>giả</a:t>
+            </a:r>
+            <a:r>
+              <a:rPr lang="en-US" dirty="0" smtClean="0"/>
+              <a:t> </a:t>
+            </a:r>
+            <a:r>
+              <a:rPr lang="en-US" dirty="0" err="1"/>
+              <a:t>định</a:t>
+            </a:r>
+            <a:r>
+              <a:rPr lang="en-US" dirty="0"/>
+              <a:t> </a:t>
+            </a:r>
+            <a:r>
+              <a:rPr lang="en-US" dirty="0" err="1"/>
+              <a:t>dựa</a:t>
+            </a:r>
+            <a:r>
+              <a:rPr lang="en-US" dirty="0"/>
+              <a:t> </a:t>
+            </a:r>
+            <a:r>
+              <a:rPr lang="en-US" dirty="0" err="1"/>
+              <a:t>trên</a:t>
+            </a:r>
+            <a:r>
+              <a:rPr lang="en-US" dirty="0"/>
+              <a:t> </a:t>
+            </a:r>
+            <a:r>
+              <a:rPr lang="en-US" dirty="0" err="1"/>
+              <a:t>thuật</a:t>
+            </a:r>
+            <a:r>
+              <a:rPr lang="en-US" dirty="0"/>
+              <a:t> </a:t>
+            </a:r>
+            <a:r>
+              <a:rPr lang="en-US" dirty="0" err="1"/>
+              <a:t>toán</a:t>
+            </a:r>
+            <a:r>
+              <a:rPr lang="en-US" dirty="0"/>
+              <a:t> CDNF </a:t>
+            </a:r>
+            <a:r>
+              <a:rPr lang="en-US" dirty="0" smtClean="0"/>
+              <a:t>(2)</a:t>
+            </a:r>
+            <a:endParaRPr lang="en-US" dirty="0"/>
           </a:p>
         </p:txBody>
       </p:sp>
@@ -7072,57 +12471,787 @@
           <a:lstStyle/>
           <a:p>
             <a:r>
-              <a:rPr lang="en-US" smtClean="0"/>
-              <a:t>Dạng đặc tả sử dụng LTS là gì</a:t>
-            </a:r>
-          </a:p>
-          <a:p>
-            <a:r>
-              <a:rPr lang="en-US" smtClean="0"/>
-              <a:t>Dạng đặc tả sử dụng hàm bool</a:t>
-            </a:r>
-          </a:p>
-          <a:p>
-            <a:r>
-              <a:rPr lang="en-US" smtClean="0"/>
-              <a:t>Thuật toán mã hóa gồm các bước</a:t>
-            </a:r>
+              <a:rPr lang="en-US" dirty="0"/>
+              <a:t>Teacher: </a:t>
+            </a:r>
+            <a:r>
+              <a:rPr lang="en-US" dirty="0" err="1"/>
+              <a:t>Trả</a:t>
+            </a:r>
+            <a:r>
+              <a:rPr lang="en-US" dirty="0"/>
+              <a:t> </a:t>
+            </a:r>
+            <a:r>
+              <a:rPr lang="en-US" dirty="0" err="1" smtClean="0"/>
+              <a:t>lời</a:t>
+            </a:r>
+            <a:r>
+              <a:rPr lang="en-US" dirty="0" smtClean="0"/>
+              <a:t> </a:t>
+            </a:r>
+            <a:r>
+              <a:rPr lang="en-US" dirty="0" err="1" smtClean="0"/>
+              <a:t>câu</a:t>
+            </a:r>
+            <a:r>
+              <a:rPr lang="en-US" dirty="0" smtClean="0"/>
+              <a:t> </a:t>
+            </a:r>
+            <a:r>
+              <a:rPr lang="en-US" dirty="0" err="1" smtClean="0"/>
+              <a:t>hỏi</a:t>
+            </a:r>
+            <a:r>
+              <a:rPr lang="en-US" dirty="0" smtClean="0"/>
+              <a:t> </a:t>
+            </a:r>
+            <a:r>
+              <a:rPr lang="en-US" dirty="0" err="1" smtClean="0"/>
+              <a:t>của</a:t>
+            </a:r>
+            <a:r>
+              <a:rPr lang="en-US" dirty="0" smtClean="0"/>
+              <a:t> leaner</a:t>
+            </a:r>
+            <a:endParaRPr lang="en-US" dirty="0"/>
           </a:p>
           <a:p>
             <a:pPr lvl="1"/>
             <a:r>
-              <a:rPr lang="en-US" smtClean="0"/>
-              <a:t>Thuật toán mã hóa một tập hợp</a:t>
-            </a:r>
-          </a:p>
-          <a:p>
-            <a:pPr lvl="2"/>
-            <a:r>
-              <a:rPr lang="en-US" smtClean="0"/>
-              <a:t>Mã hóa tập các trạng thái đầu vào</a:t>
-            </a:r>
-          </a:p>
-          <a:p>
-            <a:pPr lvl="2"/>
-            <a:r>
-              <a:rPr lang="en-US" smtClean="0"/>
-              <a:t>Mã hóa tập các trạng thái đầu ra</a:t>
-            </a:r>
-          </a:p>
-          <a:p>
-            <a:pPr lvl="2"/>
-            <a:r>
-              <a:rPr lang="en-US" smtClean="0"/>
-              <a:t>Mã hóa tập các sự kiện</a:t>
+              <a:rPr lang="en-US" dirty="0" err="1"/>
+              <a:t>Loại</a:t>
+            </a:r>
+            <a:r>
+              <a:rPr lang="en-US" dirty="0"/>
+              <a:t> </a:t>
+            </a:r>
+            <a:r>
+              <a:rPr lang="en-US" dirty="0" err="1"/>
+              <a:t>câu</a:t>
+            </a:r>
+            <a:r>
+              <a:rPr lang="en-US" dirty="0"/>
+              <a:t> </a:t>
+            </a:r>
+            <a:r>
+              <a:rPr lang="en-US" dirty="0" err="1"/>
+              <a:t>hỏi</a:t>
+            </a:r>
+            <a:r>
+              <a:rPr lang="en-US" dirty="0"/>
+              <a:t> </a:t>
+            </a:r>
+            <a:r>
+              <a:rPr lang="en-US" dirty="0" err="1"/>
+              <a:t>truy</a:t>
+            </a:r>
+            <a:r>
+              <a:rPr lang="en-US" dirty="0"/>
+              <a:t> </a:t>
+            </a:r>
+            <a:r>
+              <a:rPr lang="en-US" dirty="0" err="1"/>
+              <a:t>vấn</a:t>
+            </a:r>
+            <a:r>
+              <a:rPr lang="en-US" dirty="0"/>
+              <a:t> </a:t>
+            </a:r>
+            <a:r>
+              <a:rPr lang="en-US" dirty="0" err="1"/>
+              <a:t>thành</a:t>
+            </a:r>
+            <a:r>
+              <a:rPr lang="en-US" dirty="0"/>
+              <a:t> </a:t>
+            </a:r>
+            <a:r>
+              <a:rPr lang="en-US" dirty="0" err="1"/>
+              <a:t>viên</a:t>
+            </a:r>
+            <a:r>
+              <a:rPr lang="en-US" dirty="0"/>
+              <a:t> MEM(µ): </a:t>
+            </a:r>
+            <a:r>
+              <a:rPr lang="en-US" dirty="0" err="1"/>
+              <a:t>Câu</a:t>
+            </a:r>
+            <a:r>
+              <a:rPr lang="en-US" dirty="0"/>
+              <a:t> </a:t>
+            </a:r>
+            <a:r>
+              <a:rPr lang="en-US" dirty="0" err="1"/>
+              <a:t>trả</a:t>
+            </a:r>
+            <a:r>
+              <a:rPr lang="en-US" dirty="0"/>
+              <a:t> </a:t>
+            </a:r>
+            <a:r>
+              <a:rPr lang="en-US" dirty="0" err="1"/>
+              <a:t>lời</a:t>
+            </a:r>
+            <a:r>
+              <a:rPr lang="en-US" dirty="0"/>
+              <a:t> </a:t>
+            </a:r>
+            <a:r>
+              <a:rPr lang="en-US" dirty="0" err="1"/>
+              <a:t>là</a:t>
+            </a:r>
+            <a:r>
+              <a:rPr lang="en-US" dirty="0"/>
+              <a:t> </a:t>
+            </a:r>
+            <a:r>
+              <a:rPr lang="en-US" dirty="0" smtClean="0"/>
+              <a:t>YES </a:t>
+            </a:r>
+            <a:r>
+              <a:rPr lang="en-US" dirty="0" err="1" smtClean="0"/>
+              <a:t>nếu</a:t>
+            </a:r>
+            <a:r>
+              <a:rPr lang="en-US" dirty="0" smtClean="0"/>
+              <a:t> ι</a:t>
+            </a:r>
+            <a:r>
+              <a:rPr lang="en-US" baseline="-25000" dirty="0" smtClean="0"/>
+              <a:t>1</a:t>
+            </a:r>
+            <a:r>
+              <a:rPr lang="en-US" dirty="0" smtClean="0"/>
+              <a:t>[</a:t>
+            </a:r>
+            <a:r>
+              <a:rPr lang="en-US" dirty="0"/>
+              <a:t>µ</a:t>
+            </a:r>
+            <a:r>
+              <a:rPr lang="en-US" dirty="0" smtClean="0"/>
+              <a:t>] = T </a:t>
+            </a:r>
+            <a:r>
+              <a:rPr lang="en-US" dirty="0" err="1" smtClean="0"/>
+              <a:t>và</a:t>
+            </a:r>
+            <a:r>
+              <a:rPr lang="en-US" dirty="0" smtClean="0"/>
+              <a:t> NO </a:t>
+            </a:r>
+            <a:r>
+              <a:rPr lang="en-US" dirty="0" err="1" smtClean="0"/>
+              <a:t>cho</a:t>
+            </a:r>
+            <a:r>
+              <a:rPr lang="en-US" dirty="0" smtClean="0"/>
+              <a:t> </a:t>
+            </a:r>
+            <a:r>
+              <a:rPr lang="en-US" dirty="0" err="1" smtClean="0"/>
+              <a:t>trường</a:t>
+            </a:r>
+            <a:r>
+              <a:rPr lang="en-US" dirty="0" smtClean="0"/>
+              <a:t> </a:t>
+            </a:r>
+            <a:r>
+              <a:rPr lang="en-US" dirty="0" err="1" smtClean="0"/>
+              <a:t>hợp</a:t>
+            </a:r>
+            <a:r>
+              <a:rPr lang="en-US" dirty="0" smtClean="0"/>
+              <a:t> </a:t>
+            </a:r>
+            <a:r>
+              <a:rPr lang="en-US" dirty="0" err="1" smtClean="0"/>
+              <a:t>ngược</a:t>
+            </a:r>
+            <a:r>
+              <a:rPr lang="en-US" dirty="0" smtClean="0"/>
+              <a:t> </a:t>
+            </a:r>
+            <a:r>
+              <a:rPr lang="en-US" dirty="0" err="1" smtClean="0"/>
+              <a:t>lại</a:t>
+            </a:r>
+            <a:r>
+              <a:rPr lang="en-US" dirty="0" smtClean="0"/>
+              <a:t>.</a:t>
             </a:r>
           </a:p>
           <a:p>
             <a:pPr lvl="1"/>
             <a:r>
-              <a:rPr lang="en-US" smtClean="0"/>
-              <a:t>Thuật toán mã hóa tập các chuyển trạng thái</a:t>
-            </a:r>
-            <a:endParaRPr lang="en-US"/>
+              <a:rPr lang="en-US" dirty="0" err="1"/>
+              <a:t>Loại</a:t>
+            </a:r>
+            <a:r>
+              <a:rPr lang="en-US" dirty="0"/>
+              <a:t> </a:t>
+            </a:r>
+            <a:r>
+              <a:rPr lang="en-US" dirty="0" err="1"/>
+              <a:t>câu</a:t>
+            </a:r>
+            <a:r>
+              <a:rPr lang="en-US" dirty="0"/>
+              <a:t> </a:t>
+            </a:r>
+            <a:r>
+              <a:rPr lang="en-US" dirty="0" err="1"/>
+              <a:t>hỏi</a:t>
+            </a:r>
+            <a:r>
+              <a:rPr lang="en-US" dirty="0"/>
+              <a:t> </a:t>
+            </a:r>
+            <a:r>
+              <a:rPr lang="en-US" dirty="0" err="1"/>
+              <a:t>truy</a:t>
+            </a:r>
+            <a:r>
+              <a:rPr lang="en-US" dirty="0"/>
+              <a:t> </a:t>
+            </a:r>
+            <a:r>
+              <a:rPr lang="en-US" dirty="0" err="1"/>
+              <a:t>vấn</a:t>
+            </a:r>
+            <a:r>
+              <a:rPr lang="en-US" dirty="0"/>
+              <a:t> </a:t>
+            </a:r>
+            <a:r>
+              <a:rPr lang="en-US" dirty="0" err="1"/>
+              <a:t>ứng</a:t>
+            </a:r>
+            <a:r>
+              <a:rPr lang="en-US" dirty="0"/>
+              <a:t> </a:t>
+            </a:r>
+            <a:r>
+              <a:rPr lang="en-US" dirty="0" err="1"/>
+              <a:t>viên</a:t>
+            </a:r>
+            <a:r>
+              <a:rPr lang="en-US" dirty="0"/>
+              <a:t> MEM(µ</a:t>
+            </a:r>
+            <a:r>
+              <a:rPr lang="en-US" dirty="0" smtClean="0"/>
+              <a:t>, µ</a:t>
+            </a:r>
+            <a:r>
+              <a:rPr lang="en-US" baseline="30000" dirty="0" smtClean="0"/>
+              <a:t>’</a:t>
+            </a:r>
+            <a:r>
+              <a:rPr lang="en-US" dirty="0" smtClean="0"/>
+              <a:t>): </a:t>
+            </a:r>
+            <a:r>
+              <a:rPr lang="en-US" dirty="0" err="1" smtClean="0"/>
+              <a:t>Câu</a:t>
+            </a:r>
+            <a:r>
+              <a:rPr lang="en-US" dirty="0" smtClean="0"/>
+              <a:t> </a:t>
+            </a:r>
+            <a:r>
+              <a:rPr lang="en-US" dirty="0" err="1" smtClean="0"/>
+              <a:t>trả</a:t>
+            </a:r>
+            <a:r>
+              <a:rPr lang="en-US" dirty="0" smtClean="0"/>
+              <a:t> </a:t>
+            </a:r>
+            <a:r>
+              <a:rPr lang="en-US" dirty="0" err="1" smtClean="0"/>
+              <a:t>lời</a:t>
+            </a:r>
+            <a:r>
+              <a:rPr lang="en-US" dirty="0" smtClean="0"/>
+              <a:t> </a:t>
+            </a:r>
+            <a:r>
+              <a:rPr lang="en-US" dirty="0" err="1" smtClean="0"/>
+              <a:t>là</a:t>
+            </a:r>
+            <a:r>
+              <a:rPr lang="en-US" dirty="0" smtClean="0"/>
+              <a:t> </a:t>
+            </a:r>
+            <a:r>
+              <a:rPr lang="en-US" dirty="0" err="1" smtClean="0"/>
+              <a:t>là</a:t>
+            </a:r>
+            <a:r>
+              <a:rPr lang="en-US" dirty="0" smtClean="0"/>
+              <a:t> YES </a:t>
+            </a:r>
+            <a:r>
+              <a:rPr lang="en-US" dirty="0" err="1" smtClean="0"/>
+              <a:t>nếu</a:t>
+            </a:r>
+            <a:r>
+              <a:rPr lang="en-US" dirty="0" smtClean="0"/>
+              <a:t> ι</a:t>
+            </a:r>
+            <a:r>
+              <a:rPr lang="en-US" baseline="-25000" dirty="0" smtClean="0"/>
+              <a:t>1</a:t>
+            </a:r>
+            <a:r>
+              <a:rPr lang="en-US" dirty="0" smtClean="0"/>
+              <a:t>[µ, µ’] = T </a:t>
+            </a:r>
+            <a:r>
+              <a:rPr lang="en-US" dirty="0" err="1" smtClean="0"/>
+              <a:t>và</a:t>
+            </a:r>
+            <a:r>
+              <a:rPr lang="en-US" dirty="0" smtClean="0"/>
+              <a:t> NO </a:t>
+            </a:r>
+            <a:r>
+              <a:rPr lang="en-US" dirty="0" err="1" smtClean="0"/>
+              <a:t>cho</a:t>
+            </a:r>
+            <a:r>
+              <a:rPr lang="en-US" dirty="0" smtClean="0"/>
+              <a:t> </a:t>
+            </a:r>
+            <a:r>
+              <a:rPr lang="en-US" dirty="0" err="1" smtClean="0"/>
+              <a:t>trường</a:t>
+            </a:r>
+            <a:r>
+              <a:rPr lang="en-US" dirty="0" smtClean="0"/>
+              <a:t> </a:t>
+            </a:r>
+            <a:r>
+              <a:rPr lang="en-US" dirty="0" err="1" smtClean="0"/>
+              <a:t>hợp</a:t>
+            </a:r>
+            <a:r>
+              <a:rPr lang="en-US" dirty="0" smtClean="0"/>
+              <a:t> </a:t>
+            </a:r>
+            <a:r>
+              <a:rPr lang="en-US" dirty="0" err="1" smtClean="0"/>
+              <a:t>ngược</a:t>
+            </a:r>
+            <a:r>
+              <a:rPr lang="en-US" dirty="0" smtClean="0"/>
+              <a:t> </a:t>
+            </a:r>
+            <a:r>
+              <a:rPr lang="en-US" dirty="0" err="1" smtClean="0"/>
+              <a:t>lại</a:t>
+            </a:r>
+            <a:r>
+              <a:rPr lang="en-US" dirty="0" smtClean="0"/>
+              <a:t>.</a:t>
+            </a:r>
+          </a:p>
+          <a:p>
+            <a:pPr lvl="1"/>
+            <a:r>
+              <a:rPr lang="en-US" dirty="0" err="1"/>
+              <a:t>Loại</a:t>
+            </a:r>
+            <a:r>
+              <a:rPr lang="en-US" dirty="0"/>
+              <a:t> </a:t>
+            </a:r>
+            <a:r>
+              <a:rPr lang="en-US" dirty="0" err="1"/>
+              <a:t>câu</a:t>
+            </a:r>
+            <a:r>
+              <a:rPr lang="en-US" dirty="0"/>
+              <a:t> </a:t>
+            </a:r>
+            <a:r>
+              <a:rPr lang="en-US" dirty="0" err="1"/>
+              <a:t>hỏi</a:t>
+            </a:r>
+            <a:r>
+              <a:rPr lang="en-US" dirty="0"/>
+              <a:t> </a:t>
+            </a:r>
+            <a:r>
+              <a:rPr lang="en-US" dirty="0" err="1"/>
+              <a:t>truy</a:t>
+            </a:r>
+            <a:r>
+              <a:rPr lang="en-US" dirty="0"/>
+              <a:t> </a:t>
+            </a:r>
+            <a:r>
+              <a:rPr lang="en-US" dirty="0" err="1"/>
+              <a:t>vấn</a:t>
+            </a:r>
+            <a:r>
+              <a:rPr lang="en-US" dirty="0"/>
+              <a:t> </a:t>
+            </a:r>
+            <a:r>
+              <a:rPr lang="en-US" dirty="0" err="1"/>
+              <a:t>tương</a:t>
+            </a:r>
+            <a:r>
+              <a:rPr lang="en-US" dirty="0"/>
+              <a:t> </a:t>
+            </a:r>
+            <a:r>
+              <a:rPr lang="en-US" dirty="0" err="1"/>
+              <a:t>đương</a:t>
+            </a:r>
+            <a:r>
+              <a:rPr lang="en-US" dirty="0"/>
+              <a:t> EQ(ι</a:t>
+            </a:r>
+            <a:r>
+              <a:rPr lang="en-US" dirty="0" smtClean="0"/>
+              <a:t>): </a:t>
+            </a:r>
+            <a:r>
+              <a:rPr lang="en-US" dirty="0" err="1"/>
+              <a:t>Câu</a:t>
+            </a:r>
+            <a:r>
+              <a:rPr lang="en-US" dirty="0"/>
+              <a:t> </a:t>
+            </a:r>
+            <a:r>
+              <a:rPr lang="en-US" dirty="0" err="1"/>
+              <a:t>trả</a:t>
+            </a:r>
+            <a:r>
+              <a:rPr lang="en-US" dirty="0"/>
+              <a:t> </a:t>
+            </a:r>
+            <a:r>
+              <a:rPr lang="en-US" dirty="0" err="1"/>
+              <a:t>lời</a:t>
+            </a:r>
+            <a:r>
+              <a:rPr lang="en-US" dirty="0"/>
+              <a:t> </a:t>
+            </a:r>
+            <a:r>
+              <a:rPr lang="en-US" dirty="0" err="1"/>
+              <a:t>là</a:t>
+            </a:r>
+            <a:r>
+              <a:rPr lang="en-US" dirty="0"/>
+              <a:t> </a:t>
+            </a:r>
+            <a:r>
+              <a:rPr lang="en-US" dirty="0" err="1"/>
+              <a:t>là</a:t>
+            </a:r>
+            <a:r>
+              <a:rPr lang="en-US" dirty="0"/>
+              <a:t> YES </a:t>
+            </a:r>
+            <a:r>
+              <a:rPr lang="en-US" dirty="0" err="1"/>
+              <a:t>nếu</a:t>
+            </a:r>
+            <a:r>
+              <a:rPr lang="en-US" dirty="0"/>
+              <a:t> ι</a:t>
+            </a:r>
+            <a:r>
+              <a:rPr lang="en-US" baseline="-25000" dirty="0"/>
+              <a:t>1</a:t>
+            </a:r>
+            <a:r>
+              <a:rPr lang="en-US" dirty="0"/>
+              <a:t>[µ, µ’] = T </a:t>
+            </a:r>
+            <a:r>
+              <a:rPr lang="en-US" dirty="0" err="1"/>
+              <a:t>và</a:t>
+            </a:r>
+            <a:r>
+              <a:rPr lang="en-US" dirty="0"/>
+              <a:t> NO </a:t>
+            </a:r>
+            <a:r>
+              <a:rPr lang="en-US" dirty="0" smtClean="0"/>
+              <a:t>+ </a:t>
+            </a:r>
+            <a:r>
+              <a:rPr lang="en-US" dirty="0" err="1" smtClean="0"/>
+              <a:t>phản</a:t>
+            </a:r>
+            <a:r>
+              <a:rPr lang="en-US" dirty="0" smtClean="0"/>
+              <a:t> </a:t>
+            </a:r>
+            <a:r>
+              <a:rPr lang="en-US" dirty="0" err="1" smtClean="0"/>
+              <a:t>ví</a:t>
+            </a:r>
+            <a:r>
+              <a:rPr lang="en-US" dirty="0" smtClean="0"/>
+              <a:t> </a:t>
+            </a:r>
+            <a:r>
+              <a:rPr lang="en-US" dirty="0" err="1" smtClean="0"/>
+              <a:t>dụ</a:t>
+            </a:r>
+            <a:r>
+              <a:rPr lang="en-US" dirty="0" smtClean="0"/>
+              <a:t> </a:t>
+            </a:r>
+            <a:r>
+              <a:rPr lang="en-US" dirty="0" err="1" smtClean="0"/>
+              <a:t>cho</a:t>
+            </a:r>
+            <a:r>
+              <a:rPr lang="en-US" dirty="0" smtClean="0"/>
+              <a:t> </a:t>
+            </a:r>
+            <a:r>
+              <a:rPr lang="en-US" dirty="0" err="1"/>
+              <a:t>trường</a:t>
+            </a:r>
+            <a:r>
+              <a:rPr lang="en-US" dirty="0"/>
+              <a:t> </a:t>
+            </a:r>
+            <a:r>
+              <a:rPr lang="en-US" dirty="0" err="1"/>
+              <a:t>hợp</a:t>
+            </a:r>
+            <a:r>
+              <a:rPr lang="en-US" dirty="0"/>
+              <a:t> </a:t>
+            </a:r>
+            <a:r>
+              <a:rPr lang="en-US" dirty="0" err="1"/>
+              <a:t>ngược</a:t>
+            </a:r>
+            <a:r>
+              <a:rPr lang="en-US" dirty="0"/>
+              <a:t> </a:t>
+            </a:r>
+            <a:r>
+              <a:rPr lang="en-US" dirty="0" err="1"/>
+              <a:t>lại</a:t>
+            </a:r>
+            <a:r>
+              <a:rPr lang="en-US" dirty="0" smtClean="0"/>
+              <a:t>.</a:t>
+            </a:r>
+          </a:p>
+          <a:p>
+            <a:pPr lvl="1"/>
+            <a:r>
+              <a:rPr lang="en-US" dirty="0" err="1"/>
+              <a:t>Loại</a:t>
+            </a:r>
+            <a:r>
+              <a:rPr lang="en-US" dirty="0"/>
+              <a:t> </a:t>
+            </a:r>
+            <a:r>
+              <a:rPr lang="en-US" dirty="0" err="1"/>
+              <a:t>câu</a:t>
+            </a:r>
+            <a:r>
+              <a:rPr lang="en-US" dirty="0"/>
+              <a:t> </a:t>
+            </a:r>
+            <a:r>
+              <a:rPr lang="en-US" dirty="0" err="1"/>
+              <a:t>hỏi</a:t>
+            </a:r>
+            <a:r>
+              <a:rPr lang="en-US" dirty="0"/>
+              <a:t> </a:t>
+            </a:r>
+            <a:r>
+              <a:rPr lang="en-US" dirty="0" err="1"/>
+              <a:t>truy</a:t>
+            </a:r>
+            <a:r>
+              <a:rPr lang="en-US" dirty="0"/>
+              <a:t> </a:t>
+            </a:r>
+            <a:r>
+              <a:rPr lang="en-US" dirty="0" err="1"/>
+              <a:t>vấn</a:t>
+            </a:r>
+            <a:r>
+              <a:rPr lang="en-US" dirty="0"/>
+              <a:t> </a:t>
+            </a:r>
+            <a:r>
+              <a:rPr lang="en-US" dirty="0" err="1"/>
+              <a:t>tương</a:t>
+            </a:r>
+            <a:r>
+              <a:rPr lang="en-US" dirty="0"/>
+              <a:t> </a:t>
+            </a:r>
+            <a:r>
+              <a:rPr lang="en-US" dirty="0" err="1"/>
+              <a:t>đương</a:t>
+            </a:r>
+            <a:r>
+              <a:rPr lang="en-US" dirty="0"/>
+              <a:t> EQ(τ): </a:t>
+            </a:r>
+            <a:r>
+              <a:rPr lang="en-US" dirty="0" err="1"/>
+              <a:t>Câu</a:t>
+            </a:r>
+            <a:r>
+              <a:rPr lang="en-US" dirty="0"/>
+              <a:t> </a:t>
+            </a:r>
+            <a:r>
+              <a:rPr lang="en-US" dirty="0" err="1"/>
+              <a:t>trả</a:t>
+            </a:r>
+            <a:r>
+              <a:rPr lang="en-US" dirty="0"/>
+              <a:t> </a:t>
+            </a:r>
+            <a:r>
+              <a:rPr lang="en-US" dirty="0" err="1"/>
+              <a:t>lời</a:t>
+            </a:r>
+            <a:r>
+              <a:rPr lang="en-US" dirty="0"/>
+              <a:t> </a:t>
+            </a:r>
+            <a:r>
+              <a:rPr lang="en-US" dirty="0" err="1"/>
+              <a:t>là</a:t>
+            </a:r>
+            <a:r>
+              <a:rPr lang="en-US" dirty="0"/>
+              <a:t> </a:t>
+            </a:r>
+            <a:r>
+              <a:rPr lang="en-US" dirty="0" err="1"/>
+              <a:t>là</a:t>
+            </a:r>
+            <a:r>
+              <a:rPr lang="en-US" dirty="0"/>
+              <a:t> YES </a:t>
+            </a:r>
+            <a:r>
+              <a:rPr lang="en-US" dirty="0" err="1"/>
+              <a:t>nếu</a:t>
+            </a:r>
+            <a:r>
+              <a:rPr lang="en-US" dirty="0"/>
+              <a:t> </a:t>
+            </a:r>
+            <a:r>
+              <a:rPr lang="en-US" dirty="0" smtClean="0"/>
+              <a:t>τ</a:t>
+            </a:r>
+            <a:r>
+              <a:rPr lang="en-US" baseline="-25000" dirty="0" smtClean="0"/>
+              <a:t>1</a:t>
+            </a:r>
+            <a:r>
+              <a:rPr lang="en-US" dirty="0" smtClean="0"/>
+              <a:t>[µ</a:t>
+            </a:r>
+            <a:r>
+              <a:rPr lang="en-US" dirty="0"/>
+              <a:t>, µ’] = T </a:t>
+            </a:r>
+            <a:r>
+              <a:rPr lang="en-US" dirty="0" err="1"/>
+              <a:t>và</a:t>
+            </a:r>
+            <a:r>
+              <a:rPr lang="en-US" dirty="0"/>
+              <a:t> NO </a:t>
+            </a:r>
+            <a:r>
+              <a:rPr lang="en-US" dirty="0" smtClean="0"/>
+              <a:t>+ </a:t>
+            </a:r>
+            <a:r>
+              <a:rPr lang="en-US" dirty="0" err="1" smtClean="0"/>
+              <a:t>phản</a:t>
+            </a:r>
+            <a:r>
+              <a:rPr lang="en-US" dirty="0" smtClean="0"/>
+              <a:t> </a:t>
+            </a:r>
+            <a:r>
+              <a:rPr lang="en-US" dirty="0" err="1" smtClean="0"/>
+              <a:t>ví</a:t>
+            </a:r>
+            <a:r>
+              <a:rPr lang="en-US" dirty="0" smtClean="0"/>
+              <a:t> </a:t>
+            </a:r>
+            <a:r>
+              <a:rPr lang="en-US" dirty="0" err="1" smtClean="0"/>
+              <a:t>dụ</a:t>
+            </a:r>
+            <a:r>
+              <a:rPr lang="en-US" dirty="0" smtClean="0"/>
+              <a:t> </a:t>
+            </a:r>
+            <a:r>
+              <a:rPr lang="en-US" dirty="0" err="1" smtClean="0"/>
+              <a:t>cho</a:t>
+            </a:r>
+            <a:r>
+              <a:rPr lang="en-US" dirty="0" smtClean="0"/>
+              <a:t> </a:t>
+            </a:r>
+            <a:r>
+              <a:rPr lang="en-US" dirty="0" err="1"/>
+              <a:t>trường</a:t>
+            </a:r>
+            <a:r>
+              <a:rPr lang="en-US" dirty="0"/>
+              <a:t> </a:t>
+            </a:r>
+            <a:r>
+              <a:rPr lang="en-US" dirty="0" err="1"/>
+              <a:t>hợp</a:t>
+            </a:r>
+            <a:r>
+              <a:rPr lang="en-US" dirty="0"/>
+              <a:t> </a:t>
+            </a:r>
+            <a:r>
+              <a:rPr lang="en-US" dirty="0" err="1"/>
+              <a:t>ngược</a:t>
+            </a:r>
+            <a:r>
+              <a:rPr lang="en-US" dirty="0"/>
+              <a:t> </a:t>
+            </a:r>
+            <a:r>
+              <a:rPr lang="en-US" dirty="0" err="1"/>
+              <a:t>lại</a:t>
+            </a:r>
+            <a:r>
+              <a:rPr lang="en-US" dirty="0" smtClean="0"/>
+              <a:t>.</a:t>
+            </a:r>
+            <a:endParaRPr lang="en-US" dirty="0"/>
           </a:p>
         </p:txBody>
       </p:sp>
@@ -7152,20 +13281,13 @@
     </p:spTree>
     <p:extLst>
       <p:ext uri="{BB962C8B-B14F-4D97-AF65-F5344CB8AC3E}">
-        <p14:creationId xmlns:p14="http://schemas.microsoft.com/office/powerpoint/2010/main" val="1785046595"/>
+        <p14:creationId xmlns:p14="http://schemas.microsoft.com/office/powerpoint/2010/main" val="807542300"/>
       </p:ext>
     </p:extLst>
   </p:cSld>
   <p:clrMapOvr>
     <a:masterClrMapping/>
   </p:clrMapOvr>
-  <p:timing>
-    <p:tnLst>
-      <p:par>
-        <p:cTn id="1" dur="indefinite" restart="never" nodeType="tmRoot"/>
-      </p:par>
-    </p:tnLst>
-  </p:timing>
 </p:sld>
 </file>
 
